--- a/Text/Хорунженко_презентация_4_сем.pptx
+++ b/Text/Хорунженко_презентация_4_сем.pptx
@@ -225,7 +225,7 @@
           <a:p>
             <a:fld id="{81248907-F516-46AB-BD86-AD7F77155939}" type="datetimeFigureOut">
               <a:rPr lang="en-US" smtClean="0"/>
-              <a:t>5/23/2024</a:t>
+              <a:t>5/26/2024</a:t>
             </a:fld>
             <a:endParaRPr lang="en-US"/>
           </a:p>
@@ -1092,7 +1092,7 @@
           <a:p>
             <a:fld id="{2977B670-CD6F-44BD-91AC-635F81E02A72}" type="datetimeFigureOut">
               <a:rPr lang="en-US" smtClean="0"/>
-              <a:t>5/23/2024</a:t>
+              <a:t>5/26/2024</a:t>
             </a:fld>
             <a:endParaRPr lang="en-US"/>
           </a:p>
@@ -1290,7 +1290,7 @@
           <a:p>
             <a:fld id="{2977B670-CD6F-44BD-91AC-635F81E02A72}" type="datetimeFigureOut">
               <a:rPr lang="en-US" smtClean="0"/>
-              <a:t>5/23/2024</a:t>
+              <a:t>5/26/2024</a:t>
             </a:fld>
             <a:endParaRPr lang="en-US"/>
           </a:p>
@@ -1498,7 +1498,7 @@
           <a:p>
             <a:fld id="{2977B670-CD6F-44BD-91AC-635F81E02A72}" type="datetimeFigureOut">
               <a:rPr lang="en-US" smtClean="0"/>
-              <a:t>5/23/2024</a:t>
+              <a:t>5/26/2024</a:t>
             </a:fld>
             <a:endParaRPr lang="en-US"/>
           </a:p>
@@ -1696,7 +1696,7 @@
           <a:p>
             <a:fld id="{2977B670-CD6F-44BD-91AC-635F81E02A72}" type="datetimeFigureOut">
               <a:rPr lang="en-US" smtClean="0"/>
-              <a:t>5/23/2024</a:t>
+              <a:t>5/26/2024</a:t>
             </a:fld>
             <a:endParaRPr lang="en-US"/>
           </a:p>
@@ -1971,7 +1971,7 @@
           <a:p>
             <a:fld id="{2977B670-CD6F-44BD-91AC-635F81E02A72}" type="datetimeFigureOut">
               <a:rPr lang="en-US" smtClean="0"/>
-              <a:t>5/23/2024</a:t>
+              <a:t>5/26/2024</a:t>
             </a:fld>
             <a:endParaRPr lang="en-US"/>
           </a:p>
@@ -2236,7 +2236,7 @@
           <a:p>
             <a:fld id="{2977B670-CD6F-44BD-91AC-635F81E02A72}" type="datetimeFigureOut">
               <a:rPr lang="en-US" smtClean="0"/>
-              <a:t>5/23/2024</a:t>
+              <a:t>5/26/2024</a:t>
             </a:fld>
             <a:endParaRPr lang="en-US"/>
           </a:p>
@@ -2648,7 +2648,7 @@
           <a:p>
             <a:fld id="{2977B670-CD6F-44BD-91AC-635F81E02A72}" type="datetimeFigureOut">
               <a:rPr lang="en-US" smtClean="0"/>
-              <a:t>5/23/2024</a:t>
+              <a:t>5/26/2024</a:t>
             </a:fld>
             <a:endParaRPr lang="en-US"/>
           </a:p>
@@ -2789,7 +2789,7 @@
           <a:p>
             <a:fld id="{2977B670-CD6F-44BD-91AC-635F81E02A72}" type="datetimeFigureOut">
               <a:rPr lang="en-US" smtClean="0"/>
-              <a:t>5/23/2024</a:t>
+              <a:t>5/26/2024</a:t>
             </a:fld>
             <a:endParaRPr lang="en-US"/>
           </a:p>
@@ -2902,7 +2902,7 @@
           <a:p>
             <a:fld id="{2977B670-CD6F-44BD-91AC-635F81E02A72}" type="datetimeFigureOut">
               <a:rPr lang="en-US" smtClean="0"/>
-              <a:t>5/23/2024</a:t>
+              <a:t>5/26/2024</a:t>
             </a:fld>
             <a:endParaRPr lang="en-US"/>
           </a:p>
@@ -3213,7 +3213,7 @@
           <a:p>
             <a:fld id="{2977B670-CD6F-44BD-91AC-635F81E02A72}" type="datetimeFigureOut">
               <a:rPr lang="en-US" smtClean="0"/>
-              <a:t>5/23/2024</a:t>
+              <a:t>5/26/2024</a:t>
             </a:fld>
             <a:endParaRPr lang="en-US"/>
           </a:p>
@@ -3501,7 +3501,7 @@
           <a:p>
             <a:fld id="{2977B670-CD6F-44BD-91AC-635F81E02A72}" type="datetimeFigureOut">
               <a:rPr lang="en-US" smtClean="0"/>
-              <a:t>5/23/2024</a:t>
+              <a:t>5/26/2024</a:t>
             </a:fld>
             <a:endParaRPr lang="en-US"/>
           </a:p>
@@ -3742,7 +3742,7 @@
           <a:p>
             <a:fld id="{2977B670-CD6F-44BD-91AC-635F81E02A72}" type="datetimeFigureOut">
               <a:rPr lang="en-US" smtClean="0"/>
-              <a:t>5/23/2024</a:t>
+              <a:t>5/26/2024</a:t>
             </a:fld>
             <a:endParaRPr lang="en-US"/>
           </a:p>
@@ -4193,7 +4193,7 @@
                 <a:latin typeface="Times New Roman" panose="02020603050405020304" pitchFamily="18" charset="0"/>
                 <a:ea typeface="Calibri" panose="020F0502020204030204" pitchFamily="34" charset="0"/>
               </a:rPr>
-              <a:t>Анализ эффективности нейронны</a:t>
+              <a:t>Анализ эффективности применения нейронны</a:t>
             </a:r>
             <a:r>
               <a:rPr lang="ru-RU" sz="3400" b="1" dirty="0">
@@ -6389,8 +6389,8 @@
         </p:nvSpPr>
         <p:spPr>
           <a:xfrm>
-            <a:off x="92362" y="587229"/>
-            <a:ext cx="11927861" cy="3700626"/>
+            <a:off x="496389" y="587229"/>
+            <a:ext cx="11523834" cy="3700626"/>
           </a:xfrm>
         </p:spPr>
         <p:txBody>
@@ -6400,6 +6400,9 @@
           <a:lstStyle/>
           <a:p>
             <a:pPr marL="0" indent="0">
+              <a:spcBef>
+                <a:spcPts val="500"/>
+              </a:spcBef>
               <a:buNone/>
             </a:pPr>
             <a:r>
@@ -6410,12 +6413,24 @@
               <a:t>Для каждого набора данных был проведён статистический анализ</a:t>
             </a:r>
             <a:r>
-              <a:rPr lang="en-US" sz="2700" dirty="0">
+              <a:rPr lang="en-US" sz="2700">
                 <a:latin typeface="Times New Roman" panose="02020603050405020304" pitchFamily="18" charset="0"/>
                 <a:cs typeface="Times New Roman" panose="02020603050405020304" pitchFamily="18" charset="0"/>
               </a:rPr>
               <a:t>. </a:t>
             </a:r>
+            <a:endParaRPr lang="ru-RU" sz="2700">
+              <a:latin typeface="Times New Roman" panose="02020603050405020304" pitchFamily="18" charset="0"/>
+              <a:cs typeface="Times New Roman" panose="02020603050405020304" pitchFamily="18" charset="0"/>
+            </a:endParaRPr>
+          </a:p>
+          <a:p>
+            <a:pPr marL="0" indent="0">
+              <a:spcBef>
+                <a:spcPts val="500"/>
+              </a:spcBef>
+              <a:buNone/>
+            </a:pPr>
             <a:r>
               <a:rPr lang="ru-RU" sz="2700" dirty="0">
                 <a:latin typeface="Times New Roman" panose="02020603050405020304" pitchFamily="18" charset="0"/>
@@ -6457,66 +6472,39 @@
               <a:buNone/>
             </a:pPr>
             <a:r>
-              <a:rPr lang="ru-RU" sz="1600" dirty="0">
-                <a:latin typeface="Times New Roman" panose="02020603050405020304" pitchFamily="18" charset="0"/>
-                <a:cs typeface="Times New Roman" panose="02020603050405020304" pitchFamily="18" charset="0"/>
-              </a:rPr>
+              <a:rPr lang="ru-RU" sz="1700" dirty="0"/>
               <a:t>Сравнение показателей среднего арифметического (</a:t>
             </a:r>
             <a:r>
-              <a:rPr lang="ru-RU" sz="1600" dirty="0" err="1">
-                <a:latin typeface="Times New Roman" panose="02020603050405020304" pitchFamily="18" charset="0"/>
-                <a:cs typeface="Times New Roman" panose="02020603050405020304" pitchFamily="18" charset="0"/>
-              </a:rPr>
+              <a:rPr lang="ru-RU" sz="1700" dirty="0" err="1"/>
               <a:t>mean</a:t>
             </a:r>
             <a:r>
-              <a:rPr lang="ru-RU" sz="1600" dirty="0">
-                <a:latin typeface="Times New Roman" panose="02020603050405020304" pitchFamily="18" charset="0"/>
-                <a:cs typeface="Times New Roman" panose="02020603050405020304" pitchFamily="18" charset="0"/>
-              </a:rPr>
+              <a:rPr lang="ru-RU" sz="1700" dirty="0"/>
               <a:t>) и медианы (</a:t>
             </a:r>
             <a:r>
-              <a:rPr lang="ru-RU" sz="1600" dirty="0" err="1">
-                <a:latin typeface="Times New Roman" panose="02020603050405020304" pitchFamily="18" charset="0"/>
-                <a:cs typeface="Times New Roman" panose="02020603050405020304" pitchFamily="18" charset="0"/>
-              </a:rPr>
+              <a:rPr lang="ru-RU" sz="1700" dirty="0" err="1"/>
               <a:t>median</a:t>
             </a:r>
             <a:r>
-              <a:rPr lang="ru-RU" sz="1600" dirty="0">
-                <a:latin typeface="Times New Roman" panose="02020603050405020304" pitchFamily="18" charset="0"/>
-                <a:cs typeface="Times New Roman" panose="02020603050405020304" pitchFamily="18" charset="0"/>
-              </a:rPr>
+              <a:rPr lang="ru-RU" sz="1700" dirty="0"/>
               <a:t>) свидетельствует о правосторонней асимметрии (т.к. </a:t>
             </a:r>
             <a:r>
-              <a:rPr lang="ru-RU" sz="1600" dirty="0" err="1">
-                <a:latin typeface="Times New Roman" panose="02020603050405020304" pitchFamily="18" charset="0"/>
-                <a:cs typeface="Times New Roman" panose="02020603050405020304" pitchFamily="18" charset="0"/>
-              </a:rPr>
+              <a:rPr lang="ru-RU" sz="1700" dirty="0" err="1"/>
               <a:t>mean</a:t>
             </a:r>
             <a:r>
-              <a:rPr lang="ru-RU" sz="1600" dirty="0">
-                <a:latin typeface="Times New Roman" panose="02020603050405020304" pitchFamily="18" charset="0"/>
-                <a:cs typeface="Times New Roman" panose="02020603050405020304" pitchFamily="18" charset="0"/>
-              </a:rPr>
+              <a:rPr lang="ru-RU" sz="1700" dirty="0"/>
               <a:t> &gt; </a:t>
             </a:r>
             <a:r>
-              <a:rPr lang="ru-RU" sz="1600" dirty="0" err="1">
-                <a:latin typeface="Times New Roman" panose="02020603050405020304" pitchFamily="18" charset="0"/>
-                <a:cs typeface="Times New Roman" panose="02020603050405020304" pitchFamily="18" charset="0"/>
-              </a:rPr>
+              <a:rPr lang="ru-RU" sz="1700" dirty="0" err="1"/>
               <a:t>median</a:t>
             </a:r>
             <a:r>
-              <a:rPr lang="ru-RU" sz="1600" dirty="0">
-                <a:latin typeface="Times New Roman" panose="02020603050405020304" pitchFamily="18" charset="0"/>
-                <a:cs typeface="Times New Roman" panose="02020603050405020304" pitchFamily="18" charset="0"/>
-              </a:rPr>
+              <a:rPr lang="ru-RU" sz="1700" dirty="0"/>
               <a:t>);</a:t>
             </a:r>
           </a:p>
@@ -6528,24 +6516,15 @@
               <a:buNone/>
             </a:pPr>
             <a:r>
-              <a:rPr lang="ru-RU" sz="1600" dirty="0">
-                <a:latin typeface="Times New Roman" panose="02020603050405020304" pitchFamily="18" charset="0"/>
-                <a:cs typeface="Times New Roman" panose="02020603050405020304" pitchFamily="18" charset="0"/>
-              </a:rPr>
+              <a:rPr lang="ru-RU" sz="1700" dirty="0"/>
               <a:t>Значение коэффициента вариации свидетельствует об однородности исходных данных (CV = 0.14</a:t>
             </a:r>
             <a:r>
-              <a:rPr lang="en-US" sz="1600" dirty="0">
-                <a:latin typeface="Times New Roman" panose="02020603050405020304" pitchFamily="18" charset="0"/>
-                <a:cs typeface="Times New Roman" panose="02020603050405020304" pitchFamily="18" charset="0"/>
-              </a:rPr>
+              <a:rPr lang="en-US" sz="1700" dirty="0"/>
               <a:t>6</a:t>
             </a:r>
             <a:r>
-              <a:rPr lang="ru-RU" sz="1600" dirty="0">
-                <a:latin typeface="Times New Roman" panose="02020603050405020304" pitchFamily="18" charset="0"/>
-                <a:cs typeface="Times New Roman" panose="02020603050405020304" pitchFamily="18" charset="0"/>
-              </a:rPr>
+              <a:rPr lang="ru-RU" sz="1700" dirty="0"/>
               <a:t> &lt; 0.33);</a:t>
             </a:r>
           </a:p>
@@ -6557,38 +6536,23 @@
               <a:buNone/>
             </a:pPr>
             <a:r>
-              <a:rPr lang="ru-RU" sz="1600" dirty="0">
-                <a:latin typeface="Times New Roman" panose="02020603050405020304" pitchFamily="18" charset="0"/>
-                <a:cs typeface="Times New Roman" panose="02020603050405020304" pitchFamily="18" charset="0"/>
-              </a:rPr>
+              <a:rPr lang="ru-RU" sz="1700" dirty="0"/>
               <a:t>Значение показателя асимметрии skew (As) свидетельствует о</a:t>
             </a:r>
             <a:r>
-              <a:rPr lang="en-US" sz="1600" dirty="0">
-                <a:latin typeface="Times New Roman" panose="02020603050405020304" pitchFamily="18" charset="0"/>
-                <a:cs typeface="Times New Roman" panose="02020603050405020304" pitchFamily="18" charset="0"/>
-              </a:rPr>
+              <a:rPr lang="en-US" sz="1700" dirty="0"/>
               <a:t> </a:t>
             </a:r>
             <a:r>
-              <a:rPr lang="ru-RU" sz="1600" dirty="0">
-                <a:latin typeface="Times New Roman" panose="02020603050405020304" pitchFamily="18" charset="0"/>
-                <a:cs typeface="Times New Roman" panose="02020603050405020304" pitchFamily="18" charset="0"/>
-              </a:rPr>
+              <a:rPr lang="ru-RU" sz="1700" dirty="0"/>
               <a:t>значительной правосторонней асимметрии (As = 0.57, |As| </a:t>
             </a:r>
             <a:r>
-              <a:rPr lang="en-US" sz="1600" dirty="0">
-                <a:latin typeface="Times New Roman" panose="02020603050405020304" pitchFamily="18" charset="0"/>
-                <a:cs typeface="Times New Roman" panose="02020603050405020304" pitchFamily="18" charset="0"/>
-              </a:rPr>
+              <a:rPr lang="en-US" sz="1700" dirty="0"/>
               <a:t>&gt;</a:t>
             </a:r>
             <a:r>
-              <a:rPr lang="ru-RU" sz="1600" dirty="0">
-                <a:latin typeface="Times New Roman" panose="02020603050405020304" pitchFamily="18" charset="0"/>
-                <a:cs typeface="Times New Roman" panose="02020603050405020304" pitchFamily="18" charset="0"/>
-              </a:rPr>
+              <a:rPr lang="ru-RU" sz="1700" dirty="0"/>
               <a:t> 0.5, As &gt; 0);</a:t>
             </a:r>
           </a:p>
@@ -6600,24 +6564,15 @@
               <a:buNone/>
             </a:pPr>
             <a:r>
-              <a:rPr lang="ru-RU" sz="1600" dirty="0">
-                <a:latin typeface="Times New Roman" panose="02020603050405020304" pitchFamily="18" charset="0"/>
-                <a:cs typeface="Times New Roman" panose="02020603050405020304" pitchFamily="18" charset="0"/>
-              </a:rPr>
+              <a:rPr lang="ru-RU" sz="1700" dirty="0"/>
               <a:t>Значение показателя эксцесса (Es) свидетельствует  о плосковершинном распределении (Es = -0.</a:t>
             </a:r>
             <a:r>
-              <a:rPr lang="en-US" sz="1600" dirty="0">
-                <a:latin typeface="Times New Roman" panose="02020603050405020304" pitchFamily="18" charset="0"/>
-                <a:cs typeface="Times New Roman" panose="02020603050405020304" pitchFamily="18" charset="0"/>
-              </a:rPr>
+              <a:rPr lang="en-US" sz="1700" dirty="0"/>
               <a:t>502</a:t>
             </a:r>
             <a:r>
-              <a:rPr lang="ru-RU" sz="1600" dirty="0">
-                <a:latin typeface="Times New Roman" panose="02020603050405020304" pitchFamily="18" charset="0"/>
-                <a:cs typeface="Times New Roman" panose="02020603050405020304" pitchFamily="18" charset="0"/>
-              </a:rPr>
+              <a:rPr lang="ru-RU" sz="1700" dirty="0"/>
               <a:t>);</a:t>
             </a:r>
           </a:p>
@@ -6629,10 +6584,7 @@
               <a:buNone/>
             </a:pPr>
             <a:r>
-              <a:rPr lang="ru-RU" sz="1600" dirty="0">
-                <a:latin typeface="Times New Roman" panose="02020603050405020304" pitchFamily="18" charset="0"/>
-                <a:cs typeface="Times New Roman" panose="02020603050405020304" pitchFamily="18" charset="0"/>
-              </a:rPr>
+              <a:rPr lang="ru-RU" sz="1700" dirty="0"/>
               <a:t>Коробчатая диаграмма показывает отсутствие аномальных значений (выбросов) для всей совокупности.</a:t>
             </a:r>
           </a:p>
@@ -6644,16 +6596,10 @@
               <a:buNone/>
             </a:pPr>
             <a:r>
-              <a:rPr lang="ru-RU" sz="1600" dirty="0">
-                <a:latin typeface="Times New Roman" panose="02020603050405020304" pitchFamily="18" charset="0"/>
-                <a:cs typeface="Times New Roman" panose="02020603050405020304" pitchFamily="18" charset="0"/>
-              </a:rPr>
+              <a:rPr lang="ru-RU" sz="1700" dirty="0"/>
               <a:t>Вероятностные графики свидетельствует о том, что скорее всего закон распределения отличается от нормального.</a:t>
             </a:r>
-            <a:endParaRPr lang="en-US" sz="1600" dirty="0">
-              <a:latin typeface="Times New Roman" panose="02020603050405020304" pitchFamily="18" charset="0"/>
-              <a:cs typeface="Times New Roman" panose="02020603050405020304" pitchFamily="18" charset="0"/>
-            </a:endParaRPr>
+            <a:endParaRPr lang="en-US" sz="1700" dirty="0"/>
           </a:p>
         </p:txBody>
       </p:sp>
@@ -6948,13 +6894,13 @@
           <p:nvPr>
             <p:extLst>
               <p:ext uri="{D42A27DB-BD31-4B8C-83A1-F6EECF244321}">
-                <p14:modId xmlns:p14="http://schemas.microsoft.com/office/powerpoint/2010/main" val="3244825200"/>
+                <p14:modId xmlns:p14="http://schemas.microsoft.com/office/powerpoint/2010/main" val="972709838"/>
               </p:ext>
             </p:extLst>
           </p:nvPr>
         </p:nvGraphicFramePr>
         <p:xfrm>
-          <a:off x="343521" y="3654535"/>
+          <a:off x="307253" y="3805912"/>
           <a:ext cx="4399929" cy="2693698"/>
         </p:xfrm>
         <a:graphic>
@@ -8853,12 +8799,12 @@
                     <a:p>
                       <a:pPr algn="l" fontAlgn="t"/>
                       <a:r>
-                        <a:rPr lang="en-US" sz="500" u="none" strike="noStrike">
+                        <a:rPr lang="en-US" sz="500" u="none" strike="noStrike" dirty="0">
                           <a:effectLst/>
                         </a:rPr>
                         <a:t> </a:t>
                       </a:r>
-                      <a:endParaRPr lang="en-US" sz="500" b="0" i="0" u="none" strike="noStrike">
+                      <a:endParaRPr lang="en-US" sz="500" b="0" i="0" u="none" strike="noStrike" dirty="0">
                         <a:solidFill>
                           <a:srgbClr val="000000"/>
                         </a:solidFill>
@@ -9021,12 +8967,12 @@
                     <a:p>
                       <a:pPr algn="l" fontAlgn="t"/>
                       <a:r>
-                        <a:rPr lang="en-US" sz="500" u="none" strike="noStrike">
+                        <a:rPr lang="en-US" sz="500" u="none" strike="noStrike" dirty="0">
                           <a:effectLst/>
                         </a:rPr>
                         <a:t> </a:t>
                       </a:r>
-                      <a:endParaRPr lang="en-US" sz="500" b="0" i="0" u="none" strike="noStrike">
+                      <a:endParaRPr lang="en-US" sz="500" b="0" i="0" u="none" strike="noStrike" dirty="0">
                         <a:solidFill>
                           <a:srgbClr val="000000"/>
                         </a:solidFill>
@@ -9189,12 +9135,12 @@
                     <a:p>
                       <a:pPr algn="l" fontAlgn="t"/>
                       <a:r>
-                        <a:rPr lang="en-US" sz="500" u="none" strike="noStrike">
+                        <a:rPr lang="en-US" sz="500" u="none" strike="noStrike" dirty="0">
                           <a:effectLst/>
                         </a:rPr>
                         <a:t> </a:t>
                       </a:r>
-                      <a:endParaRPr lang="en-US" sz="500" b="0" i="0" u="none" strike="noStrike">
+                      <a:endParaRPr lang="en-US" sz="500" b="0" i="0" u="none" strike="noStrike" dirty="0">
                         <a:solidFill>
                           <a:srgbClr val="000000"/>
                         </a:solidFill>
@@ -9357,12 +9303,12 @@
                     <a:p>
                       <a:pPr algn="l" fontAlgn="t"/>
                       <a:r>
-                        <a:rPr lang="en-US" sz="500" u="none" strike="noStrike">
+                        <a:rPr lang="en-US" sz="500" u="none" strike="noStrike" dirty="0">
                           <a:effectLst/>
                         </a:rPr>
                         <a:t> </a:t>
                       </a:r>
-                      <a:endParaRPr lang="en-US" sz="500" b="0" i="0" u="none" strike="noStrike">
+                      <a:endParaRPr lang="en-US" sz="500" b="0" i="0" u="none" strike="noStrike" dirty="0">
                         <a:solidFill>
                           <a:srgbClr val="000000"/>
                         </a:solidFill>
@@ -10682,7 +10628,7 @@
         </p:blipFill>
         <p:spPr>
           <a:xfrm>
-            <a:off x="8020092" y="3753062"/>
+            <a:off x="8020091" y="3879145"/>
             <a:ext cx="4000132" cy="2547232"/>
           </a:xfrm>
           <a:prstGeom prst="rect">
@@ -10738,8 +10684,8 @@
         </p:nvSpPr>
         <p:spPr>
           <a:xfrm>
-            <a:off x="196820" y="963828"/>
-            <a:ext cx="11285934" cy="5307226"/>
+            <a:off x="621363" y="846261"/>
+            <a:ext cx="11285934" cy="5613321"/>
           </a:xfrm>
         </p:spPr>
         <p:txBody>
@@ -10748,7 +10694,10 @@
           </a:bodyPr>
           <a:lstStyle/>
           <a:p>
-            <a:pPr marL="0" indent="0">
+            <a:pPr marL="0" indent="0" algn="just">
+              <a:lnSpc>
+                <a:spcPct val="100000"/>
+              </a:lnSpc>
               <a:buNone/>
             </a:pPr>
             <a:r>
@@ -10760,7 +10709,10 @@
             </a:r>
           </a:p>
           <a:p>
-            <a:pPr marL="514350" indent="-514350">
+            <a:pPr marL="514350" indent="-514350" algn="just">
+              <a:lnSpc>
+                <a:spcPct val="100000"/>
+              </a:lnSpc>
               <a:buFont typeface="+mj-lt"/>
               <a:buAutoNum type="arabicPeriod"/>
             </a:pPr>
@@ -10773,7 +10725,10 @@
             </a:r>
           </a:p>
           <a:p>
-            <a:pPr marL="514350" indent="-514350">
+            <a:pPr marL="514350" indent="-514350" algn="just">
+              <a:lnSpc>
+                <a:spcPct val="100000"/>
+              </a:lnSpc>
               <a:buFont typeface="+mj-lt"/>
               <a:buAutoNum type="arabicPeriod"/>
             </a:pPr>
@@ -10786,7 +10741,10 @@
             </a:r>
           </a:p>
           <a:p>
-            <a:pPr marL="514350" indent="-514350">
+            <a:pPr marL="514350" indent="-514350" algn="just">
+              <a:lnSpc>
+                <a:spcPct val="100000"/>
+              </a:lnSpc>
               <a:buFont typeface="+mj-lt"/>
               <a:buAutoNum type="arabicPeriod"/>
             </a:pPr>
@@ -10799,7 +10757,10 @@
             </a:r>
           </a:p>
           <a:p>
-            <a:pPr marL="0" indent="0">
+            <a:pPr marL="0" indent="0" algn="just">
+              <a:lnSpc>
+                <a:spcPct val="100000"/>
+              </a:lnSpc>
               <a:buNone/>
             </a:pPr>
             <a:r>
@@ -13304,8 +13265,8 @@
         </p:nvSpPr>
         <p:spPr>
           <a:xfrm>
-            <a:off x="3121948" y="668023"/>
-            <a:ext cx="5948103" cy="369332"/>
+            <a:off x="2253268" y="638400"/>
+            <a:ext cx="9132308" cy="523220"/>
           </a:xfrm>
           <a:prstGeom prst="rect">
             <a:avLst/>
@@ -13319,18 +13280,30 @@
           <a:lstStyle/>
           <a:p>
             <a:r>
-              <a:rPr lang="ru-RU" dirty="0"/>
+              <a:rPr lang="ru-RU" sz="2800" dirty="0">
+                <a:latin typeface="Times New Roman" panose="02020603050405020304" pitchFamily="18" charset="0"/>
+                <a:cs typeface="Times New Roman" panose="02020603050405020304" pitchFamily="18" charset="0"/>
+              </a:rPr>
               <a:t>Прогноз </a:t>
             </a:r>
             <a:r>
-              <a:rPr lang="en-US" dirty="0"/>
+              <a:rPr lang="en-US" sz="2800" dirty="0">
+                <a:latin typeface="Times New Roman" panose="02020603050405020304" pitchFamily="18" charset="0"/>
+                <a:cs typeface="Times New Roman" panose="02020603050405020304" pitchFamily="18" charset="0"/>
+              </a:rPr>
               <a:t>S&amp;P500 </a:t>
             </a:r>
             <a:r>
-              <a:rPr lang="ru-RU" dirty="0"/>
+              <a:rPr lang="ru-RU" sz="2800" dirty="0">
+                <a:latin typeface="Times New Roman" panose="02020603050405020304" pitchFamily="18" charset="0"/>
+                <a:cs typeface="Times New Roman" panose="02020603050405020304" pitchFamily="18" charset="0"/>
+              </a:rPr>
               <a:t>для дневного датасета (первые 290 дней)</a:t>
             </a:r>
-            <a:endParaRPr lang="en-US" dirty="0"/>
+            <a:endParaRPr lang="en-US" sz="2800" dirty="0">
+              <a:latin typeface="Times New Roman" panose="02020603050405020304" pitchFamily="18" charset="0"/>
+              <a:cs typeface="Times New Roman" panose="02020603050405020304" pitchFamily="18" charset="0"/>
+            </a:endParaRPr>
           </a:p>
         </p:txBody>
       </p:sp>
@@ -13658,7 +13631,21 @@
                 <a:latin typeface="Times New Roman" panose="02020603050405020304" pitchFamily="18" charset="0"/>
                 <a:cs typeface="Times New Roman" panose="02020603050405020304" pitchFamily="18" charset="0"/>
               </a:rPr>
-              <a:t>Прогнозирование позволяет автоматизировать и оптимизировать процессы принятия решений на основе анализа изменения показателей во времени.</a:t>
+              <a:t>Прогнозирование </a:t>
+            </a:r>
+            <a:r>
+              <a:rPr lang="ru-RU">
+                <a:latin typeface="Times New Roman" panose="02020603050405020304" pitchFamily="18" charset="0"/>
+                <a:cs typeface="Times New Roman" panose="02020603050405020304" pitchFamily="18" charset="0"/>
+              </a:rPr>
+              <a:t>дает возможность </a:t>
+            </a:r>
+            <a:r>
+              <a:rPr lang="ru-RU" dirty="0">
+                <a:latin typeface="Times New Roman" panose="02020603050405020304" pitchFamily="18" charset="0"/>
+                <a:cs typeface="Times New Roman" panose="02020603050405020304" pitchFamily="18" charset="0"/>
+              </a:rPr>
+              <a:t>автоматизировать и оптимизировать процессы принятия решений на основе анализа изменения показателей во времени.</a:t>
             </a:r>
           </a:p>
           <a:p>
@@ -14407,7 +14394,7 @@
           <a:bodyPr/>
           <a:lstStyle/>
           <a:p>
-            <a:pPr marL="0" indent="0">
+            <a:pPr marL="0" indent="0" algn="ctr">
               <a:buNone/>
             </a:pPr>
             <a:r>
@@ -14651,14 +14638,14 @@
           <p:nvPr>
             <p:extLst>
               <p:ext uri="{D42A27DB-BD31-4B8C-83A1-F6EECF244321}">
-                <p14:modId xmlns:p14="http://schemas.microsoft.com/office/powerpoint/2010/main" val="1075653165"/>
+                <p14:modId xmlns:p14="http://schemas.microsoft.com/office/powerpoint/2010/main" val="353517571"/>
               </p:ext>
             </p:extLst>
           </p:nvPr>
         </p:nvGraphicFramePr>
         <p:xfrm>
-          <a:off x="1329727" y="2020205"/>
-          <a:ext cx="9532545" cy="3319873"/>
+          <a:off x="1110344" y="1515293"/>
+          <a:ext cx="10319655" cy="4180115"/>
         </p:xfrm>
         <a:graphic>
           <a:graphicData uri="http://schemas.openxmlformats.org/drawingml/2006/table">
@@ -14667,70 +14654,70 @@
                 <a:tableStyleId>{5C22544A-7EE6-4342-B048-85BDC9FD1C3A}</a:tableStyleId>
               </a:tblPr>
               <a:tblGrid>
-                <a:gridCol w="991442">
+                <a:gridCol w="1221376">
                   <a:extLst>
                     <a:ext uri="{9D8B030D-6E8A-4147-A177-3AD203B41FA5}">
                       <a16:colId xmlns:a16="http://schemas.microsoft.com/office/drawing/2014/main" val="1328288170"/>
                     </a:ext>
                   </a:extLst>
                 </a:gridCol>
-                <a:gridCol w="1047201">
+                <a:gridCol w="985600">
                   <a:extLst>
                     <a:ext uri="{9D8B030D-6E8A-4147-A177-3AD203B41FA5}">
                       <a16:colId xmlns:a16="http://schemas.microsoft.com/office/drawing/2014/main" val="2912842725"/>
                     </a:ext>
                   </a:extLst>
                 </a:gridCol>
-                <a:gridCol w="906064">
+                <a:gridCol w="980878">
                   <a:extLst>
                     <a:ext uri="{9D8B030D-6E8A-4147-A177-3AD203B41FA5}">
                       <a16:colId xmlns:a16="http://schemas.microsoft.com/office/drawing/2014/main" val="4146987985"/>
                     </a:ext>
                   </a:extLst>
                 </a:gridCol>
-                <a:gridCol w="835448">
+                <a:gridCol w="904432">
                   <a:extLst>
                     <a:ext uri="{9D8B030D-6E8A-4147-A177-3AD203B41FA5}">
                       <a16:colId xmlns:a16="http://schemas.microsoft.com/office/drawing/2014/main" val="3168099015"/>
                     </a:ext>
                   </a:extLst>
                 </a:gridCol>
-                <a:gridCol w="976680">
+                <a:gridCol w="1057326">
                   <a:extLst>
                     <a:ext uri="{9D8B030D-6E8A-4147-A177-3AD203B41FA5}">
                       <a16:colId xmlns:a16="http://schemas.microsoft.com/office/drawing/2014/main" val="4051356137"/>
                     </a:ext>
                   </a:extLst>
                 </a:gridCol>
-                <a:gridCol w="981568">
+                <a:gridCol w="1062617">
                   <a:extLst>
                     <a:ext uri="{9D8B030D-6E8A-4147-A177-3AD203B41FA5}">
                       <a16:colId xmlns:a16="http://schemas.microsoft.com/office/drawing/2014/main" val="3308777479"/>
                     </a:ext>
                   </a:extLst>
                 </a:gridCol>
-                <a:gridCol w="1075950">
+                <a:gridCol w="1164792">
                   <a:extLst>
                     <a:ext uri="{9D8B030D-6E8A-4147-A177-3AD203B41FA5}">
                       <a16:colId xmlns:a16="http://schemas.microsoft.com/office/drawing/2014/main" val="2488202743"/>
                     </a:ext>
                   </a:extLst>
                 </a:gridCol>
-                <a:gridCol w="906064">
+                <a:gridCol w="980878">
                   <a:extLst>
                     <a:ext uri="{9D8B030D-6E8A-4147-A177-3AD203B41FA5}">
                       <a16:colId xmlns:a16="http://schemas.microsoft.com/office/drawing/2014/main" val="2172901426"/>
                     </a:ext>
                   </a:extLst>
                 </a:gridCol>
-                <a:gridCol w="906064">
+                <a:gridCol w="980878">
                   <a:extLst>
                     <a:ext uri="{9D8B030D-6E8A-4147-A177-3AD203B41FA5}">
                       <a16:colId xmlns:a16="http://schemas.microsoft.com/office/drawing/2014/main" val="1899232884"/>
                     </a:ext>
                   </a:extLst>
                 </a:gridCol>
-                <a:gridCol w="906064">
+                <a:gridCol w="980878">
                   <a:extLst>
                     <a:ext uri="{9D8B030D-6E8A-4147-A177-3AD203B41FA5}">
                       <a16:colId xmlns:a16="http://schemas.microsoft.com/office/drawing/2014/main" val="2553041315"/>
@@ -14738,7 +14725,7 @@
                   </a:extLst>
                 </a:gridCol>
               </a:tblGrid>
-              <a:tr h="1504993">
+              <a:tr h="1894965">
                 <a:tc>
                   <a:txBody>
                     <a:bodyPr/>
@@ -14746,12 +14733,23 @@
                     <a:p>
                       <a:pPr algn="ctr" rtl="0" fontAlgn="ctr"/>
                       <a:r>
-                        <a:rPr lang="ru-RU" sz="1000" u="none" strike="noStrike">
-                          <a:effectLst/>
-                        </a:rPr>
-                        <a:t>Название модели</a:t>
-                      </a:r>
-                      <a:endParaRPr lang="ru-RU" sz="1000" b="0" i="0" u="none" strike="noStrike">
+                        <a:rPr lang="ru-RU" sz="1800" kern="1200" dirty="0">
+                          <a:solidFill>
+                            <a:schemeClr val="tx1"/>
+                          </a:solidFill>
+                          <a:latin typeface="Times New Roman" panose="02020603050405020304" pitchFamily="18" charset="0"/>
+                          <a:ea typeface="+mn-ea"/>
+                          <a:cs typeface="Times New Roman" panose="02020603050405020304" pitchFamily="18" charset="0"/>
+                        </a:rPr>
+                        <a:t>Название</a:t>
+                      </a:r>
+                      <a:r>
+                        <a:rPr lang="ru-RU" sz="1800" b="0" u="none" strike="noStrike" dirty="0">
+                          <a:effectLst/>
+                        </a:rPr>
+                        <a:t> модели</a:t>
+                      </a:r>
+                      <a:endParaRPr lang="ru-RU" sz="1800" b="0" i="0" u="none" strike="noStrike" dirty="0">
                         <a:solidFill>
                           <a:srgbClr val="000000"/>
                         </a:solidFill>
@@ -14760,7 +14758,7 @@
                       </a:endParaRPr>
                     </a:p>
                   </a:txBody>
-                  <a:tcPr marL="6350" marR="6350" marT="6350" marB="0" anchor="ctr"/>
+                  <a:tcPr marL="6350" marR="6350" marT="6350" marB="0" vert="vert270" anchor="ctr"/>
                 </a:tc>
                 <a:tc>
                   <a:txBody>
@@ -14769,12 +14767,12 @@
                     <a:p>
                       <a:pPr algn="ctr" rtl="0" fontAlgn="ctr"/>
                       <a:r>
-                        <a:rPr lang="ru-RU" sz="1000" u="none" strike="noStrike" dirty="0">
+                        <a:rPr lang="ru-RU" sz="1800" b="0" u="none" strike="noStrike" dirty="0">
                           <a:effectLst/>
                         </a:rPr>
                         <a:t>Общее количество данных</a:t>
                       </a:r>
-                      <a:endParaRPr lang="ru-RU" sz="1000" b="0" i="0" u="none" strike="noStrike" dirty="0">
+                      <a:endParaRPr lang="ru-RU" sz="1800" b="0" i="0" u="none" strike="noStrike" dirty="0">
                         <a:solidFill>
                           <a:srgbClr val="000000"/>
                         </a:solidFill>
@@ -14783,7 +14781,7 @@
                       </a:endParaRPr>
                     </a:p>
                   </a:txBody>
-                  <a:tcPr marL="6350" marR="6350" marT="6350" marB="0" anchor="ctr"/>
+                  <a:tcPr marL="6350" marR="6350" marT="6350" marB="0" vert="vert270" anchor="ctr"/>
                 </a:tc>
                 <a:tc>
                   <a:txBody>
@@ -14792,12 +14790,12 @@
                     <a:p>
                       <a:pPr algn="ctr" rtl="0" fontAlgn="ctr"/>
                       <a:r>
-                        <a:rPr lang="ru-RU" sz="1000" u="none" strike="noStrike">
+                        <a:rPr lang="ru-RU" sz="1800" b="0" u="none" strike="noStrike">
                           <a:effectLst/>
                         </a:rPr>
                         <a:t>Количество данных для обучения</a:t>
                       </a:r>
-                      <a:endParaRPr lang="ru-RU" sz="1000" b="0" i="0" u="none" strike="noStrike">
+                      <a:endParaRPr lang="ru-RU" sz="1800" b="0" i="0" u="none" strike="noStrike">
                         <a:solidFill>
                           <a:srgbClr val="000000"/>
                         </a:solidFill>
@@ -14806,7 +14804,7 @@
                       </a:endParaRPr>
                     </a:p>
                   </a:txBody>
-                  <a:tcPr marL="6350" marR="6350" marT="6350" marB="0" anchor="ctr"/>
+                  <a:tcPr marL="6350" marR="6350" marT="6350" marB="0" vert="vert270" anchor="ctr"/>
                 </a:tc>
                 <a:tc>
                   <a:txBody>
@@ -14815,12 +14813,12 @@
                     <a:p>
                       <a:pPr algn="ctr" rtl="0" fontAlgn="ctr"/>
                       <a:r>
-                        <a:rPr lang="ru-RU" sz="1000" u="none" strike="noStrike" dirty="0">
+                        <a:rPr lang="ru-RU" sz="1800" b="0" u="none" strike="noStrike" dirty="0">
                           <a:effectLst/>
                         </a:rPr>
                         <a:t>Количество данных для теста</a:t>
                       </a:r>
-                      <a:endParaRPr lang="ru-RU" sz="1000" b="0" i="0" u="none" strike="noStrike" dirty="0">
+                      <a:endParaRPr lang="ru-RU" sz="1800" b="0" i="0" u="none" strike="noStrike" dirty="0">
                         <a:solidFill>
                           <a:srgbClr val="000000"/>
                         </a:solidFill>
@@ -14829,7 +14827,7 @@
                       </a:endParaRPr>
                     </a:p>
                   </a:txBody>
-                  <a:tcPr marL="6350" marR="6350" marT="6350" marB="0" anchor="ctr"/>
+                  <a:tcPr marL="6350" marR="6350" marT="6350" marB="0" vert="vert270" anchor="ctr"/>
                 </a:tc>
                 <a:tc>
                   <a:txBody>
@@ -14838,12 +14836,12 @@
                     <a:p>
                       <a:pPr algn="ctr" rtl="0" fontAlgn="ctr"/>
                       <a:r>
-                        <a:rPr lang="ru-RU" sz="1000" u="none" strike="noStrike" dirty="0">
+                        <a:rPr lang="ru-RU" sz="1800" b="0" u="none" strike="noStrike" dirty="0">
                           <a:effectLst/>
                         </a:rPr>
                         <a:t>Количество данных для прогнозирования</a:t>
                       </a:r>
-                      <a:endParaRPr lang="ru-RU" sz="1000" b="0" i="0" u="none" strike="noStrike" dirty="0">
+                      <a:endParaRPr lang="ru-RU" sz="1800" b="0" i="0" u="none" strike="noStrike" dirty="0">
                         <a:solidFill>
                           <a:srgbClr val="000000"/>
                         </a:solidFill>
@@ -14852,7 +14850,7 @@
                       </a:endParaRPr>
                     </a:p>
                   </a:txBody>
-                  <a:tcPr marL="6350" marR="6350" marT="6350" marB="0" anchor="ctr"/>
+                  <a:tcPr marL="6350" marR="6350" marT="6350" marB="0" vert="vert270" anchor="ctr"/>
                 </a:tc>
                 <a:tc>
                   <a:txBody>
@@ -14861,12 +14859,12 @@
                     <a:p>
                       <a:pPr algn="ctr" rtl="0" fontAlgn="ctr"/>
                       <a:r>
-                        <a:rPr lang="ru-RU" sz="1000" u="none" strike="noStrike" dirty="0">
+                        <a:rPr lang="ru-RU" sz="1800" b="0" u="none" strike="noStrike" dirty="0">
                           <a:effectLst/>
                         </a:rPr>
                         <a:t>Минимальное абсолютное отклонение, ед.</a:t>
                       </a:r>
-                      <a:endParaRPr lang="ru-RU" sz="1000" b="0" i="0" u="none" strike="noStrike" dirty="0">
+                      <a:endParaRPr lang="ru-RU" sz="1800" b="0" i="0" u="none" strike="noStrike" dirty="0">
                         <a:solidFill>
                           <a:srgbClr val="000000"/>
                         </a:solidFill>
@@ -14875,7 +14873,7 @@
                       </a:endParaRPr>
                     </a:p>
                   </a:txBody>
-                  <a:tcPr marL="6350" marR="6350" marT="6350" marB="0" anchor="ctr"/>
+                  <a:tcPr marL="6350" marR="6350" marT="6350" marB="0" vert="vert270" anchor="ctr"/>
                 </a:tc>
                 <a:tc>
                   <a:txBody>
@@ -14884,12 +14882,12 @@
                     <a:p>
                       <a:pPr algn="ctr" rtl="0" fontAlgn="ctr"/>
                       <a:r>
-                        <a:rPr lang="ru-RU" sz="1000" u="none" strike="noStrike" dirty="0">
+                        <a:rPr lang="ru-RU" sz="1800" b="0" u="none" strike="noStrike" dirty="0">
                           <a:effectLst/>
                         </a:rPr>
                         <a:t>Максимальное абсолютное отклонение, ед.</a:t>
                       </a:r>
-                      <a:endParaRPr lang="ru-RU" sz="1000" b="0" i="0" u="none" strike="noStrike" dirty="0">
+                      <a:endParaRPr lang="ru-RU" sz="1800" b="0" i="0" u="none" strike="noStrike" dirty="0">
                         <a:solidFill>
                           <a:srgbClr val="000000"/>
                         </a:solidFill>
@@ -14898,7 +14896,7 @@
                       </a:endParaRPr>
                     </a:p>
                   </a:txBody>
-                  <a:tcPr marL="6350" marR="6350" marT="6350" marB="0" anchor="ctr"/>
+                  <a:tcPr marL="6350" marR="6350" marT="6350" marB="0" vert="vert270" anchor="ctr"/>
                 </a:tc>
                 <a:tc>
                   <a:txBody>
@@ -14907,12 +14905,12 @@
                     <a:p>
                       <a:pPr algn="ctr" rtl="0" fontAlgn="ctr"/>
                       <a:r>
-                        <a:rPr lang="ru-RU" sz="1000" u="none" strike="noStrike">
+                        <a:rPr lang="ru-RU" sz="1800" b="0" u="none" strike="noStrike" dirty="0">
                           <a:effectLst/>
                         </a:rPr>
                         <a:t>Минимальное абсолютное отклонение, %</a:t>
                       </a:r>
-                      <a:endParaRPr lang="ru-RU" sz="1000" b="0" i="0" u="none" strike="noStrike">
+                      <a:endParaRPr lang="ru-RU" sz="1800" b="0" i="0" u="none" strike="noStrike" dirty="0">
                         <a:solidFill>
                           <a:srgbClr val="000000"/>
                         </a:solidFill>
@@ -14921,7 +14919,7 @@
                       </a:endParaRPr>
                     </a:p>
                   </a:txBody>
-                  <a:tcPr marL="6350" marR="6350" marT="6350" marB="0" anchor="ctr"/>
+                  <a:tcPr marL="6350" marR="6350" marT="6350" marB="0" vert="vert270" anchor="ctr"/>
                 </a:tc>
                 <a:tc>
                   <a:txBody>
@@ -14930,12 +14928,12 @@
                     <a:p>
                       <a:pPr algn="ctr" rtl="0" fontAlgn="ctr"/>
                       <a:r>
-                        <a:rPr lang="ru-RU" sz="1000" u="none" strike="noStrike" dirty="0">
+                        <a:rPr lang="ru-RU" sz="1800" b="0" u="none" strike="noStrike" dirty="0">
                           <a:effectLst/>
                         </a:rPr>
                         <a:t>Максимальное абсолютное отклонение, %</a:t>
                       </a:r>
-                      <a:endParaRPr lang="ru-RU" sz="1000" b="0" i="0" u="none" strike="noStrike" dirty="0">
+                      <a:endParaRPr lang="ru-RU" sz="1800" b="0" i="0" u="none" strike="noStrike" dirty="0">
                         <a:solidFill>
                           <a:srgbClr val="000000"/>
                         </a:solidFill>
@@ -14944,7 +14942,7 @@
                       </a:endParaRPr>
                     </a:p>
                   </a:txBody>
-                  <a:tcPr marL="6350" marR="6350" marT="6350" marB="0" anchor="ctr"/>
+                  <a:tcPr marL="6350" marR="6350" marT="6350" marB="0" vert="vert270" anchor="ctr"/>
                 </a:tc>
                 <a:tc>
                   <a:txBody>
@@ -14953,12 +14951,12 @@
                     <a:p>
                       <a:pPr algn="ctr" rtl="0" fontAlgn="ctr"/>
                       <a:r>
-                        <a:rPr lang="en-US" sz="1000" u="none" strike="noStrike">
+                        <a:rPr lang="en-US" sz="1800" b="0" u="none" strike="noStrike" dirty="0">
                           <a:effectLst/>
                         </a:rPr>
                         <a:t>MAPE</a:t>
                       </a:r>
-                      <a:endParaRPr lang="en-US" sz="1000" b="0" i="0" u="none" strike="noStrike">
+                      <a:endParaRPr lang="en-US" sz="1800" b="0" i="0" u="none" strike="noStrike" dirty="0">
                         <a:solidFill>
                           <a:srgbClr val="000000"/>
                         </a:solidFill>
@@ -14967,7 +14965,7 @@
                       </a:endParaRPr>
                     </a:p>
                   </a:txBody>
-                  <a:tcPr marL="6350" marR="6350" marT="6350" marB="0" anchor="ctr"/>
+                  <a:tcPr marL="6350" marR="6350" marT="6350" marB="0" vert="vert270" anchor="ctr"/>
                 </a:tc>
                 <a:extLst>
                   <a:ext uri="{0D108BD9-81ED-4DB2-BD59-A6C34878D82A}">
@@ -14975,7 +14973,7 @@
                   </a:ext>
                 </a:extLst>
               </a:tr>
-              <a:tr h="362976">
+              <a:tr h="457030">
                 <a:tc>
                   <a:txBody>
                     <a:bodyPr/>
@@ -14983,12 +14981,12 @@
                     <a:p>
                       <a:pPr algn="ctr" rtl="0" fontAlgn="ctr"/>
                       <a:r>
-                        <a:rPr lang="en-US" sz="1000" u="none" strike="noStrike">
+                        <a:rPr lang="en-US" sz="1600" u="none" strike="noStrike" dirty="0">
                           <a:effectLst/>
                         </a:rPr>
                         <a:t>ARIMA(1,1,0)</a:t>
                       </a:r>
-                      <a:endParaRPr lang="en-US" sz="1000" b="0" i="0" u="none" strike="noStrike">
+                      <a:endParaRPr lang="en-US" sz="1600" b="0" i="0" u="none" strike="noStrike" dirty="0">
                         <a:solidFill>
                           <a:srgbClr val="000000"/>
                         </a:solidFill>
@@ -15006,12 +15004,12 @@
                     <a:p>
                       <a:pPr algn="ctr" rtl="0" fontAlgn="ctr"/>
                       <a:r>
-                        <a:rPr lang="en-US" sz="1000" u="none" strike="noStrike">
+                        <a:rPr lang="en-US" sz="1600" u="none" strike="noStrike" dirty="0">
                           <a:effectLst/>
                         </a:rPr>
                         <a:t>290</a:t>
                       </a:r>
-                      <a:endParaRPr lang="en-US" sz="1000" b="0" i="0" u="none" strike="noStrike">
+                      <a:endParaRPr lang="en-US" sz="1600" b="0" i="0" u="none" strike="noStrike" dirty="0">
                         <a:solidFill>
                           <a:srgbClr val="000000"/>
                         </a:solidFill>
@@ -15029,12 +15027,12 @@
                     <a:p>
                       <a:pPr algn="ctr" rtl="0" fontAlgn="ctr"/>
                       <a:r>
-                        <a:rPr lang="en-US" sz="1000" u="none" strike="noStrike">
+                        <a:rPr lang="en-US" sz="1600" u="none" strike="noStrike">
                           <a:effectLst/>
                         </a:rPr>
                         <a:t>200</a:t>
                       </a:r>
-                      <a:endParaRPr lang="en-US" sz="1000" b="0" i="0" u="none" strike="noStrike">
+                      <a:endParaRPr lang="en-US" sz="1600" b="0" i="0" u="none" strike="noStrike">
                         <a:solidFill>
                           <a:srgbClr val="000000"/>
                         </a:solidFill>
@@ -15052,12 +15050,12 @@
                     <a:p>
                       <a:pPr algn="ctr" rtl="0" fontAlgn="ctr"/>
                       <a:r>
-                        <a:rPr lang="en-US" sz="1000" u="none" strike="noStrike">
+                        <a:rPr lang="en-US" sz="1600" u="none" strike="noStrike">
                           <a:effectLst/>
                         </a:rPr>
                         <a:t>-</a:t>
                       </a:r>
-                      <a:endParaRPr lang="en-US" sz="1000" b="0" i="0" u="none" strike="noStrike">
+                      <a:endParaRPr lang="en-US" sz="1600" b="0" i="0" u="none" strike="noStrike">
                         <a:solidFill>
                           <a:srgbClr val="000000"/>
                         </a:solidFill>
@@ -15075,12 +15073,12 @@
                     <a:p>
                       <a:pPr algn="ctr" rtl="0" fontAlgn="ctr"/>
                       <a:r>
-                        <a:rPr lang="en-US" sz="1000" u="none" strike="noStrike">
+                        <a:rPr lang="en-US" sz="1600" u="none" strike="noStrike">
                           <a:effectLst/>
                         </a:rPr>
                         <a:t>90</a:t>
                       </a:r>
-                      <a:endParaRPr lang="en-US" sz="1000" b="0" i="0" u="none" strike="noStrike">
+                      <a:endParaRPr lang="en-US" sz="1600" b="0" i="0" u="none" strike="noStrike">
                         <a:solidFill>
                           <a:srgbClr val="000000"/>
                         </a:solidFill>
@@ -15098,12 +15096,12 @@
                     <a:p>
                       <a:pPr algn="ctr" rtl="0" fontAlgn="ctr"/>
                       <a:r>
-                        <a:rPr lang="en-US" sz="1000" u="none" strike="noStrike">
+                        <a:rPr lang="en-US" sz="1600" u="none" strike="noStrike">
                           <a:effectLst/>
                         </a:rPr>
                         <a:t>0.339</a:t>
                       </a:r>
-                      <a:endParaRPr lang="en-US" sz="1000" b="0" i="0" u="none" strike="noStrike">
+                      <a:endParaRPr lang="en-US" sz="1600" b="0" i="0" u="none" strike="noStrike">
                         <a:solidFill>
                           <a:srgbClr val="000000"/>
                         </a:solidFill>
@@ -15121,12 +15119,12 @@
                     <a:p>
                       <a:pPr algn="ctr" rtl="0" fontAlgn="ctr"/>
                       <a:r>
-                        <a:rPr lang="en-US" sz="1000" u="none" strike="noStrike">
+                        <a:rPr lang="en-US" sz="1600" u="none" strike="noStrike">
                           <a:effectLst/>
                         </a:rPr>
                         <a:t>90.211</a:t>
                       </a:r>
-                      <a:endParaRPr lang="en-US" sz="1000" b="0" i="0" u="none" strike="noStrike">
+                      <a:endParaRPr lang="en-US" sz="1600" b="0" i="0" u="none" strike="noStrike">
                         <a:solidFill>
                           <a:srgbClr val="000000"/>
                         </a:solidFill>
@@ -15144,12 +15142,12 @@
                     <a:p>
                       <a:pPr algn="ctr" rtl="0" fontAlgn="ctr"/>
                       <a:r>
-                        <a:rPr lang="en-US" sz="1000" u="none" strike="noStrike">
+                        <a:rPr lang="en-US" sz="1600" u="none" strike="noStrike">
                           <a:effectLst/>
                         </a:rPr>
                         <a:t>0.03</a:t>
                       </a:r>
-                      <a:endParaRPr lang="en-US" sz="1000" b="0" i="0" u="none" strike="noStrike">
+                      <a:endParaRPr lang="en-US" sz="1600" b="0" i="0" u="none" strike="noStrike">
                         <a:solidFill>
                           <a:srgbClr val="000000"/>
                         </a:solidFill>
@@ -15167,12 +15165,12 @@
                     <a:p>
                       <a:pPr algn="ctr" rtl="0" fontAlgn="ctr"/>
                       <a:r>
-                        <a:rPr lang="en-US" sz="1000" u="none" strike="noStrike">
+                        <a:rPr lang="en-US" sz="1600" u="none" strike="noStrike">
                           <a:effectLst/>
                         </a:rPr>
                         <a:t>7.61</a:t>
                       </a:r>
-                      <a:endParaRPr lang="en-US" sz="1000" b="0" i="0" u="none" strike="noStrike">
+                      <a:endParaRPr lang="en-US" sz="1600" b="0" i="0" u="none" strike="noStrike">
                         <a:solidFill>
                           <a:srgbClr val="000000"/>
                         </a:solidFill>
@@ -15190,12 +15188,12 @@
                     <a:p>
                       <a:pPr algn="ctr" rtl="0" fontAlgn="ctr"/>
                       <a:r>
-                        <a:rPr lang="en-US" sz="1000" u="none" strike="noStrike">
+                        <a:rPr lang="en-US" sz="1600" u="none" strike="noStrike">
                           <a:effectLst/>
                         </a:rPr>
                         <a:t>3.13</a:t>
                       </a:r>
-                      <a:endParaRPr lang="en-US" sz="1000" b="0" i="0" u="none" strike="noStrike">
+                      <a:endParaRPr lang="en-US" sz="1600" b="0" i="0" u="none" strike="noStrike">
                         <a:solidFill>
                           <a:srgbClr val="000000"/>
                         </a:solidFill>
@@ -15212,7 +15210,7 @@
                   </a:ext>
                 </a:extLst>
               </a:tr>
-              <a:tr h="362976">
+              <a:tr h="457030">
                 <a:tc>
                   <a:txBody>
                     <a:bodyPr/>
@@ -15220,12 +15218,12 @@
                     <a:p>
                       <a:pPr algn="ctr" rtl="0" fontAlgn="ctr"/>
                       <a:r>
-                        <a:rPr lang="en-US" sz="1000" u="none" strike="noStrike">
+                        <a:rPr lang="en-US" sz="1600" u="none" strike="noStrike">
                           <a:effectLst/>
                         </a:rPr>
                         <a:t>GRU</a:t>
                       </a:r>
-                      <a:endParaRPr lang="en-US" sz="1000" b="0" i="0" u="none" strike="noStrike">
+                      <a:endParaRPr lang="en-US" sz="1600" b="0" i="0" u="none" strike="noStrike">
                         <a:solidFill>
                           <a:srgbClr val="000000"/>
                         </a:solidFill>
@@ -15243,12 +15241,12 @@
                     <a:p>
                       <a:pPr algn="ctr" rtl="0" fontAlgn="ctr"/>
                       <a:r>
-                        <a:rPr lang="en-US" sz="1000" u="none" strike="noStrike">
+                        <a:rPr lang="en-US" sz="1600" u="none" strike="noStrike">
                           <a:effectLst/>
                         </a:rPr>
                         <a:t>290</a:t>
                       </a:r>
-                      <a:endParaRPr lang="en-US" sz="1000" b="0" i="0" u="none" strike="noStrike">
+                      <a:endParaRPr lang="en-US" sz="1600" b="0" i="0" u="none" strike="noStrike">
                         <a:solidFill>
                           <a:srgbClr val="000000"/>
                         </a:solidFill>
@@ -15266,12 +15264,12 @@
                     <a:p>
                       <a:pPr algn="ctr" rtl="0" fontAlgn="ctr"/>
                       <a:r>
-                        <a:rPr lang="en-US" sz="1000" u="none" strike="noStrike">
+                        <a:rPr lang="en-US" sz="1600" u="none" strike="noStrike">
                           <a:effectLst/>
                         </a:rPr>
                         <a:t>160</a:t>
                       </a:r>
-                      <a:endParaRPr lang="en-US" sz="1000" b="0" i="0" u="none" strike="noStrike">
+                      <a:endParaRPr lang="en-US" sz="1600" b="0" i="0" u="none" strike="noStrike">
                         <a:solidFill>
                           <a:srgbClr val="000000"/>
                         </a:solidFill>
@@ -15289,12 +15287,12 @@
                     <a:p>
                       <a:pPr algn="ctr" rtl="0" fontAlgn="ctr"/>
                       <a:r>
-                        <a:rPr lang="en-US" sz="1000" u="none" strike="noStrike">
+                        <a:rPr lang="en-US" sz="1600" u="none" strike="noStrike">
                           <a:effectLst/>
                         </a:rPr>
                         <a:t>40</a:t>
                       </a:r>
-                      <a:endParaRPr lang="en-US" sz="1000" b="0" i="0" u="none" strike="noStrike">
+                      <a:endParaRPr lang="en-US" sz="1600" b="0" i="0" u="none" strike="noStrike">
                         <a:solidFill>
                           <a:srgbClr val="000000"/>
                         </a:solidFill>
@@ -15312,12 +15310,12 @@
                     <a:p>
                       <a:pPr algn="ctr" rtl="0" fontAlgn="ctr"/>
                       <a:r>
-                        <a:rPr lang="en-US" sz="1000" u="none" strike="noStrike">
+                        <a:rPr lang="en-US" sz="1600" u="none" strike="noStrike">
                           <a:effectLst/>
                         </a:rPr>
                         <a:t>90</a:t>
                       </a:r>
-                      <a:endParaRPr lang="en-US" sz="1000" b="0" i="0" u="none" strike="noStrike">
+                      <a:endParaRPr lang="en-US" sz="1600" b="0" i="0" u="none" strike="noStrike">
                         <a:solidFill>
                           <a:srgbClr val="000000"/>
                         </a:solidFill>
@@ -15335,12 +15333,12 @@
                     <a:p>
                       <a:pPr algn="ctr" rtl="0" fontAlgn="ctr"/>
                       <a:r>
-                        <a:rPr lang="en-US" sz="1000" u="none" strike="noStrike">
+                        <a:rPr lang="en-US" sz="1600" u="none" strike="noStrike">
                           <a:effectLst/>
                         </a:rPr>
                         <a:t>0.249</a:t>
                       </a:r>
-                      <a:endParaRPr lang="en-US" sz="1000" b="0" i="0" u="none" strike="noStrike">
+                      <a:endParaRPr lang="en-US" sz="1600" b="0" i="0" u="none" strike="noStrike">
                         <a:solidFill>
                           <a:srgbClr val="000000"/>
                         </a:solidFill>
@@ -15358,12 +15356,12 @@
                     <a:p>
                       <a:pPr algn="ctr" rtl="0" fontAlgn="ctr"/>
                       <a:r>
-                        <a:rPr lang="en-US" sz="1000" u="none" strike="noStrike">
+                        <a:rPr lang="en-US" sz="1600" u="none" strike="noStrike">
                           <a:effectLst/>
                         </a:rPr>
                         <a:t>52.617</a:t>
                       </a:r>
-                      <a:endParaRPr lang="en-US" sz="1000" b="0" i="0" u="none" strike="noStrike">
+                      <a:endParaRPr lang="en-US" sz="1600" b="0" i="0" u="none" strike="noStrike">
                         <a:solidFill>
                           <a:srgbClr val="000000"/>
                         </a:solidFill>
@@ -15381,12 +15379,12 @@
                     <a:p>
                       <a:pPr algn="ctr" rtl="0" fontAlgn="ctr"/>
                       <a:r>
-                        <a:rPr lang="en-US" sz="1000" u="none" strike="noStrike">
+                        <a:rPr lang="en-US" sz="1600" u="none" strike="noStrike">
                           <a:effectLst/>
                         </a:rPr>
                         <a:t>0.02</a:t>
                       </a:r>
-                      <a:endParaRPr lang="en-US" sz="1000" b="0" i="0" u="none" strike="noStrike">
+                      <a:endParaRPr lang="en-US" sz="1600" b="0" i="0" u="none" strike="noStrike">
                         <a:solidFill>
                           <a:srgbClr val="000000"/>
                         </a:solidFill>
@@ -15404,12 +15402,12 @@
                     <a:p>
                       <a:pPr algn="ctr" rtl="0" fontAlgn="ctr"/>
                       <a:r>
-                        <a:rPr lang="en-US" sz="1000" u="none" strike="noStrike">
+                        <a:rPr lang="en-US" sz="1600" u="none" strike="noStrike">
                           <a:effectLst/>
                         </a:rPr>
                         <a:t>5.02</a:t>
                       </a:r>
-                      <a:endParaRPr lang="en-US" sz="1000" b="0" i="0" u="none" strike="noStrike">
+                      <a:endParaRPr lang="en-US" sz="1600" b="0" i="0" u="none" strike="noStrike">
                         <a:solidFill>
                           <a:srgbClr val="000000"/>
                         </a:solidFill>
@@ -15427,12 +15425,12 @@
                     <a:p>
                       <a:pPr algn="ctr" rtl="0" fontAlgn="ctr"/>
                       <a:r>
-                        <a:rPr lang="en-US" sz="1000" u="none" strike="noStrike">
+                        <a:rPr lang="en-US" sz="1600" u="none" strike="noStrike">
                           <a:effectLst/>
                         </a:rPr>
                         <a:t>1.65</a:t>
                       </a:r>
-                      <a:endParaRPr lang="en-US" sz="1000" b="0" i="0" u="none" strike="noStrike">
+                      <a:endParaRPr lang="en-US" sz="1600" b="0" i="0" u="none" strike="noStrike">
                         <a:solidFill>
                           <a:srgbClr val="000000"/>
                         </a:solidFill>
@@ -15449,7 +15447,7 @@
                   </a:ext>
                 </a:extLst>
               </a:tr>
-              <a:tr h="362976">
+              <a:tr h="457030">
                 <a:tc>
                   <a:txBody>
                     <a:bodyPr/>
@@ -15457,12 +15455,12 @@
                     <a:p>
                       <a:pPr algn="ctr" rtl="0" fontAlgn="b"/>
                       <a:r>
-                        <a:rPr lang="en-US" sz="1000" u="none" strike="noStrike">
+                        <a:rPr lang="en-US" sz="1600" u="none" strike="noStrike">
                           <a:effectLst/>
                         </a:rPr>
                         <a:t>LSTM</a:t>
                       </a:r>
-                      <a:endParaRPr lang="en-US" sz="1000" b="0" i="0" u="none" strike="noStrike">
+                      <a:endParaRPr lang="en-US" sz="1600" b="0" i="0" u="none" strike="noStrike">
                         <a:solidFill>
                           <a:srgbClr val="000000"/>
                         </a:solidFill>
@@ -15480,12 +15478,12 @@
                     <a:p>
                       <a:pPr algn="ctr" rtl="0" fontAlgn="ctr"/>
                       <a:r>
-                        <a:rPr lang="en-US" sz="1000" u="none" strike="noStrike">
+                        <a:rPr lang="en-US" sz="1600" u="none" strike="noStrike">
                           <a:effectLst/>
                         </a:rPr>
                         <a:t>290</a:t>
                       </a:r>
-                      <a:endParaRPr lang="en-US" sz="1000" b="0" i="0" u="none" strike="noStrike">
+                      <a:endParaRPr lang="en-US" sz="1600" b="0" i="0" u="none" strike="noStrike">
                         <a:solidFill>
                           <a:srgbClr val="000000"/>
                         </a:solidFill>
@@ -15503,12 +15501,12 @@
                     <a:p>
                       <a:pPr algn="ctr" rtl="0" fontAlgn="ctr"/>
                       <a:r>
-                        <a:rPr lang="en-US" sz="1000" u="none" strike="noStrike">
+                        <a:rPr lang="en-US" sz="1600" u="none" strike="noStrike">
                           <a:effectLst/>
                         </a:rPr>
                         <a:t>160</a:t>
                       </a:r>
-                      <a:endParaRPr lang="en-US" sz="1000" b="0" i="0" u="none" strike="noStrike">
+                      <a:endParaRPr lang="en-US" sz="1600" b="0" i="0" u="none" strike="noStrike">
                         <a:solidFill>
                           <a:srgbClr val="000000"/>
                         </a:solidFill>
@@ -15526,12 +15524,12 @@
                     <a:p>
                       <a:pPr algn="ctr" rtl="0" fontAlgn="ctr"/>
                       <a:r>
-                        <a:rPr lang="en-US" sz="1000" u="none" strike="noStrike">
+                        <a:rPr lang="en-US" sz="1600" u="none" strike="noStrike">
                           <a:effectLst/>
                         </a:rPr>
                         <a:t>40</a:t>
                       </a:r>
-                      <a:endParaRPr lang="en-US" sz="1000" b="0" i="0" u="none" strike="noStrike">
+                      <a:endParaRPr lang="en-US" sz="1600" b="0" i="0" u="none" strike="noStrike">
                         <a:solidFill>
                           <a:srgbClr val="000000"/>
                         </a:solidFill>
@@ -15549,12 +15547,12 @@
                     <a:p>
                       <a:pPr algn="ctr" rtl="0" fontAlgn="ctr"/>
                       <a:r>
-                        <a:rPr lang="en-US" sz="1000" u="none" strike="noStrike">
+                        <a:rPr lang="en-US" sz="1600" u="none" strike="noStrike">
                           <a:effectLst/>
                         </a:rPr>
                         <a:t>90</a:t>
                       </a:r>
-                      <a:endParaRPr lang="en-US" sz="1000" b="0" i="0" u="none" strike="noStrike">
+                      <a:endParaRPr lang="en-US" sz="1600" b="0" i="0" u="none" strike="noStrike">
                         <a:solidFill>
                           <a:srgbClr val="000000"/>
                         </a:solidFill>
@@ -15572,12 +15570,12 @@
                     <a:p>
                       <a:pPr algn="ctr" rtl="0" fontAlgn="ctr"/>
                       <a:r>
-                        <a:rPr lang="en-US" sz="1000" u="none" strike="noStrike">
+                        <a:rPr lang="en-US" sz="1600" u="none" strike="noStrike">
                           <a:effectLst/>
                         </a:rPr>
                         <a:t>0.092</a:t>
                       </a:r>
-                      <a:endParaRPr lang="en-US" sz="1000" b="0" i="0" u="none" strike="noStrike">
+                      <a:endParaRPr lang="en-US" sz="1600" b="0" i="0" u="none" strike="noStrike">
                         <a:solidFill>
                           <a:srgbClr val="000000"/>
                         </a:solidFill>
@@ -15595,12 +15593,12 @@
                     <a:p>
                       <a:pPr algn="ctr" rtl="0" fontAlgn="ctr"/>
                       <a:r>
-                        <a:rPr lang="en-US" sz="1000" u="none" strike="noStrike">
+                        <a:rPr lang="en-US" sz="1600" u="none" strike="noStrike">
                           <a:effectLst/>
                         </a:rPr>
                         <a:t>51.009</a:t>
                       </a:r>
-                      <a:endParaRPr lang="en-US" sz="1000" b="0" i="0" u="none" strike="noStrike">
+                      <a:endParaRPr lang="en-US" sz="1600" b="0" i="0" u="none" strike="noStrike">
                         <a:solidFill>
                           <a:srgbClr val="000000"/>
                         </a:solidFill>
@@ -15618,12 +15616,12 @@
                     <a:p>
                       <a:pPr algn="ctr" rtl="0" fontAlgn="ctr"/>
                       <a:r>
-                        <a:rPr lang="en-US" sz="1000" u="none" strike="noStrike">
+                        <a:rPr lang="en-US" sz="1600" u="none" strike="noStrike">
                           <a:effectLst/>
                         </a:rPr>
                         <a:t>0.01</a:t>
                       </a:r>
-                      <a:endParaRPr lang="en-US" sz="1000" b="0" i="0" u="none" strike="noStrike">
+                      <a:endParaRPr lang="en-US" sz="1600" b="0" i="0" u="none" strike="noStrike">
                         <a:solidFill>
                           <a:srgbClr val="000000"/>
                         </a:solidFill>
@@ -15641,12 +15639,12 @@
                     <a:p>
                       <a:pPr algn="ctr" rtl="0" fontAlgn="ctr"/>
                       <a:r>
-                        <a:rPr lang="en-US" sz="1000" u="none" strike="noStrike">
+                        <a:rPr lang="en-US" sz="1600" u="none" strike="noStrike">
                           <a:effectLst/>
                         </a:rPr>
                         <a:t>4.86</a:t>
                       </a:r>
-                      <a:endParaRPr lang="en-US" sz="1000" b="0" i="0" u="none" strike="noStrike">
+                      <a:endParaRPr lang="en-US" sz="1600" b="0" i="0" u="none" strike="noStrike">
                         <a:solidFill>
                           <a:srgbClr val="000000"/>
                         </a:solidFill>
@@ -15664,12 +15662,12 @@
                     <a:p>
                       <a:pPr algn="ctr" rtl="0" fontAlgn="ctr"/>
                       <a:r>
-                        <a:rPr lang="en-US" sz="1000" u="none" strike="noStrike">
+                        <a:rPr lang="en-US" sz="1600" u="none" strike="noStrike">
                           <a:effectLst/>
                         </a:rPr>
                         <a:t>1.45</a:t>
                       </a:r>
-                      <a:endParaRPr lang="en-US" sz="1000" b="0" i="0" u="none" strike="noStrike">
+                      <a:endParaRPr lang="en-US" sz="1600" b="0" i="0" u="none" strike="noStrike">
                         <a:solidFill>
                           <a:srgbClr val="000000"/>
                         </a:solidFill>
@@ -15686,7 +15684,7 @@
                   </a:ext>
                 </a:extLst>
               </a:tr>
-              <a:tr h="362976">
+              <a:tr h="457030">
                 <a:tc>
                   <a:txBody>
                     <a:bodyPr/>
@@ -15694,12 +15692,12 @@
                     <a:p>
                       <a:pPr algn="ctr" rtl="0" fontAlgn="b"/>
                       <a:r>
-                        <a:rPr lang="en-US" sz="1000" u="none" strike="noStrike">
+                        <a:rPr lang="en-US" sz="1600" u="none" strike="noStrike">
                           <a:effectLst/>
                         </a:rPr>
                         <a:t>RNN</a:t>
                       </a:r>
-                      <a:endParaRPr lang="en-US" sz="1000" b="0" i="0" u="none" strike="noStrike">
+                      <a:endParaRPr lang="en-US" sz="1600" b="0" i="0" u="none" strike="noStrike">
                         <a:solidFill>
                           <a:srgbClr val="000000"/>
                         </a:solidFill>
@@ -15717,12 +15715,12 @@
                     <a:p>
                       <a:pPr algn="ctr" rtl="0" fontAlgn="ctr"/>
                       <a:r>
-                        <a:rPr lang="en-US" sz="1000" u="none" strike="noStrike">
+                        <a:rPr lang="en-US" sz="1600" u="none" strike="noStrike">
                           <a:effectLst/>
                         </a:rPr>
                         <a:t>290</a:t>
                       </a:r>
-                      <a:endParaRPr lang="en-US" sz="1000" b="0" i="0" u="none" strike="noStrike">
+                      <a:endParaRPr lang="en-US" sz="1600" b="0" i="0" u="none" strike="noStrike">
                         <a:solidFill>
                           <a:srgbClr val="000000"/>
                         </a:solidFill>
@@ -15740,12 +15738,12 @@
                     <a:p>
                       <a:pPr algn="ctr" rtl="0" fontAlgn="ctr"/>
                       <a:r>
-                        <a:rPr lang="en-US" sz="1000" u="none" strike="noStrike">
+                        <a:rPr lang="en-US" sz="1600" u="none" strike="noStrike">
                           <a:effectLst/>
                         </a:rPr>
                         <a:t>160</a:t>
                       </a:r>
-                      <a:endParaRPr lang="en-US" sz="1000" b="0" i="0" u="none" strike="noStrike">
+                      <a:endParaRPr lang="en-US" sz="1600" b="0" i="0" u="none" strike="noStrike">
                         <a:solidFill>
                           <a:srgbClr val="000000"/>
                         </a:solidFill>
@@ -15763,12 +15761,12 @@
                     <a:p>
                       <a:pPr algn="ctr" rtl="0" fontAlgn="ctr"/>
                       <a:r>
-                        <a:rPr lang="en-US" sz="1000" u="none" strike="noStrike">
+                        <a:rPr lang="en-US" sz="1600" u="none" strike="noStrike">
                           <a:effectLst/>
                         </a:rPr>
                         <a:t>40</a:t>
                       </a:r>
-                      <a:endParaRPr lang="en-US" sz="1000" b="0" i="0" u="none" strike="noStrike">
+                      <a:endParaRPr lang="en-US" sz="1600" b="0" i="0" u="none" strike="noStrike">
                         <a:solidFill>
                           <a:srgbClr val="000000"/>
                         </a:solidFill>
@@ -15786,12 +15784,12 @@
                     <a:p>
                       <a:pPr algn="ctr" rtl="0" fontAlgn="ctr"/>
                       <a:r>
-                        <a:rPr lang="en-US" sz="1000" u="none" strike="noStrike" dirty="0">
+                        <a:rPr lang="en-US" sz="1600" u="none" strike="noStrike" dirty="0">
                           <a:effectLst/>
                         </a:rPr>
                         <a:t>90</a:t>
                       </a:r>
-                      <a:endParaRPr lang="en-US" sz="1000" b="0" i="0" u="none" strike="noStrike" dirty="0">
+                      <a:endParaRPr lang="en-US" sz="1600" b="0" i="0" u="none" strike="noStrike" dirty="0">
                         <a:solidFill>
                           <a:srgbClr val="000000"/>
                         </a:solidFill>
@@ -15809,12 +15807,12 @@
                     <a:p>
                       <a:pPr algn="ctr" rtl="0" fontAlgn="ctr"/>
                       <a:r>
-                        <a:rPr lang="en-US" sz="1000" u="none" strike="noStrike">
+                        <a:rPr lang="en-US" sz="1600" u="none" strike="noStrike">
                           <a:effectLst/>
                         </a:rPr>
                         <a:t>0.212</a:t>
                       </a:r>
-                      <a:endParaRPr lang="en-US" sz="1000" b="0" i="0" u="none" strike="noStrike">
+                      <a:endParaRPr lang="en-US" sz="1600" b="0" i="0" u="none" strike="noStrike">
                         <a:solidFill>
                           <a:srgbClr val="000000"/>
                         </a:solidFill>
@@ -15832,12 +15830,12 @@
                     <a:p>
                       <a:pPr algn="ctr" rtl="0" fontAlgn="ctr"/>
                       <a:r>
-                        <a:rPr lang="en-US" sz="1000" u="none" strike="noStrike">
+                        <a:rPr lang="en-US" sz="1600" u="none" strike="noStrike">
                           <a:effectLst/>
                         </a:rPr>
                         <a:t>54.365</a:t>
                       </a:r>
-                      <a:endParaRPr lang="en-US" sz="1000" b="0" i="0" u="none" strike="noStrike">
+                      <a:endParaRPr lang="en-US" sz="1600" b="0" i="0" u="none" strike="noStrike">
                         <a:solidFill>
                           <a:srgbClr val="000000"/>
                         </a:solidFill>
@@ -15855,12 +15853,12 @@
                     <a:p>
                       <a:pPr algn="ctr" rtl="0" fontAlgn="ctr"/>
                       <a:r>
-                        <a:rPr lang="en-US" sz="1000" u="none" strike="noStrike">
+                        <a:rPr lang="en-US" sz="1600" u="none" strike="noStrike">
                           <a:effectLst/>
                         </a:rPr>
                         <a:t>0.02</a:t>
                       </a:r>
-                      <a:endParaRPr lang="en-US" sz="1000" b="0" i="0" u="none" strike="noStrike">
+                      <a:endParaRPr lang="en-US" sz="1600" b="0" i="0" u="none" strike="noStrike">
                         <a:solidFill>
                           <a:srgbClr val="000000"/>
                         </a:solidFill>
@@ -15878,12 +15876,12 @@
                     <a:p>
                       <a:pPr algn="ctr" rtl="0" fontAlgn="ctr"/>
                       <a:r>
-                        <a:rPr lang="en-US" sz="1000" u="none" strike="noStrike">
+                        <a:rPr lang="en-US" sz="1600" u="none" strike="noStrike">
                           <a:effectLst/>
                         </a:rPr>
                         <a:t>5.19</a:t>
                       </a:r>
-                      <a:endParaRPr lang="en-US" sz="1000" b="0" i="0" u="none" strike="noStrike">
+                      <a:endParaRPr lang="en-US" sz="1600" b="0" i="0" u="none" strike="noStrike">
                         <a:solidFill>
                           <a:srgbClr val="000000"/>
                         </a:solidFill>
@@ -15901,12 +15899,12 @@
                     <a:p>
                       <a:pPr algn="ctr" rtl="0" fontAlgn="ctr"/>
                       <a:r>
-                        <a:rPr lang="en-US" sz="1000" u="none" strike="noStrike">
+                        <a:rPr lang="en-US" sz="1600" u="none" strike="noStrike">
                           <a:effectLst/>
                         </a:rPr>
                         <a:t>1.7</a:t>
                       </a:r>
-                      <a:endParaRPr lang="en-US" sz="1000" b="0" i="0" u="none" strike="noStrike">
+                      <a:endParaRPr lang="en-US" sz="1600" b="0" i="0" u="none" strike="noStrike">
                         <a:solidFill>
                           <a:srgbClr val="000000"/>
                         </a:solidFill>
@@ -15923,7 +15921,7 @@
                   </a:ext>
                 </a:extLst>
               </a:tr>
-              <a:tr h="362976">
+              <a:tr h="457030">
                 <a:tc>
                   <a:txBody>
                     <a:bodyPr/>
@@ -15931,12 +15929,12 @@
                     <a:p>
                       <a:pPr algn="ctr" rtl="0" fontAlgn="b"/>
                       <a:r>
-                        <a:rPr lang="en-US" sz="1000" u="none" strike="noStrike">
+                        <a:rPr lang="en-US" sz="1600" u="none" strike="noStrike">
                           <a:effectLst/>
                         </a:rPr>
                         <a:t>CatBoost</a:t>
                       </a:r>
-                      <a:endParaRPr lang="en-US" sz="1000" b="0" i="0" u="none" strike="noStrike">
+                      <a:endParaRPr lang="en-US" sz="1600" b="0" i="0" u="none" strike="noStrike">
                         <a:solidFill>
                           <a:srgbClr val="000000"/>
                         </a:solidFill>
@@ -15954,12 +15952,12 @@
                     <a:p>
                       <a:pPr algn="ctr" rtl="0" fontAlgn="ctr"/>
                       <a:r>
-                        <a:rPr lang="en-US" sz="1000" u="none" strike="noStrike">
+                        <a:rPr lang="en-US" sz="1600" u="none" strike="noStrike">
                           <a:effectLst/>
                         </a:rPr>
                         <a:t>290</a:t>
                       </a:r>
-                      <a:endParaRPr lang="en-US" sz="1000" b="0" i="0" u="none" strike="noStrike">
+                      <a:endParaRPr lang="en-US" sz="1600" b="0" i="0" u="none" strike="noStrike">
                         <a:solidFill>
                           <a:srgbClr val="000000"/>
                         </a:solidFill>
@@ -15977,12 +15975,12 @@
                     <a:p>
                       <a:pPr algn="ctr" rtl="0" fontAlgn="ctr"/>
                       <a:r>
-                        <a:rPr lang="en-US" sz="1000" u="none" strike="noStrike">
+                        <a:rPr lang="en-US" sz="1600" u="none" strike="noStrike">
                           <a:effectLst/>
                         </a:rPr>
                         <a:t>160</a:t>
                       </a:r>
-                      <a:endParaRPr lang="en-US" sz="1000" b="0" i="0" u="none" strike="noStrike">
+                      <a:endParaRPr lang="en-US" sz="1600" b="0" i="0" u="none" strike="noStrike">
                         <a:solidFill>
                           <a:srgbClr val="000000"/>
                         </a:solidFill>
@@ -16000,12 +15998,12 @@
                     <a:p>
                       <a:pPr algn="ctr" rtl="0" fontAlgn="ctr"/>
                       <a:r>
-                        <a:rPr lang="en-US" sz="1000" u="none" strike="noStrike">
+                        <a:rPr lang="en-US" sz="1600" u="none" strike="noStrike">
                           <a:effectLst/>
                         </a:rPr>
                         <a:t>40</a:t>
                       </a:r>
-                      <a:endParaRPr lang="en-US" sz="1000" b="0" i="0" u="none" strike="noStrike">
+                      <a:endParaRPr lang="en-US" sz="1600" b="0" i="0" u="none" strike="noStrike">
                         <a:solidFill>
                           <a:srgbClr val="000000"/>
                         </a:solidFill>
@@ -16023,12 +16021,12 @@
                     <a:p>
                       <a:pPr algn="ctr" rtl="0" fontAlgn="ctr"/>
                       <a:r>
-                        <a:rPr lang="en-US" sz="1000" u="none" strike="noStrike">
+                        <a:rPr lang="en-US" sz="1600" u="none" strike="noStrike">
                           <a:effectLst/>
                         </a:rPr>
                         <a:t>90</a:t>
                       </a:r>
-                      <a:endParaRPr lang="en-US" sz="1000" b="0" i="0" u="none" strike="noStrike">
+                      <a:endParaRPr lang="en-US" sz="1600" b="0" i="0" u="none" strike="noStrike">
                         <a:solidFill>
                           <a:srgbClr val="000000"/>
                         </a:solidFill>
@@ -16046,12 +16044,12 @@
                     <a:p>
                       <a:pPr algn="ctr" rtl="0" fontAlgn="ctr"/>
                       <a:r>
-                        <a:rPr lang="en-US" sz="1000" u="none" strike="noStrike">
+                        <a:rPr lang="en-US" sz="1600" u="none" strike="noStrike">
                           <a:effectLst/>
                         </a:rPr>
                         <a:t>1.167</a:t>
                       </a:r>
-                      <a:endParaRPr lang="en-US" sz="1000" b="0" i="0" u="none" strike="noStrike">
+                      <a:endParaRPr lang="en-US" sz="1600" b="0" i="0" u="none" strike="noStrike">
                         <a:solidFill>
                           <a:srgbClr val="000000"/>
                         </a:solidFill>
@@ -16069,12 +16067,12 @@
                     <a:p>
                       <a:pPr algn="ctr" rtl="0" fontAlgn="ctr"/>
                       <a:r>
-                        <a:rPr lang="en-US" sz="1000" u="none" strike="noStrike">
+                        <a:rPr lang="en-US" sz="1600" u="none" strike="noStrike">
                           <a:effectLst/>
                         </a:rPr>
                         <a:t>85.891</a:t>
                       </a:r>
-                      <a:endParaRPr lang="en-US" sz="1000" b="0" i="0" u="none" strike="noStrike">
+                      <a:endParaRPr lang="en-US" sz="1600" b="0" i="0" u="none" strike="noStrike">
                         <a:solidFill>
                           <a:srgbClr val="000000"/>
                         </a:solidFill>
@@ -16092,12 +16090,12 @@
                     <a:p>
                       <a:pPr algn="ctr" rtl="0" fontAlgn="ctr"/>
                       <a:r>
-                        <a:rPr lang="en-US" sz="1000" u="none" strike="noStrike">
+                        <a:rPr lang="en-US" sz="1600" u="none" strike="noStrike">
                           <a:effectLst/>
                         </a:rPr>
                         <a:t>0.1</a:t>
                       </a:r>
-                      <a:endParaRPr lang="en-US" sz="1000" b="0" i="0" u="none" strike="noStrike">
+                      <a:endParaRPr lang="en-US" sz="1600" b="0" i="0" u="none" strike="noStrike">
                         <a:solidFill>
                           <a:srgbClr val="000000"/>
                         </a:solidFill>
@@ -16115,12 +16113,12 @@
                     <a:p>
                       <a:pPr algn="ctr" rtl="0" fontAlgn="ctr"/>
                       <a:r>
-                        <a:rPr lang="en-US" sz="1000" u="none" strike="noStrike">
+                        <a:rPr lang="en-US" sz="1600" u="none" strike="noStrike">
                           <a:effectLst/>
                         </a:rPr>
                         <a:t>8.2</a:t>
                       </a:r>
-                      <a:endParaRPr lang="en-US" sz="1000" b="0" i="0" u="none" strike="noStrike">
+                      <a:endParaRPr lang="en-US" sz="1600" b="0" i="0" u="none" strike="noStrike">
                         <a:solidFill>
                           <a:srgbClr val="000000"/>
                         </a:solidFill>
@@ -16138,12 +16136,12 @@
                     <a:p>
                       <a:pPr algn="ctr" rtl="0" fontAlgn="ctr"/>
                       <a:r>
-                        <a:rPr lang="en-US" sz="1000" u="none" strike="noStrike" dirty="0">
+                        <a:rPr lang="en-US" sz="1600" u="none" strike="noStrike" dirty="0">
                           <a:effectLst/>
                         </a:rPr>
                         <a:t>2.87</a:t>
                       </a:r>
-                      <a:endParaRPr lang="en-US" sz="1000" b="0" i="0" u="none" strike="noStrike" dirty="0">
+                      <a:endParaRPr lang="en-US" sz="1600" b="0" i="0" u="none" strike="noStrike" dirty="0">
                         <a:solidFill>
                           <a:srgbClr val="000000"/>
                         </a:solidFill>
@@ -17480,14 +17478,14 @@
           <p:nvPr>
             <p:extLst>
               <p:ext uri="{D42A27DB-BD31-4B8C-83A1-F6EECF244321}">
-                <p14:modId xmlns:p14="http://schemas.microsoft.com/office/powerpoint/2010/main" val="97759596"/>
+                <p14:modId xmlns:p14="http://schemas.microsoft.com/office/powerpoint/2010/main" val="3513351832"/>
               </p:ext>
             </p:extLst>
           </p:nvPr>
         </p:nvGraphicFramePr>
         <p:xfrm>
           <a:off x="335694" y="2213690"/>
-          <a:ext cx="4835573" cy="3245663"/>
+          <a:ext cx="4835573" cy="3318322"/>
         </p:xfrm>
         <a:graphic>
           <a:graphicData uri="http://schemas.openxmlformats.org/drawingml/2006/table">
@@ -17540,7 +17538,7 @@
                     <a:p>
                       <a:pPr algn="ctr" fontAlgn="b"/>
                       <a:r>
-                        <a:rPr lang="ru-RU" sz="1200" b="0" i="0" u="none" strike="noStrike" dirty="0">
+                        <a:rPr lang="ru-RU" sz="1400" b="0" i="0" u="none" strike="noStrike" dirty="0">
                           <a:solidFill>
                             <a:srgbClr val="000000"/>
                           </a:solidFill>
@@ -17550,7 +17548,7 @@
                         <a:t>Модель</a:t>
                       </a:r>
                       <a:r>
-                        <a:rPr lang="en-US" sz="1200" b="0" i="0" u="none" strike="noStrike" dirty="0">
+                        <a:rPr lang="en-US" sz="1400" b="0" i="0" u="none" strike="noStrike" dirty="0">
                           <a:solidFill>
                             <a:srgbClr val="000000"/>
                           </a:solidFill>
@@ -17560,7 +17558,7 @@
                         <a:t>\</a:t>
                       </a:r>
                       <a:r>
-                        <a:rPr lang="ru-RU" sz="1200" b="0" i="0" u="none" strike="noStrike" dirty="0">
+                        <a:rPr lang="ru-RU" sz="1400" b="0" i="0" u="none" strike="noStrike" dirty="0">
                           <a:solidFill>
                             <a:srgbClr val="000000"/>
                           </a:solidFill>
@@ -17569,7 +17567,7 @@
                         </a:rPr>
                         <a:t>Набор данных</a:t>
                       </a:r>
-                      <a:endParaRPr lang="en-US" sz="1200" b="0" i="0" u="none" strike="noStrike" dirty="0">
+                      <a:endParaRPr lang="en-US" sz="1400" b="0" i="0" u="none" strike="noStrike" dirty="0">
                         <a:solidFill>
                           <a:srgbClr val="000000"/>
                         </a:solidFill>
@@ -17587,12 +17585,12 @@
                     <a:p>
                       <a:pPr algn="ctr" fontAlgn="b"/>
                       <a:r>
-                        <a:rPr lang="en-US" sz="1200" u="none" strike="noStrike" dirty="0">
+                        <a:rPr lang="en-US" sz="1400" u="none" strike="noStrike" dirty="0">
                           <a:effectLst/>
                         </a:rPr>
                         <a:t>SAND500</a:t>
                       </a:r>
-                      <a:endParaRPr lang="en-US" sz="1200" b="0" i="0" u="none" strike="noStrike" dirty="0">
+                      <a:endParaRPr lang="en-US" sz="1400" b="0" i="0" u="none" strike="noStrike" dirty="0">
                         <a:solidFill>
                           <a:srgbClr val="000000"/>
                         </a:solidFill>
@@ -17601,21 +17599,21 @@
                       </a:endParaRPr>
                     </a:p>
                   </a:txBody>
-                  <a:tcPr marL="6350" marR="6350" marT="6350" marB="0" anchor="b"/>
-                </a:tc>
-                <a:tc>
-                  <a:txBody>
-                    <a:bodyPr/>
-                    <a:lstStyle/>
-                    <a:p>
-                      <a:pPr algn="ctr" fontAlgn="b"/>
-                      <a:r>
-                        <a:rPr lang="en-US" sz="1200" u="none" strike="noStrike" dirty="0">
+                  <a:tcPr marL="6350" marR="6350" marT="6350" marB="0"/>
+                </a:tc>
+                <a:tc>
+                  <a:txBody>
+                    <a:bodyPr/>
+                    <a:lstStyle/>
+                    <a:p>
+                      <a:pPr algn="ctr" fontAlgn="b"/>
+                      <a:r>
+                        <a:rPr lang="en-US" sz="1400" u="none" strike="noStrike" dirty="0">
                           <a:effectLst/>
                         </a:rPr>
                         <a:t>NASDAQ</a:t>
                       </a:r>
-                      <a:endParaRPr lang="en-US" sz="1200" b="0" i="0" u="none" strike="noStrike" dirty="0">
+                      <a:endParaRPr lang="en-US" sz="1400" b="0" i="0" u="none" strike="noStrike" dirty="0">
                         <a:solidFill>
                           <a:srgbClr val="000000"/>
                         </a:solidFill>
@@ -17624,21 +17622,21 @@
                       </a:endParaRPr>
                     </a:p>
                   </a:txBody>
-                  <a:tcPr marL="6350" marR="6350" marT="6350" marB="0" anchor="b"/>
-                </a:tc>
-                <a:tc>
-                  <a:txBody>
-                    <a:bodyPr/>
-                    <a:lstStyle/>
-                    <a:p>
-                      <a:pPr algn="ctr" fontAlgn="b"/>
-                      <a:r>
-                        <a:rPr lang="en-US" sz="1200" u="none" strike="noStrike" dirty="0">
+                  <a:tcPr marL="6350" marR="6350" marT="6350" marB="0"/>
+                </a:tc>
+                <a:tc>
+                  <a:txBody>
+                    <a:bodyPr/>
+                    <a:lstStyle/>
+                    <a:p>
+                      <a:pPr algn="ctr" fontAlgn="b"/>
+                      <a:r>
+                        <a:rPr lang="en-US" sz="1400" u="none" strike="noStrike" dirty="0">
                           <a:effectLst/>
                         </a:rPr>
                         <a:t>JPM</a:t>
                       </a:r>
-                      <a:endParaRPr lang="en-US" sz="1200" b="0" i="0" u="none" strike="noStrike" dirty="0">
+                      <a:endParaRPr lang="en-US" sz="1400" b="0" i="0" u="none" strike="noStrike" dirty="0">
                         <a:solidFill>
                           <a:srgbClr val="000000"/>
                         </a:solidFill>
@@ -17647,21 +17645,21 @@
                       </a:endParaRPr>
                     </a:p>
                   </a:txBody>
-                  <a:tcPr marL="6350" marR="6350" marT="6350" marB="0" anchor="b"/>
-                </a:tc>
-                <a:tc>
-                  <a:txBody>
-                    <a:bodyPr/>
-                    <a:lstStyle/>
-                    <a:p>
-                      <a:pPr algn="ctr" fontAlgn="b"/>
-                      <a:r>
-                        <a:rPr lang="en-US" sz="1200" u="none" strike="noStrike" dirty="0">
+                  <a:tcPr marL="6350" marR="6350" marT="6350" marB="0"/>
+                </a:tc>
+                <a:tc>
+                  <a:txBody>
+                    <a:bodyPr/>
+                    <a:lstStyle/>
+                    <a:p>
+                      <a:pPr algn="ctr" fontAlgn="b"/>
+                      <a:r>
+                        <a:rPr lang="en-US" sz="1400" u="none" strike="noStrike" dirty="0">
                           <a:effectLst/>
                         </a:rPr>
                         <a:t>DJI</a:t>
                       </a:r>
-                      <a:endParaRPr lang="en-US" sz="1200" b="0" i="0" u="none" strike="noStrike" dirty="0">
+                      <a:endParaRPr lang="en-US" sz="1400" b="0" i="0" u="none" strike="noStrike" dirty="0">
                         <a:solidFill>
                           <a:srgbClr val="000000"/>
                         </a:solidFill>
@@ -17670,7 +17668,7 @@
                       </a:endParaRPr>
                     </a:p>
                   </a:txBody>
-                  <a:tcPr marL="6350" marR="6350" marT="6350" marB="0" anchor="b"/>
+                  <a:tcPr marL="6350" marR="6350" marT="6350" marB="0"/>
                 </a:tc>
                 <a:extLst>
                   <a:ext uri="{0D108BD9-81ED-4DB2-BD59-A6C34878D82A}">
@@ -17686,12 +17684,12 @@
                     <a:p>
                       <a:pPr algn="ctr" fontAlgn="b"/>
                       <a:r>
-                        <a:rPr lang="en-US" sz="1200" u="none" strike="noStrike" dirty="0">
+                        <a:rPr lang="en-US" sz="1400" u="none" strike="noStrike" dirty="0">
                           <a:effectLst/>
                         </a:rPr>
                         <a:t>ARIMA(2,1,1)</a:t>
                       </a:r>
-                      <a:endParaRPr lang="en-US" sz="1200" b="0" i="0" u="none" strike="noStrike" dirty="0">
+                      <a:endParaRPr lang="en-US" sz="1400" b="0" i="0" u="none" strike="noStrike" dirty="0">
                         <a:solidFill>
                           <a:srgbClr val="000000"/>
                         </a:solidFill>
@@ -17709,7 +17707,7 @@
                     <a:p>
                       <a:pPr algn="ctr" fontAlgn="b"/>
                       <a:r>
-                        <a:rPr lang="en-US" sz="1200" b="0" i="0" u="none" strike="noStrike" dirty="0">
+                        <a:rPr lang="en-US" sz="1400" b="0" i="0" u="none" strike="noStrike" dirty="0">
                           <a:solidFill>
                             <a:srgbClr val="000000"/>
                           </a:solidFill>
@@ -17720,16 +17718,16 @@
                       </a:r>
                     </a:p>
                   </a:txBody>
-                  <a:tcPr marL="6350" marR="6350" marT="6350" marB="0" anchor="b"/>
-                </a:tc>
-                <a:tc>
-                  <a:txBody>
-                    <a:bodyPr/>
-                    <a:lstStyle/>
-                    <a:p>
-                      <a:pPr algn="ctr" fontAlgn="b"/>
-                      <a:r>
-                        <a:rPr lang="en-US" sz="1200" b="0" i="0" u="none" strike="noStrike" dirty="0">
+                  <a:tcPr marL="6350" marR="6350" marT="6350" marB="0" anchor="ctr"/>
+                </a:tc>
+                <a:tc>
+                  <a:txBody>
+                    <a:bodyPr/>
+                    <a:lstStyle/>
+                    <a:p>
+                      <a:pPr algn="ctr" fontAlgn="b"/>
+                      <a:r>
+                        <a:rPr lang="en-US" sz="1400" b="0" i="0" u="none" strike="noStrike" dirty="0">
                           <a:solidFill>
                             <a:srgbClr val="000000"/>
                           </a:solidFill>
@@ -17740,16 +17738,16 @@
                       </a:r>
                     </a:p>
                   </a:txBody>
-                  <a:tcPr marL="6350" marR="6350" marT="6350" marB="0" anchor="b"/>
-                </a:tc>
-                <a:tc>
-                  <a:txBody>
-                    <a:bodyPr/>
-                    <a:lstStyle/>
-                    <a:p>
-                      <a:pPr algn="ctr" fontAlgn="b"/>
-                      <a:r>
-                        <a:rPr lang="en-US" sz="1200" b="0" i="0" u="none" strike="noStrike" dirty="0">
+                  <a:tcPr marL="6350" marR="6350" marT="6350" marB="0" anchor="ctr"/>
+                </a:tc>
+                <a:tc>
+                  <a:txBody>
+                    <a:bodyPr/>
+                    <a:lstStyle/>
+                    <a:p>
+                      <a:pPr algn="ctr" fontAlgn="b"/>
+                      <a:r>
+                        <a:rPr lang="en-US" sz="1400" b="0" i="0" u="none" strike="noStrike" dirty="0">
                           <a:solidFill>
                             <a:srgbClr val="000000"/>
                           </a:solidFill>
@@ -17760,16 +17758,16 @@
                       </a:r>
                     </a:p>
                   </a:txBody>
-                  <a:tcPr marL="6350" marR="6350" marT="6350" marB="0" anchor="b"/>
-                </a:tc>
-                <a:tc>
-                  <a:txBody>
-                    <a:bodyPr/>
-                    <a:lstStyle/>
-                    <a:p>
-                      <a:pPr algn="ctr" fontAlgn="b"/>
-                      <a:r>
-                        <a:rPr lang="en-US" sz="1200" b="0" i="0" u="none" strike="noStrike" dirty="0">
+                  <a:tcPr marL="6350" marR="6350" marT="6350" marB="0" anchor="ctr"/>
+                </a:tc>
+                <a:tc>
+                  <a:txBody>
+                    <a:bodyPr/>
+                    <a:lstStyle/>
+                    <a:p>
+                      <a:pPr algn="ctr" fontAlgn="b"/>
+                      <a:r>
+                        <a:rPr lang="en-US" sz="1400" b="0" i="0" u="none" strike="noStrike" dirty="0">
                           <a:solidFill>
                             <a:srgbClr val="000000"/>
                           </a:solidFill>
@@ -17780,7 +17778,7 @@
                       </a:r>
                     </a:p>
                   </a:txBody>
-                  <a:tcPr marL="6350" marR="6350" marT="6350" marB="0" anchor="b"/>
+                  <a:tcPr marL="6350" marR="6350" marT="6350" marB="0" anchor="ctr"/>
                 </a:tc>
                 <a:extLst>
                   <a:ext uri="{0D108BD9-81ED-4DB2-BD59-A6C34878D82A}">
@@ -17796,12 +17794,12 @@
                     <a:p>
                       <a:pPr algn="ctr" fontAlgn="b"/>
                       <a:r>
-                        <a:rPr lang="en-US" sz="1200" u="none" strike="noStrike" dirty="0">
+                        <a:rPr lang="en-US" sz="1400" u="none" strike="noStrike" dirty="0">
                           <a:effectLst/>
                         </a:rPr>
                         <a:t>ARIMA(10,0,5)</a:t>
                       </a:r>
-                      <a:endParaRPr lang="en-US" sz="1200" b="0" i="0" u="none" strike="noStrike" dirty="0">
+                      <a:endParaRPr lang="en-US" sz="1400" b="0" i="0" u="none" strike="noStrike" dirty="0">
                         <a:solidFill>
                           <a:srgbClr val="000000"/>
                         </a:solidFill>
@@ -17819,7 +17817,7 @@
                     <a:p>
                       <a:pPr algn="ctr" fontAlgn="b"/>
                       <a:r>
-                        <a:rPr lang="en-US" sz="1200" b="0" i="0" u="none" strike="noStrike" dirty="0">
+                        <a:rPr lang="en-US" sz="1400" b="0" i="0" u="none" strike="noStrike" dirty="0">
                           <a:solidFill>
                             <a:srgbClr val="000000"/>
                           </a:solidFill>
@@ -17830,16 +17828,16 @@
                       </a:r>
                     </a:p>
                   </a:txBody>
-                  <a:tcPr marL="6350" marR="6350" marT="6350" marB="0" anchor="b"/>
-                </a:tc>
-                <a:tc>
-                  <a:txBody>
-                    <a:bodyPr/>
-                    <a:lstStyle/>
-                    <a:p>
-                      <a:pPr algn="ctr" fontAlgn="b"/>
-                      <a:r>
-                        <a:rPr lang="en-US" sz="1200" b="0" i="0" u="none" strike="noStrike" dirty="0">
+                  <a:tcPr marL="6350" marR="6350" marT="6350" marB="0" anchor="ctr"/>
+                </a:tc>
+                <a:tc>
+                  <a:txBody>
+                    <a:bodyPr/>
+                    <a:lstStyle/>
+                    <a:p>
+                      <a:pPr algn="ctr" fontAlgn="b"/>
+                      <a:r>
+                        <a:rPr lang="en-US" sz="1400" b="0" i="0" u="none" strike="noStrike" dirty="0">
                           <a:solidFill>
                             <a:srgbClr val="000000"/>
                           </a:solidFill>
@@ -17850,16 +17848,16 @@
                       </a:r>
                     </a:p>
                   </a:txBody>
-                  <a:tcPr marL="6350" marR="6350" marT="6350" marB="0" anchor="b"/>
-                </a:tc>
-                <a:tc>
-                  <a:txBody>
-                    <a:bodyPr/>
-                    <a:lstStyle/>
-                    <a:p>
-                      <a:pPr algn="ctr" fontAlgn="b"/>
-                      <a:r>
-                        <a:rPr lang="en-US" sz="1200" b="0" i="0" u="none" strike="noStrike" dirty="0">
+                  <a:tcPr marL="6350" marR="6350" marT="6350" marB="0" anchor="ctr"/>
+                </a:tc>
+                <a:tc>
+                  <a:txBody>
+                    <a:bodyPr/>
+                    <a:lstStyle/>
+                    <a:p>
+                      <a:pPr algn="ctr" fontAlgn="b"/>
+                      <a:r>
+                        <a:rPr lang="en-US" sz="1400" b="0" i="0" u="none" strike="noStrike" dirty="0">
                           <a:solidFill>
                             <a:srgbClr val="000000"/>
                           </a:solidFill>
@@ -17870,16 +17868,16 @@
                       </a:r>
                     </a:p>
                   </a:txBody>
-                  <a:tcPr marL="6350" marR="6350" marT="6350" marB="0" anchor="b"/>
-                </a:tc>
-                <a:tc>
-                  <a:txBody>
-                    <a:bodyPr/>
-                    <a:lstStyle/>
-                    <a:p>
-                      <a:pPr algn="ctr" fontAlgn="b"/>
-                      <a:r>
-                        <a:rPr lang="en-US" sz="1200" b="0" i="0" u="none" strike="noStrike" dirty="0">
+                  <a:tcPr marL="6350" marR="6350" marT="6350" marB="0" anchor="ctr"/>
+                </a:tc>
+                <a:tc>
+                  <a:txBody>
+                    <a:bodyPr/>
+                    <a:lstStyle/>
+                    <a:p>
+                      <a:pPr algn="ctr" fontAlgn="b"/>
+                      <a:r>
+                        <a:rPr lang="en-US" sz="1400" b="0" i="0" u="none" strike="noStrike" dirty="0">
                           <a:solidFill>
                             <a:srgbClr val="000000"/>
                           </a:solidFill>
@@ -17890,7 +17888,7 @@
                       </a:r>
                     </a:p>
                   </a:txBody>
-                  <a:tcPr marL="6350" marR="6350" marT="6350" marB="0" anchor="b"/>
+                  <a:tcPr marL="6350" marR="6350" marT="6350" marB="0" anchor="ctr"/>
                 </a:tc>
                 <a:extLst>
                   <a:ext uri="{0D108BD9-81ED-4DB2-BD59-A6C34878D82A}">
@@ -17922,12 +17920,12 @@
                         <a:defRPr/>
                       </a:pPr>
                       <a:r>
-                        <a:rPr lang="en-US" sz="1200" u="none" strike="noStrike" dirty="0">
+                        <a:rPr lang="en-US" sz="1400" u="none" strike="noStrike" dirty="0">
                           <a:effectLst/>
                         </a:rPr>
                         <a:t>ARIMA(0,1,2)</a:t>
                       </a:r>
-                      <a:endParaRPr lang="en-US" sz="1200" b="0" i="0" u="none" strike="noStrike" dirty="0">
+                      <a:endParaRPr lang="en-US" sz="1400" b="0" i="0" u="none" strike="noStrike" dirty="0">
                         <a:solidFill>
                           <a:srgbClr val="000000"/>
                         </a:solidFill>
@@ -17945,7 +17943,7 @@
                     <a:p>
                       <a:pPr algn="ctr" fontAlgn="b"/>
                       <a:r>
-                        <a:rPr lang="en-US" sz="1200" b="0" i="0" u="none" strike="noStrike" dirty="0">
+                        <a:rPr lang="en-US" sz="1400" b="0" i="0" u="none" strike="noStrike" dirty="0">
                           <a:solidFill>
                             <a:srgbClr val="000000"/>
                           </a:solidFill>
@@ -17956,16 +17954,16 @@
                       </a:r>
                     </a:p>
                   </a:txBody>
-                  <a:tcPr marL="6350" marR="6350" marT="6350" marB="0" anchor="b"/>
-                </a:tc>
-                <a:tc>
-                  <a:txBody>
-                    <a:bodyPr/>
-                    <a:lstStyle/>
-                    <a:p>
-                      <a:pPr algn="ctr" fontAlgn="b"/>
-                      <a:r>
-                        <a:rPr lang="en-US" sz="1200" b="0" i="0" u="none" strike="noStrike" dirty="0">
+                  <a:tcPr marL="6350" marR="6350" marT="6350" marB="0" anchor="ctr"/>
+                </a:tc>
+                <a:tc>
+                  <a:txBody>
+                    <a:bodyPr/>
+                    <a:lstStyle/>
+                    <a:p>
+                      <a:pPr algn="ctr" fontAlgn="b"/>
+                      <a:r>
+                        <a:rPr lang="en-US" sz="1400" b="0" i="0" u="none" strike="noStrike" dirty="0">
                           <a:solidFill>
                             <a:srgbClr val="000000"/>
                           </a:solidFill>
@@ -17976,16 +17974,16 @@
                       </a:r>
                     </a:p>
                   </a:txBody>
-                  <a:tcPr marL="6350" marR="6350" marT="6350" marB="0" anchor="b"/>
-                </a:tc>
-                <a:tc>
-                  <a:txBody>
-                    <a:bodyPr/>
-                    <a:lstStyle/>
-                    <a:p>
-                      <a:pPr algn="ctr" fontAlgn="b"/>
-                      <a:r>
-                        <a:rPr lang="en-US" sz="1200" b="0" i="0" u="none" strike="noStrike" dirty="0">
+                  <a:tcPr marL="6350" marR="6350" marT="6350" marB="0" anchor="ctr"/>
+                </a:tc>
+                <a:tc>
+                  <a:txBody>
+                    <a:bodyPr/>
+                    <a:lstStyle/>
+                    <a:p>
+                      <a:pPr algn="ctr" fontAlgn="b"/>
+                      <a:r>
+                        <a:rPr lang="en-US" sz="1400" b="0" i="0" u="none" strike="noStrike" dirty="0">
                           <a:solidFill>
                             <a:srgbClr val="000000"/>
                           </a:solidFill>
@@ -17996,16 +17994,16 @@
                       </a:r>
                     </a:p>
                   </a:txBody>
-                  <a:tcPr marL="6350" marR="6350" marT="6350" marB="0" anchor="b"/>
-                </a:tc>
-                <a:tc>
-                  <a:txBody>
-                    <a:bodyPr/>
-                    <a:lstStyle/>
-                    <a:p>
-                      <a:pPr algn="ctr" fontAlgn="b"/>
-                      <a:r>
-                        <a:rPr lang="en-US" sz="1200" b="0" i="0" u="none" strike="noStrike" dirty="0">
+                  <a:tcPr marL="6350" marR="6350" marT="6350" marB="0" anchor="ctr"/>
+                </a:tc>
+                <a:tc>
+                  <a:txBody>
+                    <a:bodyPr/>
+                    <a:lstStyle/>
+                    <a:p>
+                      <a:pPr algn="ctr" fontAlgn="b"/>
+                      <a:r>
+                        <a:rPr lang="en-US" sz="1400" b="0" i="0" u="none" strike="noStrike" dirty="0">
                           <a:solidFill>
                             <a:srgbClr val="000000"/>
                           </a:solidFill>
@@ -18016,7 +18014,7 @@
                       </a:r>
                     </a:p>
                   </a:txBody>
-                  <a:tcPr marL="6350" marR="6350" marT="6350" marB="0" anchor="b"/>
+                  <a:tcPr marL="6350" marR="6350" marT="6350" marB="0" anchor="ctr"/>
                 </a:tc>
                 <a:extLst>
                   <a:ext uri="{0D108BD9-81ED-4DB2-BD59-A6C34878D82A}">
@@ -18048,12 +18046,12 @@
                         <a:defRPr/>
                       </a:pPr>
                       <a:r>
-                        <a:rPr lang="en-US" sz="1200" u="none" strike="noStrike" dirty="0">
+                        <a:rPr lang="en-US" sz="1400" u="none" strike="noStrike" dirty="0">
                           <a:effectLst/>
                         </a:rPr>
                         <a:t>ARIMA(1,1,0)</a:t>
                       </a:r>
-                      <a:endParaRPr lang="en-US" sz="1200" b="0" i="0" u="none" strike="noStrike" dirty="0">
+                      <a:endParaRPr lang="en-US" sz="1400" b="0" i="0" u="none" strike="noStrike" dirty="0">
                         <a:solidFill>
                           <a:srgbClr val="000000"/>
                         </a:solidFill>
@@ -18071,7 +18069,7 @@
                     <a:p>
                       <a:pPr algn="ctr" fontAlgn="b"/>
                       <a:r>
-                        <a:rPr lang="en-US" sz="1200" b="0" i="0" u="none" strike="noStrike" dirty="0">
+                        <a:rPr lang="en-US" sz="1400" b="0" i="0" u="none" strike="noStrike" dirty="0">
                           <a:solidFill>
                             <a:srgbClr val="000000"/>
                           </a:solidFill>
@@ -18082,16 +18080,16 @@
                       </a:r>
                     </a:p>
                   </a:txBody>
-                  <a:tcPr marL="6350" marR="6350" marT="6350" marB="0" anchor="b"/>
-                </a:tc>
-                <a:tc>
-                  <a:txBody>
-                    <a:bodyPr/>
-                    <a:lstStyle/>
-                    <a:p>
-                      <a:pPr algn="ctr" fontAlgn="b"/>
-                      <a:r>
-                        <a:rPr lang="en-US" sz="1200" b="0" i="0" u="none" strike="noStrike" dirty="0">
+                  <a:tcPr marL="6350" marR="6350" marT="6350" marB="0" anchor="ctr"/>
+                </a:tc>
+                <a:tc>
+                  <a:txBody>
+                    <a:bodyPr/>
+                    <a:lstStyle/>
+                    <a:p>
+                      <a:pPr algn="ctr" fontAlgn="b"/>
+                      <a:r>
+                        <a:rPr lang="en-US" sz="1400" b="0" i="0" u="none" strike="noStrike" dirty="0">
                           <a:solidFill>
                             <a:srgbClr val="000000"/>
                           </a:solidFill>
@@ -18102,16 +18100,16 @@
                       </a:r>
                     </a:p>
                   </a:txBody>
-                  <a:tcPr marL="6350" marR="6350" marT="6350" marB="0" anchor="b"/>
-                </a:tc>
-                <a:tc>
-                  <a:txBody>
-                    <a:bodyPr/>
-                    <a:lstStyle/>
-                    <a:p>
-                      <a:pPr algn="ctr" fontAlgn="b"/>
-                      <a:r>
-                        <a:rPr lang="en-US" sz="1200" b="0" i="0" u="none" strike="noStrike" dirty="0">
+                  <a:tcPr marL="6350" marR="6350" marT="6350" marB="0" anchor="ctr"/>
+                </a:tc>
+                <a:tc>
+                  <a:txBody>
+                    <a:bodyPr/>
+                    <a:lstStyle/>
+                    <a:p>
+                      <a:pPr algn="ctr" fontAlgn="b"/>
+                      <a:r>
+                        <a:rPr lang="en-US" sz="1400" b="0" i="0" u="none" strike="noStrike" dirty="0">
                           <a:solidFill>
                             <a:srgbClr val="000000"/>
                           </a:solidFill>
@@ -18122,16 +18120,16 @@
                       </a:r>
                     </a:p>
                   </a:txBody>
-                  <a:tcPr marL="6350" marR="6350" marT="6350" marB="0" anchor="b"/>
-                </a:tc>
-                <a:tc>
-                  <a:txBody>
-                    <a:bodyPr/>
-                    <a:lstStyle/>
-                    <a:p>
-                      <a:pPr algn="ctr" fontAlgn="b"/>
-                      <a:r>
-                        <a:rPr lang="en-US" sz="1200" b="0" i="0" u="none" strike="noStrike" dirty="0">
+                  <a:tcPr marL="6350" marR="6350" marT="6350" marB="0" anchor="ctr"/>
+                </a:tc>
+                <a:tc>
+                  <a:txBody>
+                    <a:bodyPr/>
+                    <a:lstStyle/>
+                    <a:p>
+                      <a:pPr algn="ctr" fontAlgn="b"/>
+                      <a:r>
+                        <a:rPr lang="en-US" sz="1400" b="0" i="0" u="none" strike="noStrike" dirty="0">
                           <a:solidFill>
                             <a:srgbClr val="000000"/>
                           </a:solidFill>
@@ -18142,7 +18140,7 @@
                       </a:r>
                     </a:p>
                   </a:txBody>
-                  <a:tcPr marL="6350" marR="6350" marT="6350" marB="0" anchor="b"/>
+                  <a:tcPr marL="6350" marR="6350" marT="6350" marB="0" anchor="ctr"/>
                 </a:tc>
                 <a:extLst>
                   <a:ext uri="{0D108BD9-81ED-4DB2-BD59-A6C34878D82A}">
@@ -18158,12 +18156,12 @@
                     <a:p>
                       <a:pPr algn="ctr" fontAlgn="b"/>
                       <a:r>
-                        <a:rPr lang="en-US" sz="1200" u="none" strike="noStrike">
+                        <a:rPr lang="en-US" sz="1400" u="none" strike="noStrike">
                           <a:effectLst/>
                         </a:rPr>
                         <a:t>Catboost</a:t>
                       </a:r>
-                      <a:endParaRPr lang="en-US" sz="1200" b="0" i="0" u="none" strike="noStrike">
+                      <a:endParaRPr lang="en-US" sz="1400" b="0" i="0" u="none" strike="noStrike">
                         <a:solidFill>
                           <a:srgbClr val="000000"/>
                         </a:solidFill>
@@ -18181,12 +18179,12 @@
                     <a:p>
                       <a:pPr algn="ctr" fontAlgn="b"/>
                       <a:r>
-                        <a:rPr lang="en-US" sz="1200" u="none" strike="noStrike" dirty="0">
+                        <a:rPr lang="en-US" sz="1400" u="none" strike="noStrike" dirty="0">
                           <a:effectLst/>
                         </a:rPr>
                         <a:t>7.593</a:t>
                       </a:r>
-                      <a:endParaRPr lang="en-US" sz="1200" b="0" i="0" u="none" strike="noStrike" dirty="0">
+                      <a:endParaRPr lang="en-US" sz="1400" b="0" i="0" u="none" strike="noStrike" dirty="0">
                         <a:solidFill>
                           <a:srgbClr val="000000"/>
                         </a:solidFill>
@@ -18195,21 +18193,21 @@
                       </a:endParaRPr>
                     </a:p>
                   </a:txBody>
-                  <a:tcPr marL="6350" marR="6350" marT="6350" marB="0" anchor="b"/>
-                </a:tc>
-                <a:tc>
-                  <a:txBody>
-                    <a:bodyPr/>
-                    <a:lstStyle/>
-                    <a:p>
-                      <a:pPr algn="ctr" fontAlgn="b"/>
-                      <a:r>
-                        <a:rPr lang="en-US" sz="1200" u="none" strike="noStrike" dirty="0">
+                  <a:tcPr marL="6350" marR="6350" marT="6350" marB="0" anchor="ctr"/>
+                </a:tc>
+                <a:tc>
+                  <a:txBody>
+                    <a:bodyPr/>
+                    <a:lstStyle/>
+                    <a:p>
+                      <a:pPr algn="ctr" fontAlgn="b"/>
+                      <a:r>
+                        <a:rPr lang="en-US" sz="1400" u="none" strike="noStrike" dirty="0">
                           <a:effectLst/>
                         </a:rPr>
                         <a:t>11.139</a:t>
                       </a:r>
-                      <a:endParaRPr lang="en-US" sz="1200" b="0" i="0" u="none" strike="noStrike" dirty="0">
+                      <a:endParaRPr lang="en-US" sz="1400" b="0" i="0" u="none" strike="noStrike" dirty="0">
                         <a:solidFill>
                           <a:srgbClr val="000000"/>
                         </a:solidFill>
@@ -18218,21 +18216,21 @@
                       </a:endParaRPr>
                     </a:p>
                   </a:txBody>
-                  <a:tcPr marL="6350" marR="6350" marT="6350" marB="0" anchor="b"/>
-                </a:tc>
-                <a:tc>
-                  <a:txBody>
-                    <a:bodyPr/>
-                    <a:lstStyle/>
-                    <a:p>
-                      <a:pPr algn="ctr" fontAlgn="b"/>
-                      <a:r>
-                        <a:rPr lang="en-US" sz="1200" u="none" strike="noStrike" dirty="0">
+                  <a:tcPr marL="6350" marR="6350" marT="6350" marB="0" anchor="ctr"/>
+                </a:tc>
+                <a:tc>
+                  <a:txBody>
+                    <a:bodyPr/>
+                    <a:lstStyle/>
+                    <a:p>
+                      <a:pPr algn="ctr" fontAlgn="b"/>
+                      <a:r>
+                        <a:rPr lang="en-US" sz="1400" u="none" strike="noStrike" dirty="0">
                           <a:effectLst/>
                         </a:rPr>
                         <a:t>13.029</a:t>
                       </a:r>
-                      <a:endParaRPr lang="en-US" sz="1200" b="0" i="0" u="none" strike="noStrike" dirty="0">
+                      <a:endParaRPr lang="en-US" sz="1400" b="0" i="0" u="none" strike="noStrike" dirty="0">
                         <a:solidFill>
                           <a:srgbClr val="000000"/>
                         </a:solidFill>
@@ -18241,21 +18239,21 @@
                       </a:endParaRPr>
                     </a:p>
                   </a:txBody>
-                  <a:tcPr marL="6350" marR="6350" marT="6350" marB="0" anchor="b"/>
-                </a:tc>
-                <a:tc>
-                  <a:txBody>
-                    <a:bodyPr/>
-                    <a:lstStyle/>
-                    <a:p>
-                      <a:pPr algn="ctr" fontAlgn="b"/>
-                      <a:r>
-                        <a:rPr lang="en-US" sz="1200" u="none" strike="noStrike" dirty="0">
+                  <a:tcPr marL="6350" marR="6350" marT="6350" marB="0" anchor="ctr"/>
+                </a:tc>
+                <a:tc>
+                  <a:txBody>
+                    <a:bodyPr/>
+                    <a:lstStyle/>
+                    <a:p>
+                      <a:pPr algn="ctr" fontAlgn="b"/>
+                      <a:r>
+                        <a:rPr lang="en-US" sz="1400" u="none" strike="noStrike" dirty="0">
                           <a:effectLst/>
                         </a:rPr>
                         <a:t>6.569</a:t>
                       </a:r>
-                      <a:endParaRPr lang="en-US" sz="1200" b="0" i="0" u="none" strike="noStrike" dirty="0">
+                      <a:endParaRPr lang="en-US" sz="1400" b="0" i="0" u="none" strike="noStrike" dirty="0">
                         <a:solidFill>
                           <a:srgbClr val="000000"/>
                         </a:solidFill>
@@ -18264,7 +18262,7 @@
                       </a:endParaRPr>
                     </a:p>
                   </a:txBody>
-                  <a:tcPr marL="6350" marR="6350" marT="6350" marB="0" anchor="b"/>
+                  <a:tcPr marL="6350" marR="6350" marT="6350" marB="0" anchor="ctr"/>
                 </a:tc>
                 <a:extLst>
                   <a:ext uri="{0D108BD9-81ED-4DB2-BD59-A6C34878D82A}">
@@ -18280,12 +18278,12 @@
                     <a:p>
                       <a:pPr algn="ctr" fontAlgn="b"/>
                       <a:r>
-                        <a:rPr lang="en-US" sz="1200" u="none" strike="noStrike">
+                        <a:rPr lang="en-US" sz="1400" u="none" strike="noStrike">
                           <a:effectLst/>
                         </a:rPr>
                         <a:t>GRU</a:t>
                       </a:r>
-                      <a:endParaRPr lang="en-US" sz="1200" b="0" i="0" u="none" strike="noStrike">
+                      <a:endParaRPr lang="en-US" sz="1400" b="0" i="0" u="none" strike="noStrike">
                         <a:solidFill>
                           <a:srgbClr val="000000"/>
                         </a:solidFill>
@@ -18303,12 +18301,12 @@
                     <a:p>
                       <a:pPr algn="ctr" fontAlgn="b"/>
                       <a:r>
-                        <a:rPr lang="en-US" sz="1200" u="none" strike="noStrike" dirty="0">
+                        <a:rPr lang="en-US" sz="1400" u="none" strike="noStrike" dirty="0">
                           <a:effectLst/>
                         </a:rPr>
                         <a:t>1.713</a:t>
                       </a:r>
-                      <a:endParaRPr lang="en-US" sz="1200" b="0" i="0" u="none" strike="noStrike" dirty="0">
+                      <a:endParaRPr lang="en-US" sz="1400" b="0" i="0" u="none" strike="noStrike" dirty="0">
                         <a:solidFill>
                           <a:srgbClr val="000000"/>
                         </a:solidFill>
@@ -18317,21 +18315,21 @@
                       </a:endParaRPr>
                     </a:p>
                   </a:txBody>
-                  <a:tcPr marL="6350" marR="6350" marT="6350" marB="0" anchor="b"/>
-                </a:tc>
-                <a:tc>
-                  <a:txBody>
-                    <a:bodyPr/>
-                    <a:lstStyle/>
-                    <a:p>
-                      <a:pPr algn="ctr" fontAlgn="b"/>
-                      <a:r>
-                        <a:rPr lang="en-US" sz="1200" u="none" strike="noStrike" dirty="0">
+                  <a:tcPr marL="6350" marR="6350" marT="6350" marB="0" anchor="ctr"/>
+                </a:tc>
+                <a:tc>
+                  <a:txBody>
+                    <a:bodyPr/>
+                    <a:lstStyle/>
+                    <a:p>
+                      <a:pPr algn="ctr" fontAlgn="b"/>
+                      <a:r>
+                        <a:rPr lang="en-US" sz="1400" u="none" strike="noStrike" dirty="0">
                           <a:effectLst/>
                         </a:rPr>
                         <a:t>2.895</a:t>
                       </a:r>
-                      <a:endParaRPr lang="en-US" sz="1200" b="0" i="0" u="none" strike="noStrike" dirty="0">
+                      <a:endParaRPr lang="en-US" sz="1400" b="0" i="0" u="none" strike="noStrike" dirty="0">
                         <a:solidFill>
                           <a:srgbClr val="000000"/>
                         </a:solidFill>
@@ -18340,21 +18338,21 @@
                       </a:endParaRPr>
                     </a:p>
                   </a:txBody>
-                  <a:tcPr marL="6350" marR="6350" marT="6350" marB="0" anchor="b"/>
-                </a:tc>
-                <a:tc>
-                  <a:txBody>
-                    <a:bodyPr/>
-                    <a:lstStyle/>
-                    <a:p>
-                      <a:pPr algn="ctr" fontAlgn="b"/>
-                      <a:r>
-                        <a:rPr lang="en-US" sz="1200" u="none" strike="noStrike" dirty="0">
+                  <a:tcPr marL="6350" marR="6350" marT="6350" marB="0" anchor="ctr"/>
+                </a:tc>
+                <a:tc>
+                  <a:txBody>
+                    <a:bodyPr/>
+                    <a:lstStyle/>
+                    <a:p>
+                      <a:pPr algn="ctr" fontAlgn="b"/>
+                      <a:r>
+                        <a:rPr lang="en-US" sz="1400" u="none" strike="noStrike" dirty="0">
                           <a:effectLst/>
                         </a:rPr>
                         <a:t>3.216</a:t>
                       </a:r>
-                      <a:endParaRPr lang="en-US" sz="1200" b="0" i="0" u="none" strike="noStrike" dirty="0">
+                      <a:endParaRPr lang="en-US" sz="1400" b="0" i="0" u="none" strike="noStrike" dirty="0">
                         <a:solidFill>
                           <a:srgbClr val="000000"/>
                         </a:solidFill>
@@ -18363,21 +18361,21 @@
                       </a:endParaRPr>
                     </a:p>
                   </a:txBody>
-                  <a:tcPr marL="6350" marR="6350" marT="6350" marB="0" anchor="b"/>
-                </a:tc>
-                <a:tc>
-                  <a:txBody>
-                    <a:bodyPr/>
-                    <a:lstStyle/>
-                    <a:p>
-                      <a:pPr algn="ctr" fontAlgn="b"/>
-                      <a:r>
-                        <a:rPr lang="en-US" sz="1200" u="none" strike="noStrike" dirty="0">
+                  <a:tcPr marL="6350" marR="6350" marT="6350" marB="0" anchor="ctr"/>
+                </a:tc>
+                <a:tc>
+                  <a:txBody>
+                    <a:bodyPr/>
+                    <a:lstStyle/>
+                    <a:p>
+                      <a:pPr algn="ctr" fontAlgn="b"/>
+                      <a:r>
+                        <a:rPr lang="en-US" sz="1400" u="none" strike="noStrike" dirty="0">
                           <a:effectLst/>
                         </a:rPr>
                         <a:t>1.512</a:t>
                       </a:r>
-                      <a:endParaRPr lang="en-US" sz="1200" b="0" i="0" u="none" strike="noStrike" dirty="0">
+                      <a:endParaRPr lang="en-US" sz="1400" b="0" i="0" u="none" strike="noStrike" dirty="0">
                         <a:solidFill>
                           <a:srgbClr val="000000"/>
                         </a:solidFill>
@@ -18386,7 +18384,7 @@
                       </a:endParaRPr>
                     </a:p>
                   </a:txBody>
-                  <a:tcPr marL="6350" marR="6350" marT="6350" marB="0" anchor="b"/>
+                  <a:tcPr marL="6350" marR="6350" marT="6350" marB="0" anchor="ctr"/>
                 </a:tc>
                 <a:extLst>
                   <a:ext uri="{0D108BD9-81ED-4DB2-BD59-A6C34878D82A}">
@@ -18402,12 +18400,12 @@
                     <a:p>
                       <a:pPr algn="ctr" fontAlgn="b"/>
                       <a:r>
-                        <a:rPr lang="en-US" sz="1200" u="none" strike="noStrike">
+                        <a:rPr lang="en-US" sz="1400" u="none" strike="noStrike">
                           <a:effectLst/>
                         </a:rPr>
                         <a:t>LSTM</a:t>
                       </a:r>
-                      <a:endParaRPr lang="en-US" sz="1200" b="0" i="0" u="none" strike="noStrike">
+                      <a:endParaRPr lang="en-US" sz="1400" b="0" i="0" u="none" strike="noStrike">
                         <a:solidFill>
                           <a:srgbClr val="000000"/>
                         </a:solidFill>
@@ -18425,12 +18423,12 @@
                     <a:p>
                       <a:pPr algn="ctr" fontAlgn="b"/>
                       <a:r>
-                        <a:rPr lang="en-US" sz="1200" u="none" strike="noStrike" dirty="0">
+                        <a:rPr lang="en-US" sz="1400" u="none" strike="noStrike" dirty="0">
                           <a:effectLst/>
                         </a:rPr>
                         <a:t>1.847</a:t>
                       </a:r>
-                      <a:endParaRPr lang="en-US" sz="1200" b="0" i="0" u="none" strike="noStrike" dirty="0">
+                      <a:endParaRPr lang="en-US" sz="1400" b="0" i="0" u="none" strike="noStrike" dirty="0">
                         <a:solidFill>
                           <a:srgbClr val="000000"/>
                         </a:solidFill>
@@ -18439,21 +18437,21 @@
                       </a:endParaRPr>
                     </a:p>
                   </a:txBody>
-                  <a:tcPr marL="6350" marR="6350" marT="6350" marB="0" anchor="b"/>
-                </a:tc>
-                <a:tc>
-                  <a:txBody>
-                    <a:bodyPr/>
-                    <a:lstStyle/>
-                    <a:p>
-                      <a:pPr algn="ctr" fontAlgn="b"/>
-                      <a:r>
-                        <a:rPr lang="en-US" sz="1200" u="none" strike="noStrike" dirty="0">
+                  <a:tcPr marL="6350" marR="6350" marT="6350" marB="0" anchor="ctr"/>
+                </a:tc>
+                <a:tc>
+                  <a:txBody>
+                    <a:bodyPr/>
+                    <a:lstStyle/>
+                    <a:p>
+                      <a:pPr algn="ctr" fontAlgn="b"/>
+                      <a:r>
+                        <a:rPr lang="en-US" sz="1400" u="none" strike="noStrike" dirty="0">
                           <a:effectLst/>
                         </a:rPr>
                         <a:t>3.439</a:t>
                       </a:r>
-                      <a:endParaRPr lang="en-US" sz="1200" b="0" i="0" u="none" strike="noStrike" dirty="0">
+                      <a:endParaRPr lang="en-US" sz="1400" b="0" i="0" u="none" strike="noStrike" dirty="0">
                         <a:solidFill>
                           <a:srgbClr val="000000"/>
                         </a:solidFill>
@@ -18462,21 +18460,21 @@
                       </a:endParaRPr>
                     </a:p>
                   </a:txBody>
-                  <a:tcPr marL="6350" marR="6350" marT="6350" marB="0" anchor="b"/>
-                </a:tc>
-                <a:tc>
-                  <a:txBody>
-                    <a:bodyPr/>
-                    <a:lstStyle/>
-                    <a:p>
-                      <a:pPr algn="ctr" fontAlgn="b"/>
-                      <a:r>
-                        <a:rPr lang="en-US" sz="1200" u="none" strike="noStrike" dirty="0">
+                  <a:tcPr marL="6350" marR="6350" marT="6350" marB="0" anchor="ctr"/>
+                </a:tc>
+                <a:tc>
+                  <a:txBody>
+                    <a:bodyPr/>
+                    <a:lstStyle/>
+                    <a:p>
+                      <a:pPr algn="ctr" fontAlgn="b"/>
+                      <a:r>
+                        <a:rPr lang="en-US" sz="1400" u="none" strike="noStrike" dirty="0">
                           <a:effectLst/>
                         </a:rPr>
                         <a:t>3.334</a:t>
                       </a:r>
-                      <a:endParaRPr lang="en-US" sz="1200" b="0" i="0" u="none" strike="noStrike" dirty="0">
+                      <a:endParaRPr lang="en-US" sz="1400" b="0" i="0" u="none" strike="noStrike" dirty="0">
                         <a:solidFill>
                           <a:srgbClr val="000000"/>
                         </a:solidFill>
@@ -18485,21 +18483,21 @@
                       </a:endParaRPr>
                     </a:p>
                   </a:txBody>
-                  <a:tcPr marL="6350" marR="6350" marT="6350" marB="0" anchor="b"/>
-                </a:tc>
-                <a:tc>
-                  <a:txBody>
-                    <a:bodyPr/>
-                    <a:lstStyle/>
-                    <a:p>
-                      <a:pPr algn="ctr" fontAlgn="b"/>
-                      <a:r>
-                        <a:rPr lang="en-US" sz="1200" u="none" strike="noStrike" dirty="0">
+                  <a:tcPr marL="6350" marR="6350" marT="6350" marB="0" anchor="ctr"/>
+                </a:tc>
+                <a:tc>
+                  <a:txBody>
+                    <a:bodyPr/>
+                    <a:lstStyle/>
+                    <a:p>
+                      <a:pPr algn="ctr" fontAlgn="b"/>
+                      <a:r>
+                        <a:rPr lang="en-US" sz="1400" u="none" strike="noStrike" dirty="0">
                           <a:effectLst/>
                         </a:rPr>
                         <a:t>1.617</a:t>
                       </a:r>
-                      <a:endParaRPr lang="en-US" sz="1200" b="0" i="0" u="none" strike="noStrike" dirty="0">
+                      <a:endParaRPr lang="en-US" sz="1400" b="0" i="0" u="none" strike="noStrike" dirty="0">
                         <a:solidFill>
                           <a:srgbClr val="000000"/>
                         </a:solidFill>
@@ -18508,7 +18506,7 @@
                       </a:endParaRPr>
                     </a:p>
                   </a:txBody>
-                  <a:tcPr marL="6350" marR="6350" marT="6350" marB="0" anchor="b"/>
+                  <a:tcPr marL="6350" marR="6350" marT="6350" marB="0" anchor="ctr"/>
                 </a:tc>
                 <a:extLst>
                   <a:ext uri="{0D108BD9-81ED-4DB2-BD59-A6C34878D82A}">
@@ -18524,12 +18522,12 @@
                     <a:p>
                       <a:pPr algn="ctr" fontAlgn="b"/>
                       <a:r>
-                        <a:rPr lang="en-US" sz="1200" u="none" strike="noStrike">
+                        <a:rPr lang="en-US" sz="1400" u="none" strike="noStrike">
                           <a:effectLst/>
                         </a:rPr>
                         <a:t>RNN</a:t>
                       </a:r>
-                      <a:endParaRPr lang="en-US" sz="1200" b="0" i="0" u="none" strike="noStrike">
+                      <a:endParaRPr lang="en-US" sz="1400" b="0" i="0" u="none" strike="noStrike">
                         <a:solidFill>
                           <a:srgbClr val="000000"/>
                         </a:solidFill>
@@ -18547,12 +18545,12 @@
                     <a:p>
                       <a:pPr algn="ctr" fontAlgn="b"/>
                       <a:r>
-                        <a:rPr lang="en-US" sz="1200" u="none" strike="noStrike" dirty="0">
+                        <a:rPr lang="en-US" sz="1400" u="none" strike="noStrike" dirty="0">
                           <a:effectLst/>
                         </a:rPr>
                         <a:t>1.606</a:t>
                       </a:r>
-                      <a:endParaRPr lang="en-US" sz="1200" b="0" i="0" u="none" strike="noStrike" dirty="0">
+                      <a:endParaRPr lang="en-US" sz="1400" b="0" i="0" u="none" strike="noStrike" dirty="0">
                         <a:solidFill>
                           <a:srgbClr val="000000"/>
                         </a:solidFill>
@@ -18561,7 +18559,7 @@
                       </a:endParaRPr>
                     </a:p>
                   </a:txBody>
-                  <a:tcPr marL="6350" marR="6350" marT="6350" marB="0" anchor="b">
+                  <a:tcPr marL="6350" marR="6350" marT="6350" marB="0" anchor="ctr">
                     <a:solidFill>
                       <a:srgbClr val="00B050"/>
                     </a:solidFill>
@@ -18574,12 +18572,12 @@
                     <a:p>
                       <a:pPr algn="ctr" fontAlgn="b"/>
                       <a:r>
-                        <a:rPr lang="en-US" sz="1200" u="none" strike="noStrike" dirty="0">
+                        <a:rPr lang="en-US" sz="1400" u="none" strike="noStrike" dirty="0">
                           <a:effectLst/>
                         </a:rPr>
                         <a:t>1.598</a:t>
                       </a:r>
-                      <a:endParaRPr lang="en-US" sz="1200" b="0" i="0" u="none" strike="noStrike" dirty="0">
+                      <a:endParaRPr lang="en-US" sz="1400" b="0" i="0" u="none" strike="noStrike" dirty="0">
                         <a:solidFill>
                           <a:srgbClr val="000000"/>
                         </a:solidFill>
@@ -18588,7 +18586,7 @@
                       </a:endParaRPr>
                     </a:p>
                   </a:txBody>
-                  <a:tcPr marL="6350" marR="6350" marT="6350" marB="0" anchor="b">
+                  <a:tcPr marL="6350" marR="6350" marT="6350" marB="0" anchor="ctr">
                     <a:solidFill>
                       <a:srgbClr val="00B050"/>
                     </a:solidFill>
@@ -18601,12 +18599,12 @@
                     <a:p>
                       <a:pPr algn="ctr" fontAlgn="b"/>
                       <a:r>
-                        <a:rPr lang="en-US" sz="1200" u="none" strike="noStrike" dirty="0">
+                        <a:rPr lang="en-US" sz="1400" u="none" strike="noStrike" dirty="0">
                           <a:effectLst/>
                         </a:rPr>
                         <a:t>3.095</a:t>
                       </a:r>
-                      <a:endParaRPr lang="en-US" sz="1200" b="0" i="0" u="none" strike="noStrike" dirty="0">
+                      <a:endParaRPr lang="en-US" sz="1400" b="0" i="0" u="none" strike="noStrike" dirty="0">
                         <a:solidFill>
                           <a:srgbClr val="000000"/>
                         </a:solidFill>
@@ -18615,7 +18613,7 @@
                       </a:endParaRPr>
                     </a:p>
                   </a:txBody>
-                  <a:tcPr marL="6350" marR="6350" marT="6350" marB="0" anchor="b">
+                  <a:tcPr marL="6350" marR="6350" marT="6350" marB="0" anchor="ctr">
                     <a:solidFill>
                       <a:srgbClr val="00B050"/>
                     </a:solidFill>
@@ -18628,12 +18626,12 @@
                     <a:p>
                       <a:pPr algn="ctr" fontAlgn="b"/>
                       <a:r>
-                        <a:rPr lang="en-US" sz="1200" u="none" strike="noStrike" dirty="0">
+                        <a:rPr lang="en-US" sz="1400" u="none" strike="noStrike" dirty="0">
                           <a:effectLst/>
                         </a:rPr>
                         <a:t>1.455</a:t>
                       </a:r>
-                      <a:endParaRPr lang="en-US" sz="1200" b="0" i="0" u="none" strike="noStrike" dirty="0">
+                      <a:endParaRPr lang="en-US" sz="1400" b="0" i="0" u="none" strike="noStrike" dirty="0">
                         <a:solidFill>
                           <a:srgbClr val="000000"/>
                         </a:solidFill>
@@ -18642,7 +18640,7 @@
                       </a:endParaRPr>
                     </a:p>
                   </a:txBody>
-                  <a:tcPr marL="6350" marR="6350" marT="6350" marB="0" anchor="b">
+                  <a:tcPr marL="6350" marR="6350" marT="6350" marB="0" anchor="ctr">
                     <a:solidFill>
                       <a:srgbClr val="00B050"/>
                     </a:solidFill>
@@ -18673,14 +18671,14 @@
           <p:nvPr>
             <p:extLst>
               <p:ext uri="{D42A27DB-BD31-4B8C-83A1-F6EECF244321}">
-                <p14:modId xmlns:p14="http://schemas.microsoft.com/office/powerpoint/2010/main" val="1804927610"/>
+                <p14:modId xmlns:p14="http://schemas.microsoft.com/office/powerpoint/2010/main" val="1954999019"/>
               </p:ext>
             </p:extLst>
           </p:nvPr>
         </p:nvGraphicFramePr>
         <p:xfrm>
           <a:off x="7027815" y="2213690"/>
-          <a:ext cx="4828491" cy="3243699"/>
+          <a:ext cx="4828491" cy="3316358"/>
         </p:xfrm>
         <a:graphic>
           <a:graphicData uri="http://schemas.openxmlformats.org/drawingml/2006/table">
@@ -18733,7 +18731,7 @@
                     <a:p>
                       <a:pPr algn="ctr" fontAlgn="b"/>
                       <a:r>
-                        <a:rPr lang="ru-RU" sz="1200" b="0" i="0" u="none" strike="noStrike" dirty="0">
+                        <a:rPr lang="ru-RU" sz="1400" b="0" i="0" u="none" strike="noStrike" dirty="0">
                           <a:solidFill>
                             <a:srgbClr val="000000"/>
                           </a:solidFill>
@@ -18743,7 +18741,7 @@
                         <a:t>Модель</a:t>
                       </a:r>
                       <a:r>
-                        <a:rPr lang="en-US" sz="1200" b="0" i="0" u="none" strike="noStrike" dirty="0">
+                        <a:rPr lang="en-US" sz="1400" b="0" i="0" u="none" strike="noStrike" dirty="0">
                           <a:solidFill>
                             <a:srgbClr val="000000"/>
                           </a:solidFill>
@@ -18753,7 +18751,7 @@
                         <a:t>\</a:t>
                       </a:r>
                       <a:r>
-                        <a:rPr lang="ru-RU" sz="1200" b="0" i="0" u="none" strike="noStrike" dirty="0">
+                        <a:rPr lang="ru-RU" sz="1400" b="0" i="0" u="none" strike="noStrike" dirty="0">
                           <a:solidFill>
                             <a:srgbClr val="000000"/>
                           </a:solidFill>
@@ -18762,7 +18760,7 @@
                         </a:rPr>
                         <a:t>Набор данных</a:t>
                       </a:r>
-                      <a:endParaRPr lang="en-US" sz="1200" b="0" i="0" u="none" strike="noStrike" dirty="0">
+                      <a:endParaRPr lang="en-US" sz="1400" b="0" i="0" u="none" strike="noStrike" dirty="0">
                         <a:solidFill>
                           <a:srgbClr val="000000"/>
                         </a:solidFill>
@@ -18780,12 +18778,12 @@
                     <a:p>
                       <a:pPr algn="ctr" fontAlgn="b"/>
                       <a:r>
-                        <a:rPr lang="en-US" sz="1200" u="none" strike="noStrike" dirty="0">
+                        <a:rPr lang="en-US" sz="1400" u="none" strike="noStrike" dirty="0">
                           <a:effectLst/>
                         </a:rPr>
                         <a:t>SAND500</a:t>
                       </a:r>
-                      <a:endParaRPr lang="en-US" sz="1200" b="0" i="0" u="none" strike="noStrike" dirty="0">
+                      <a:endParaRPr lang="en-US" sz="1400" b="0" i="0" u="none" strike="noStrike" dirty="0">
                         <a:solidFill>
                           <a:srgbClr val="000000"/>
                         </a:solidFill>
@@ -18794,21 +18792,21 @@
                       </a:endParaRPr>
                     </a:p>
                   </a:txBody>
-                  <a:tcPr marL="6350" marR="6350" marT="6350" marB="0" anchor="b"/>
-                </a:tc>
-                <a:tc>
-                  <a:txBody>
-                    <a:bodyPr/>
-                    <a:lstStyle/>
-                    <a:p>
-                      <a:pPr algn="ctr" fontAlgn="b"/>
-                      <a:r>
-                        <a:rPr lang="en-US" sz="1200" u="none" strike="noStrike" dirty="0">
+                  <a:tcPr marL="6350" marR="6350" marT="6350" marB="0"/>
+                </a:tc>
+                <a:tc>
+                  <a:txBody>
+                    <a:bodyPr/>
+                    <a:lstStyle/>
+                    <a:p>
+                      <a:pPr algn="ctr" fontAlgn="b"/>
+                      <a:r>
+                        <a:rPr lang="en-US" sz="1400" u="none" strike="noStrike" dirty="0">
                           <a:effectLst/>
                         </a:rPr>
                         <a:t>NASDAQ</a:t>
                       </a:r>
-                      <a:endParaRPr lang="en-US" sz="1200" b="0" i="0" u="none" strike="noStrike" dirty="0">
+                      <a:endParaRPr lang="en-US" sz="1400" b="0" i="0" u="none" strike="noStrike" dirty="0">
                         <a:solidFill>
                           <a:srgbClr val="000000"/>
                         </a:solidFill>
@@ -18817,21 +18815,21 @@
                       </a:endParaRPr>
                     </a:p>
                   </a:txBody>
-                  <a:tcPr marL="6350" marR="6350" marT="6350" marB="0" anchor="b"/>
-                </a:tc>
-                <a:tc>
-                  <a:txBody>
-                    <a:bodyPr/>
-                    <a:lstStyle/>
-                    <a:p>
-                      <a:pPr algn="ctr" fontAlgn="b"/>
-                      <a:r>
-                        <a:rPr lang="en-US" sz="1200" u="none" strike="noStrike" dirty="0">
+                  <a:tcPr marL="6350" marR="6350" marT="6350" marB="0"/>
+                </a:tc>
+                <a:tc>
+                  <a:txBody>
+                    <a:bodyPr/>
+                    <a:lstStyle/>
+                    <a:p>
+                      <a:pPr algn="ctr" fontAlgn="b"/>
+                      <a:r>
+                        <a:rPr lang="en-US" sz="1400" u="none" strike="noStrike" dirty="0">
                           <a:effectLst/>
                         </a:rPr>
                         <a:t>JPM</a:t>
                       </a:r>
-                      <a:endParaRPr lang="en-US" sz="1200" b="0" i="0" u="none" strike="noStrike" dirty="0">
+                      <a:endParaRPr lang="en-US" sz="1400" b="0" i="0" u="none" strike="noStrike" dirty="0">
                         <a:solidFill>
                           <a:srgbClr val="000000"/>
                         </a:solidFill>
@@ -18840,21 +18838,21 @@
                       </a:endParaRPr>
                     </a:p>
                   </a:txBody>
-                  <a:tcPr marL="6350" marR="6350" marT="6350" marB="0" anchor="b"/>
-                </a:tc>
-                <a:tc>
-                  <a:txBody>
-                    <a:bodyPr/>
-                    <a:lstStyle/>
-                    <a:p>
-                      <a:pPr algn="ctr" fontAlgn="b"/>
-                      <a:r>
-                        <a:rPr lang="en-US" sz="1200" u="none" strike="noStrike" dirty="0">
+                  <a:tcPr marL="6350" marR="6350" marT="6350" marB="0"/>
+                </a:tc>
+                <a:tc>
+                  <a:txBody>
+                    <a:bodyPr/>
+                    <a:lstStyle/>
+                    <a:p>
+                      <a:pPr algn="ctr" fontAlgn="b"/>
+                      <a:r>
+                        <a:rPr lang="en-US" sz="1400" u="none" strike="noStrike" dirty="0">
                           <a:effectLst/>
                         </a:rPr>
                         <a:t>DJI</a:t>
                       </a:r>
-                      <a:endParaRPr lang="en-US" sz="1200" b="0" i="0" u="none" strike="noStrike" dirty="0">
+                      <a:endParaRPr lang="en-US" sz="1400" b="0" i="0" u="none" strike="noStrike" dirty="0">
                         <a:solidFill>
                           <a:srgbClr val="000000"/>
                         </a:solidFill>
@@ -18863,7 +18861,7 @@
                       </a:endParaRPr>
                     </a:p>
                   </a:txBody>
-                  <a:tcPr marL="6350" marR="6350" marT="6350" marB="0" anchor="b"/>
+                  <a:tcPr marL="6350" marR="6350" marT="6350" marB="0"/>
                 </a:tc>
                 <a:extLst>
                   <a:ext uri="{0D108BD9-81ED-4DB2-BD59-A6C34878D82A}">
@@ -18879,7 +18877,7 @@
                     <a:p>
                       <a:pPr algn="ctr" fontAlgn="b"/>
                       <a:r>
-                        <a:rPr lang="en-US" sz="1200" b="0" i="0" u="none" strike="noStrike" dirty="0">
+                        <a:rPr lang="en-US" sz="1400" b="0" i="0" u="none" strike="noStrike" dirty="0">
                           <a:solidFill>
                             <a:srgbClr val="000000"/>
                           </a:solidFill>
@@ -18899,7 +18897,7 @@
                     <a:p>
                       <a:pPr algn="ctr" fontAlgn="b"/>
                       <a:r>
-                        <a:rPr lang="en-US" sz="1200" b="0" i="0" u="none" strike="noStrike" dirty="0">
+                        <a:rPr lang="en-US" sz="1400" b="0" i="0" u="none" strike="noStrike" dirty="0">
                           <a:solidFill>
                             <a:srgbClr val="000000"/>
                           </a:solidFill>
@@ -18910,16 +18908,16 @@
                       </a:r>
                     </a:p>
                   </a:txBody>
-                  <a:tcPr marL="6350" marR="6350" marT="6350" marB="0" anchor="b"/>
-                </a:tc>
-                <a:tc>
-                  <a:txBody>
-                    <a:bodyPr/>
-                    <a:lstStyle/>
-                    <a:p>
-                      <a:pPr algn="ctr" fontAlgn="b"/>
-                      <a:r>
-                        <a:rPr lang="en-US" sz="1200" b="0" i="0" u="none" strike="noStrike" dirty="0">
+                  <a:tcPr marL="6350" marR="6350" marT="6350" marB="0" anchor="ctr"/>
+                </a:tc>
+                <a:tc>
+                  <a:txBody>
+                    <a:bodyPr/>
+                    <a:lstStyle/>
+                    <a:p>
+                      <a:pPr algn="ctr" fontAlgn="b"/>
+                      <a:r>
+                        <a:rPr lang="en-US" sz="1400" b="0" i="0" u="none" strike="noStrike" dirty="0">
                           <a:solidFill>
                             <a:srgbClr val="000000"/>
                           </a:solidFill>
@@ -18930,7 +18928,7 @@
                       </a:r>
                     </a:p>
                   </a:txBody>
-                  <a:tcPr marL="6350" marR="6350" marT="6350" marB="0" anchor="b"/>
+                  <a:tcPr marL="6350" marR="6350" marT="6350" marB="0" anchor="ctr"/>
                 </a:tc>
                 <a:tc>
                   <a:txBody>
@@ -18955,7 +18953,7 @@
                         <a:defRPr/>
                       </a:pPr>
                       <a:r>
-                        <a:rPr lang="en-US" sz="1200" b="0" i="0" u="none" strike="noStrike" dirty="0">
+                        <a:rPr lang="en-US" sz="1400" b="0" i="0" u="none" strike="noStrike" dirty="0">
                           <a:solidFill>
                             <a:srgbClr val="000000"/>
                           </a:solidFill>
@@ -18966,7 +18964,7 @@
                       </a:r>
                     </a:p>
                   </a:txBody>
-                  <a:tcPr marL="6350" marR="6350" marT="6350" marB="0" anchor="b">
+                  <a:tcPr marL="6350" marR="6350" marT="6350" marB="0" anchor="ctr">
                     <a:solidFill>
                       <a:srgbClr val="E9EBF5"/>
                     </a:solidFill>
@@ -18979,7 +18977,7 @@
                     <a:p>
                       <a:pPr algn="ctr" fontAlgn="b"/>
                       <a:r>
-                        <a:rPr lang="en-US" sz="1200" b="0" i="0" u="none" strike="noStrike" dirty="0">
+                        <a:rPr lang="en-US" sz="1400" b="0" i="0" u="none" strike="noStrike" dirty="0">
                           <a:solidFill>
                             <a:srgbClr val="000000"/>
                           </a:solidFill>
@@ -18990,7 +18988,7 @@
                       </a:r>
                     </a:p>
                   </a:txBody>
-                  <a:tcPr marL="6350" marR="6350" marT="6350" marB="0" anchor="b"/>
+                  <a:tcPr marL="6350" marR="6350" marT="6350" marB="0" anchor="ctr"/>
                 </a:tc>
                 <a:extLst>
                   <a:ext uri="{0D108BD9-81ED-4DB2-BD59-A6C34878D82A}">
@@ -19006,7 +19004,7 @@
                     <a:p>
                       <a:pPr algn="ctr" fontAlgn="b"/>
                       <a:r>
-                        <a:rPr lang="en-US" sz="1200" b="0" i="0" u="none" strike="noStrike" dirty="0">
+                        <a:rPr lang="en-US" sz="1400" b="0" i="0" u="none" strike="noStrike" dirty="0">
                           <a:solidFill>
                             <a:srgbClr val="000000"/>
                           </a:solidFill>
@@ -19026,7 +19024,7 @@
                     <a:p>
                       <a:pPr algn="ctr" fontAlgn="b"/>
                       <a:r>
-                        <a:rPr lang="en-US" sz="1200" b="0" i="0" u="none" strike="noStrike" dirty="0">
+                        <a:rPr lang="en-US" sz="1400" b="0" i="0" u="none" strike="noStrike" dirty="0">
                           <a:solidFill>
                             <a:srgbClr val="000000"/>
                           </a:solidFill>
@@ -19037,16 +19035,16 @@
                       </a:r>
                     </a:p>
                   </a:txBody>
-                  <a:tcPr marL="6350" marR="6350" marT="6350" marB="0" anchor="b"/>
-                </a:tc>
-                <a:tc>
-                  <a:txBody>
-                    <a:bodyPr/>
-                    <a:lstStyle/>
-                    <a:p>
-                      <a:pPr algn="ctr" fontAlgn="b"/>
-                      <a:r>
-                        <a:rPr lang="en-US" sz="1200" b="0" i="0" u="none" strike="noStrike" dirty="0">
+                  <a:tcPr marL="6350" marR="6350" marT="6350" marB="0" anchor="ctr"/>
+                </a:tc>
+                <a:tc>
+                  <a:txBody>
+                    <a:bodyPr/>
+                    <a:lstStyle/>
+                    <a:p>
+                      <a:pPr algn="ctr" fontAlgn="b"/>
+                      <a:r>
+                        <a:rPr lang="en-US" sz="1400" b="0" i="0" u="none" strike="noStrike" dirty="0">
                           <a:solidFill>
                             <a:srgbClr val="000000"/>
                           </a:solidFill>
@@ -19057,16 +19055,16 @@
                       </a:r>
                     </a:p>
                   </a:txBody>
-                  <a:tcPr marL="6350" marR="6350" marT="6350" marB="0" anchor="b"/>
-                </a:tc>
-                <a:tc>
-                  <a:txBody>
-                    <a:bodyPr/>
-                    <a:lstStyle/>
-                    <a:p>
-                      <a:pPr algn="ctr" fontAlgn="b"/>
-                      <a:r>
-                        <a:rPr lang="en-US" sz="1200" b="0" i="0" u="none" strike="noStrike" dirty="0">
+                  <a:tcPr marL="6350" marR="6350" marT="6350" marB="0" anchor="ctr"/>
+                </a:tc>
+                <a:tc>
+                  <a:txBody>
+                    <a:bodyPr/>
+                    <a:lstStyle/>
+                    <a:p>
+                      <a:pPr algn="ctr" fontAlgn="b"/>
+                      <a:r>
+                        <a:rPr lang="en-US" sz="1400" b="0" i="0" u="none" strike="noStrike" dirty="0">
                           <a:solidFill>
                             <a:srgbClr val="000000"/>
                           </a:solidFill>
@@ -19077,16 +19075,16 @@
                       </a:r>
                     </a:p>
                   </a:txBody>
-                  <a:tcPr marL="6350" marR="6350" marT="6350" marB="0" anchor="b"/>
-                </a:tc>
-                <a:tc>
-                  <a:txBody>
-                    <a:bodyPr/>
-                    <a:lstStyle/>
-                    <a:p>
-                      <a:pPr algn="ctr" fontAlgn="b"/>
-                      <a:r>
-                        <a:rPr lang="en-US" sz="1200" b="0" i="0" u="none" strike="noStrike" dirty="0">
+                  <a:tcPr marL="6350" marR="6350" marT="6350" marB="0" anchor="ctr"/>
+                </a:tc>
+                <a:tc>
+                  <a:txBody>
+                    <a:bodyPr/>
+                    <a:lstStyle/>
+                    <a:p>
+                      <a:pPr algn="ctr" fontAlgn="b"/>
+                      <a:r>
+                        <a:rPr lang="en-US" sz="1400" b="0" i="0" u="none" strike="noStrike" dirty="0">
                           <a:solidFill>
                             <a:srgbClr val="000000"/>
                           </a:solidFill>
@@ -19097,7 +19095,7 @@
                       </a:r>
                     </a:p>
                   </a:txBody>
-                  <a:tcPr marL="6350" marR="6350" marT="6350" marB="0" anchor="b"/>
+                  <a:tcPr marL="6350" marR="6350" marT="6350" marB="0" anchor="ctr"/>
                 </a:tc>
                 <a:extLst>
                   <a:ext uri="{0D108BD9-81ED-4DB2-BD59-A6C34878D82A}">
@@ -19113,7 +19111,7 @@
                     <a:p>
                       <a:pPr algn="ctr" fontAlgn="b"/>
                       <a:r>
-                        <a:rPr lang="en-US" sz="1200" b="0" i="0" u="none" strike="noStrike" dirty="0">
+                        <a:rPr lang="en-US" sz="1400" b="0" i="0" u="none" strike="noStrike" dirty="0">
                           <a:solidFill>
                             <a:srgbClr val="000000"/>
                           </a:solidFill>
@@ -19133,7 +19131,7 @@
                     <a:p>
                       <a:pPr algn="ctr" fontAlgn="b"/>
                       <a:r>
-                        <a:rPr lang="en-US" sz="1200" b="0" i="0" u="none" strike="noStrike" dirty="0">
+                        <a:rPr lang="en-US" sz="1400" b="0" i="0" u="none" strike="noStrike" dirty="0">
                           <a:solidFill>
                             <a:srgbClr val="000000"/>
                           </a:solidFill>
@@ -19144,16 +19142,16 @@
                       </a:r>
                     </a:p>
                   </a:txBody>
-                  <a:tcPr marL="6350" marR="6350" marT="6350" marB="0" anchor="b"/>
-                </a:tc>
-                <a:tc>
-                  <a:txBody>
-                    <a:bodyPr/>
-                    <a:lstStyle/>
-                    <a:p>
-                      <a:pPr algn="ctr" fontAlgn="b"/>
-                      <a:r>
-                        <a:rPr lang="en-US" sz="1200" b="0" i="0" u="none" strike="noStrike" dirty="0">
+                  <a:tcPr marL="6350" marR="6350" marT="6350" marB="0" anchor="ctr"/>
+                </a:tc>
+                <a:tc>
+                  <a:txBody>
+                    <a:bodyPr/>
+                    <a:lstStyle/>
+                    <a:p>
+                      <a:pPr algn="ctr" fontAlgn="b"/>
+                      <a:r>
+                        <a:rPr lang="en-US" sz="1400" b="0" i="0" u="none" strike="noStrike" dirty="0">
                           <a:solidFill>
                             <a:srgbClr val="000000"/>
                           </a:solidFill>
@@ -19164,16 +19162,16 @@
                       </a:r>
                     </a:p>
                   </a:txBody>
-                  <a:tcPr marL="6350" marR="6350" marT="6350" marB="0" anchor="b"/>
-                </a:tc>
-                <a:tc>
-                  <a:txBody>
-                    <a:bodyPr/>
-                    <a:lstStyle/>
-                    <a:p>
-                      <a:pPr algn="ctr" fontAlgn="b"/>
-                      <a:r>
-                        <a:rPr lang="en-US" sz="1200" b="0" i="0" u="none" strike="noStrike" dirty="0">
+                  <a:tcPr marL="6350" marR="6350" marT="6350" marB="0" anchor="ctr"/>
+                </a:tc>
+                <a:tc>
+                  <a:txBody>
+                    <a:bodyPr/>
+                    <a:lstStyle/>
+                    <a:p>
+                      <a:pPr algn="ctr" fontAlgn="b"/>
+                      <a:r>
+                        <a:rPr lang="en-US" sz="1400" b="0" i="0" u="none" strike="noStrike" dirty="0">
                           <a:solidFill>
                             <a:srgbClr val="000000"/>
                           </a:solidFill>
@@ -19184,16 +19182,16 @@
                       </a:r>
                     </a:p>
                   </a:txBody>
-                  <a:tcPr marL="6350" marR="6350" marT="6350" marB="0" anchor="b"/>
-                </a:tc>
-                <a:tc>
-                  <a:txBody>
-                    <a:bodyPr/>
-                    <a:lstStyle/>
-                    <a:p>
-                      <a:pPr algn="ctr" fontAlgn="b"/>
-                      <a:r>
-                        <a:rPr lang="en-US" sz="1200" b="0" i="0" u="none" strike="noStrike" dirty="0">
+                  <a:tcPr marL="6350" marR="6350" marT="6350" marB="0" anchor="ctr"/>
+                </a:tc>
+                <a:tc>
+                  <a:txBody>
+                    <a:bodyPr/>
+                    <a:lstStyle/>
+                    <a:p>
+                      <a:pPr algn="ctr" fontAlgn="b"/>
+                      <a:r>
+                        <a:rPr lang="en-US" sz="1400" b="0" i="0" u="none" strike="noStrike" dirty="0">
                           <a:solidFill>
                             <a:srgbClr val="000000"/>
                           </a:solidFill>
@@ -19204,7 +19202,7 @@
                       </a:r>
                     </a:p>
                   </a:txBody>
-                  <a:tcPr marL="6350" marR="6350" marT="6350" marB="0" anchor="b"/>
+                  <a:tcPr marL="6350" marR="6350" marT="6350" marB="0" anchor="ctr"/>
                 </a:tc>
                 <a:extLst>
                   <a:ext uri="{0D108BD9-81ED-4DB2-BD59-A6C34878D82A}">
@@ -19236,7 +19234,7 @@
                         <a:defRPr/>
                       </a:pPr>
                       <a:r>
-                        <a:rPr lang="en-US" sz="1200" b="0" i="0" u="none" strike="noStrike" dirty="0">
+                        <a:rPr lang="en-US" sz="1400" b="0" i="0" u="none" strike="noStrike" dirty="0">
                           <a:solidFill>
                             <a:srgbClr val="000000"/>
                           </a:solidFill>
@@ -19256,7 +19254,7 @@
                     <a:p>
                       <a:pPr algn="ctr" fontAlgn="b"/>
                       <a:r>
-                        <a:rPr lang="en-US" sz="1200" b="0" i="0" u="none" strike="noStrike" dirty="0">
+                        <a:rPr lang="en-US" sz="1400" b="0" i="0" u="none" strike="noStrike" dirty="0">
                           <a:solidFill>
                             <a:srgbClr val="000000"/>
                           </a:solidFill>
@@ -19267,16 +19265,16 @@
                       </a:r>
                     </a:p>
                   </a:txBody>
-                  <a:tcPr marL="6350" marR="6350" marT="6350" marB="0" anchor="b"/>
-                </a:tc>
-                <a:tc>
-                  <a:txBody>
-                    <a:bodyPr/>
-                    <a:lstStyle/>
-                    <a:p>
-                      <a:pPr algn="ctr" fontAlgn="b"/>
-                      <a:r>
-                        <a:rPr lang="en-US" sz="1200" b="0" i="0" u="none" strike="noStrike" dirty="0">
+                  <a:tcPr marL="6350" marR="6350" marT="6350" marB="0" anchor="ctr"/>
+                </a:tc>
+                <a:tc>
+                  <a:txBody>
+                    <a:bodyPr/>
+                    <a:lstStyle/>
+                    <a:p>
+                      <a:pPr algn="ctr" fontAlgn="b"/>
+                      <a:r>
+                        <a:rPr lang="en-US" sz="1400" b="0" i="0" u="none" strike="noStrike" dirty="0">
                           <a:solidFill>
                             <a:srgbClr val="000000"/>
                           </a:solidFill>
@@ -19287,16 +19285,16 @@
                       </a:r>
                     </a:p>
                   </a:txBody>
-                  <a:tcPr marL="6350" marR="6350" marT="6350" marB="0" anchor="b"/>
-                </a:tc>
-                <a:tc>
-                  <a:txBody>
-                    <a:bodyPr/>
-                    <a:lstStyle/>
-                    <a:p>
-                      <a:pPr algn="ctr" fontAlgn="b"/>
-                      <a:r>
-                        <a:rPr lang="en-US" sz="1200" b="0" i="0" u="none" strike="noStrike" dirty="0">
+                  <a:tcPr marL="6350" marR="6350" marT="6350" marB="0" anchor="ctr"/>
+                </a:tc>
+                <a:tc>
+                  <a:txBody>
+                    <a:bodyPr/>
+                    <a:lstStyle/>
+                    <a:p>
+                      <a:pPr algn="ctr" fontAlgn="b"/>
+                      <a:r>
+                        <a:rPr lang="en-US" sz="1400" b="0" i="0" u="none" strike="noStrike" dirty="0">
                           <a:solidFill>
                             <a:srgbClr val="000000"/>
                           </a:solidFill>
@@ -19307,16 +19305,16 @@
                       </a:r>
                     </a:p>
                   </a:txBody>
-                  <a:tcPr marL="6350" marR="6350" marT="6350" marB="0" anchor="b"/>
-                </a:tc>
-                <a:tc>
-                  <a:txBody>
-                    <a:bodyPr/>
-                    <a:lstStyle/>
-                    <a:p>
-                      <a:pPr algn="ctr" fontAlgn="b"/>
-                      <a:r>
-                        <a:rPr lang="en-US" sz="1200" b="0" i="0" u="none" strike="noStrike" dirty="0">
+                  <a:tcPr marL="6350" marR="6350" marT="6350" marB="0" anchor="ctr"/>
+                </a:tc>
+                <a:tc>
+                  <a:txBody>
+                    <a:bodyPr/>
+                    <a:lstStyle/>
+                    <a:p>
+                      <a:pPr algn="ctr" fontAlgn="b"/>
+                      <a:r>
+                        <a:rPr lang="en-US" sz="1400" b="0" i="0" u="none" strike="noStrike" dirty="0">
                           <a:solidFill>
                             <a:srgbClr val="000000"/>
                           </a:solidFill>
@@ -19327,7 +19325,7 @@
                       </a:r>
                     </a:p>
                   </a:txBody>
-                  <a:tcPr marL="6350" marR="6350" marT="6350" marB="0" anchor="b"/>
+                  <a:tcPr marL="6350" marR="6350" marT="6350" marB="0" anchor="ctr"/>
                 </a:tc>
                 <a:extLst>
                   <a:ext uri="{0D108BD9-81ED-4DB2-BD59-A6C34878D82A}">
@@ -19343,7 +19341,7 @@
                     <a:p>
                       <a:pPr algn="ctr" fontAlgn="b"/>
                       <a:r>
-                        <a:rPr lang="en-US" sz="1200" b="0" i="0" u="none" strike="noStrike">
+                        <a:rPr lang="en-US" sz="1400" b="0" i="0" u="none" strike="noStrike">
                           <a:solidFill>
                             <a:srgbClr val="000000"/>
                           </a:solidFill>
@@ -19363,7 +19361,7 @@
                     <a:p>
                       <a:pPr algn="ctr" fontAlgn="b"/>
                       <a:r>
-                        <a:rPr lang="en-US" sz="1200" b="0" i="0" u="none" strike="noStrike" dirty="0">
+                        <a:rPr lang="en-US" sz="1400" b="0" i="0" u="none" strike="noStrike" dirty="0">
                           <a:solidFill>
                             <a:srgbClr val="000000"/>
                           </a:solidFill>
@@ -19374,7 +19372,7 @@
                       </a:r>
                     </a:p>
                   </a:txBody>
-                  <a:tcPr marL="6350" marR="6350" marT="6350" marB="0" anchor="b">
+                  <a:tcPr marL="6350" marR="6350" marT="6350" marB="0" anchor="ctr">
                     <a:solidFill>
                       <a:srgbClr val="E9EBF5"/>
                     </a:solidFill>
@@ -19387,7 +19385,7 @@
                     <a:p>
                       <a:pPr algn="ctr" fontAlgn="b"/>
                       <a:r>
-                        <a:rPr lang="en-US" sz="1200" b="0" i="0" u="none" strike="noStrike" dirty="0">
+                        <a:rPr lang="en-US" sz="1400" b="0" i="0" u="none" strike="noStrike" dirty="0">
                           <a:solidFill>
                             <a:srgbClr val="000000"/>
                           </a:solidFill>
@@ -19398,7 +19396,7 @@
                       </a:r>
                     </a:p>
                   </a:txBody>
-                  <a:tcPr marL="6350" marR="6350" marT="6350" marB="0" anchor="b">
+                  <a:tcPr marL="6350" marR="6350" marT="6350" marB="0" anchor="ctr">
                     <a:solidFill>
                       <a:srgbClr val="E9EBF5"/>
                     </a:solidFill>
@@ -19411,7 +19409,7 @@
                     <a:p>
                       <a:pPr algn="ctr" fontAlgn="b"/>
                       <a:r>
-                        <a:rPr lang="en-US" sz="1200" b="0" i="0" u="none" strike="noStrike" dirty="0">
+                        <a:rPr lang="en-US" sz="1400" b="0" i="0" u="none" strike="noStrike" dirty="0">
                           <a:solidFill>
                             <a:srgbClr val="000000"/>
                           </a:solidFill>
@@ -19422,7 +19420,7 @@
                       </a:r>
                     </a:p>
                   </a:txBody>
-                  <a:tcPr marL="6350" marR="6350" marT="6350" marB="0" anchor="b">
+                  <a:tcPr marL="6350" marR="6350" marT="6350" marB="0" anchor="ctr">
                     <a:solidFill>
                       <a:srgbClr val="E9EBF5"/>
                     </a:solidFill>
@@ -19435,7 +19433,7 @@
                     <a:p>
                       <a:pPr algn="ctr" fontAlgn="b"/>
                       <a:r>
-                        <a:rPr lang="en-US" sz="1200" b="0" i="0" u="none" strike="noStrike" dirty="0">
+                        <a:rPr lang="en-US" sz="1400" b="0" i="0" u="none" strike="noStrike" dirty="0">
                           <a:solidFill>
                             <a:srgbClr val="000000"/>
                           </a:solidFill>
@@ -19446,7 +19444,7 @@
                       </a:r>
                     </a:p>
                   </a:txBody>
-                  <a:tcPr marL="6350" marR="6350" marT="6350" marB="0" anchor="b">
+                  <a:tcPr marL="6350" marR="6350" marT="6350" marB="0" anchor="ctr">
                     <a:solidFill>
                       <a:srgbClr val="E9EBF5"/>
                     </a:solidFill>
@@ -19466,7 +19464,7 @@
                     <a:p>
                       <a:pPr algn="ctr" fontAlgn="b"/>
                       <a:r>
-                        <a:rPr lang="en-US" sz="1200" b="0" i="0" u="none" strike="noStrike" dirty="0">
+                        <a:rPr lang="en-US" sz="1400" b="0" i="0" u="none" strike="noStrike" dirty="0">
                           <a:solidFill>
                             <a:srgbClr val="000000"/>
                           </a:solidFill>
@@ -19486,7 +19484,7 @@
                     <a:p>
                       <a:pPr algn="ctr" fontAlgn="b"/>
                       <a:r>
-                        <a:rPr lang="en-US" sz="1200" b="0" i="0" u="none" strike="noStrike" dirty="0">
+                        <a:rPr lang="en-US" sz="1400" b="0" i="0" u="none" strike="noStrike" dirty="0">
                           <a:solidFill>
                             <a:srgbClr val="000000"/>
                           </a:solidFill>
@@ -19497,7 +19495,7 @@
                       </a:r>
                     </a:p>
                   </a:txBody>
-                  <a:tcPr marL="6350" marR="6350" marT="6350" marB="0" anchor="b">
+                  <a:tcPr marL="6350" marR="6350" marT="6350" marB="0" anchor="ctr">
                     <a:solidFill>
                       <a:srgbClr val="E9EBF5"/>
                     </a:solidFill>
@@ -19510,7 +19508,7 @@
                     <a:p>
                       <a:pPr algn="ctr" fontAlgn="b"/>
                       <a:r>
-                        <a:rPr lang="en-US" sz="1200" b="0" i="0" u="none" strike="noStrike" dirty="0">
+                        <a:rPr lang="en-US" sz="1400" b="0" i="0" u="none" strike="noStrike" dirty="0">
                           <a:solidFill>
                             <a:srgbClr val="000000"/>
                           </a:solidFill>
@@ -19521,7 +19519,7 @@
                       </a:r>
                     </a:p>
                   </a:txBody>
-                  <a:tcPr marL="6350" marR="6350" marT="6350" marB="0" anchor="b">
+                  <a:tcPr marL="6350" marR="6350" marT="6350" marB="0" anchor="ctr">
                     <a:solidFill>
                       <a:srgbClr val="E9EBF5"/>
                     </a:solidFill>
@@ -19534,7 +19532,7 @@
                     <a:p>
                       <a:pPr algn="ctr" fontAlgn="b"/>
                       <a:r>
-                        <a:rPr lang="en-US" sz="1200" b="0" i="0" u="none" strike="noStrike" dirty="0">
+                        <a:rPr lang="en-US" sz="1400" b="0" i="0" u="none" strike="noStrike" dirty="0">
                           <a:solidFill>
                             <a:srgbClr val="000000"/>
                           </a:solidFill>
@@ -19545,7 +19543,7 @@
                       </a:r>
                     </a:p>
                   </a:txBody>
-                  <a:tcPr marL="6350" marR="6350" marT="6350" marB="0" anchor="b">
+                  <a:tcPr marL="6350" marR="6350" marT="6350" marB="0" anchor="ctr">
                     <a:solidFill>
                       <a:srgbClr val="E9EBF5"/>
                     </a:solidFill>
@@ -19558,7 +19556,7 @@
                     <a:p>
                       <a:pPr algn="ctr" fontAlgn="b"/>
                       <a:r>
-                        <a:rPr lang="en-US" sz="1200" b="0" i="0" u="none" strike="noStrike" dirty="0">
+                        <a:rPr lang="en-US" sz="1400" b="0" i="0" u="none" strike="noStrike" dirty="0">
                           <a:solidFill>
                             <a:srgbClr val="000000"/>
                           </a:solidFill>
@@ -19569,7 +19567,7 @@
                       </a:r>
                     </a:p>
                   </a:txBody>
-                  <a:tcPr marL="6350" marR="6350" marT="6350" marB="0" anchor="b">
+                  <a:tcPr marL="6350" marR="6350" marT="6350" marB="0" anchor="ctr">
                     <a:solidFill>
                       <a:srgbClr val="E9EBF5"/>
                     </a:solidFill>
@@ -19589,7 +19587,7 @@
                     <a:p>
                       <a:pPr algn="ctr" fontAlgn="b"/>
                       <a:r>
-                        <a:rPr lang="en-US" sz="1200" b="0" i="0" u="none" strike="noStrike">
+                        <a:rPr lang="en-US" sz="1400" b="0" i="0" u="none" strike="noStrike">
                           <a:solidFill>
                             <a:srgbClr val="000000"/>
                           </a:solidFill>
@@ -19609,7 +19607,7 @@
                     <a:p>
                       <a:pPr algn="ctr" fontAlgn="b"/>
                       <a:r>
-                        <a:rPr lang="en-US" sz="1200" b="0" i="0" u="none" strike="noStrike" dirty="0">
+                        <a:rPr lang="en-US" sz="1400" b="0" i="0" u="none" strike="noStrike" dirty="0">
                           <a:solidFill>
                             <a:srgbClr val="000000"/>
                           </a:solidFill>
@@ -19620,7 +19618,7 @@
                       </a:r>
                     </a:p>
                   </a:txBody>
-                  <a:tcPr marL="6350" marR="6350" marT="6350" marB="0" anchor="b">
+                  <a:tcPr marL="6350" marR="6350" marT="6350" marB="0" anchor="ctr">
                     <a:solidFill>
                       <a:srgbClr val="E9EBF5"/>
                     </a:solidFill>
@@ -19633,7 +19631,7 @@
                     <a:p>
                       <a:pPr algn="ctr" fontAlgn="b"/>
                       <a:r>
-                        <a:rPr lang="en-US" sz="1200" b="0" i="0" u="none" strike="noStrike" dirty="0">
+                        <a:rPr lang="en-US" sz="1400" b="0" i="0" u="none" strike="noStrike" dirty="0">
                           <a:solidFill>
                             <a:srgbClr val="000000"/>
                           </a:solidFill>
@@ -19644,7 +19642,7 @@
                       </a:r>
                     </a:p>
                   </a:txBody>
-                  <a:tcPr marL="6350" marR="6350" marT="6350" marB="0" anchor="b">
+                  <a:tcPr marL="6350" marR="6350" marT="6350" marB="0" anchor="ctr">
                     <a:solidFill>
                       <a:srgbClr val="E9EBF5"/>
                     </a:solidFill>
@@ -19657,7 +19655,7 @@
                     <a:p>
                       <a:pPr algn="ctr" fontAlgn="b"/>
                       <a:r>
-                        <a:rPr lang="en-US" sz="1200" b="0" i="0" u="none" strike="noStrike" dirty="0">
+                        <a:rPr lang="en-US" sz="1400" b="0" i="0" u="none" strike="noStrike" dirty="0">
                           <a:solidFill>
                             <a:srgbClr val="000000"/>
                           </a:solidFill>
@@ -19668,7 +19666,7 @@
                       </a:r>
                     </a:p>
                   </a:txBody>
-                  <a:tcPr marL="6350" marR="6350" marT="6350" marB="0" anchor="b">
+                  <a:tcPr marL="6350" marR="6350" marT="6350" marB="0" anchor="ctr">
                     <a:solidFill>
                       <a:srgbClr val="E9EBF5"/>
                     </a:solidFill>
@@ -19681,7 +19679,7 @@
                     <a:p>
                       <a:pPr algn="ctr" fontAlgn="b"/>
                       <a:r>
-                        <a:rPr lang="en-US" sz="1200" b="0" i="0" u="none" strike="noStrike" dirty="0">
+                        <a:rPr lang="en-US" sz="1400" b="0" i="0" u="none" strike="noStrike" dirty="0">
                           <a:solidFill>
                             <a:srgbClr val="000000"/>
                           </a:solidFill>
@@ -19692,7 +19690,7 @@
                       </a:r>
                     </a:p>
                   </a:txBody>
-                  <a:tcPr marL="6350" marR="6350" marT="6350" marB="0" anchor="b">
+                  <a:tcPr marL="6350" marR="6350" marT="6350" marB="0" anchor="ctr">
                     <a:solidFill>
                       <a:srgbClr val="E9EBF5"/>
                     </a:solidFill>
@@ -19712,7 +19710,7 @@
                     <a:p>
                       <a:pPr algn="ctr" fontAlgn="b"/>
                       <a:r>
-                        <a:rPr lang="en-US" sz="1200" b="0" i="0" u="none" strike="noStrike" dirty="0">
+                        <a:rPr lang="en-US" sz="1400" b="0" i="0" u="none" strike="noStrike" dirty="0">
                           <a:solidFill>
                             <a:srgbClr val="000000"/>
                           </a:solidFill>
@@ -19732,7 +19730,7 @@
                     <a:p>
                       <a:pPr algn="ctr" fontAlgn="b"/>
                       <a:r>
-                        <a:rPr lang="en-US" sz="1200" b="0" i="0" u="none" strike="noStrike" dirty="0">
+                        <a:rPr lang="en-US" sz="1400" b="0" i="0" u="none" strike="noStrike" dirty="0">
                           <a:solidFill>
                             <a:srgbClr val="000000"/>
                           </a:solidFill>
@@ -19743,7 +19741,7 @@
                       </a:r>
                     </a:p>
                   </a:txBody>
-                  <a:tcPr marL="6350" marR="6350" marT="6350" marB="0" anchor="b">
+                  <a:tcPr marL="6350" marR="6350" marT="6350" marB="0" anchor="ctr">
                     <a:solidFill>
                       <a:srgbClr val="00B050"/>
                     </a:solidFill>
@@ -19756,7 +19754,7 @@
                     <a:p>
                       <a:pPr algn="ctr" fontAlgn="b"/>
                       <a:r>
-                        <a:rPr lang="en-US" sz="1200" b="0" i="0" u="none" strike="noStrike" dirty="0">
+                        <a:rPr lang="en-US" sz="1400" b="0" i="0" u="none" strike="noStrike" dirty="0">
                           <a:solidFill>
                             <a:srgbClr val="000000"/>
                           </a:solidFill>
@@ -19767,7 +19765,7 @@
                       </a:r>
                     </a:p>
                   </a:txBody>
-                  <a:tcPr marL="6350" marR="6350" marT="6350" marB="0" anchor="b">
+                  <a:tcPr marL="6350" marR="6350" marT="6350" marB="0" anchor="ctr">
                     <a:solidFill>
                       <a:srgbClr val="00B050"/>
                     </a:solidFill>
@@ -19780,7 +19778,7 @@
                     <a:p>
                       <a:pPr algn="ctr" fontAlgn="b"/>
                       <a:r>
-                        <a:rPr lang="en-US" sz="1200" b="0" i="0" u="none" strike="noStrike" dirty="0">
+                        <a:rPr lang="en-US" sz="1400" b="0" i="0" u="none" strike="noStrike" dirty="0">
                           <a:solidFill>
                             <a:srgbClr val="000000"/>
                           </a:solidFill>
@@ -19791,7 +19789,7 @@
                       </a:r>
                     </a:p>
                   </a:txBody>
-                  <a:tcPr marL="6350" marR="6350" marT="6350" marB="0" anchor="b">
+                  <a:tcPr marL="6350" marR="6350" marT="6350" marB="0" anchor="ctr">
                     <a:solidFill>
                       <a:srgbClr val="00B050"/>
                     </a:solidFill>
@@ -19804,7 +19802,7 @@
                     <a:p>
                       <a:pPr algn="ctr" fontAlgn="b"/>
                       <a:r>
-                        <a:rPr lang="en-US" sz="1200" b="0" i="0" u="none" strike="noStrike" dirty="0">
+                        <a:rPr lang="en-US" sz="1400" b="0" i="0" u="none" strike="noStrike" dirty="0">
                           <a:solidFill>
                             <a:srgbClr val="000000"/>
                           </a:solidFill>
@@ -19815,7 +19813,7 @@
                       </a:r>
                     </a:p>
                   </a:txBody>
-                  <a:tcPr marL="6350" marR="6350" marT="6350" marB="0" anchor="b">
+                  <a:tcPr marL="6350" marR="6350" marT="6350" marB="0" anchor="ctr">
                     <a:solidFill>
                       <a:srgbClr val="00B050"/>
                     </a:solidFill>
@@ -19880,8 +19878,8 @@
         </p:nvSpPr>
         <p:spPr>
           <a:xfrm>
-            <a:off x="3635711" y="647189"/>
-            <a:ext cx="4920578" cy="461665"/>
+            <a:off x="3268880" y="507852"/>
+            <a:ext cx="5654240" cy="523220"/>
           </a:xfrm>
           <a:prstGeom prst="rect">
             <a:avLst/>
@@ -19895,10 +19893,16 @@
           <a:lstStyle/>
           <a:p>
             <a:r>
-              <a:rPr lang="ru-RU" sz="2400" dirty="0"/>
+              <a:rPr lang="ru-RU" sz="2800" dirty="0">
+                <a:latin typeface="Times New Roman" panose="02020603050405020304" pitchFamily="18" charset="0"/>
+                <a:cs typeface="Times New Roman" panose="02020603050405020304" pitchFamily="18" charset="0"/>
+              </a:rPr>
               <a:t>Средняя ошибка дневного прогноза</a:t>
             </a:r>
-            <a:endParaRPr lang="en-US" sz="2400" dirty="0"/>
+            <a:endParaRPr lang="en-US" sz="2800" dirty="0">
+              <a:latin typeface="Times New Roman" panose="02020603050405020304" pitchFamily="18" charset="0"/>
+              <a:cs typeface="Times New Roman" panose="02020603050405020304" pitchFamily="18" charset="0"/>
+            </a:endParaRPr>
           </a:p>
         </p:txBody>
       </p:sp>
@@ -21355,14 +21359,14 @@
           <p:nvPr>
             <p:extLst>
               <p:ext uri="{D42A27DB-BD31-4B8C-83A1-F6EECF244321}">
-                <p14:modId xmlns:p14="http://schemas.microsoft.com/office/powerpoint/2010/main" val="546306414"/>
+                <p14:modId xmlns:p14="http://schemas.microsoft.com/office/powerpoint/2010/main" val="709510840"/>
               </p:ext>
             </p:extLst>
           </p:nvPr>
         </p:nvGraphicFramePr>
         <p:xfrm>
           <a:off x="335694" y="2213690"/>
-          <a:ext cx="4835573" cy="2885252"/>
+          <a:ext cx="4835573" cy="2957911"/>
         </p:xfrm>
         <a:graphic>
           <a:graphicData uri="http://schemas.openxmlformats.org/drawingml/2006/table">
@@ -21415,7 +21419,7 @@
                     <a:p>
                       <a:pPr algn="ctr" fontAlgn="b"/>
                       <a:r>
-                        <a:rPr lang="ru-RU" sz="1200" b="0" i="0" u="none" strike="noStrike" dirty="0">
+                        <a:rPr lang="ru-RU" sz="1400" b="0" i="0" u="none" strike="noStrike" dirty="0">
                           <a:solidFill>
                             <a:srgbClr val="000000"/>
                           </a:solidFill>
@@ -21425,7 +21429,7 @@
                         <a:t>Модель</a:t>
                       </a:r>
                       <a:r>
-                        <a:rPr lang="en-US" sz="1200" b="0" i="0" u="none" strike="noStrike" dirty="0">
+                        <a:rPr lang="en-US" sz="1400" b="0" i="0" u="none" strike="noStrike" dirty="0">
                           <a:solidFill>
                             <a:srgbClr val="000000"/>
                           </a:solidFill>
@@ -21435,7 +21439,7 @@
                         <a:t>\</a:t>
                       </a:r>
                       <a:r>
-                        <a:rPr lang="ru-RU" sz="1200" b="0" i="0" u="none" strike="noStrike" dirty="0">
+                        <a:rPr lang="ru-RU" sz="1400" b="0" i="0" u="none" strike="noStrike" dirty="0">
                           <a:solidFill>
                             <a:srgbClr val="000000"/>
                           </a:solidFill>
@@ -21444,7 +21448,7 @@
                         </a:rPr>
                         <a:t>Набор данных</a:t>
                       </a:r>
-                      <a:endParaRPr lang="en-US" sz="1200" b="0" i="0" u="none" strike="noStrike" dirty="0">
+                      <a:endParaRPr lang="en-US" sz="1400" b="0" i="0" u="none" strike="noStrike" dirty="0">
                         <a:solidFill>
                           <a:srgbClr val="000000"/>
                         </a:solidFill>
@@ -21462,12 +21466,12 @@
                     <a:p>
                       <a:pPr algn="ctr" fontAlgn="b"/>
                       <a:r>
-                        <a:rPr lang="en-US" sz="1200" u="none" strike="noStrike" dirty="0">
+                        <a:rPr lang="en-US" sz="1400" u="none" strike="noStrike" dirty="0">
                           <a:effectLst/>
                         </a:rPr>
                         <a:t>SAND500</a:t>
                       </a:r>
-                      <a:endParaRPr lang="en-US" sz="1200" b="0" i="0" u="none" strike="noStrike" dirty="0">
+                      <a:endParaRPr lang="en-US" sz="1400" b="0" i="0" u="none" strike="noStrike" dirty="0">
                         <a:solidFill>
                           <a:srgbClr val="000000"/>
                         </a:solidFill>
@@ -21476,21 +21480,21 @@
                       </a:endParaRPr>
                     </a:p>
                   </a:txBody>
-                  <a:tcPr marL="6350" marR="6350" marT="6350" marB="0" anchor="b"/>
-                </a:tc>
-                <a:tc>
-                  <a:txBody>
-                    <a:bodyPr/>
-                    <a:lstStyle/>
-                    <a:p>
-                      <a:pPr algn="ctr" fontAlgn="b"/>
-                      <a:r>
-                        <a:rPr lang="en-US" sz="1200" u="none" strike="noStrike" dirty="0">
+                  <a:tcPr marL="6350" marR="6350" marT="6350" marB="0"/>
+                </a:tc>
+                <a:tc>
+                  <a:txBody>
+                    <a:bodyPr/>
+                    <a:lstStyle/>
+                    <a:p>
+                      <a:pPr algn="ctr" fontAlgn="b"/>
+                      <a:r>
+                        <a:rPr lang="en-US" sz="1400" u="none" strike="noStrike" dirty="0">
                           <a:effectLst/>
                         </a:rPr>
                         <a:t>NASDAQ</a:t>
                       </a:r>
-                      <a:endParaRPr lang="en-US" sz="1200" b="0" i="0" u="none" strike="noStrike" dirty="0">
+                      <a:endParaRPr lang="en-US" sz="1400" b="0" i="0" u="none" strike="noStrike" dirty="0">
                         <a:solidFill>
                           <a:srgbClr val="000000"/>
                         </a:solidFill>
@@ -21499,21 +21503,21 @@
                       </a:endParaRPr>
                     </a:p>
                   </a:txBody>
-                  <a:tcPr marL="6350" marR="6350" marT="6350" marB="0" anchor="b"/>
-                </a:tc>
-                <a:tc>
-                  <a:txBody>
-                    <a:bodyPr/>
-                    <a:lstStyle/>
-                    <a:p>
-                      <a:pPr algn="ctr" fontAlgn="b"/>
-                      <a:r>
-                        <a:rPr lang="en-US" sz="1200" u="none" strike="noStrike" dirty="0">
+                  <a:tcPr marL="6350" marR="6350" marT="6350" marB="0"/>
+                </a:tc>
+                <a:tc>
+                  <a:txBody>
+                    <a:bodyPr/>
+                    <a:lstStyle/>
+                    <a:p>
+                      <a:pPr algn="ctr" fontAlgn="b"/>
+                      <a:r>
+                        <a:rPr lang="en-US" sz="1400" u="none" strike="noStrike" dirty="0">
                           <a:effectLst/>
                         </a:rPr>
                         <a:t>JPM</a:t>
                       </a:r>
-                      <a:endParaRPr lang="en-US" sz="1200" b="0" i="0" u="none" strike="noStrike" dirty="0">
+                      <a:endParaRPr lang="en-US" sz="1400" b="0" i="0" u="none" strike="noStrike" dirty="0">
                         <a:solidFill>
                           <a:srgbClr val="000000"/>
                         </a:solidFill>
@@ -21522,21 +21526,21 @@
                       </a:endParaRPr>
                     </a:p>
                   </a:txBody>
-                  <a:tcPr marL="6350" marR="6350" marT="6350" marB="0" anchor="b"/>
-                </a:tc>
-                <a:tc>
-                  <a:txBody>
-                    <a:bodyPr/>
-                    <a:lstStyle/>
-                    <a:p>
-                      <a:pPr algn="ctr" fontAlgn="b"/>
-                      <a:r>
-                        <a:rPr lang="en-US" sz="1200" u="none" strike="noStrike" dirty="0">
+                  <a:tcPr marL="6350" marR="6350" marT="6350" marB="0"/>
+                </a:tc>
+                <a:tc>
+                  <a:txBody>
+                    <a:bodyPr/>
+                    <a:lstStyle/>
+                    <a:p>
+                      <a:pPr algn="ctr" fontAlgn="b"/>
+                      <a:r>
+                        <a:rPr lang="en-US" sz="1400" u="none" strike="noStrike" dirty="0">
                           <a:effectLst/>
                         </a:rPr>
                         <a:t>DJI</a:t>
                       </a:r>
-                      <a:endParaRPr lang="en-US" sz="1200" b="0" i="0" u="none" strike="noStrike" dirty="0">
+                      <a:endParaRPr lang="en-US" sz="1400" b="0" i="0" u="none" strike="noStrike" dirty="0">
                         <a:solidFill>
                           <a:srgbClr val="000000"/>
                         </a:solidFill>
@@ -21545,7 +21549,7 @@
                       </a:endParaRPr>
                     </a:p>
                   </a:txBody>
-                  <a:tcPr marL="6350" marR="6350" marT="6350" marB="0" anchor="b"/>
+                  <a:tcPr marL="6350" marR="6350" marT="6350" marB="0"/>
                 </a:tc>
                 <a:extLst>
                   <a:ext uri="{0D108BD9-81ED-4DB2-BD59-A6C34878D82A}">
@@ -21561,24 +21565,24 @@
                     <a:p>
                       <a:pPr algn="ctr" fontAlgn="b"/>
                       <a:r>
-                        <a:rPr lang="en-US" sz="1200" u="none" strike="noStrike" dirty="0">
+                        <a:rPr lang="en-US" sz="1400" u="none" strike="noStrike" dirty="0">
                           <a:effectLst/>
                         </a:rPr>
                         <a:t>ARIMA(</a:t>
                       </a:r>
                       <a:r>
-                        <a:rPr lang="ru-RU" sz="1200" u="none" strike="noStrike" dirty="0">
+                        <a:rPr lang="ru-RU" sz="1400" u="none" strike="noStrike" dirty="0">
                           <a:effectLst/>
                         </a:rPr>
                         <a:t>0</a:t>
                       </a:r>
                       <a:r>
-                        <a:rPr lang="en-US" sz="1200" u="none" strike="noStrike" dirty="0">
+                        <a:rPr lang="en-US" sz="1400" u="none" strike="noStrike" dirty="0">
                           <a:effectLst/>
                         </a:rPr>
                         <a:t>,1,1)</a:t>
                       </a:r>
-                      <a:endParaRPr lang="en-US" sz="1200" b="0" i="0" u="none" strike="noStrike" dirty="0">
+                      <a:endParaRPr lang="en-US" sz="1400" b="0" i="0" u="none" strike="noStrike" dirty="0">
                         <a:solidFill>
                           <a:srgbClr val="000000"/>
                         </a:solidFill>
@@ -21594,9 +21598,9 @@
                     <a:bodyPr/>
                     <a:lstStyle/>
                     <a:p>
-                      <a:pPr algn="r" fontAlgn="b"/>
-                      <a:r>
-                        <a:rPr lang="en-US" sz="1100" b="0" i="0" u="none" strike="noStrike" dirty="0">
+                      <a:pPr algn="ctr" fontAlgn="b"/>
+                      <a:r>
+                        <a:rPr lang="en-US" sz="1400" b="0" i="0" u="none" strike="noStrike" dirty="0">
                           <a:solidFill>
                             <a:srgbClr val="000000"/>
                           </a:solidFill>
@@ -21606,7 +21610,7 @@
                         <a:t>3.85</a:t>
                       </a:r>
                       <a:r>
-                        <a:rPr lang="ru-RU" sz="1100" b="0" i="0" u="none" strike="noStrike" dirty="0">
+                        <a:rPr lang="ru-RU" sz="1400" b="0" i="0" u="none" strike="noStrike" dirty="0">
                           <a:solidFill>
                             <a:srgbClr val="000000"/>
                           </a:solidFill>
@@ -21615,7 +21619,7 @@
                         </a:rPr>
                         <a:t>8</a:t>
                       </a:r>
-                      <a:endParaRPr lang="en-US" sz="1100" b="0" i="0" u="none" strike="noStrike" dirty="0">
+                      <a:endParaRPr lang="en-US" sz="1400" b="0" i="0" u="none" strike="noStrike" dirty="0">
                         <a:solidFill>
                           <a:srgbClr val="000000"/>
                         </a:solidFill>
@@ -21624,16 +21628,16 @@
                       </a:endParaRPr>
                     </a:p>
                   </a:txBody>
-                  <a:tcPr marL="6350" marR="6350" marT="6350" marB="0" anchor="b"/>
-                </a:tc>
-                <a:tc>
-                  <a:txBody>
-                    <a:bodyPr/>
-                    <a:lstStyle/>
-                    <a:p>
-                      <a:pPr algn="r" fontAlgn="b"/>
-                      <a:r>
-                        <a:rPr lang="en-US" sz="1100" b="0" i="0" u="none" strike="noStrike" dirty="0">
+                  <a:tcPr marL="6350" marR="6350" marT="6350" marB="0" anchor="ctr"/>
+                </a:tc>
+                <a:tc>
+                  <a:txBody>
+                    <a:bodyPr/>
+                    <a:lstStyle/>
+                    <a:p>
+                      <a:pPr algn="ctr" fontAlgn="b"/>
+                      <a:r>
+                        <a:rPr lang="en-US" sz="1400" b="0" i="0" u="none" strike="noStrike" dirty="0">
                           <a:solidFill>
                             <a:srgbClr val="000000"/>
                           </a:solidFill>
@@ -21644,16 +21648,16 @@
                       </a:r>
                     </a:p>
                   </a:txBody>
-                  <a:tcPr marL="6350" marR="6350" marT="6350" marB="0" anchor="b"/>
-                </a:tc>
-                <a:tc>
-                  <a:txBody>
-                    <a:bodyPr/>
-                    <a:lstStyle/>
-                    <a:p>
-                      <a:pPr algn="r" fontAlgn="b"/>
-                      <a:r>
-                        <a:rPr lang="en-US" sz="1100" b="0" i="0" u="none" strike="noStrike" dirty="0">
+                  <a:tcPr marL="6350" marR="6350" marT="6350" marB="0" anchor="ctr"/>
+                </a:tc>
+                <a:tc>
+                  <a:txBody>
+                    <a:bodyPr/>
+                    <a:lstStyle/>
+                    <a:p>
+                      <a:pPr algn="ctr" fontAlgn="b"/>
+                      <a:r>
+                        <a:rPr lang="en-US" sz="1400" b="0" i="0" u="none" strike="noStrike" dirty="0">
                           <a:solidFill>
                             <a:srgbClr val="000000"/>
                           </a:solidFill>
@@ -21664,7 +21668,7 @@
                       </a:r>
                     </a:p>
                   </a:txBody>
-                  <a:tcPr marL="6350" marR="6350" marT="6350" marB="0" anchor="b">
+                  <a:tcPr marL="6350" marR="6350" marT="6350" marB="0" anchor="ctr">
                     <a:solidFill>
                       <a:srgbClr val="00B050"/>
                     </a:solidFill>
@@ -21675,9 +21679,9 @@
                     <a:bodyPr/>
                     <a:lstStyle/>
                     <a:p>
-                      <a:pPr algn="r" fontAlgn="b"/>
-                      <a:r>
-                        <a:rPr lang="en-US" sz="1100" b="0" i="0" u="none" strike="noStrike" dirty="0">
+                      <a:pPr algn="ctr" fontAlgn="b"/>
+                      <a:r>
+                        <a:rPr lang="en-US" sz="1400" b="0" i="0" u="none" strike="noStrike" dirty="0">
                           <a:solidFill>
                             <a:srgbClr val="000000"/>
                           </a:solidFill>
@@ -21687,7 +21691,7 @@
                         <a:t>3.52</a:t>
                       </a:r>
                       <a:r>
-                        <a:rPr lang="ru-RU" sz="1100" b="0" i="0" u="none" strike="noStrike" dirty="0">
+                        <a:rPr lang="ru-RU" sz="1400" b="0" i="0" u="none" strike="noStrike" dirty="0">
                           <a:solidFill>
                             <a:srgbClr val="000000"/>
                           </a:solidFill>
@@ -21696,7 +21700,7 @@
                         </a:rPr>
                         <a:t>2</a:t>
                       </a:r>
-                      <a:endParaRPr lang="en-US" sz="1100" b="0" i="0" u="none" strike="noStrike" dirty="0">
+                      <a:endParaRPr lang="en-US" sz="1400" b="0" i="0" u="none" strike="noStrike" dirty="0">
                         <a:solidFill>
                           <a:srgbClr val="000000"/>
                         </a:solidFill>
@@ -21705,7 +21709,7 @@
                       </a:endParaRPr>
                     </a:p>
                   </a:txBody>
-                  <a:tcPr marL="6350" marR="6350" marT="6350" marB="0" anchor="b"/>
+                  <a:tcPr marL="6350" marR="6350" marT="6350" marB="0" anchor="ctr"/>
                 </a:tc>
                 <a:extLst>
                   <a:ext uri="{0D108BD9-81ED-4DB2-BD59-A6C34878D82A}">
@@ -21721,24 +21725,24 @@
                     <a:p>
                       <a:pPr algn="ctr" fontAlgn="b"/>
                       <a:r>
-                        <a:rPr lang="en-US" sz="1200" u="none" strike="noStrike" dirty="0">
+                        <a:rPr lang="en-US" sz="1400" u="none" strike="noStrike" dirty="0">
                           <a:effectLst/>
                         </a:rPr>
                         <a:t>ARIMA(1,0,</a:t>
                       </a:r>
                       <a:r>
-                        <a:rPr lang="ru-RU" sz="1200" u="none" strike="noStrike" dirty="0">
+                        <a:rPr lang="ru-RU" sz="1400" u="none" strike="noStrike" dirty="0">
                           <a:effectLst/>
                         </a:rPr>
                         <a:t>0</a:t>
                       </a:r>
                       <a:r>
-                        <a:rPr lang="en-US" sz="1200" u="none" strike="noStrike" dirty="0">
+                        <a:rPr lang="en-US" sz="1400" u="none" strike="noStrike" dirty="0">
                           <a:effectLst/>
                         </a:rPr>
                         <a:t>)</a:t>
                       </a:r>
-                      <a:endParaRPr lang="en-US" sz="1200" b="0" i="0" u="none" strike="noStrike" dirty="0">
+                      <a:endParaRPr lang="en-US" sz="1400" b="0" i="0" u="none" strike="noStrike" dirty="0">
                         <a:solidFill>
                           <a:srgbClr val="000000"/>
                         </a:solidFill>
@@ -21754,9 +21758,9 @@
                     <a:bodyPr/>
                     <a:lstStyle/>
                     <a:p>
-                      <a:pPr algn="r" fontAlgn="b"/>
-                      <a:r>
-                        <a:rPr lang="en-US" sz="1100" b="0" i="0" u="none" strike="noStrike" dirty="0">
+                      <a:pPr algn="ctr" fontAlgn="b"/>
+                      <a:r>
+                        <a:rPr lang="en-US" sz="1400" b="0" i="0" u="none" strike="noStrike" dirty="0">
                           <a:solidFill>
                             <a:srgbClr val="000000"/>
                           </a:solidFill>
@@ -21766,7 +21770,7 @@
                         <a:t>4.21</a:t>
                       </a:r>
                       <a:r>
-                        <a:rPr lang="ru-RU" sz="1100" b="0" i="0" u="none" strike="noStrike" dirty="0">
+                        <a:rPr lang="ru-RU" sz="1400" b="0" i="0" u="none" strike="noStrike" dirty="0">
                           <a:solidFill>
                             <a:srgbClr val="000000"/>
                           </a:solidFill>
@@ -21775,7 +21779,7 @@
                         </a:rPr>
                         <a:t>9</a:t>
                       </a:r>
-                      <a:endParaRPr lang="en-US" sz="1100" b="0" i="0" u="none" strike="noStrike" dirty="0">
+                      <a:endParaRPr lang="en-US" sz="1400" b="0" i="0" u="none" strike="noStrike" dirty="0">
                         <a:solidFill>
                           <a:srgbClr val="000000"/>
                         </a:solidFill>
@@ -21784,16 +21788,16 @@
                       </a:endParaRPr>
                     </a:p>
                   </a:txBody>
-                  <a:tcPr marL="6350" marR="6350" marT="6350" marB="0" anchor="b"/>
-                </a:tc>
-                <a:tc>
-                  <a:txBody>
-                    <a:bodyPr/>
-                    <a:lstStyle/>
-                    <a:p>
-                      <a:pPr algn="r" fontAlgn="b"/>
-                      <a:r>
-                        <a:rPr lang="en-US" sz="1100" b="0" i="0" u="none" strike="noStrike" dirty="0">
+                  <a:tcPr marL="6350" marR="6350" marT="6350" marB="0" anchor="ctr"/>
+                </a:tc>
+                <a:tc>
+                  <a:txBody>
+                    <a:bodyPr/>
+                    <a:lstStyle/>
+                    <a:p>
+                      <a:pPr algn="ctr" fontAlgn="b"/>
+                      <a:r>
+                        <a:rPr lang="en-US" sz="1400" b="0" i="0" u="none" strike="noStrike" dirty="0">
                           <a:solidFill>
                             <a:srgbClr val="000000"/>
                           </a:solidFill>
@@ -21803,7 +21807,7 @@
                         <a:t>6.61</a:t>
                       </a:r>
                       <a:r>
-                        <a:rPr lang="ru-RU" sz="1100" b="0" i="0" u="none" strike="noStrike" dirty="0">
+                        <a:rPr lang="ru-RU" sz="1400" b="0" i="0" u="none" strike="noStrike" dirty="0">
                           <a:solidFill>
                             <a:srgbClr val="000000"/>
                           </a:solidFill>
@@ -21812,7 +21816,7 @@
                         </a:rPr>
                         <a:t>1</a:t>
                       </a:r>
-                      <a:endParaRPr lang="en-US" sz="1100" b="0" i="0" u="none" strike="noStrike" dirty="0">
+                      <a:endParaRPr lang="en-US" sz="1400" b="0" i="0" u="none" strike="noStrike" dirty="0">
                         <a:solidFill>
                           <a:srgbClr val="000000"/>
                         </a:solidFill>
@@ -21821,16 +21825,16 @@
                       </a:endParaRPr>
                     </a:p>
                   </a:txBody>
-                  <a:tcPr marL="6350" marR="6350" marT="6350" marB="0" anchor="b"/>
-                </a:tc>
-                <a:tc>
-                  <a:txBody>
-                    <a:bodyPr/>
-                    <a:lstStyle/>
-                    <a:p>
-                      <a:pPr algn="r" fontAlgn="b"/>
-                      <a:r>
-                        <a:rPr lang="en-US" sz="1100" b="0" i="0" u="none" strike="noStrike" dirty="0">
+                  <a:tcPr marL="6350" marR="6350" marT="6350" marB="0" anchor="ctr"/>
+                </a:tc>
+                <a:tc>
+                  <a:txBody>
+                    <a:bodyPr/>
+                    <a:lstStyle/>
+                    <a:p>
+                      <a:pPr algn="ctr" fontAlgn="b"/>
+                      <a:r>
+                        <a:rPr lang="en-US" sz="1400" b="0" i="0" u="none" strike="noStrike" dirty="0">
                           <a:solidFill>
                             <a:srgbClr val="000000"/>
                           </a:solidFill>
@@ -21840,7 +21844,7 @@
                         <a:t>7.74</a:t>
                       </a:r>
                       <a:r>
-                        <a:rPr lang="ru-RU" sz="1100" b="0" i="0" u="none" strike="noStrike" dirty="0">
+                        <a:rPr lang="ru-RU" sz="1400" b="0" i="0" u="none" strike="noStrike" dirty="0">
                           <a:solidFill>
                             <a:srgbClr val="000000"/>
                           </a:solidFill>
@@ -21849,7 +21853,7 @@
                         </a:rPr>
                         <a:t>3</a:t>
                       </a:r>
-                      <a:endParaRPr lang="en-US" sz="1100" b="0" i="0" u="none" strike="noStrike" dirty="0">
+                      <a:endParaRPr lang="en-US" sz="1400" b="0" i="0" u="none" strike="noStrike" dirty="0">
                         <a:solidFill>
                           <a:srgbClr val="000000"/>
                         </a:solidFill>
@@ -21858,16 +21862,16 @@
                       </a:endParaRPr>
                     </a:p>
                   </a:txBody>
-                  <a:tcPr marL="6350" marR="6350" marT="6350" marB="0" anchor="b"/>
-                </a:tc>
-                <a:tc>
-                  <a:txBody>
-                    <a:bodyPr/>
-                    <a:lstStyle/>
-                    <a:p>
-                      <a:pPr algn="r" fontAlgn="b"/>
-                      <a:r>
-                        <a:rPr lang="en-US" sz="1100" b="0" i="0" u="none" strike="noStrike" dirty="0">
+                  <a:tcPr marL="6350" marR="6350" marT="6350" marB="0" anchor="ctr"/>
+                </a:tc>
+                <a:tc>
+                  <a:txBody>
+                    <a:bodyPr/>
+                    <a:lstStyle/>
+                    <a:p>
+                      <a:pPr algn="ctr" fontAlgn="b"/>
+                      <a:r>
+                        <a:rPr lang="en-US" sz="1400" b="0" i="0" u="none" strike="noStrike" dirty="0">
                           <a:solidFill>
                             <a:srgbClr val="000000"/>
                           </a:solidFill>
@@ -21877,7 +21881,7 @@
                         <a:t>3.82</a:t>
                       </a:r>
                       <a:r>
-                        <a:rPr lang="ru-RU" sz="1100" b="0" i="0" u="none" strike="noStrike" dirty="0">
+                        <a:rPr lang="ru-RU" sz="1400" b="0" i="0" u="none" strike="noStrike" dirty="0">
                           <a:solidFill>
                             <a:srgbClr val="000000"/>
                           </a:solidFill>
@@ -21886,7 +21890,7 @@
                         </a:rPr>
                         <a:t>4</a:t>
                       </a:r>
-                      <a:endParaRPr lang="en-US" sz="1100" b="0" i="0" u="none" strike="noStrike" dirty="0">
+                      <a:endParaRPr lang="en-US" sz="1400" b="0" i="0" u="none" strike="noStrike" dirty="0">
                         <a:solidFill>
                           <a:srgbClr val="000000"/>
                         </a:solidFill>
@@ -21895,7 +21899,7 @@
                       </a:endParaRPr>
                     </a:p>
                   </a:txBody>
-                  <a:tcPr marL="6350" marR="6350" marT="6350" marB="0" anchor="b"/>
+                  <a:tcPr marL="6350" marR="6350" marT="6350" marB="0" anchor="ctr"/>
                 </a:tc>
                 <a:extLst>
                   <a:ext uri="{0D108BD9-81ED-4DB2-BD59-A6C34878D82A}">
@@ -21927,48 +21931,48 @@
                         <a:defRPr/>
                       </a:pPr>
                       <a:r>
-                        <a:rPr lang="en-US" sz="1200" u="none" strike="noStrike" dirty="0">
+                        <a:rPr lang="en-US" sz="1400" u="none" strike="noStrike" dirty="0">
                           <a:effectLst/>
                         </a:rPr>
                         <a:t>ARIMA(</a:t>
                       </a:r>
                       <a:r>
-                        <a:rPr lang="ru-RU" sz="1200" u="none" strike="noStrike" dirty="0">
+                        <a:rPr lang="ru-RU" sz="1400" u="none" strike="noStrike" dirty="0">
                           <a:effectLst/>
                         </a:rPr>
                         <a:t>2</a:t>
                       </a:r>
                       <a:r>
-                        <a:rPr lang="en-US" sz="1200" u="none" strike="noStrike" dirty="0">
+                        <a:rPr lang="en-US" sz="1400" u="none" strike="noStrike" dirty="0">
                           <a:effectLst/>
                         </a:rPr>
                         <a:t>,</a:t>
                       </a:r>
                       <a:r>
-                        <a:rPr lang="ru-RU" sz="1200" u="none" strike="noStrike" dirty="0">
+                        <a:rPr lang="ru-RU" sz="1400" u="none" strike="noStrike" dirty="0">
                           <a:effectLst/>
                         </a:rPr>
                         <a:t>1</a:t>
                       </a:r>
                       <a:r>
-                        <a:rPr lang="en-US" sz="1200" u="none" strike="noStrike" dirty="0">
+                        <a:rPr lang="en-US" sz="1400" u="none" strike="noStrike" dirty="0">
                           <a:effectLst/>
                         </a:rPr>
                         <a:t>,</a:t>
                       </a:r>
                       <a:r>
-                        <a:rPr lang="ru-RU" sz="1200" u="none" strike="noStrike" dirty="0">
+                        <a:rPr lang="ru-RU" sz="1400" u="none" strike="noStrike" dirty="0">
                           <a:effectLst/>
                         </a:rPr>
                         <a:t>0</a:t>
                       </a:r>
                       <a:r>
-                        <a:rPr lang="en-US" sz="1200" u="none" strike="noStrike" dirty="0">
+                        <a:rPr lang="en-US" sz="1400" u="none" strike="noStrike" dirty="0">
                           <a:effectLst/>
                         </a:rPr>
                         <a:t>)</a:t>
                       </a:r>
-                      <a:endParaRPr lang="en-US" sz="1200" b="0" i="0" u="none" strike="noStrike" dirty="0">
+                      <a:endParaRPr lang="en-US" sz="1400" b="0" i="0" u="none" strike="noStrike" dirty="0">
                         <a:solidFill>
                           <a:srgbClr val="000000"/>
                         </a:solidFill>
@@ -21984,9 +21988,9 @@
                     <a:bodyPr/>
                     <a:lstStyle/>
                     <a:p>
-                      <a:pPr algn="r" fontAlgn="b"/>
-                      <a:r>
-                        <a:rPr lang="en-US" sz="1100" b="0" i="0" u="none" strike="noStrike" dirty="0">
+                      <a:pPr algn="ctr" fontAlgn="b"/>
+                      <a:r>
+                        <a:rPr lang="en-US" sz="1400" b="0" i="0" u="none" strike="noStrike" dirty="0">
                           <a:solidFill>
                             <a:srgbClr val="000000"/>
                           </a:solidFill>
@@ -21997,16 +22001,16 @@
                       </a:r>
                     </a:p>
                   </a:txBody>
-                  <a:tcPr marL="6350" marR="6350" marT="6350" marB="0" anchor="b"/>
-                </a:tc>
-                <a:tc>
-                  <a:txBody>
-                    <a:bodyPr/>
-                    <a:lstStyle/>
-                    <a:p>
-                      <a:pPr algn="r" fontAlgn="b"/>
-                      <a:r>
-                        <a:rPr lang="en-US" sz="1100" b="0" i="0" u="none" strike="noStrike" dirty="0">
+                  <a:tcPr marL="6350" marR="6350" marT="6350" marB="0" anchor="ctr"/>
+                </a:tc>
+                <a:tc>
+                  <a:txBody>
+                    <a:bodyPr/>
+                    <a:lstStyle/>
+                    <a:p>
+                      <a:pPr algn="ctr" fontAlgn="b"/>
+                      <a:r>
+                        <a:rPr lang="en-US" sz="1400" b="0" i="0" u="none" strike="noStrike" dirty="0">
                           <a:solidFill>
                             <a:srgbClr val="000000"/>
                           </a:solidFill>
@@ -22016,7 +22020,7 @@
                         <a:t>7.06</a:t>
                       </a:r>
                       <a:r>
-                        <a:rPr lang="ru-RU" sz="1100" b="0" i="0" u="none" strike="noStrike" dirty="0">
+                        <a:rPr lang="ru-RU" sz="1400" b="0" i="0" u="none" strike="noStrike" dirty="0">
                           <a:solidFill>
                             <a:srgbClr val="000000"/>
                           </a:solidFill>
@@ -22025,7 +22029,7 @@
                         </a:rPr>
                         <a:t>2</a:t>
                       </a:r>
-                      <a:endParaRPr lang="en-US" sz="1100" b="0" i="0" u="none" strike="noStrike" dirty="0">
+                      <a:endParaRPr lang="en-US" sz="1400" b="0" i="0" u="none" strike="noStrike" dirty="0">
                         <a:solidFill>
                           <a:srgbClr val="000000"/>
                         </a:solidFill>
@@ -22034,16 +22038,16 @@
                       </a:endParaRPr>
                     </a:p>
                   </a:txBody>
-                  <a:tcPr marL="6350" marR="6350" marT="6350" marB="0" anchor="b"/>
-                </a:tc>
-                <a:tc>
-                  <a:txBody>
-                    <a:bodyPr/>
-                    <a:lstStyle/>
-                    <a:p>
-                      <a:pPr algn="r" fontAlgn="b"/>
-                      <a:r>
-                        <a:rPr lang="en-US" sz="1100" b="0" i="0" u="none" strike="noStrike" dirty="0">
+                  <a:tcPr marL="6350" marR="6350" marT="6350" marB="0" anchor="ctr"/>
+                </a:tc>
+                <a:tc>
+                  <a:txBody>
+                    <a:bodyPr/>
+                    <a:lstStyle/>
+                    <a:p>
+                      <a:pPr algn="ctr" fontAlgn="b"/>
+                      <a:r>
+                        <a:rPr lang="en-US" sz="1400" b="0" i="0" u="none" strike="noStrike" dirty="0">
                           <a:solidFill>
                             <a:srgbClr val="000000"/>
                           </a:solidFill>
@@ -22053,7 +22057,7 @@
                         <a:t>7.89</a:t>
                       </a:r>
                       <a:r>
-                        <a:rPr lang="ru-RU" sz="1100" b="0" i="0" u="none" strike="noStrike" dirty="0">
+                        <a:rPr lang="ru-RU" sz="1400" b="0" i="0" u="none" strike="noStrike" dirty="0">
                           <a:solidFill>
                             <a:srgbClr val="000000"/>
                           </a:solidFill>
@@ -22062,7 +22066,7 @@
                         </a:rPr>
                         <a:t>4</a:t>
                       </a:r>
-                      <a:endParaRPr lang="en-US" sz="1100" b="0" i="0" u="none" strike="noStrike" dirty="0">
+                      <a:endParaRPr lang="en-US" sz="1400" b="0" i="0" u="none" strike="noStrike" dirty="0">
                         <a:solidFill>
                           <a:srgbClr val="000000"/>
                         </a:solidFill>
@@ -22071,16 +22075,16 @@
                       </a:endParaRPr>
                     </a:p>
                   </a:txBody>
-                  <a:tcPr marL="6350" marR="6350" marT="6350" marB="0" anchor="b"/>
-                </a:tc>
-                <a:tc>
-                  <a:txBody>
-                    <a:bodyPr/>
-                    <a:lstStyle/>
-                    <a:p>
-                      <a:pPr algn="r" fontAlgn="b"/>
-                      <a:r>
-                        <a:rPr lang="en-US" sz="1100" b="0" i="0" u="none" strike="noStrike" dirty="0">
+                  <a:tcPr marL="6350" marR="6350" marT="6350" marB="0" anchor="ctr"/>
+                </a:tc>
+                <a:tc>
+                  <a:txBody>
+                    <a:bodyPr/>
+                    <a:lstStyle/>
+                    <a:p>
+                      <a:pPr algn="ctr" fontAlgn="b"/>
+                      <a:r>
+                        <a:rPr lang="en-US" sz="1400" b="0" i="0" u="none" strike="noStrike" dirty="0">
                           <a:solidFill>
                             <a:srgbClr val="000000"/>
                           </a:solidFill>
@@ -22091,7 +22095,7 @@
                       </a:r>
                     </a:p>
                   </a:txBody>
-                  <a:tcPr marL="6350" marR="6350" marT="6350" marB="0" anchor="b"/>
+                  <a:tcPr marL="6350" marR="6350" marT="6350" marB="0" anchor="ctr"/>
                 </a:tc>
                 <a:extLst>
                   <a:ext uri="{0D108BD9-81ED-4DB2-BD59-A6C34878D82A}">
@@ -22107,12 +22111,12 @@
                     <a:p>
                       <a:pPr algn="ctr" fontAlgn="b"/>
                       <a:r>
-                        <a:rPr lang="en-US" sz="1200" u="none" strike="noStrike">
+                        <a:rPr lang="en-US" sz="1400" u="none" strike="noStrike">
                           <a:effectLst/>
                         </a:rPr>
                         <a:t>Catboost</a:t>
                       </a:r>
-                      <a:endParaRPr lang="en-US" sz="1200" b="0" i="0" u="none" strike="noStrike">
+                      <a:endParaRPr lang="en-US" sz="1400" b="0" i="0" u="none" strike="noStrike">
                         <a:solidFill>
                           <a:srgbClr val="000000"/>
                         </a:solidFill>
@@ -22128,9 +22132,9 @@
                     <a:bodyPr/>
                     <a:lstStyle/>
                     <a:p>
-                      <a:pPr algn="r" fontAlgn="b"/>
-                      <a:r>
-                        <a:rPr lang="en-US" sz="1100" b="0" i="0" u="none" strike="noStrike" dirty="0">
+                      <a:pPr algn="ctr" fontAlgn="b"/>
+                      <a:r>
+                        <a:rPr lang="en-US" sz="1400" b="0" i="0" u="none" strike="noStrike" dirty="0">
                           <a:solidFill>
                             <a:srgbClr val="000000"/>
                           </a:solidFill>
@@ -22141,16 +22145,16 @@
                       </a:r>
                     </a:p>
                   </a:txBody>
-                  <a:tcPr marL="6350" marR="6350" marT="6350" marB="0" anchor="b"/>
-                </a:tc>
-                <a:tc>
-                  <a:txBody>
-                    <a:bodyPr/>
-                    <a:lstStyle/>
-                    <a:p>
-                      <a:pPr algn="r" fontAlgn="b"/>
-                      <a:r>
-                        <a:rPr lang="en-US" sz="1100" b="0" i="0" u="none" strike="noStrike" dirty="0">
+                  <a:tcPr marL="6350" marR="6350" marT="6350" marB="0" anchor="ctr"/>
+                </a:tc>
+                <a:tc>
+                  <a:txBody>
+                    <a:bodyPr/>
+                    <a:lstStyle/>
+                    <a:p>
+                      <a:pPr algn="ctr" fontAlgn="b"/>
+                      <a:r>
+                        <a:rPr lang="en-US" sz="1400" b="0" i="0" u="none" strike="noStrike" dirty="0">
                           <a:solidFill>
                             <a:srgbClr val="000000"/>
                           </a:solidFill>
@@ -22160,7 +22164,7 @@
                         <a:t>11.19</a:t>
                       </a:r>
                       <a:r>
-                        <a:rPr lang="ru-RU" sz="1100" b="0" i="0" u="none" strike="noStrike" dirty="0">
+                        <a:rPr lang="ru-RU" sz="1400" b="0" i="0" u="none" strike="noStrike" dirty="0">
                           <a:solidFill>
                             <a:srgbClr val="000000"/>
                           </a:solidFill>
@@ -22169,7 +22173,7 @@
                         </a:rPr>
                         <a:t>7</a:t>
                       </a:r>
-                      <a:endParaRPr lang="en-US" sz="1100" b="0" i="0" u="none" strike="noStrike" dirty="0">
+                      <a:endParaRPr lang="en-US" sz="1400" b="0" i="0" u="none" strike="noStrike" dirty="0">
                         <a:solidFill>
                           <a:srgbClr val="000000"/>
                         </a:solidFill>
@@ -22178,16 +22182,16 @@
                       </a:endParaRPr>
                     </a:p>
                   </a:txBody>
-                  <a:tcPr marL="6350" marR="6350" marT="6350" marB="0" anchor="b"/>
-                </a:tc>
-                <a:tc>
-                  <a:txBody>
-                    <a:bodyPr/>
-                    <a:lstStyle/>
-                    <a:p>
-                      <a:pPr algn="r" fontAlgn="b"/>
-                      <a:r>
-                        <a:rPr lang="en-US" sz="1100" b="0" i="0" u="none" strike="noStrike" dirty="0">
+                  <a:tcPr marL="6350" marR="6350" marT="6350" marB="0" anchor="ctr"/>
+                </a:tc>
+                <a:tc>
+                  <a:txBody>
+                    <a:bodyPr/>
+                    <a:lstStyle/>
+                    <a:p>
+                      <a:pPr algn="ctr" fontAlgn="b"/>
+                      <a:r>
+                        <a:rPr lang="en-US" sz="1400" b="0" i="0" u="none" strike="noStrike" dirty="0">
                           <a:solidFill>
                             <a:srgbClr val="000000"/>
                           </a:solidFill>
@@ -22197,7 +22201,7 @@
                         <a:t>12.99</a:t>
                       </a:r>
                       <a:r>
-                        <a:rPr lang="ru-RU" sz="1100" b="0" i="0" u="none" strike="noStrike" dirty="0">
+                        <a:rPr lang="ru-RU" sz="1400" b="0" i="0" u="none" strike="noStrike" dirty="0">
                           <a:solidFill>
                             <a:srgbClr val="000000"/>
                           </a:solidFill>
@@ -22206,7 +22210,7 @@
                         </a:rPr>
                         <a:t>2</a:t>
                       </a:r>
-                      <a:endParaRPr lang="en-US" sz="1100" b="0" i="0" u="none" strike="noStrike" dirty="0">
+                      <a:endParaRPr lang="en-US" sz="1400" b="0" i="0" u="none" strike="noStrike" dirty="0">
                         <a:solidFill>
                           <a:srgbClr val="000000"/>
                         </a:solidFill>
@@ -22215,16 +22219,16 @@
                       </a:endParaRPr>
                     </a:p>
                   </a:txBody>
-                  <a:tcPr marL="6350" marR="6350" marT="6350" marB="0" anchor="b"/>
-                </a:tc>
-                <a:tc>
-                  <a:txBody>
-                    <a:bodyPr/>
-                    <a:lstStyle/>
-                    <a:p>
-                      <a:pPr algn="r" fontAlgn="b"/>
-                      <a:r>
-                        <a:rPr lang="en-US" sz="1100" b="0" i="0" u="none" strike="noStrike" dirty="0">
+                  <a:tcPr marL="6350" marR="6350" marT="6350" marB="0" anchor="ctr"/>
+                </a:tc>
+                <a:tc>
+                  <a:txBody>
+                    <a:bodyPr/>
+                    <a:lstStyle/>
+                    <a:p>
+                      <a:pPr algn="ctr" fontAlgn="b"/>
+                      <a:r>
+                        <a:rPr lang="en-US" sz="1400" b="0" i="0" u="none" strike="noStrike" dirty="0">
                           <a:solidFill>
                             <a:srgbClr val="000000"/>
                           </a:solidFill>
@@ -22235,7 +22239,7 @@
                       </a:r>
                     </a:p>
                   </a:txBody>
-                  <a:tcPr marL="6350" marR="6350" marT="6350" marB="0" anchor="b"/>
+                  <a:tcPr marL="6350" marR="6350" marT="6350" marB="0" anchor="ctr"/>
                 </a:tc>
                 <a:extLst>
                   <a:ext uri="{0D108BD9-81ED-4DB2-BD59-A6C34878D82A}">
@@ -22251,12 +22255,12 @@
                     <a:p>
                       <a:pPr algn="ctr" fontAlgn="b"/>
                       <a:r>
-                        <a:rPr lang="en-US" sz="1200" u="none" strike="noStrike">
+                        <a:rPr lang="en-US" sz="1400" u="none" strike="noStrike">
                           <a:effectLst/>
                         </a:rPr>
                         <a:t>GRU</a:t>
                       </a:r>
-                      <a:endParaRPr lang="en-US" sz="1200" b="0" i="0" u="none" strike="noStrike">
+                      <a:endParaRPr lang="en-US" sz="1400" b="0" i="0" u="none" strike="noStrike">
                         <a:solidFill>
                           <a:srgbClr val="000000"/>
                         </a:solidFill>
@@ -22272,9 +22276,9 @@
                     <a:bodyPr/>
                     <a:lstStyle/>
                     <a:p>
-                      <a:pPr algn="r" fontAlgn="b"/>
-                      <a:r>
-                        <a:rPr lang="en-US" sz="1100" b="0" i="0" u="none" strike="noStrike" dirty="0">
+                      <a:pPr algn="ctr" fontAlgn="b"/>
+                      <a:r>
+                        <a:rPr lang="en-US" sz="1400" b="0" i="0" u="none" strike="noStrike" dirty="0">
                           <a:solidFill>
                             <a:srgbClr val="000000"/>
                           </a:solidFill>
@@ -22284,7 +22288,7 @@
                         <a:t>6.48</a:t>
                       </a:r>
                       <a:r>
-                        <a:rPr lang="ru-RU" sz="1100" b="0" i="0" u="none" strike="noStrike" dirty="0">
+                        <a:rPr lang="ru-RU" sz="1400" b="0" i="0" u="none" strike="noStrike" dirty="0">
                           <a:solidFill>
                             <a:srgbClr val="000000"/>
                           </a:solidFill>
@@ -22293,7 +22297,7 @@
                         </a:rPr>
                         <a:t>7</a:t>
                       </a:r>
-                      <a:endParaRPr lang="en-US" sz="1100" b="0" i="0" u="none" strike="noStrike" dirty="0">
+                      <a:endParaRPr lang="en-US" sz="1400" b="0" i="0" u="none" strike="noStrike" dirty="0">
                         <a:solidFill>
                           <a:srgbClr val="000000"/>
                         </a:solidFill>
@@ -22302,16 +22306,16 @@
                       </a:endParaRPr>
                     </a:p>
                   </a:txBody>
-                  <a:tcPr marL="6350" marR="6350" marT="6350" marB="0" anchor="b"/>
-                </a:tc>
-                <a:tc>
-                  <a:txBody>
-                    <a:bodyPr/>
-                    <a:lstStyle/>
-                    <a:p>
-                      <a:pPr algn="r" fontAlgn="b"/>
-                      <a:r>
-                        <a:rPr lang="en-US" sz="1100" b="0" i="0" u="none" strike="noStrike" dirty="0">
+                  <a:tcPr marL="6350" marR="6350" marT="6350" marB="0" anchor="ctr"/>
+                </a:tc>
+                <a:tc>
+                  <a:txBody>
+                    <a:bodyPr/>
+                    <a:lstStyle/>
+                    <a:p>
+                      <a:pPr algn="ctr" fontAlgn="b"/>
+                      <a:r>
+                        <a:rPr lang="en-US" sz="1400" b="0" i="0" u="none" strike="noStrike" dirty="0">
                           <a:solidFill>
                             <a:srgbClr val="000000"/>
                           </a:solidFill>
@@ -22321,7 +22325,7 @@
                         <a:t>8.88</a:t>
                       </a:r>
                       <a:r>
-                        <a:rPr lang="ru-RU" sz="1100" b="0" i="0" u="none" strike="noStrike" dirty="0">
+                        <a:rPr lang="ru-RU" sz="1400" b="0" i="0" u="none" strike="noStrike" dirty="0">
                           <a:solidFill>
                             <a:srgbClr val="000000"/>
                           </a:solidFill>
@@ -22330,7 +22334,7 @@
                         </a:rPr>
                         <a:t>4</a:t>
                       </a:r>
-                      <a:endParaRPr lang="en-US" sz="1100" b="0" i="0" u="none" strike="noStrike" dirty="0">
+                      <a:endParaRPr lang="en-US" sz="1400" b="0" i="0" u="none" strike="noStrike" dirty="0">
                         <a:solidFill>
                           <a:srgbClr val="000000"/>
                         </a:solidFill>
@@ -22339,16 +22343,16 @@
                       </a:endParaRPr>
                     </a:p>
                   </a:txBody>
-                  <a:tcPr marL="6350" marR="6350" marT="6350" marB="0" anchor="b"/>
-                </a:tc>
-                <a:tc>
-                  <a:txBody>
-                    <a:bodyPr/>
-                    <a:lstStyle/>
-                    <a:p>
-                      <a:pPr algn="r" fontAlgn="b"/>
-                      <a:r>
-                        <a:rPr lang="en-US" sz="1100" b="0" i="0" u="none" strike="noStrike" dirty="0">
+                  <a:tcPr marL="6350" marR="6350" marT="6350" marB="0" anchor="ctr"/>
+                </a:tc>
+                <a:tc>
+                  <a:txBody>
+                    <a:bodyPr/>
+                    <a:lstStyle/>
+                    <a:p>
+                      <a:pPr algn="ctr" fontAlgn="b"/>
+                      <a:r>
+                        <a:rPr lang="en-US" sz="1400" b="0" i="0" u="none" strike="noStrike" dirty="0">
                           <a:solidFill>
                             <a:srgbClr val="000000"/>
                           </a:solidFill>
@@ -22359,16 +22363,16 @@
                       </a:r>
                     </a:p>
                   </a:txBody>
-                  <a:tcPr marL="6350" marR="6350" marT="6350" marB="0" anchor="b"/>
-                </a:tc>
-                <a:tc>
-                  <a:txBody>
-                    <a:bodyPr/>
-                    <a:lstStyle/>
-                    <a:p>
-                      <a:pPr algn="r" fontAlgn="b"/>
-                      <a:r>
-                        <a:rPr lang="en-US" sz="1100" b="0" i="0" u="none" strike="noStrike" dirty="0">
+                  <a:tcPr marL="6350" marR="6350" marT="6350" marB="0" anchor="ctr"/>
+                </a:tc>
+                <a:tc>
+                  <a:txBody>
+                    <a:bodyPr/>
+                    <a:lstStyle/>
+                    <a:p>
+                      <a:pPr algn="ctr" fontAlgn="b"/>
+                      <a:r>
+                        <a:rPr lang="en-US" sz="1400" b="0" i="0" u="none" strike="noStrike" dirty="0">
                           <a:solidFill>
                             <a:srgbClr val="000000"/>
                           </a:solidFill>
@@ -22379,7 +22383,7 @@
                       </a:r>
                     </a:p>
                   </a:txBody>
-                  <a:tcPr marL="6350" marR="6350" marT="6350" marB="0" anchor="b"/>
+                  <a:tcPr marL="6350" marR="6350" marT="6350" marB="0" anchor="ctr"/>
                 </a:tc>
                 <a:extLst>
                   <a:ext uri="{0D108BD9-81ED-4DB2-BD59-A6C34878D82A}">
@@ -22395,12 +22399,12 @@
                     <a:p>
                       <a:pPr algn="ctr" fontAlgn="b"/>
                       <a:r>
-                        <a:rPr lang="en-US" sz="1200" u="none" strike="noStrike">
+                        <a:rPr lang="en-US" sz="1400" u="none" strike="noStrike">
                           <a:effectLst/>
                         </a:rPr>
                         <a:t>LSTM</a:t>
                       </a:r>
-                      <a:endParaRPr lang="en-US" sz="1200" b="0" i="0" u="none" strike="noStrike">
+                      <a:endParaRPr lang="en-US" sz="1400" b="0" i="0" u="none" strike="noStrike">
                         <a:solidFill>
                           <a:srgbClr val="000000"/>
                         </a:solidFill>
@@ -22416,9 +22420,9 @@
                     <a:bodyPr/>
                     <a:lstStyle/>
                     <a:p>
-                      <a:pPr algn="r" fontAlgn="b"/>
-                      <a:r>
-                        <a:rPr lang="en-US" sz="1100" b="0" i="0" u="none" strike="noStrike" dirty="0">
+                      <a:pPr algn="ctr" fontAlgn="b"/>
+                      <a:r>
+                        <a:rPr lang="en-US" sz="1400" b="0" i="0" u="none" strike="noStrike" dirty="0">
                           <a:solidFill>
                             <a:srgbClr val="000000"/>
                           </a:solidFill>
@@ -22429,7 +22433,7 @@
                       </a:r>
                     </a:p>
                   </a:txBody>
-                  <a:tcPr marL="6350" marR="6350" marT="6350" marB="0" anchor="b">
+                  <a:tcPr marL="6350" marR="6350" marT="6350" marB="0" anchor="ctr">
                     <a:solidFill>
                       <a:srgbClr val="00B050"/>
                     </a:solidFill>
@@ -22440,9 +22444,9 @@
                     <a:bodyPr/>
                     <a:lstStyle/>
                     <a:p>
-                      <a:pPr algn="r" fontAlgn="b"/>
-                      <a:r>
-                        <a:rPr lang="en-US" sz="1100" b="0" i="0" u="none" strike="noStrike" dirty="0">
+                      <a:pPr algn="ctr" fontAlgn="b"/>
+                      <a:r>
+                        <a:rPr lang="en-US" sz="1400" b="0" i="0" u="none" strike="noStrike" dirty="0">
                           <a:solidFill>
                             <a:srgbClr val="000000"/>
                           </a:solidFill>
@@ -22453,7 +22457,7 @@
                       </a:r>
                     </a:p>
                   </a:txBody>
-                  <a:tcPr marL="6350" marR="6350" marT="6350" marB="0" anchor="b">
+                  <a:tcPr marL="6350" marR="6350" marT="6350" marB="0" anchor="ctr">
                     <a:solidFill>
                       <a:srgbClr val="00B050"/>
                     </a:solidFill>
@@ -22464,9 +22468,9 @@
                     <a:bodyPr/>
                     <a:lstStyle/>
                     <a:p>
-                      <a:pPr algn="r" fontAlgn="b"/>
-                      <a:r>
-                        <a:rPr lang="en-US" sz="1100" b="0" i="0" u="none" strike="noStrike" dirty="0">
+                      <a:pPr algn="ctr" fontAlgn="b"/>
+                      <a:r>
+                        <a:rPr lang="en-US" sz="1400" b="0" i="0" u="none" strike="noStrike" dirty="0">
                           <a:solidFill>
                             <a:srgbClr val="000000"/>
                           </a:solidFill>
@@ -22477,16 +22481,16 @@
                       </a:r>
                     </a:p>
                   </a:txBody>
-                  <a:tcPr marL="6350" marR="6350" marT="6350" marB="0" anchor="b"/>
-                </a:tc>
-                <a:tc>
-                  <a:txBody>
-                    <a:bodyPr/>
-                    <a:lstStyle/>
-                    <a:p>
-                      <a:pPr algn="r" fontAlgn="b"/>
-                      <a:r>
-                        <a:rPr lang="en-US" sz="1100" b="0" i="0" u="none" strike="noStrike" dirty="0">
+                  <a:tcPr marL="6350" marR="6350" marT="6350" marB="0" anchor="ctr"/>
+                </a:tc>
+                <a:tc>
+                  <a:txBody>
+                    <a:bodyPr/>
+                    <a:lstStyle/>
+                    <a:p>
+                      <a:pPr algn="ctr" fontAlgn="b"/>
+                      <a:r>
+                        <a:rPr lang="en-US" sz="1400" b="0" i="0" u="none" strike="noStrike" dirty="0">
                           <a:solidFill>
                             <a:srgbClr val="000000"/>
                           </a:solidFill>
@@ -22496,7 +22500,7 @@
                         <a:t>3.33</a:t>
                       </a:r>
                       <a:r>
-                        <a:rPr lang="ru-RU" sz="1100" b="0" i="0" u="none" strike="noStrike" dirty="0">
+                        <a:rPr lang="ru-RU" sz="1400" b="0" i="0" u="none" strike="noStrike" dirty="0">
                           <a:solidFill>
                             <a:srgbClr val="000000"/>
                           </a:solidFill>
@@ -22505,7 +22509,7 @@
                         </a:rPr>
                         <a:t>1</a:t>
                       </a:r>
-                      <a:endParaRPr lang="en-US" sz="1100" b="0" i="0" u="none" strike="noStrike" dirty="0">
+                      <a:endParaRPr lang="en-US" sz="1400" b="0" i="0" u="none" strike="noStrike" dirty="0">
                         <a:solidFill>
                           <a:srgbClr val="000000"/>
                         </a:solidFill>
@@ -22514,7 +22518,7 @@
                       </a:endParaRPr>
                     </a:p>
                   </a:txBody>
-                  <a:tcPr marL="6350" marR="6350" marT="6350" marB="0" anchor="b">
+                  <a:tcPr marL="6350" marR="6350" marT="6350" marB="0" anchor="ctr">
                     <a:solidFill>
                       <a:srgbClr val="00B050"/>
                     </a:solidFill>
@@ -22534,12 +22538,12 @@
                     <a:p>
                       <a:pPr algn="ctr" fontAlgn="b"/>
                       <a:r>
-                        <a:rPr lang="en-US" sz="1200" u="none" strike="noStrike">
+                        <a:rPr lang="en-US" sz="1400" u="none" strike="noStrike">
                           <a:effectLst/>
                         </a:rPr>
                         <a:t>RNN</a:t>
                       </a:r>
-                      <a:endParaRPr lang="en-US" sz="1200" b="0" i="0" u="none" strike="noStrike">
+                      <a:endParaRPr lang="en-US" sz="1400" b="0" i="0" u="none" strike="noStrike">
                         <a:solidFill>
                           <a:srgbClr val="000000"/>
                         </a:solidFill>
@@ -22555,9 +22559,9 @@
                     <a:bodyPr/>
                     <a:lstStyle/>
                     <a:p>
-                      <a:pPr algn="r" fontAlgn="b"/>
-                      <a:r>
-                        <a:rPr lang="en-US" sz="1100" b="0" i="0" u="none" strike="noStrike" dirty="0">
+                      <a:pPr algn="ctr" fontAlgn="b"/>
+                      <a:r>
+                        <a:rPr lang="en-US" sz="1400" b="0" i="0" u="none" strike="noStrike" dirty="0">
                           <a:solidFill>
                             <a:srgbClr val="000000"/>
                           </a:solidFill>
@@ -22567,7 +22571,7 @@
                         <a:t>5.62</a:t>
                       </a:r>
                       <a:r>
-                        <a:rPr lang="ru-RU" sz="1100" b="0" i="0" u="none" strike="noStrike" dirty="0">
+                        <a:rPr lang="ru-RU" sz="1400" b="0" i="0" u="none" strike="noStrike" dirty="0">
                           <a:solidFill>
                             <a:srgbClr val="000000"/>
                           </a:solidFill>
@@ -22576,7 +22580,7 @@
                         </a:rPr>
                         <a:t>7</a:t>
                       </a:r>
-                      <a:endParaRPr lang="en-US" sz="1100" b="0" i="0" u="none" strike="noStrike" dirty="0">
+                      <a:endParaRPr lang="en-US" sz="1400" b="0" i="0" u="none" strike="noStrike" dirty="0">
                         <a:solidFill>
                           <a:srgbClr val="000000"/>
                         </a:solidFill>
@@ -22585,7 +22589,7 @@
                       </a:endParaRPr>
                     </a:p>
                   </a:txBody>
-                  <a:tcPr marL="6350" marR="6350" marT="6350" marB="0" anchor="b">
+                  <a:tcPr marL="6350" marR="6350" marT="6350" marB="0" anchor="ctr">
                     <a:solidFill>
                       <a:srgbClr val="E9EBF5"/>
                     </a:solidFill>
@@ -22596,9 +22600,9 @@
                     <a:bodyPr/>
                     <a:lstStyle/>
                     <a:p>
-                      <a:pPr algn="r" fontAlgn="b"/>
-                      <a:r>
-                        <a:rPr lang="en-US" sz="1100" b="0" i="0" u="none" strike="noStrike" dirty="0">
+                      <a:pPr algn="ctr" fontAlgn="b"/>
+                      <a:r>
+                        <a:rPr lang="en-US" sz="1400" b="0" i="0" u="none" strike="noStrike" dirty="0">
                           <a:solidFill>
                             <a:srgbClr val="000000"/>
                           </a:solidFill>
@@ -22609,7 +22613,7 @@
                       </a:r>
                     </a:p>
                   </a:txBody>
-                  <a:tcPr marL="6350" marR="6350" marT="6350" marB="0" anchor="b">
+                  <a:tcPr marL="6350" marR="6350" marT="6350" marB="0" anchor="ctr">
                     <a:solidFill>
                       <a:srgbClr val="E9EBF5"/>
                     </a:solidFill>
@@ -22620,9 +22624,9 @@
                     <a:bodyPr/>
                     <a:lstStyle/>
                     <a:p>
-                      <a:pPr algn="r" fontAlgn="b"/>
-                      <a:r>
-                        <a:rPr lang="en-US" sz="1100" b="0" i="0" u="none" strike="noStrike" dirty="0">
+                      <a:pPr algn="ctr" fontAlgn="b"/>
+                      <a:r>
+                        <a:rPr lang="en-US" sz="1400" b="0" i="0" u="none" strike="noStrike" dirty="0">
                           <a:solidFill>
                             <a:srgbClr val="000000"/>
                           </a:solidFill>
@@ -22632,7 +22636,7 @@
                         <a:t>10.15</a:t>
                       </a:r>
                       <a:r>
-                        <a:rPr lang="ru-RU" sz="1100" b="0" i="0" u="none" strike="noStrike" dirty="0">
+                        <a:rPr lang="ru-RU" sz="1400" b="0" i="0" u="none" strike="noStrike" dirty="0">
                           <a:solidFill>
                             <a:srgbClr val="000000"/>
                           </a:solidFill>
@@ -22641,7 +22645,7 @@
                         </a:rPr>
                         <a:t>5</a:t>
                       </a:r>
-                      <a:endParaRPr lang="en-US" sz="1100" b="0" i="0" u="none" strike="noStrike" dirty="0">
+                      <a:endParaRPr lang="en-US" sz="1400" b="0" i="0" u="none" strike="noStrike" dirty="0">
                         <a:solidFill>
                           <a:srgbClr val="000000"/>
                         </a:solidFill>
@@ -22650,7 +22654,7 @@
                       </a:endParaRPr>
                     </a:p>
                   </a:txBody>
-                  <a:tcPr marL="6350" marR="6350" marT="6350" marB="0" anchor="b">
+                  <a:tcPr marL="6350" marR="6350" marT="6350" marB="0" anchor="ctr">
                     <a:solidFill>
                       <a:srgbClr val="E9EBF5"/>
                     </a:solidFill>
@@ -22661,9 +22665,9 @@
                     <a:bodyPr/>
                     <a:lstStyle/>
                     <a:p>
-                      <a:pPr algn="r" fontAlgn="b"/>
-                      <a:r>
-                        <a:rPr lang="en-US" sz="1100" b="0" i="0" u="none" strike="noStrike" dirty="0">
+                      <a:pPr algn="ctr" fontAlgn="b"/>
+                      <a:r>
+                        <a:rPr lang="en-US" sz="1400" b="0" i="0" u="none" strike="noStrike" dirty="0">
                           <a:solidFill>
                             <a:srgbClr val="000000"/>
                           </a:solidFill>
@@ -22674,7 +22678,7 @@
                       </a:r>
                     </a:p>
                   </a:txBody>
-                  <a:tcPr marL="6350" marR="6350" marT="6350" marB="0" anchor="b">
+                  <a:tcPr marL="6350" marR="6350" marT="6350" marB="0" anchor="ctr">
                     <a:solidFill>
                       <a:srgbClr val="E9EBF5"/>
                     </a:solidFill>
@@ -22705,14 +22709,14 @@
           <p:nvPr>
             <p:extLst>
               <p:ext uri="{D42A27DB-BD31-4B8C-83A1-F6EECF244321}">
-                <p14:modId xmlns:p14="http://schemas.microsoft.com/office/powerpoint/2010/main" val="1905189436"/>
+                <p14:modId xmlns:p14="http://schemas.microsoft.com/office/powerpoint/2010/main" val="470142182"/>
               </p:ext>
             </p:extLst>
           </p:nvPr>
         </p:nvGraphicFramePr>
         <p:xfrm>
           <a:off x="7027815" y="2213690"/>
-          <a:ext cx="4828491" cy="3243699"/>
+          <a:ext cx="4828491" cy="3316358"/>
         </p:xfrm>
         <a:graphic>
           <a:graphicData uri="http://schemas.openxmlformats.org/drawingml/2006/table">
@@ -22765,7 +22769,7 @@
                     <a:p>
                       <a:pPr algn="ctr" fontAlgn="b"/>
                       <a:r>
-                        <a:rPr lang="ru-RU" sz="1200" b="0" i="0" u="none" strike="noStrike">
+                        <a:rPr lang="ru-RU" sz="1400" b="0" i="0" u="none" strike="noStrike" dirty="0">
                           <a:solidFill>
                             <a:srgbClr val="000000"/>
                           </a:solidFill>
@@ -22775,7 +22779,7 @@
                         <a:t>Модель</a:t>
                       </a:r>
                       <a:r>
-                        <a:rPr lang="en-US" sz="1200" b="0" i="0" u="none" strike="noStrike">
+                        <a:rPr lang="en-US" sz="1400" b="0" i="0" u="none" strike="noStrike">
                           <a:solidFill>
                             <a:srgbClr val="000000"/>
                           </a:solidFill>
@@ -22785,7 +22789,7 @@
                         <a:t>\</a:t>
                       </a:r>
                       <a:r>
-                        <a:rPr lang="ru-RU" sz="1200" b="0" i="0" u="none" strike="noStrike">
+                        <a:rPr lang="ru-RU" sz="1400" b="0" i="0" u="none" strike="noStrike">
                           <a:solidFill>
                             <a:srgbClr val="000000"/>
                           </a:solidFill>
@@ -22794,7 +22798,7 @@
                         </a:rPr>
                         <a:t>Набор данных</a:t>
                       </a:r>
-                      <a:endParaRPr lang="en-US" sz="1200" b="0" i="0" u="none" strike="noStrike" dirty="0">
+                      <a:endParaRPr lang="en-US" sz="1400" b="0" i="0" u="none" strike="noStrike" dirty="0">
                         <a:solidFill>
                           <a:srgbClr val="000000"/>
                         </a:solidFill>
@@ -22812,12 +22816,12 @@
                     <a:p>
                       <a:pPr algn="ctr" fontAlgn="b"/>
                       <a:r>
-                        <a:rPr lang="en-US" sz="1200" u="none" strike="noStrike">
+                        <a:rPr lang="en-US" sz="1400" u="none" strike="noStrike" dirty="0">
                           <a:effectLst/>
                         </a:rPr>
                         <a:t>SAND500</a:t>
                       </a:r>
-                      <a:endParaRPr lang="en-US" sz="1200" b="0" i="0" u="none" strike="noStrike" dirty="0">
+                      <a:endParaRPr lang="en-US" sz="1400" b="0" i="0" u="none" strike="noStrike" dirty="0">
                         <a:solidFill>
                           <a:srgbClr val="000000"/>
                         </a:solidFill>
@@ -22826,21 +22830,21 @@
                       </a:endParaRPr>
                     </a:p>
                   </a:txBody>
-                  <a:tcPr marL="6350" marR="6350" marT="6350" marB="0" anchor="b"/>
-                </a:tc>
-                <a:tc>
-                  <a:txBody>
-                    <a:bodyPr/>
-                    <a:lstStyle/>
-                    <a:p>
-                      <a:pPr algn="ctr" fontAlgn="b"/>
-                      <a:r>
-                        <a:rPr lang="en-US" sz="1200" u="none" strike="noStrike">
+                  <a:tcPr marL="6350" marR="6350" marT="6350" marB="0"/>
+                </a:tc>
+                <a:tc>
+                  <a:txBody>
+                    <a:bodyPr/>
+                    <a:lstStyle/>
+                    <a:p>
+                      <a:pPr algn="ctr" fontAlgn="b"/>
+                      <a:r>
+                        <a:rPr lang="en-US" sz="1400" u="none" strike="noStrike">
                           <a:effectLst/>
                         </a:rPr>
                         <a:t>NASDAQ</a:t>
                       </a:r>
-                      <a:endParaRPr lang="en-US" sz="1200" b="0" i="0" u="none" strike="noStrike" dirty="0">
+                      <a:endParaRPr lang="en-US" sz="1400" b="0" i="0" u="none" strike="noStrike" dirty="0">
                         <a:solidFill>
                           <a:srgbClr val="000000"/>
                         </a:solidFill>
@@ -22849,21 +22853,21 @@
                       </a:endParaRPr>
                     </a:p>
                   </a:txBody>
-                  <a:tcPr marL="6350" marR="6350" marT="6350" marB="0" anchor="b"/>
-                </a:tc>
-                <a:tc>
-                  <a:txBody>
-                    <a:bodyPr/>
-                    <a:lstStyle/>
-                    <a:p>
-                      <a:pPr algn="ctr" fontAlgn="b"/>
-                      <a:r>
-                        <a:rPr lang="en-US" sz="1200" u="none" strike="noStrike">
+                  <a:tcPr marL="6350" marR="6350" marT="6350" marB="0"/>
+                </a:tc>
+                <a:tc>
+                  <a:txBody>
+                    <a:bodyPr/>
+                    <a:lstStyle/>
+                    <a:p>
+                      <a:pPr algn="ctr" fontAlgn="b"/>
+                      <a:r>
+                        <a:rPr lang="en-US" sz="1400" u="none" strike="noStrike">
                           <a:effectLst/>
                         </a:rPr>
                         <a:t>JPM</a:t>
                       </a:r>
-                      <a:endParaRPr lang="en-US" sz="1200" b="0" i="0" u="none" strike="noStrike" dirty="0">
+                      <a:endParaRPr lang="en-US" sz="1400" b="0" i="0" u="none" strike="noStrike" dirty="0">
                         <a:solidFill>
                           <a:srgbClr val="000000"/>
                         </a:solidFill>
@@ -22872,21 +22876,21 @@
                       </a:endParaRPr>
                     </a:p>
                   </a:txBody>
-                  <a:tcPr marL="6350" marR="6350" marT="6350" marB="0" anchor="b"/>
-                </a:tc>
-                <a:tc>
-                  <a:txBody>
-                    <a:bodyPr/>
-                    <a:lstStyle/>
-                    <a:p>
-                      <a:pPr algn="ctr" fontAlgn="b"/>
-                      <a:r>
-                        <a:rPr lang="en-US" sz="1200" u="none" strike="noStrike">
+                  <a:tcPr marL="6350" marR="6350" marT="6350" marB="0"/>
+                </a:tc>
+                <a:tc>
+                  <a:txBody>
+                    <a:bodyPr/>
+                    <a:lstStyle/>
+                    <a:p>
+                      <a:pPr algn="ctr" fontAlgn="b"/>
+                      <a:r>
+                        <a:rPr lang="en-US" sz="1400" u="none" strike="noStrike" dirty="0">
                           <a:effectLst/>
                         </a:rPr>
                         <a:t>DJI</a:t>
                       </a:r>
-                      <a:endParaRPr lang="en-US" sz="1200" b="0" i="0" u="none" strike="noStrike" dirty="0">
+                      <a:endParaRPr lang="en-US" sz="1400" b="0" i="0" u="none" strike="noStrike" dirty="0">
                         <a:solidFill>
                           <a:srgbClr val="000000"/>
                         </a:solidFill>
@@ -22895,7 +22899,7 @@
                       </a:endParaRPr>
                     </a:p>
                   </a:txBody>
-                  <a:tcPr marL="6350" marR="6350" marT="6350" marB="0" anchor="b"/>
+                  <a:tcPr marL="6350" marR="6350" marT="6350" marB="0"/>
                 </a:tc>
                 <a:extLst>
                   <a:ext uri="{0D108BD9-81ED-4DB2-BD59-A6C34878D82A}">
@@ -22911,24 +22915,24 @@
                     <a:p>
                       <a:pPr algn="ctr" fontAlgn="b"/>
                       <a:r>
-                        <a:rPr lang="en-US" sz="1200" u="none" strike="noStrike">
+                        <a:rPr lang="en-US" sz="1400" u="none" strike="noStrike">
                           <a:effectLst/>
                         </a:rPr>
                         <a:t>ARIMA(</a:t>
                       </a:r>
                       <a:r>
-                        <a:rPr lang="ru-RU" sz="1200" u="none" strike="noStrike">
+                        <a:rPr lang="ru-RU" sz="1400" u="none" strike="noStrike">
                           <a:effectLst/>
                         </a:rPr>
                         <a:t>0</a:t>
                       </a:r>
                       <a:r>
-                        <a:rPr lang="en-US" sz="1200" u="none" strike="noStrike">
+                        <a:rPr lang="en-US" sz="1400" u="none" strike="noStrike">
                           <a:effectLst/>
                         </a:rPr>
                         <a:t>,1,1)</a:t>
                       </a:r>
-                      <a:endParaRPr lang="en-US" sz="1200" b="0" i="0" u="none" strike="noStrike" dirty="0">
+                      <a:endParaRPr lang="en-US" sz="1400" b="0" i="0" u="none" strike="noStrike" dirty="0">
                         <a:solidFill>
                           <a:srgbClr val="000000"/>
                         </a:solidFill>
@@ -22946,7 +22950,7 @@
                     <a:p>
                       <a:pPr algn="ctr" fontAlgn="b"/>
                       <a:r>
-                        <a:rPr lang="en-US" sz="1100" b="0" i="0" u="none" strike="noStrike" dirty="0">
+                        <a:rPr lang="en-US" sz="1400" b="0" i="0" u="none" strike="noStrike" dirty="0">
                           <a:solidFill>
                             <a:srgbClr val="000000"/>
                           </a:solidFill>
@@ -22957,16 +22961,16 @@
                       </a:r>
                     </a:p>
                   </a:txBody>
-                  <a:tcPr marL="6350" marR="6350" marT="6350" marB="0" anchor="b"/>
-                </a:tc>
-                <a:tc>
-                  <a:txBody>
-                    <a:bodyPr/>
-                    <a:lstStyle/>
-                    <a:p>
-                      <a:pPr algn="ctr" fontAlgn="b"/>
-                      <a:r>
-                        <a:rPr lang="en-US" sz="1100" b="0" i="0" u="none" strike="noStrike" dirty="0">
+                  <a:tcPr marL="6350" marR="6350" marT="6350" marB="0" anchor="ctr"/>
+                </a:tc>
+                <a:tc>
+                  <a:txBody>
+                    <a:bodyPr/>
+                    <a:lstStyle/>
+                    <a:p>
+                      <a:pPr algn="ctr" fontAlgn="b"/>
+                      <a:r>
+                        <a:rPr lang="en-US" sz="1400" b="0" i="0" u="none" strike="noStrike" dirty="0">
                           <a:solidFill>
                             <a:srgbClr val="000000"/>
                           </a:solidFill>
@@ -22977,16 +22981,16 @@
                       </a:r>
                     </a:p>
                   </a:txBody>
-                  <a:tcPr marL="6350" marR="6350" marT="6350" marB="0" anchor="b"/>
-                </a:tc>
-                <a:tc>
-                  <a:txBody>
-                    <a:bodyPr/>
-                    <a:lstStyle/>
-                    <a:p>
-                      <a:pPr algn="ctr" fontAlgn="b"/>
-                      <a:r>
-                        <a:rPr lang="en-US" sz="1100" b="0" i="0" u="none" strike="noStrike" dirty="0">
+                  <a:tcPr marL="6350" marR="6350" marT="6350" marB="0" anchor="ctr"/>
+                </a:tc>
+                <a:tc>
+                  <a:txBody>
+                    <a:bodyPr/>
+                    <a:lstStyle/>
+                    <a:p>
+                      <a:pPr algn="ctr" fontAlgn="b"/>
+                      <a:r>
+                        <a:rPr lang="en-US" sz="1400" b="0" i="0" u="none" strike="noStrike" dirty="0">
                           <a:solidFill>
                             <a:srgbClr val="000000"/>
                           </a:solidFill>
@@ -22996,7 +23000,7 @@
                         <a:t>8.50</a:t>
                       </a:r>
                       <a:r>
-                        <a:rPr lang="ru-RU" sz="1100" b="0" i="0" u="none" strike="noStrike" dirty="0">
+                        <a:rPr lang="ru-RU" sz="1400" b="0" i="0" u="none" strike="noStrike" dirty="0">
                           <a:solidFill>
                             <a:srgbClr val="000000"/>
                           </a:solidFill>
@@ -23005,7 +23009,7 @@
                         </a:rPr>
                         <a:t>5</a:t>
                       </a:r>
-                      <a:endParaRPr lang="en-US" sz="1100" b="0" i="0" u="none" strike="noStrike" dirty="0">
+                      <a:endParaRPr lang="en-US" sz="1400" b="0" i="0" u="none" strike="noStrike" dirty="0">
                         <a:solidFill>
                           <a:srgbClr val="000000"/>
                         </a:solidFill>
@@ -23014,7 +23018,7 @@
                       </a:endParaRPr>
                     </a:p>
                   </a:txBody>
-                  <a:tcPr marL="6350" marR="6350" marT="6350" marB="0" anchor="b">
+                  <a:tcPr marL="6350" marR="6350" marT="6350" marB="0" anchor="ctr">
                     <a:solidFill>
                       <a:srgbClr val="E9EBF5"/>
                     </a:solidFill>
@@ -23027,7 +23031,7 @@
                     <a:p>
                       <a:pPr algn="ctr" fontAlgn="b"/>
                       <a:r>
-                        <a:rPr lang="en-US" sz="1100" b="0" i="0" u="none" strike="noStrike" dirty="0">
+                        <a:rPr lang="en-US" sz="1400" b="0" i="0" u="none" strike="noStrike" dirty="0">
                           <a:solidFill>
                             <a:srgbClr val="000000"/>
                           </a:solidFill>
@@ -23038,7 +23042,7 @@
                       </a:r>
                     </a:p>
                   </a:txBody>
-                  <a:tcPr marL="6350" marR="6350" marT="6350" marB="0" anchor="b"/>
+                  <a:tcPr marL="6350" marR="6350" marT="6350" marB="0" anchor="ctr"/>
                 </a:tc>
                 <a:extLst>
                   <a:ext uri="{0D108BD9-81ED-4DB2-BD59-A6C34878D82A}">
@@ -23054,7 +23058,7 @@
                     <a:p>
                       <a:pPr algn="ctr" fontAlgn="b"/>
                       <a:r>
-                        <a:rPr lang="en-US" sz="1200" b="0" i="0" u="none" strike="noStrike">
+                        <a:rPr lang="en-US" sz="1400" b="0" i="0" u="none" strike="noStrike">
                           <a:solidFill>
                             <a:srgbClr val="000000"/>
                           </a:solidFill>
@@ -23063,7 +23067,7 @@
                         </a:rPr>
                         <a:t>ARIMA(0,1,3)</a:t>
                       </a:r>
-                      <a:endParaRPr lang="en-US" sz="1200" b="0" i="0" u="none" strike="noStrike" dirty="0">
+                      <a:endParaRPr lang="en-US" sz="1400" b="0" i="0" u="none" strike="noStrike" dirty="0">
                         <a:solidFill>
                           <a:srgbClr val="000000"/>
                         </a:solidFill>
@@ -23081,7 +23085,7 @@
                     <a:p>
                       <a:pPr algn="ctr" fontAlgn="b"/>
                       <a:r>
-                        <a:rPr lang="en-US" sz="1100" b="0" i="0" u="none" strike="noStrike" dirty="0">
+                        <a:rPr lang="en-US" sz="1400" b="0" i="0" u="none" strike="noStrike" dirty="0">
                           <a:solidFill>
                             <a:srgbClr val="000000"/>
                           </a:solidFill>
@@ -23091,7 +23095,7 @@
                         <a:t>5.43</a:t>
                       </a:r>
                       <a:r>
-                        <a:rPr lang="ru-RU" sz="1100" b="0" i="0" u="none" strike="noStrike" dirty="0">
+                        <a:rPr lang="ru-RU" sz="1400" b="0" i="0" u="none" strike="noStrike" dirty="0">
                           <a:solidFill>
                             <a:srgbClr val="000000"/>
                           </a:solidFill>
@@ -23100,7 +23104,7 @@
                         </a:rPr>
                         <a:t>9</a:t>
                       </a:r>
-                      <a:endParaRPr lang="en-US" sz="1100" b="0" i="0" u="none" strike="noStrike" dirty="0">
+                      <a:endParaRPr lang="en-US" sz="1400" b="0" i="0" u="none" strike="noStrike" dirty="0">
                         <a:solidFill>
                           <a:srgbClr val="000000"/>
                         </a:solidFill>
@@ -23109,16 +23113,16 @@
                       </a:endParaRPr>
                     </a:p>
                   </a:txBody>
-                  <a:tcPr marL="6350" marR="6350" marT="6350" marB="0" anchor="b"/>
-                </a:tc>
-                <a:tc>
-                  <a:txBody>
-                    <a:bodyPr/>
-                    <a:lstStyle/>
-                    <a:p>
-                      <a:pPr algn="ctr" fontAlgn="b"/>
-                      <a:r>
-                        <a:rPr lang="en-US" sz="1100" b="0" i="0" u="none" strike="noStrike" dirty="0">
+                  <a:tcPr marL="6350" marR="6350" marT="6350" marB="0" anchor="ctr"/>
+                </a:tc>
+                <a:tc>
+                  <a:txBody>
+                    <a:bodyPr/>
+                    <a:lstStyle/>
+                    <a:p>
+                      <a:pPr algn="ctr" fontAlgn="b"/>
+                      <a:r>
+                        <a:rPr lang="en-US" sz="1400" b="0" i="0" u="none" strike="noStrike" dirty="0">
                           <a:solidFill>
                             <a:srgbClr val="000000"/>
                           </a:solidFill>
@@ -23128,7 +23132,7 @@
                         <a:t>6.52</a:t>
                       </a:r>
                       <a:r>
-                        <a:rPr lang="ru-RU" sz="1100" b="0" i="0" u="none" strike="noStrike" dirty="0">
+                        <a:rPr lang="ru-RU" sz="1400" b="0" i="0" u="none" strike="noStrike" dirty="0">
                           <a:solidFill>
                             <a:srgbClr val="000000"/>
                           </a:solidFill>
@@ -23137,7 +23141,7 @@
                         </a:rPr>
                         <a:t>9</a:t>
                       </a:r>
-                      <a:endParaRPr lang="en-US" sz="1100" b="0" i="0" u="none" strike="noStrike" dirty="0">
+                      <a:endParaRPr lang="en-US" sz="1400" b="0" i="0" u="none" strike="noStrike" dirty="0">
                         <a:solidFill>
                           <a:srgbClr val="000000"/>
                         </a:solidFill>
@@ -23146,16 +23150,16 @@
                       </a:endParaRPr>
                     </a:p>
                   </a:txBody>
-                  <a:tcPr marL="6350" marR="6350" marT="6350" marB="0" anchor="b"/>
-                </a:tc>
-                <a:tc>
-                  <a:txBody>
-                    <a:bodyPr/>
-                    <a:lstStyle/>
-                    <a:p>
-                      <a:pPr algn="ctr" fontAlgn="b"/>
-                      <a:r>
-                        <a:rPr lang="en-US" sz="1100" b="0" i="0" u="none" strike="noStrike" dirty="0">
+                  <a:tcPr marL="6350" marR="6350" marT="6350" marB="0" anchor="ctr"/>
+                </a:tc>
+                <a:tc>
+                  <a:txBody>
+                    <a:bodyPr/>
+                    <a:lstStyle/>
+                    <a:p>
+                      <a:pPr algn="ctr" fontAlgn="b"/>
+                      <a:r>
+                        <a:rPr lang="en-US" sz="1400" b="0" i="0" u="none" strike="noStrike" dirty="0">
                           <a:solidFill>
                             <a:srgbClr val="000000"/>
                           </a:solidFill>
@@ -23165,7 +23169,7 @@
                         <a:t>9.30</a:t>
                       </a:r>
                       <a:r>
-                        <a:rPr lang="ru-RU" sz="1100" b="0" i="0" u="none" strike="noStrike" dirty="0">
+                        <a:rPr lang="ru-RU" sz="1400" b="0" i="0" u="none" strike="noStrike" dirty="0">
                           <a:solidFill>
                             <a:srgbClr val="000000"/>
                           </a:solidFill>
@@ -23174,7 +23178,7 @@
                         </a:rPr>
                         <a:t>7</a:t>
                       </a:r>
-                      <a:endParaRPr lang="en-US" sz="1100" b="0" i="0" u="none" strike="noStrike" dirty="0">
+                      <a:endParaRPr lang="en-US" sz="1400" b="0" i="0" u="none" strike="noStrike" dirty="0">
                         <a:solidFill>
                           <a:srgbClr val="000000"/>
                         </a:solidFill>
@@ -23183,16 +23187,16 @@
                       </a:endParaRPr>
                     </a:p>
                   </a:txBody>
-                  <a:tcPr marL="6350" marR="6350" marT="6350" marB="0" anchor="b"/>
-                </a:tc>
-                <a:tc>
-                  <a:txBody>
-                    <a:bodyPr/>
-                    <a:lstStyle/>
-                    <a:p>
-                      <a:pPr algn="ctr" fontAlgn="b"/>
-                      <a:r>
-                        <a:rPr lang="en-US" sz="1100" b="0" i="0" u="none" strike="noStrike" dirty="0">
+                  <a:tcPr marL="6350" marR="6350" marT="6350" marB="0" anchor="ctr"/>
+                </a:tc>
+                <a:tc>
+                  <a:txBody>
+                    <a:bodyPr/>
+                    <a:lstStyle/>
+                    <a:p>
+                      <a:pPr algn="ctr" fontAlgn="b"/>
+                      <a:r>
+                        <a:rPr lang="en-US" sz="1400" b="0" i="0" u="none" strike="noStrike" dirty="0">
                           <a:solidFill>
                             <a:srgbClr val="000000"/>
                           </a:solidFill>
@@ -23202,7 +23206,7 @@
                         <a:t>4.94</a:t>
                       </a:r>
                       <a:r>
-                        <a:rPr lang="ru-RU" sz="1100" b="0" i="0" u="none" strike="noStrike" dirty="0">
+                        <a:rPr lang="ru-RU" sz="1400" b="0" i="0" u="none" strike="noStrike" dirty="0">
                           <a:solidFill>
                             <a:srgbClr val="000000"/>
                           </a:solidFill>
@@ -23211,7 +23215,7 @@
                         </a:rPr>
                         <a:t>9</a:t>
                       </a:r>
-                      <a:endParaRPr lang="en-US" sz="1100" b="0" i="0" u="none" strike="noStrike" dirty="0">
+                      <a:endParaRPr lang="en-US" sz="1400" b="0" i="0" u="none" strike="noStrike" dirty="0">
                         <a:solidFill>
                           <a:srgbClr val="000000"/>
                         </a:solidFill>
@@ -23220,7 +23224,7 @@
                       </a:endParaRPr>
                     </a:p>
                   </a:txBody>
-                  <a:tcPr marL="6350" marR="6350" marT="6350" marB="0" anchor="b"/>
+                  <a:tcPr marL="6350" marR="6350" marT="6350" marB="0" anchor="ctr"/>
                 </a:tc>
                 <a:extLst>
                   <a:ext uri="{0D108BD9-81ED-4DB2-BD59-A6C34878D82A}">
@@ -23236,7 +23240,7 @@
                     <a:p>
                       <a:pPr algn="ctr" fontAlgn="b"/>
                       <a:r>
-                        <a:rPr lang="en-US" sz="1200" b="0" i="0" u="none" strike="noStrike" dirty="0">
+                        <a:rPr lang="en-US" sz="1400" b="0" i="0" u="none" strike="noStrike" dirty="0">
                           <a:solidFill>
                             <a:srgbClr val="000000"/>
                           </a:solidFill>
@@ -23256,7 +23260,7 @@
                     <a:p>
                       <a:pPr algn="ctr" fontAlgn="b"/>
                       <a:r>
-                        <a:rPr lang="en-US" sz="1100" b="0" i="0" u="none" strike="noStrike" dirty="0">
+                        <a:rPr lang="en-US" sz="1400" b="0" i="0" u="none" strike="noStrike" dirty="0">
                           <a:solidFill>
                             <a:srgbClr val="000000"/>
                           </a:solidFill>
@@ -23267,16 +23271,16 @@
                       </a:r>
                     </a:p>
                   </a:txBody>
-                  <a:tcPr marL="6350" marR="6350" marT="6350" marB="0" anchor="b"/>
-                </a:tc>
-                <a:tc>
-                  <a:txBody>
-                    <a:bodyPr/>
-                    <a:lstStyle/>
-                    <a:p>
-                      <a:pPr algn="ctr" fontAlgn="b"/>
-                      <a:r>
-                        <a:rPr lang="en-US" sz="1100" b="0" i="0" u="none" strike="noStrike" dirty="0">
+                  <a:tcPr marL="6350" marR="6350" marT="6350" marB="0" anchor="ctr"/>
+                </a:tc>
+                <a:tc>
+                  <a:txBody>
+                    <a:bodyPr/>
+                    <a:lstStyle/>
+                    <a:p>
+                      <a:pPr algn="ctr" fontAlgn="b"/>
+                      <a:r>
+                        <a:rPr lang="en-US" sz="1400" b="0" i="0" u="none" strike="noStrike" dirty="0">
                           <a:solidFill>
                             <a:srgbClr val="000000"/>
                           </a:solidFill>
@@ -23287,16 +23291,16 @@
                       </a:r>
                     </a:p>
                   </a:txBody>
-                  <a:tcPr marL="6350" marR="6350" marT="6350" marB="0" anchor="b"/>
-                </a:tc>
-                <a:tc>
-                  <a:txBody>
-                    <a:bodyPr/>
-                    <a:lstStyle/>
-                    <a:p>
-                      <a:pPr algn="ctr" fontAlgn="b"/>
-                      <a:r>
-                        <a:rPr lang="en-US" sz="1100" b="0" i="0" u="none" strike="noStrike" dirty="0">
+                  <a:tcPr marL="6350" marR="6350" marT="6350" marB="0" anchor="ctr"/>
+                </a:tc>
+                <a:tc>
+                  <a:txBody>
+                    <a:bodyPr/>
+                    <a:lstStyle/>
+                    <a:p>
+                      <a:pPr algn="ctr" fontAlgn="b"/>
+                      <a:r>
+                        <a:rPr lang="en-US" sz="1400" b="0" i="0" u="none" strike="noStrike" dirty="0">
                           <a:solidFill>
                             <a:srgbClr val="000000"/>
                           </a:solidFill>
@@ -23307,16 +23311,16 @@
                       </a:r>
                     </a:p>
                   </a:txBody>
-                  <a:tcPr marL="6350" marR="6350" marT="6350" marB="0" anchor="b"/>
-                </a:tc>
-                <a:tc>
-                  <a:txBody>
-                    <a:bodyPr/>
-                    <a:lstStyle/>
-                    <a:p>
-                      <a:pPr algn="ctr" fontAlgn="b"/>
-                      <a:r>
-                        <a:rPr lang="en-US" sz="1100" b="0" i="0" u="none" strike="noStrike" dirty="0">
+                  <a:tcPr marL="6350" marR="6350" marT="6350" marB="0" anchor="ctr"/>
+                </a:tc>
+                <a:tc>
+                  <a:txBody>
+                    <a:bodyPr/>
+                    <a:lstStyle/>
+                    <a:p>
+                      <a:pPr algn="ctr" fontAlgn="b"/>
+                      <a:r>
+                        <a:rPr lang="en-US" sz="1400" b="0" i="0" u="none" strike="noStrike" dirty="0">
                           <a:solidFill>
                             <a:srgbClr val="000000"/>
                           </a:solidFill>
@@ -23326,7 +23330,7 @@
                         <a:t>4.92</a:t>
                       </a:r>
                       <a:r>
-                        <a:rPr lang="ru-RU" sz="1100" b="0" i="0" u="none" strike="noStrike" dirty="0">
+                        <a:rPr lang="ru-RU" sz="1400" b="0" i="0" u="none" strike="noStrike" dirty="0">
                           <a:solidFill>
                             <a:srgbClr val="000000"/>
                           </a:solidFill>
@@ -23335,7 +23339,7 @@
                         </a:rPr>
                         <a:t>1</a:t>
                       </a:r>
-                      <a:endParaRPr lang="en-US" sz="1100" b="0" i="0" u="none" strike="noStrike" dirty="0">
+                      <a:endParaRPr lang="en-US" sz="1400" b="0" i="0" u="none" strike="noStrike" dirty="0">
                         <a:solidFill>
                           <a:srgbClr val="000000"/>
                         </a:solidFill>
@@ -23344,7 +23348,7 @@
                       </a:endParaRPr>
                     </a:p>
                   </a:txBody>
-                  <a:tcPr marL="6350" marR="6350" marT="6350" marB="0" anchor="b"/>
+                  <a:tcPr marL="6350" marR="6350" marT="6350" marB="0" anchor="ctr"/>
                 </a:tc>
                 <a:extLst>
                   <a:ext uri="{0D108BD9-81ED-4DB2-BD59-A6C34878D82A}">
@@ -23376,7 +23380,7 @@
                         <a:defRPr/>
                       </a:pPr>
                       <a:r>
-                        <a:rPr lang="en-US" sz="1200" b="0" i="0" u="none" strike="noStrike" dirty="0">
+                        <a:rPr lang="en-US" sz="1400" b="0" i="0" u="none" strike="noStrike" dirty="0">
                           <a:solidFill>
                             <a:srgbClr val="000000"/>
                           </a:solidFill>
@@ -23396,7 +23400,7 @@
                     <a:p>
                       <a:pPr algn="ctr" fontAlgn="b"/>
                       <a:r>
-                        <a:rPr lang="en-US" sz="1100" b="0" i="0" u="none" strike="noStrike" dirty="0">
+                        <a:rPr lang="en-US" sz="1400" b="0" i="0" u="none" strike="noStrike" dirty="0">
                           <a:solidFill>
                             <a:srgbClr val="000000"/>
                           </a:solidFill>
@@ -23406,7 +23410,7 @@
                         <a:t>5.8</a:t>
                       </a:r>
                       <a:r>
-                        <a:rPr lang="ru-RU" sz="1100" b="0" i="0" u="none" strike="noStrike" dirty="0">
+                        <a:rPr lang="ru-RU" sz="1400" b="0" i="0" u="none" strike="noStrike" dirty="0">
                           <a:solidFill>
                             <a:srgbClr val="000000"/>
                           </a:solidFill>
@@ -23415,7 +23419,7 @@
                         </a:rPr>
                         <a:t>20</a:t>
                       </a:r>
-                      <a:endParaRPr lang="en-US" sz="1100" b="0" i="0" u="none" strike="noStrike" dirty="0">
+                      <a:endParaRPr lang="en-US" sz="1400" b="0" i="0" u="none" strike="noStrike" dirty="0">
                         <a:solidFill>
                           <a:srgbClr val="000000"/>
                         </a:solidFill>
@@ -23424,16 +23428,16 @@
                       </a:endParaRPr>
                     </a:p>
                   </a:txBody>
-                  <a:tcPr marL="6350" marR="6350" marT="6350" marB="0" anchor="b"/>
-                </a:tc>
-                <a:tc>
-                  <a:txBody>
-                    <a:bodyPr/>
-                    <a:lstStyle/>
-                    <a:p>
-                      <a:pPr algn="ctr" fontAlgn="b"/>
-                      <a:r>
-                        <a:rPr lang="en-US" sz="1100" b="0" i="0" u="none" strike="noStrike" dirty="0">
+                  <a:tcPr marL="6350" marR="6350" marT="6350" marB="0" anchor="ctr"/>
+                </a:tc>
+                <a:tc>
+                  <a:txBody>
+                    <a:bodyPr/>
+                    <a:lstStyle/>
+                    <a:p>
+                      <a:pPr algn="ctr" fontAlgn="b"/>
+                      <a:r>
+                        <a:rPr lang="en-US" sz="1400" b="0" i="0" u="none" strike="noStrike" dirty="0">
                           <a:solidFill>
                             <a:srgbClr val="000000"/>
                           </a:solidFill>
@@ -23443,7 +23447,7 @@
                         <a:t>7.43</a:t>
                       </a:r>
                       <a:r>
-                        <a:rPr lang="ru-RU" sz="1100" b="0" i="0" u="none" strike="noStrike" dirty="0">
+                        <a:rPr lang="ru-RU" sz="1400" b="0" i="0" u="none" strike="noStrike" dirty="0">
                           <a:solidFill>
                             <a:srgbClr val="000000"/>
                           </a:solidFill>
@@ -23452,7 +23456,7 @@
                         </a:rPr>
                         <a:t>9</a:t>
                       </a:r>
-                      <a:endParaRPr lang="en-US" sz="1100" b="0" i="0" u="none" strike="noStrike" dirty="0">
+                      <a:endParaRPr lang="en-US" sz="1400" b="0" i="0" u="none" strike="noStrike" dirty="0">
                         <a:solidFill>
                           <a:srgbClr val="000000"/>
                         </a:solidFill>
@@ -23461,16 +23465,16 @@
                       </a:endParaRPr>
                     </a:p>
                   </a:txBody>
-                  <a:tcPr marL="6350" marR="6350" marT="6350" marB="0" anchor="b"/>
-                </a:tc>
-                <a:tc>
-                  <a:txBody>
-                    <a:bodyPr/>
-                    <a:lstStyle/>
-                    <a:p>
-                      <a:pPr algn="ctr" fontAlgn="b"/>
-                      <a:r>
-                        <a:rPr lang="en-US" sz="1100" b="0" i="0" u="none" strike="noStrike" dirty="0">
+                  <a:tcPr marL="6350" marR="6350" marT="6350" marB="0" anchor="ctr"/>
+                </a:tc>
+                <a:tc>
+                  <a:txBody>
+                    <a:bodyPr/>
+                    <a:lstStyle/>
+                    <a:p>
+                      <a:pPr algn="ctr" fontAlgn="b"/>
+                      <a:r>
+                        <a:rPr lang="en-US" sz="1400" b="0" i="0" u="none" strike="noStrike" dirty="0">
                           <a:solidFill>
                             <a:srgbClr val="000000"/>
                           </a:solidFill>
@@ -23481,16 +23485,16 @@
                       </a:r>
                     </a:p>
                   </a:txBody>
-                  <a:tcPr marL="6350" marR="6350" marT="6350" marB="0" anchor="b"/>
-                </a:tc>
-                <a:tc>
-                  <a:txBody>
-                    <a:bodyPr/>
-                    <a:lstStyle/>
-                    <a:p>
-                      <a:pPr algn="ctr" fontAlgn="b"/>
-                      <a:r>
-                        <a:rPr lang="en-US" sz="1100" b="0" i="0" u="none" strike="noStrike" dirty="0">
+                  <a:tcPr marL="6350" marR="6350" marT="6350" marB="0" anchor="ctr"/>
+                </a:tc>
+                <a:tc>
+                  <a:txBody>
+                    <a:bodyPr/>
+                    <a:lstStyle/>
+                    <a:p>
+                      <a:pPr algn="ctr" fontAlgn="b"/>
+                      <a:r>
+                        <a:rPr lang="en-US" sz="1400" b="0" i="0" u="none" strike="noStrike" dirty="0">
                           <a:solidFill>
                             <a:srgbClr val="000000"/>
                           </a:solidFill>
@@ -23501,7 +23505,7 @@
                       </a:r>
                     </a:p>
                   </a:txBody>
-                  <a:tcPr marL="6350" marR="6350" marT="6350" marB="0" anchor="b"/>
+                  <a:tcPr marL="6350" marR="6350" marT="6350" marB="0" anchor="ctr"/>
                 </a:tc>
                 <a:extLst>
                   <a:ext uri="{0D108BD9-81ED-4DB2-BD59-A6C34878D82A}">
@@ -23517,7 +23521,7 @@
                     <a:p>
                       <a:pPr algn="ctr" fontAlgn="b"/>
                       <a:r>
-                        <a:rPr lang="en-US" sz="1200" b="0" i="0" u="none" strike="noStrike">
+                        <a:rPr lang="en-US" sz="1400" b="0" i="0" u="none" strike="noStrike">
                           <a:solidFill>
                             <a:srgbClr val="000000"/>
                           </a:solidFill>
@@ -23537,7 +23541,7 @@
                     <a:p>
                       <a:pPr algn="ctr" fontAlgn="b"/>
                       <a:r>
-                        <a:rPr lang="en-US" sz="1100" b="0" i="0" u="none" strike="noStrike" dirty="0">
+                        <a:rPr lang="en-US" sz="1400" b="0" i="0" u="none" strike="noStrike" dirty="0">
                           <a:solidFill>
                             <a:srgbClr val="000000"/>
                           </a:solidFill>
@@ -23548,7 +23552,7 @@
                       </a:r>
                     </a:p>
                   </a:txBody>
-                  <a:tcPr marL="6350" marR="6350" marT="6350" marB="0" anchor="b">
+                  <a:tcPr marL="6350" marR="6350" marT="6350" marB="0" anchor="ctr">
                     <a:solidFill>
                       <a:srgbClr val="E9EBF5"/>
                     </a:solidFill>
@@ -23561,7 +23565,7 @@
                     <a:p>
                       <a:pPr algn="ctr" fontAlgn="b"/>
                       <a:r>
-                        <a:rPr lang="en-US" sz="1100" b="0" i="0" u="none" strike="noStrike" dirty="0">
+                        <a:rPr lang="en-US" sz="1400" b="0" i="0" u="none" strike="noStrike" dirty="0">
                           <a:solidFill>
                             <a:srgbClr val="000000"/>
                           </a:solidFill>
@@ -23571,7 +23575,7 @@
                         <a:t>13.30</a:t>
                       </a:r>
                       <a:r>
-                        <a:rPr lang="ru-RU" sz="1100" b="0" i="0" u="none" strike="noStrike" dirty="0">
+                        <a:rPr lang="ru-RU" sz="1400" b="0" i="0" u="none" strike="noStrike" dirty="0">
                           <a:solidFill>
                             <a:srgbClr val="000000"/>
                           </a:solidFill>
@@ -23580,7 +23584,7 @@
                         </a:rPr>
                         <a:t>3</a:t>
                       </a:r>
-                      <a:endParaRPr lang="en-US" sz="1100" b="0" i="0" u="none" strike="noStrike" dirty="0">
+                      <a:endParaRPr lang="en-US" sz="1400" b="0" i="0" u="none" strike="noStrike" dirty="0">
                         <a:solidFill>
                           <a:srgbClr val="000000"/>
                         </a:solidFill>
@@ -23589,7 +23593,7 @@
                       </a:endParaRPr>
                     </a:p>
                   </a:txBody>
-                  <a:tcPr marL="6350" marR="6350" marT="6350" marB="0" anchor="b">
+                  <a:tcPr marL="6350" marR="6350" marT="6350" marB="0" anchor="ctr">
                     <a:solidFill>
                       <a:srgbClr val="E9EBF5"/>
                     </a:solidFill>
@@ -23602,7 +23606,7 @@
                     <a:p>
                       <a:pPr algn="ctr" fontAlgn="b"/>
                       <a:r>
-                        <a:rPr lang="en-US" sz="1100" b="0" i="0" u="none" strike="noStrike" dirty="0">
+                        <a:rPr lang="en-US" sz="1400" b="0" i="0" u="none" strike="noStrike" dirty="0">
                           <a:solidFill>
                             <a:srgbClr val="000000"/>
                           </a:solidFill>
@@ -23612,7 +23616,7 @@
                         <a:t>18.05</a:t>
                       </a:r>
                       <a:r>
-                        <a:rPr lang="ru-RU" sz="1100" b="0" i="0" u="none" strike="noStrike" dirty="0">
+                        <a:rPr lang="ru-RU" sz="1400" b="0" i="0" u="none" strike="noStrike" dirty="0">
                           <a:solidFill>
                             <a:srgbClr val="000000"/>
                           </a:solidFill>
@@ -23621,7 +23625,7 @@
                         </a:rPr>
                         <a:t>4</a:t>
                       </a:r>
-                      <a:endParaRPr lang="en-US" sz="1100" b="0" i="0" u="none" strike="noStrike" dirty="0">
+                      <a:endParaRPr lang="en-US" sz="1400" b="0" i="0" u="none" strike="noStrike" dirty="0">
                         <a:solidFill>
                           <a:srgbClr val="000000"/>
                         </a:solidFill>
@@ -23630,7 +23634,7 @@
                       </a:endParaRPr>
                     </a:p>
                   </a:txBody>
-                  <a:tcPr marL="6350" marR="6350" marT="6350" marB="0" anchor="b">
+                  <a:tcPr marL="6350" marR="6350" marT="6350" marB="0" anchor="ctr">
                     <a:solidFill>
                       <a:srgbClr val="E9EBF5"/>
                     </a:solidFill>
@@ -23643,7 +23647,7 @@
                     <a:p>
                       <a:pPr algn="ctr" fontAlgn="b"/>
                       <a:r>
-                        <a:rPr lang="en-US" sz="1100" b="0" i="0" u="none" strike="noStrike" dirty="0">
+                        <a:rPr lang="en-US" sz="1400" b="0" i="0" u="none" strike="noStrike" dirty="0">
                           <a:solidFill>
                             <a:srgbClr val="000000"/>
                           </a:solidFill>
@@ -23653,7 +23657,7 @@
                         <a:t>8.49</a:t>
                       </a:r>
                       <a:r>
-                        <a:rPr lang="ru-RU" sz="1100" b="0" i="0" u="none" strike="noStrike" dirty="0">
+                        <a:rPr lang="ru-RU" sz="1400" b="0" i="0" u="none" strike="noStrike" dirty="0">
                           <a:solidFill>
                             <a:srgbClr val="000000"/>
                           </a:solidFill>
@@ -23662,7 +23666,7 @@
                         </a:rPr>
                         <a:t>2</a:t>
                       </a:r>
-                      <a:endParaRPr lang="en-US" sz="1100" b="0" i="0" u="none" strike="noStrike" dirty="0">
+                      <a:endParaRPr lang="en-US" sz="1400" b="0" i="0" u="none" strike="noStrike" dirty="0">
                         <a:solidFill>
                           <a:srgbClr val="000000"/>
                         </a:solidFill>
@@ -23671,7 +23675,7 @@
                       </a:endParaRPr>
                     </a:p>
                   </a:txBody>
-                  <a:tcPr marL="6350" marR="6350" marT="6350" marB="0" anchor="b">
+                  <a:tcPr marL="6350" marR="6350" marT="6350" marB="0" anchor="ctr">
                     <a:solidFill>
                       <a:srgbClr val="E9EBF5"/>
                     </a:solidFill>
@@ -23691,7 +23695,7 @@
                     <a:p>
                       <a:pPr algn="ctr" fontAlgn="b"/>
                       <a:r>
-                        <a:rPr lang="en-US" sz="1200" b="0" i="0" u="none" strike="noStrike">
+                        <a:rPr lang="en-US" sz="1400" b="0" i="0" u="none" strike="noStrike">
                           <a:solidFill>
                             <a:srgbClr val="000000"/>
                           </a:solidFill>
@@ -23700,7 +23704,7 @@
                         </a:rPr>
                         <a:t>GRU</a:t>
                       </a:r>
-                      <a:endParaRPr lang="en-US" sz="1200" b="0" i="0" u="none" strike="noStrike" dirty="0">
+                      <a:endParaRPr lang="en-US" sz="1400" b="0" i="0" u="none" strike="noStrike" dirty="0">
                         <a:solidFill>
                           <a:srgbClr val="000000"/>
                         </a:solidFill>
@@ -23718,7 +23722,7 @@
                     <a:p>
                       <a:pPr algn="ctr" fontAlgn="b"/>
                       <a:r>
-                        <a:rPr lang="en-US" sz="1100" b="0" i="0" u="none" strike="noStrike" dirty="0">
+                        <a:rPr lang="en-US" sz="1400" b="0" i="0" u="none" strike="noStrike" dirty="0">
                           <a:solidFill>
                             <a:srgbClr val="000000"/>
                           </a:solidFill>
@@ -23728,7 +23732,7 @@
                         <a:t>7.86</a:t>
                       </a:r>
                       <a:r>
-                        <a:rPr lang="ru-RU" sz="1100" b="0" i="0" u="none" strike="noStrike" dirty="0">
+                        <a:rPr lang="ru-RU" sz="1400" b="0" i="0" u="none" strike="noStrike" dirty="0">
                           <a:solidFill>
                             <a:srgbClr val="000000"/>
                           </a:solidFill>
@@ -23737,7 +23741,7 @@
                         </a:rPr>
                         <a:t>6</a:t>
                       </a:r>
-                      <a:endParaRPr lang="en-US" sz="1100" b="0" i="0" u="none" strike="noStrike" dirty="0">
+                      <a:endParaRPr lang="en-US" sz="1400" b="0" i="0" u="none" strike="noStrike" dirty="0">
                         <a:solidFill>
                           <a:srgbClr val="000000"/>
                         </a:solidFill>
@@ -23746,7 +23750,7 @@
                       </a:endParaRPr>
                     </a:p>
                   </a:txBody>
-                  <a:tcPr marL="6350" marR="6350" marT="6350" marB="0" anchor="b">
+                  <a:tcPr marL="6350" marR="6350" marT="6350" marB="0" anchor="ctr">
                     <a:solidFill>
                       <a:srgbClr val="E9EBF5"/>
                     </a:solidFill>
@@ -23759,7 +23763,7 @@
                     <a:p>
                       <a:pPr algn="ctr" fontAlgn="b"/>
                       <a:r>
-                        <a:rPr lang="en-US" sz="1100" b="0" i="0" u="none" strike="noStrike" dirty="0">
+                        <a:rPr lang="en-US" sz="1400" b="0" i="0" u="none" strike="noStrike" dirty="0">
                           <a:solidFill>
                             <a:srgbClr val="000000"/>
                           </a:solidFill>
@@ -23770,7 +23774,7 @@
                       </a:r>
                     </a:p>
                   </a:txBody>
-                  <a:tcPr marL="6350" marR="6350" marT="6350" marB="0" anchor="b">
+                  <a:tcPr marL="6350" marR="6350" marT="6350" marB="0" anchor="ctr">
                     <a:solidFill>
                       <a:srgbClr val="E9EBF5"/>
                     </a:solidFill>
@@ -23783,7 +23787,7 @@
                     <a:p>
                       <a:pPr algn="ctr" fontAlgn="b"/>
                       <a:r>
-                        <a:rPr lang="en-US" sz="1100" b="0" i="0" u="none" strike="noStrike" dirty="0">
+                        <a:rPr lang="en-US" sz="1400" b="0" i="0" u="none" strike="noStrike" dirty="0">
                           <a:solidFill>
                             <a:srgbClr val="000000"/>
                           </a:solidFill>
@@ -23793,7 +23797,7 @@
                         <a:t>11.3</a:t>
                       </a:r>
                       <a:r>
-                        <a:rPr lang="ru-RU" sz="1100" b="0" i="0" u="none" strike="noStrike" dirty="0">
+                        <a:rPr lang="ru-RU" sz="1400" b="0" i="0" u="none" strike="noStrike" dirty="0">
                           <a:solidFill>
                             <a:srgbClr val="000000"/>
                           </a:solidFill>
@@ -23802,7 +23806,7 @@
                         </a:rPr>
                         <a:t>80</a:t>
                       </a:r>
-                      <a:endParaRPr lang="en-US" sz="1100" b="0" i="0" u="none" strike="noStrike" dirty="0">
+                      <a:endParaRPr lang="en-US" sz="1400" b="0" i="0" u="none" strike="noStrike" dirty="0">
                         <a:solidFill>
                           <a:srgbClr val="000000"/>
                         </a:solidFill>
@@ -23811,7 +23815,7 @@
                       </a:endParaRPr>
                     </a:p>
                   </a:txBody>
-                  <a:tcPr marL="6350" marR="6350" marT="6350" marB="0" anchor="b">
+                  <a:tcPr marL="6350" marR="6350" marT="6350" marB="0" anchor="ctr">
                     <a:solidFill>
                       <a:srgbClr val="E9EBF5"/>
                     </a:solidFill>
@@ -23824,7 +23828,7 @@
                     <a:p>
                       <a:pPr algn="ctr" fontAlgn="b"/>
                       <a:r>
-                        <a:rPr lang="en-US" sz="1100" b="0" i="0" u="none" strike="noStrike" dirty="0">
+                        <a:rPr lang="en-US" sz="1400" b="0" i="0" u="none" strike="noStrike" dirty="0">
                           <a:solidFill>
                             <a:srgbClr val="000000"/>
                           </a:solidFill>
@@ -23834,7 +23838,7 @@
                         <a:t>6.94</a:t>
                       </a:r>
                       <a:r>
-                        <a:rPr lang="ru-RU" sz="1100" b="0" i="0" u="none" strike="noStrike" dirty="0">
+                        <a:rPr lang="ru-RU" sz="1400" b="0" i="0" u="none" strike="noStrike" dirty="0">
                           <a:solidFill>
                             <a:srgbClr val="000000"/>
                           </a:solidFill>
@@ -23843,7 +23847,7 @@
                         </a:rPr>
                         <a:t>5</a:t>
                       </a:r>
-                      <a:endParaRPr lang="en-US" sz="1100" b="0" i="0" u="none" strike="noStrike" dirty="0">
+                      <a:endParaRPr lang="en-US" sz="1400" b="0" i="0" u="none" strike="noStrike" dirty="0">
                         <a:solidFill>
                           <a:srgbClr val="000000"/>
                         </a:solidFill>
@@ -23852,7 +23856,7 @@
                       </a:endParaRPr>
                     </a:p>
                   </a:txBody>
-                  <a:tcPr marL="6350" marR="6350" marT="6350" marB="0" anchor="b">
+                  <a:tcPr marL="6350" marR="6350" marT="6350" marB="0" anchor="ctr">
                     <a:solidFill>
                       <a:srgbClr val="E9EBF5"/>
                     </a:solidFill>
@@ -23872,7 +23876,7 @@
                     <a:p>
                       <a:pPr algn="ctr" fontAlgn="b"/>
                       <a:r>
-                        <a:rPr lang="en-US" sz="1200" b="0" i="0" u="none" strike="noStrike">
+                        <a:rPr lang="en-US" sz="1400" b="0" i="0" u="none" strike="noStrike">
                           <a:solidFill>
                             <a:srgbClr val="000000"/>
                           </a:solidFill>
@@ -23892,7 +23896,7 @@
                     <a:p>
                       <a:pPr algn="ctr" fontAlgn="b"/>
                       <a:r>
-                        <a:rPr lang="en-US" sz="1100" b="0" i="0" u="none" strike="noStrike" dirty="0">
+                        <a:rPr lang="en-US" sz="1400" b="0" i="0" u="none" strike="noStrike" dirty="0">
                           <a:solidFill>
                             <a:srgbClr val="000000"/>
                           </a:solidFill>
@@ -23903,7 +23907,7 @@
                       </a:r>
                     </a:p>
                   </a:txBody>
-                  <a:tcPr marL="6350" marR="6350" marT="6350" marB="0" anchor="b">
+                  <a:tcPr marL="6350" marR="6350" marT="6350" marB="0" anchor="ctr">
                     <a:solidFill>
                       <a:srgbClr val="00B050"/>
                     </a:solidFill>
@@ -23916,7 +23920,7 @@
                     <a:p>
                       <a:pPr algn="ctr" fontAlgn="b"/>
                       <a:r>
-                        <a:rPr lang="en-US" sz="1100" b="0" i="0" u="none" strike="noStrike" dirty="0">
+                        <a:rPr lang="en-US" sz="1400" b="0" i="0" u="none" strike="noStrike" dirty="0">
                           <a:solidFill>
                             <a:srgbClr val="000000"/>
                           </a:solidFill>
@@ -23927,7 +23931,7 @@
                       </a:r>
                     </a:p>
                   </a:txBody>
-                  <a:tcPr marL="6350" marR="6350" marT="6350" marB="0" anchor="b">
+                  <a:tcPr marL="6350" marR="6350" marT="6350" marB="0" anchor="ctr">
                     <a:solidFill>
                       <a:srgbClr val="00B050"/>
                     </a:solidFill>
@@ -23940,7 +23944,7 @@
                     <a:p>
                       <a:pPr algn="ctr" fontAlgn="b"/>
                       <a:r>
-                        <a:rPr lang="en-US" sz="1100" b="0" i="0" u="none" strike="noStrike" dirty="0">
+                        <a:rPr lang="en-US" sz="1400" b="0" i="0" u="none" strike="noStrike" dirty="0">
                           <a:solidFill>
                             <a:srgbClr val="000000"/>
                           </a:solidFill>
@@ -23950,7 +23954,7 @@
                         <a:t>8.30</a:t>
                       </a:r>
                       <a:r>
-                        <a:rPr lang="ru-RU" sz="1100" b="0" i="0" u="none" strike="noStrike" dirty="0">
+                        <a:rPr lang="ru-RU" sz="1400" b="0" i="0" u="none" strike="noStrike" dirty="0">
                           <a:solidFill>
                             <a:srgbClr val="000000"/>
                           </a:solidFill>
@@ -23959,7 +23963,7 @@
                         </a:rPr>
                         <a:t>8</a:t>
                       </a:r>
-                      <a:endParaRPr lang="en-US" sz="1100" b="0" i="0" u="none" strike="noStrike" dirty="0">
+                      <a:endParaRPr lang="en-US" sz="1400" b="0" i="0" u="none" strike="noStrike" dirty="0">
                         <a:solidFill>
                           <a:srgbClr val="000000"/>
                         </a:solidFill>
@@ -23968,7 +23972,7 @@
                       </a:endParaRPr>
                     </a:p>
                   </a:txBody>
-                  <a:tcPr marL="6350" marR="6350" marT="6350" marB="0" anchor="b">
+                  <a:tcPr marL="6350" marR="6350" marT="6350" marB="0" anchor="ctr">
                     <a:solidFill>
                       <a:srgbClr val="00B050"/>
                     </a:solidFill>
@@ -23981,7 +23985,7 @@
                     <a:p>
                       <a:pPr algn="ctr" fontAlgn="b"/>
                       <a:r>
-                        <a:rPr lang="en-US" sz="1100" b="0" i="0" u="none" strike="noStrike" dirty="0">
+                        <a:rPr lang="en-US" sz="1400" b="0" i="0" u="none" strike="noStrike" dirty="0">
                           <a:solidFill>
                             <a:srgbClr val="000000"/>
                           </a:solidFill>
@@ -23992,7 +23996,7 @@
                       </a:r>
                     </a:p>
                   </a:txBody>
-                  <a:tcPr marL="6350" marR="6350" marT="6350" marB="0" anchor="b">
+                  <a:tcPr marL="6350" marR="6350" marT="6350" marB="0" anchor="ctr">
                     <a:solidFill>
                       <a:srgbClr val="00B050"/>
                     </a:solidFill>
@@ -24012,7 +24016,7 @@
                     <a:p>
                       <a:pPr algn="ctr" fontAlgn="b"/>
                       <a:r>
-                        <a:rPr lang="en-US" sz="1200" b="0" i="0" u="none" strike="noStrike">
+                        <a:rPr lang="en-US" sz="1400" b="0" i="0" u="none" strike="noStrike">
                           <a:solidFill>
                             <a:srgbClr val="000000"/>
                           </a:solidFill>
@@ -24021,7 +24025,7 @@
                         </a:rPr>
                         <a:t>RNN</a:t>
                       </a:r>
-                      <a:endParaRPr lang="en-US" sz="1200" b="0" i="0" u="none" strike="noStrike" dirty="0">
+                      <a:endParaRPr lang="en-US" sz="1400" b="0" i="0" u="none" strike="noStrike" dirty="0">
                         <a:solidFill>
                           <a:srgbClr val="000000"/>
                         </a:solidFill>
@@ -24039,7 +24043,7 @@
                     <a:p>
                       <a:pPr algn="ctr" fontAlgn="b"/>
                       <a:r>
-                        <a:rPr lang="en-US" sz="1100" b="0" i="0" u="none" strike="noStrike" dirty="0">
+                        <a:rPr lang="en-US" sz="1400" b="0" i="0" u="none" strike="noStrike" dirty="0">
                           <a:solidFill>
                             <a:srgbClr val="000000"/>
                           </a:solidFill>
@@ -24050,7 +24054,7 @@
                       </a:r>
                     </a:p>
                   </a:txBody>
-                  <a:tcPr marL="6350" marR="6350" marT="6350" marB="0" anchor="b">
+                  <a:tcPr marL="6350" marR="6350" marT="6350" marB="0" anchor="ctr">
                     <a:solidFill>
                       <a:srgbClr val="E9EBF5"/>
                     </a:solidFill>
@@ -24063,7 +24067,7 @@
                     <a:p>
                       <a:pPr algn="ctr" fontAlgn="b"/>
                       <a:r>
-                        <a:rPr lang="en-US" sz="1100" b="0" i="0" u="none" strike="noStrike" dirty="0">
+                        <a:rPr lang="en-US" sz="1400" b="0" i="0" u="none" strike="noStrike" dirty="0">
                           <a:solidFill>
                             <a:srgbClr val="000000"/>
                           </a:solidFill>
@@ -24074,7 +24078,7 @@
                       </a:r>
                     </a:p>
                   </a:txBody>
-                  <a:tcPr marL="6350" marR="6350" marT="6350" marB="0" anchor="b">
+                  <a:tcPr marL="6350" marR="6350" marT="6350" marB="0" anchor="ctr">
                     <a:solidFill>
                       <a:srgbClr val="E9EBF5"/>
                     </a:solidFill>
@@ -24087,7 +24091,7 @@
                     <a:p>
                       <a:pPr algn="ctr" fontAlgn="b"/>
                       <a:r>
-                        <a:rPr lang="en-US" sz="1100" b="0" i="0" u="none" strike="noStrike" dirty="0">
+                        <a:rPr lang="en-US" sz="1400" b="0" i="0" u="none" strike="noStrike" dirty="0">
                           <a:solidFill>
                             <a:srgbClr val="000000"/>
                           </a:solidFill>
@@ -24098,7 +24102,7 @@
                       </a:r>
                     </a:p>
                   </a:txBody>
-                  <a:tcPr marL="6350" marR="6350" marT="6350" marB="0" anchor="b">
+                  <a:tcPr marL="6350" marR="6350" marT="6350" marB="0" anchor="ctr">
                     <a:solidFill>
                       <a:srgbClr val="E9EBF5"/>
                     </a:solidFill>
@@ -24111,7 +24115,7 @@
                     <a:p>
                       <a:pPr algn="ctr" fontAlgn="b"/>
                       <a:r>
-                        <a:rPr lang="en-US" sz="1100" b="0" i="0" u="none" strike="noStrike" dirty="0">
+                        <a:rPr lang="en-US" sz="1400" b="0" i="0" u="none" strike="noStrike" dirty="0">
                           <a:solidFill>
                             <a:srgbClr val="000000"/>
                           </a:solidFill>
@@ -24121,7 +24125,7 @@
                         <a:t>6.11</a:t>
                       </a:r>
                       <a:r>
-                        <a:rPr lang="ru-RU" sz="1100" b="0" i="0" u="none" strike="noStrike" dirty="0">
+                        <a:rPr lang="ru-RU" sz="1400" b="0" i="0" u="none" strike="noStrike" dirty="0">
                           <a:solidFill>
                             <a:srgbClr val="000000"/>
                           </a:solidFill>
@@ -24130,7 +24134,7 @@
                         </a:rPr>
                         <a:t>5</a:t>
                       </a:r>
-                      <a:endParaRPr lang="en-US" sz="1100" b="0" i="0" u="none" strike="noStrike" dirty="0">
+                      <a:endParaRPr lang="en-US" sz="1400" b="0" i="0" u="none" strike="noStrike" dirty="0">
                         <a:solidFill>
                           <a:srgbClr val="000000"/>
                         </a:solidFill>
@@ -24139,7 +24143,7 @@
                       </a:endParaRPr>
                     </a:p>
                   </a:txBody>
-                  <a:tcPr marL="6350" marR="6350" marT="6350" marB="0" anchor="b">
+                  <a:tcPr marL="6350" marR="6350" marT="6350" marB="0" anchor="ctr">
                     <a:solidFill>
                       <a:srgbClr val="E9EBF5"/>
                     </a:solidFill>
@@ -24204,8 +24208,8 @@
         </p:nvSpPr>
         <p:spPr>
           <a:xfrm>
-            <a:off x="3487946" y="647189"/>
-            <a:ext cx="5216108" cy="461665"/>
+            <a:off x="3105341" y="521545"/>
+            <a:ext cx="5981317" cy="523220"/>
           </a:xfrm>
           <a:prstGeom prst="rect">
             <a:avLst/>
@@ -24219,10 +24223,16 @@
           <a:lstStyle/>
           <a:p>
             <a:r>
-              <a:rPr lang="ru-RU" sz="2400" dirty="0"/>
+              <a:rPr lang="ru-RU" sz="2800" dirty="0">
+                <a:latin typeface="Times New Roman" panose="02020603050405020304" pitchFamily="18" charset="0"/>
+                <a:cs typeface="Times New Roman" panose="02020603050405020304" pitchFamily="18" charset="0"/>
+              </a:rPr>
               <a:t>Средняя ошибка недельного прогноза</a:t>
             </a:r>
-            <a:endParaRPr lang="en-US" sz="2400" dirty="0"/>
+            <a:endParaRPr lang="en-US" sz="2800" dirty="0">
+              <a:latin typeface="Times New Roman" panose="02020603050405020304" pitchFamily="18" charset="0"/>
+              <a:cs typeface="Times New Roman" panose="02020603050405020304" pitchFamily="18" charset="0"/>
+            </a:endParaRPr>
           </a:p>
         </p:txBody>
       </p:sp>
@@ -26650,8 +26660,8 @@
         </p:nvSpPr>
         <p:spPr>
           <a:xfrm>
-            <a:off x="4169575" y="784828"/>
-            <a:ext cx="3852850" cy="369332"/>
+            <a:off x="3135431" y="554978"/>
+            <a:ext cx="5850704" cy="523220"/>
           </a:xfrm>
           <a:prstGeom prst="rect">
             <a:avLst/>
@@ -26665,10 +26675,16 @@
           <a:lstStyle/>
           <a:p>
             <a:r>
-              <a:rPr lang="ru-RU" dirty="0"/>
+              <a:rPr lang="ru-RU" sz="2800" dirty="0">
+                <a:latin typeface="Times New Roman" panose="02020603050405020304" pitchFamily="18" charset="0"/>
+                <a:cs typeface="Times New Roman" panose="02020603050405020304" pitchFamily="18" charset="0"/>
+              </a:rPr>
               <a:t>Средняя ошибка месячного прогноза</a:t>
             </a:r>
-            <a:endParaRPr lang="en-US" dirty="0"/>
+            <a:endParaRPr lang="en-US" sz="2800" dirty="0">
+              <a:latin typeface="Times New Roman" panose="02020603050405020304" pitchFamily="18" charset="0"/>
+              <a:cs typeface="Times New Roman" panose="02020603050405020304" pitchFamily="18" charset="0"/>
+            </a:endParaRPr>
           </a:p>
         </p:txBody>
       </p:sp>
@@ -26687,14 +26703,14 @@
           <p:nvPr>
             <p:extLst>
               <p:ext uri="{D42A27DB-BD31-4B8C-83A1-F6EECF244321}">
-                <p14:modId xmlns:p14="http://schemas.microsoft.com/office/powerpoint/2010/main" val="831361204"/>
+                <p14:modId xmlns:p14="http://schemas.microsoft.com/office/powerpoint/2010/main" val="436544396"/>
               </p:ext>
             </p:extLst>
           </p:nvPr>
         </p:nvGraphicFramePr>
         <p:xfrm>
           <a:off x="335694" y="2213690"/>
-          <a:ext cx="4835573" cy="2885252"/>
+          <a:ext cx="4835573" cy="2957911"/>
         </p:xfrm>
         <a:graphic>
           <a:graphicData uri="http://schemas.openxmlformats.org/drawingml/2006/table">
@@ -26747,7 +26763,7 @@
                     <a:p>
                       <a:pPr algn="ctr" fontAlgn="b"/>
                       <a:r>
-                        <a:rPr lang="ru-RU" sz="1200" b="0" i="0" u="none" strike="noStrike" dirty="0">
+                        <a:rPr lang="ru-RU" sz="1400" b="0" i="0" u="none" strike="noStrike" dirty="0">
                           <a:solidFill>
                             <a:srgbClr val="000000"/>
                           </a:solidFill>
@@ -26757,7 +26773,7 @@
                         <a:t>Модель</a:t>
                       </a:r>
                       <a:r>
-                        <a:rPr lang="en-US" sz="1200" b="0" i="0" u="none" strike="noStrike" dirty="0">
+                        <a:rPr lang="en-US" sz="1400" b="0" i="0" u="none" strike="noStrike" dirty="0">
                           <a:solidFill>
                             <a:srgbClr val="000000"/>
                           </a:solidFill>
@@ -26767,7 +26783,7 @@
                         <a:t>\</a:t>
                       </a:r>
                       <a:r>
-                        <a:rPr lang="ru-RU" sz="1200" b="0" i="0" u="none" strike="noStrike" dirty="0">
+                        <a:rPr lang="ru-RU" sz="1400" b="0" i="0" u="none" strike="noStrike" dirty="0">
                           <a:solidFill>
                             <a:srgbClr val="000000"/>
                           </a:solidFill>
@@ -26776,7 +26792,7 @@
                         </a:rPr>
                         <a:t>Набор данных</a:t>
                       </a:r>
-                      <a:endParaRPr lang="en-US" sz="1200" b="0" i="0" u="none" strike="noStrike" dirty="0">
+                      <a:endParaRPr lang="en-US" sz="1400" b="0" i="0" u="none" strike="noStrike" dirty="0">
                         <a:solidFill>
                           <a:srgbClr val="000000"/>
                         </a:solidFill>
@@ -26794,12 +26810,12 @@
                     <a:p>
                       <a:pPr algn="ctr" fontAlgn="b"/>
                       <a:r>
-                        <a:rPr lang="en-US" sz="1200" u="none" strike="noStrike" dirty="0">
+                        <a:rPr lang="en-US" sz="1400" u="none" strike="noStrike" dirty="0">
                           <a:effectLst/>
                         </a:rPr>
                         <a:t>SAND500</a:t>
                       </a:r>
-                      <a:endParaRPr lang="en-US" sz="1200" b="0" i="0" u="none" strike="noStrike" dirty="0">
+                      <a:endParaRPr lang="en-US" sz="1400" b="0" i="0" u="none" strike="noStrike" dirty="0">
                         <a:solidFill>
                           <a:srgbClr val="000000"/>
                         </a:solidFill>
@@ -26808,21 +26824,21 @@
                       </a:endParaRPr>
                     </a:p>
                   </a:txBody>
-                  <a:tcPr marL="6350" marR="6350" marT="6350" marB="0" anchor="b"/>
-                </a:tc>
-                <a:tc>
-                  <a:txBody>
-                    <a:bodyPr/>
-                    <a:lstStyle/>
-                    <a:p>
-                      <a:pPr algn="ctr" fontAlgn="b"/>
-                      <a:r>
-                        <a:rPr lang="en-US" sz="1200" u="none" strike="noStrike" dirty="0">
+                  <a:tcPr marL="6350" marR="6350" marT="6350" marB="0"/>
+                </a:tc>
+                <a:tc>
+                  <a:txBody>
+                    <a:bodyPr/>
+                    <a:lstStyle/>
+                    <a:p>
+                      <a:pPr algn="ctr" fontAlgn="b"/>
+                      <a:r>
+                        <a:rPr lang="en-US" sz="1400" u="none" strike="noStrike" dirty="0">
                           <a:effectLst/>
                         </a:rPr>
                         <a:t>NASDAQ</a:t>
                       </a:r>
-                      <a:endParaRPr lang="en-US" sz="1200" b="0" i="0" u="none" strike="noStrike" dirty="0">
+                      <a:endParaRPr lang="en-US" sz="1400" b="0" i="0" u="none" strike="noStrike" dirty="0">
                         <a:solidFill>
                           <a:srgbClr val="000000"/>
                         </a:solidFill>
@@ -26831,21 +26847,21 @@
                       </a:endParaRPr>
                     </a:p>
                   </a:txBody>
-                  <a:tcPr marL="6350" marR="6350" marT="6350" marB="0" anchor="b"/>
-                </a:tc>
-                <a:tc>
-                  <a:txBody>
-                    <a:bodyPr/>
-                    <a:lstStyle/>
-                    <a:p>
-                      <a:pPr algn="ctr" fontAlgn="b"/>
-                      <a:r>
-                        <a:rPr lang="en-US" sz="1200" u="none" strike="noStrike" dirty="0">
+                  <a:tcPr marL="6350" marR="6350" marT="6350" marB="0"/>
+                </a:tc>
+                <a:tc>
+                  <a:txBody>
+                    <a:bodyPr/>
+                    <a:lstStyle/>
+                    <a:p>
+                      <a:pPr algn="ctr" fontAlgn="b"/>
+                      <a:r>
+                        <a:rPr lang="en-US" sz="1400" u="none" strike="noStrike" dirty="0">
                           <a:effectLst/>
                         </a:rPr>
                         <a:t>JPM</a:t>
                       </a:r>
-                      <a:endParaRPr lang="en-US" sz="1200" b="0" i="0" u="none" strike="noStrike" dirty="0">
+                      <a:endParaRPr lang="en-US" sz="1400" b="0" i="0" u="none" strike="noStrike" dirty="0">
                         <a:solidFill>
                           <a:srgbClr val="000000"/>
                         </a:solidFill>
@@ -26854,21 +26870,21 @@
                       </a:endParaRPr>
                     </a:p>
                   </a:txBody>
-                  <a:tcPr marL="6350" marR="6350" marT="6350" marB="0" anchor="b"/>
-                </a:tc>
-                <a:tc>
-                  <a:txBody>
-                    <a:bodyPr/>
-                    <a:lstStyle/>
-                    <a:p>
-                      <a:pPr algn="ctr" fontAlgn="b"/>
-                      <a:r>
-                        <a:rPr lang="en-US" sz="1200" u="none" strike="noStrike" dirty="0">
+                  <a:tcPr marL="6350" marR="6350" marT="6350" marB="0"/>
+                </a:tc>
+                <a:tc>
+                  <a:txBody>
+                    <a:bodyPr/>
+                    <a:lstStyle/>
+                    <a:p>
+                      <a:pPr algn="ctr" fontAlgn="b"/>
+                      <a:r>
+                        <a:rPr lang="en-US" sz="1400" u="none" strike="noStrike" dirty="0">
                           <a:effectLst/>
                         </a:rPr>
                         <a:t>DJI</a:t>
                       </a:r>
-                      <a:endParaRPr lang="en-US" sz="1200" b="0" i="0" u="none" strike="noStrike" dirty="0">
+                      <a:endParaRPr lang="en-US" sz="1400" b="0" i="0" u="none" strike="noStrike" dirty="0">
                         <a:solidFill>
                           <a:srgbClr val="000000"/>
                         </a:solidFill>
@@ -26877,7 +26893,7 @@
                       </a:endParaRPr>
                     </a:p>
                   </a:txBody>
-                  <a:tcPr marL="6350" marR="6350" marT="6350" marB="0" anchor="b"/>
+                  <a:tcPr marL="6350" marR="6350" marT="6350" marB="0"/>
                 </a:tc>
                 <a:extLst>
                   <a:ext uri="{0D108BD9-81ED-4DB2-BD59-A6C34878D82A}">
@@ -26893,12 +26909,12 @@
                     <a:p>
                       <a:pPr algn="ctr" fontAlgn="b"/>
                       <a:r>
-                        <a:rPr lang="en-US" sz="1200" u="none" strike="noStrike" dirty="0">
+                        <a:rPr lang="en-US" sz="1400" u="none" strike="noStrike" dirty="0">
                           <a:effectLst/>
                         </a:rPr>
                         <a:t>ARIMA(0,1,0)</a:t>
                       </a:r>
-                      <a:endParaRPr lang="en-US" sz="1200" b="0" i="0" u="none" strike="noStrike" dirty="0">
+                      <a:endParaRPr lang="en-US" sz="1400" b="0" i="0" u="none" strike="noStrike" dirty="0">
                         <a:solidFill>
                           <a:srgbClr val="000000"/>
                         </a:solidFill>
@@ -26916,7 +26932,7 @@
                     <a:p>
                       <a:pPr algn="ctr" fontAlgn="b"/>
                       <a:r>
-                        <a:rPr lang="en-US" sz="1200" b="0" i="0" u="none" strike="noStrike" dirty="0">
+                        <a:rPr lang="en-US" sz="1400" b="0" i="0" u="none" strike="noStrike" dirty="0">
                           <a:solidFill>
                             <a:srgbClr val="000000"/>
                           </a:solidFill>
@@ -26926,7 +26942,7 @@
                         <a:t>4.55</a:t>
                       </a:r>
                       <a:r>
-                        <a:rPr lang="ru-RU" sz="1200" b="0" i="0" u="none" strike="noStrike" dirty="0">
+                        <a:rPr lang="ru-RU" sz="1400" b="0" i="0" u="none" strike="noStrike" dirty="0">
                           <a:solidFill>
                             <a:srgbClr val="000000"/>
                           </a:solidFill>
@@ -26935,7 +26951,7 @@
                         </a:rPr>
                         <a:t>6</a:t>
                       </a:r>
-                      <a:endParaRPr lang="en-US" sz="1200" b="0" i="0" u="none" strike="noStrike" dirty="0">
+                      <a:endParaRPr lang="en-US" sz="1400" b="0" i="0" u="none" strike="noStrike" dirty="0">
                         <a:solidFill>
                           <a:srgbClr val="000000"/>
                         </a:solidFill>
@@ -26944,7 +26960,7 @@
                       </a:endParaRPr>
                     </a:p>
                   </a:txBody>
-                  <a:tcPr marL="6350" marR="6350" marT="6350" marB="0" anchor="b">
+                  <a:tcPr marL="6350" marR="6350" marT="6350" marB="0" anchor="ctr">
                     <a:solidFill>
                       <a:srgbClr val="00B050"/>
                     </a:solidFill>
@@ -26957,7 +26973,7 @@
                     <a:p>
                       <a:pPr algn="ctr" fontAlgn="b"/>
                       <a:r>
-                        <a:rPr lang="en-US" sz="1200" b="0" i="0" u="none" strike="noStrike" dirty="0">
+                        <a:rPr lang="en-US" sz="1400" b="0" i="0" u="none" strike="noStrike" dirty="0">
                           <a:solidFill>
                             <a:srgbClr val="000000"/>
                           </a:solidFill>
@@ -26967,7 +26983,7 @@
                         <a:t>7.66</a:t>
                       </a:r>
                       <a:r>
-                        <a:rPr lang="ru-RU" sz="1200" b="0" i="0" u="none" strike="noStrike" dirty="0">
+                        <a:rPr lang="ru-RU" sz="1400" b="0" i="0" u="none" strike="noStrike" dirty="0">
                           <a:solidFill>
                             <a:srgbClr val="000000"/>
                           </a:solidFill>
@@ -26976,7 +26992,7 @@
                         </a:rPr>
                         <a:t>2</a:t>
                       </a:r>
-                      <a:endParaRPr lang="en-US" sz="1200" b="0" i="0" u="none" strike="noStrike" dirty="0">
+                      <a:endParaRPr lang="en-US" sz="1400" b="0" i="0" u="none" strike="noStrike" dirty="0">
                         <a:solidFill>
                           <a:srgbClr val="000000"/>
                         </a:solidFill>
@@ -26985,7 +27001,7 @@
                       </a:endParaRPr>
                     </a:p>
                   </a:txBody>
-                  <a:tcPr marL="6350" marR="6350" marT="6350" marB="0" anchor="b">
+                  <a:tcPr marL="6350" marR="6350" marT="6350" marB="0" anchor="ctr">
                     <a:solidFill>
                       <a:srgbClr val="00B050"/>
                     </a:solidFill>
@@ -26998,7 +27014,7 @@
                     <a:p>
                       <a:pPr algn="ctr" fontAlgn="b"/>
                       <a:r>
-                        <a:rPr lang="en-US" sz="1200" b="0" i="0" u="none" strike="noStrike" dirty="0">
+                        <a:rPr lang="en-US" sz="1400" b="0" i="0" u="none" strike="noStrike" dirty="0">
                           <a:solidFill>
                             <a:srgbClr val="000000"/>
                           </a:solidFill>
@@ -27009,16 +27025,16 @@
                       </a:r>
                     </a:p>
                   </a:txBody>
-                  <a:tcPr marL="6350" marR="6350" marT="6350" marB="0" anchor="b"/>
-                </a:tc>
-                <a:tc>
-                  <a:txBody>
-                    <a:bodyPr/>
-                    <a:lstStyle/>
-                    <a:p>
-                      <a:pPr algn="ctr" fontAlgn="b"/>
-                      <a:r>
-                        <a:rPr lang="en-US" sz="1200" b="0" i="0" u="none" strike="noStrike" dirty="0">
+                  <a:tcPr marL="6350" marR="6350" marT="6350" marB="0" anchor="ctr"/>
+                </a:tc>
+                <a:tc>
+                  <a:txBody>
+                    <a:bodyPr/>
+                    <a:lstStyle/>
+                    <a:p>
+                      <a:pPr algn="ctr" fontAlgn="b"/>
+                      <a:r>
+                        <a:rPr lang="en-US" sz="1400" b="0" i="0" u="none" strike="noStrike" dirty="0">
                           <a:solidFill>
                             <a:srgbClr val="000000"/>
                           </a:solidFill>
@@ -27029,7 +27045,7 @@
                       </a:r>
                     </a:p>
                   </a:txBody>
-                  <a:tcPr marL="6350" marR="6350" marT="6350" marB="0" anchor="b">
+                  <a:tcPr marL="6350" marR="6350" marT="6350" marB="0" anchor="ctr">
                     <a:solidFill>
                       <a:srgbClr val="00B050"/>
                     </a:solidFill>
@@ -27049,12 +27065,12 @@
                     <a:p>
                       <a:pPr algn="ctr" fontAlgn="b"/>
                       <a:r>
-                        <a:rPr lang="en-US" sz="1200" u="none" strike="noStrike" dirty="0">
+                        <a:rPr lang="en-US" sz="1400" u="none" strike="noStrike" dirty="0">
                           <a:effectLst/>
                         </a:rPr>
                         <a:t>ARIMA(1,0,0)</a:t>
                       </a:r>
-                      <a:endParaRPr lang="en-US" sz="1200" b="0" i="0" u="none" strike="noStrike" dirty="0">
+                      <a:endParaRPr lang="en-US" sz="1400" b="0" i="0" u="none" strike="noStrike" dirty="0">
                         <a:solidFill>
                           <a:srgbClr val="000000"/>
                         </a:solidFill>
@@ -27072,7 +27088,7 @@
                     <a:p>
                       <a:pPr algn="ctr" fontAlgn="b"/>
                       <a:r>
-                        <a:rPr lang="en-US" sz="1200" b="0" i="0" u="none" strike="noStrike" dirty="0">
+                        <a:rPr lang="en-US" sz="1400" b="0" i="0" u="none" strike="noStrike" dirty="0">
                           <a:solidFill>
                             <a:srgbClr val="000000"/>
                           </a:solidFill>
@@ -27083,16 +27099,16 @@
                       </a:r>
                     </a:p>
                   </a:txBody>
-                  <a:tcPr marL="6350" marR="6350" marT="6350" marB="0" anchor="b"/>
-                </a:tc>
-                <a:tc>
-                  <a:txBody>
-                    <a:bodyPr/>
-                    <a:lstStyle/>
-                    <a:p>
-                      <a:pPr algn="ctr" fontAlgn="b"/>
-                      <a:r>
-                        <a:rPr lang="en-US" sz="1200" b="0" i="0" u="none" strike="noStrike" dirty="0">
+                  <a:tcPr marL="6350" marR="6350" marT="6350" marB="0" anchor="ctr"/>
+                </a:tc>
+                <a:tc>
+                  <a:txBody>
+                    <a:bodyPr/>
+                    <a:lstStyle/>
+                    <a:p>
+                      <a:pPr algn="ctr" fontAlgn="b"/>
+                      <a:r>
+                        <a:rPr lang="en-US" sz="1400" b="0" i="0" u="none" strike="noStrike" dirty="0">
                           <a:solidFill>
                             <a:srgbClr val="000000"/>
                           </a:solidFill>
@@ -27102,7 +27118,7 @@
                         <a:t>8.05</a:t>
                       </a:r>
                       <a:r>
-                        <a:rPr lang="ru-RU" sz="1200" b="0" i="0" u="none" strike="noStrike" dirty="0">
+                        <a:rPr lang="ru-RU" sz="1400" b="0" i="0" u="none" strike="noStrike" dirty="0">
                           <a:solidFill>
                             <a:srgbClr val="000000"/>
                           </a:solidFill>
@@ -27111,7 +27127,7 @@
                         </a:rPr>
                         <a:t>8</a:t>
                       </a:r>
-                      <a:endParaRPr lang="en-US" sz="1200" b="0" i="0" u="none" strike="noStrike" dirty="0">
+                      <a:endParaRPr lang="en-US" sz="1400" b="0" i="0" u="none" strike="noStrike" dirty="0">
                         <a:solidFill>
                           <a:srgbClr val="000000"/>
                         </a:solidFill>
@@ -27120,16 +27136,16 @@
                       </a:endParaRPr>
                     </a:p>
                   </a:txBody>
-                  <a:tcPr marL="6350" marR="6350" marT="6350" marB="0" anchor="b"/>
-                </a:tc>
-                <a:tc>
-                  <a:txBody>
-                    <a:bodyPr/>
-                    <a:lstStyle/>
-                    <a:p>
-                      <a:pPr algn="ctr" fontAlgn="b"/>
-                      <a:r>
-                        <a:rPr lang="en-US" sz="1200" b="0" i="0" u="none" strike="noStrike" dirty="0">
+                  <a:tcPr marL="6350" marR="6350" marT="6350" marB="0" anchor="ctr"/>
+                </a:tc>
+                <a:tc>
+                  <a:txBody>
+                    <a:bodyPr/>
+                    <a:lstStyle/>
+                    <a:p>
+                      <a:pPr algn="ctr" fontAlgn="b"/>
+                      <a:r>
+                        <a:rPr lang="en-US" sz="1400" b="0" i="0" u="none" strike="noStrike" dirty="0">
                           <a:solidFill>
                             <a:srgbClr val="000000"/>
                           </a:solidFill>
@@ -27139,7 +27155,7 @@
                         <a:t>9.51</a:t>
                       </a:r>
                       <a:r>
-                        <a:rPr lang="ru-RU" sz="1200" b="0" i="0" u="none" strike="noStrike" dirty="0">
+                        <a:rPr lang="ru-RU" sz="1400" b="0" i="0" u="none" strike="noStrike" dirty="0">
                           <a:solidFill>
                             <a:srgbClr val="000000"/>
                           </a:solidFill>
@@ -27148,7 +27164,7 @@
                         </a:rPr>
                         <a:t>7</a:t>
                       </a:r>
-                      <a:endParaRPr lang="en-US" sz="1200" b="0" i="0" u="none" strike="noStrike" dirty="0">
+                      <a:endParaRPr lang="en-US" sz="1400" b="0" i="0" u="none" strike="noStrike" dirty="0">
                         <a:solidFill>
                           <a:srgbClr val="000000"/>
                         </a:solidFill>
@@ -27157,16 +27173,16 @@
                       </a:endParaRPr>
                     </a:p>
                   </a:txBody>
-                  <a:tcPr marL="6350" marR="6350" marT="6350" marB="0" anchor="b"/>
-                </a:tc>
-                <a:tc>
-                  <a:txBody>
-                    <a:bodyPr/>
-                    <a:lstStyle/>
-                    <a:p>
-                      <a:pPr algn="ctr" fontAlgn="b"/>
-                      <a:r>
-                        <a:rPr lang="en-US" sz="1200" b="0" i="0" u="none" strike="noStrike" dirty="0">
+                  <a:tcPr marL="6350" marR="6350" marT="6350" marB="0" anchor="ctr"/>
+                </a:tc>
+                <a:tc>
+                  <a:txBody>
+                    <a:bodyPr/>
+                    <a:lstStyle/>
+                    <a:p>
+                      <a:pPr algn="ctr" fontAlgn="b"/>
+                      <a:r>
+                        <a:rPr lang="en-US" sz="1400" b="0" i="0" u="none" strike="noStrike" dirty="0">
                           <a:solidFill>
                             <a:srgbClr val="000000"/>
                           </a:solidFill>
@@ -27177,7 +27193,7 @@
                       </a:r>
                     </a:p>
                   </a:txBody>
-                  <a:tcPr marL="6350" marR="6350" marT="6350" marB="0" anchor="b"/>
+                  <a:tcPr marL="6350" marR="6350" marT="6350" marB="0" anchor="ctr"/>
                 </a:tc>
                 <a:extLst>
                   <a:ext uri="{0D108BD9-81ED-4DB2-BD59-A6C34878D82A}">
@@ -27193,12 +27209,12 @@
                     <a:p>
                       <a:pPr algn="ctr" fontAlgn="b"/>
                       <a:r>
-                        <a:rPr lang="en-US" sz="1200" u="none" strike="noStrike" dirty="0">
+                        <a:rPr lang="en-US" sz="1400" u="none" strike="noStrike" dirty="0">
                           <a:effectLst/>
                         </a:rPr>
                         <a:t>ARIMA(3,1,3)</a:t>
                       </a:r>
-                      <a:endParaRPr lang="en-US" sz="1200" b="0" i="0" u="none" strike="noStrike" dirty="0">
+                      <a:endParaRPr lang="en-US" sz="1400" b="0" i="0" u="none" strike="noStrike" dirty="0">
                         <a:solidFill>
                           <a:srgbClr val="000000"/>
                         </a:solidFill>
@@ -27216,7 +27232,7 @@
                     <a:p>
                       <a:pPr algn="ctr" fontAlgn="b"/>
                       <a:r>
-                        <a:rPr lang="en-US" sz="1200" b="0" i="0" u="none" strike="noStrike" dirty="0">
+                        <a:rPr lang="en-US" sz="1400" b="0" i="0" u="none" strike="noStrike" dirty="0">
                           <a:solidFill>
                             <a:srgbClr val="000000"/>
                           </a:solidFill>
@@ -27227,16 +27243,16 @@
                       </a:r>
                     </a:p>
                   </a:txBody>
-                  <a:tcPr marL="6350" marR="6350" marT="6350" marB="0" anchor="b"/>
-                </a:tc>
-                <a:tc>
-                  <a:txBody>
-                    <a:bodyPr/>
-                    <a:lstStyle/>
-                    <a:p>
-                      <a:pPr algn="ctr" fontAlgn="b"/>
-                      <a:r>
-                        <a:rPr lang="en-US" sz="1200" b="0" i="0" u="none" strike="noStrike" dirty="0">
+                  <a:tcPr marL="6350" marR="6350" marT="6350" marB="0" anchor="ctr"/>
+                </a:tc>
+                <a:tc>
+                  <a:txBody>
+                    <a:bodyPr/>
+                    <a:lstStyle/>
+                    <a:p>
+                      <a:pPr algn="ctr" fontAlgn="b"/>
+                      <a:r>
+                        <a:rPr lang="en-US" sz="1400" b="0" i="0" u="none" strike="noStrike" dirty="0">
                           <a:solidFill>
                             <a:srgbClr val="000000"/>
                           </a:solidFill>
@@ -27246,7 +27262,7 @@
                         <a:t>10.55</a:t>
                       </a:r>
                       <a:r>
-                        <a:rPr lang="ru-RU" sz="1200" b="0" i="0" u="none" strike="noStrike" dirty="0">
+                        <a:rPr lang="ru-RU" sz="1400" b="0" i="0" u="none" strike="noStrike" dirty="0">
                           <a:solidFill>
                             <a:srgbClr val="000000"/>
                           </a:solidFill>
@@ -27255,7 +27271,7 @@
                         </a:rPr>
                         <a:t>3</a:t>
                       </a:r>
-                      <a:endParaRPr lang="en-US" sz="1200" b="0" i="0" u="none" strike="noStrike" dirty="0">
+                      <a:endParaRPr lang="en-US" sz="1400" b="0" i="0" u="none" strike="noStrike" dirty="0">
                         <a:solidFill>
                           <a:srgbClr val="000000"/>
                         </a:solidFill>
@@ -27264,16 +27280,16 @@
                       </a:endParaRPr>
                     </a:p>
                   </a:txBody>
-                  <a:tcPr marL="6350" marR="6350" marT="6350" marB="0" anchor="b"/>
-                </a:tc>
-                <a:tc>
-                  <a:txBody>
-                    <a:bodyPr/>
-                    <a:lstStyle/>
-                    <a:p>
-                      <a:pPr algn="ctr" fontAlgn="b"/>
-                      <a:r>
-                        <a:rPr lang="en-US" sz="1200" b="0" i="0" u="none" strike="noStrike" dirty="0">
+                  <a:tcPr marL="6350" marR="6350" marT="6350" marB="0" anchor="ctr"/>
+                </a:tc>
+                <a:tc>
+                  <a:txBody>
+                    <a:bodyPr/>
+                    <a:lstStyle/>
+                    <a:p>
+                      <a:pPr algn="ctr" fontAlgn="b"/>
+                      <a:r>
+                        <a:rPr lang="en-US" sz="1400" b="0" i="0" u="none" strike="noStrike" dirty="0">
                           <a:solidFill>
                             <a:srgbClr val="000000"/>
                           </a:solidFill>
@@ -27284,16 +27300,16 @@
                       </a:r>
                     </a:p>
                   </a:txBody>
-                  <a:tcPr marL="6350" marR="6350" marT="6350" marB="0" anchor="b"/>
-                </a:tc>
-                <a:tc>
-                  <a:txBody>
-                    <a:bodyPr/>
-                    <a:lstStyle/>
-                    <a:p>
-                      <a:pPr algn="ctr" fontAlgn="b"/>
-                      <a:r>
-                        <a:rPr lang="en-US" sz="1200" b="0" i="0" u="none" strike="noStrike" dirty="0">
+                  <a:tcPr marL="6350" marR="6350" marT="6350" marB="0" anchor="ctr"/>
+                </a:tc>
+                <a:tc>
+                  <a:txBody>
+                    <a:bodyPr/>
+                    <a:lstStyle/>
+                    <a:p>
+                      <a:pPr algn="ctr" fontAlgn="b"/>
+                      <a:r>
+                        <a:rPr lang="en-US" sz="1400" b="0" i="0" u="none" strike="noStrike" dirty="0">
                           <a:solidFill>
                             <a:srgbClr val="000000"/>
                           </a:solidFill>
@@ -27304,7 +27320,7 @@
                       </a:r>
                     </a:p>
                   </a:txBody>
-                  <a:tcPr marL="6350" marR="6350" marT="6350" marB="0" anchor="b"/>
+                  <a:tcPr marL="6350" marR="6350" marT="6350" marB="0" anchor="ctr"/>
                 </a:tc>
                 <a:extLst>
                   <a:ext uri="{0D108BD9-81ED-4DB2-BD59-A6C34878D82A}">
@@ -27320,12 +27336,12 @@
                     <a:p>
                       <a:pPr algn="ctr" fontAlgn="b"/>
                       <a:r>
-                        <a:rPr lang="en-US" sz="1200" u="none" strike="noStrike" dirty="0" err="1">
+                        <a:rPr lang="en-US" sz="1400" u="none" strike="noStrike" dirty="0" err="1">
                           <a:effectLst/>
                         </a:rPr>
                         <a:t>Catboost</a:t>
                       </a:r>
-                      <a:endParaRPr lang="en-US" sz="1200" b="0" i="0" u="none" strike="noStrike" dirty="0">
+                      <a:endParaRPr lang="en-US" sz="1400" b="0" i="0" u="none" strike="noStrike" dirty="0">
                         <a:solidFill>
                           <a:srgbClr val="000000"/>
                         </a:solidFill>
@@ -27343,7 +27359,7 @@
                     <a:p>
                       <a:pPr algn="ctr" fontAlgn="b"/>
                       <a:r>
-                        <a:rPr lang="en-US" sz="1200" b="0" i="0" u="none" strike="noStrike" dirty="0">
+                        <a:rPr lang="en-US" sz="1400" b="0" i="0" u="none" strike="noStrike" dirty="0">
                           <a:solidFill>
                             <a:srgbClr val="000000"/>
                           </a:solidFill>
@@ -27353,7 +27369,7 @@
                         <a:t>6.56</a:t>
                       </a:r>
                       <a:r>
-                        <a:rPr lang="ru-RU" sz="1200" b="0" i="0" u="none" strike="noStrike" dirty="0">
+                        <a:rPr lang="ru-RU" sz="1400" b="0" i="0" u="none" strike="noStrike" dirty="0">
                           <a:solidFill>
                             <a:srgbClr val="000000"/>
                           </a:solidFill>
@@ -27362,7 +27378,7 @@
                         </a:rPr>
                         <a:t>9</a:t>
                       </a:r>
-                      <a:endParaRPr lang="en-US" sz="1200" b="0" i="0" u="none" strike="noStrike" dirty="0">
+                      <a:endParaRPr lang="en-US" sz="1400" b="0" i="0" u="none" strike="noStrike" dirty="0">
                         <a:solidFill>
                           <a:srgbClr val="000000"/>
                         </a:solidFill>
@@ -27371,16 +27387,16 @@
                       </a:endParaRPr>
                     </a:p>
                   </a:txBody>
-                  <a:tcPr marL="6350" marR="6350" marT="6350" marB="0" anchor="b"/>
-                </a:tc>
-                <a:tc>
-                  <a:txBody>
-                    <a:bodyPr/>
-                    <a:lstStyle/>
-                    <a:p>
-                      <a:pPr algn="ctr" fontAlgn="b"/>
-                      <a:r>
-                        <a:rPr lang="en-US" sz="1200" b="0" i="0" u="none" strike="noStrike" dirty="0">
+                  <a:tcPr marL="6350" marR="6350" marT="6350" marB="0" anchor="ctr"/>
+                </a:tc>
+                <a:tc>
+                  <a:txBody>
+                    <a:bodyPr/>
+                    <a:lstStyle/>
+                    <a:p>
+                      <a:pPr algn="ctr" fontAlgn="b"/>
+                      <a:r>
+                        <a:rPr lang="en-US" sz="1400" b="0" i="0" u="none" strike="noStrike" dirty="0">
                           <a:solidFill>
                             <a:srgbClr val="000000"/>
                           </a:solidFill>
@@ -27391,16 +27407,16 @@
                       </a:r>
                     </a:p>
                   </a:txBody>
-                  <a:tcPr marL="6350" marR="6350" marT="6350" marB="0" anchor="b"/>
-                </a:tc>
-                <a:tc>
-                  <a:txBody>
-                    <a:bodyPr/>
-                    <a:lstStyle/>
-                    <a:p>
-                      <a:pPr algn="ctr" fontAlgn="b"/>
-                      <a:r>
-                        <a:rPr lang="en-US" sz="1200" b="0" i="0" u="none" strike="noStrike" dirty="0">
+                  <a:tcPr marL="6350" marR="6350" marT="6350" marB="0" anchor="ctr"/>
+                </a:tc>
+                <a:tc>
+                  <a:txBody>
+                    <a:bodyPr/>
+                    <a:lstStyle/>
+                    <a:p>
+                      <a:pPr algn="ctr" fontAlgn="b"/>
+                      <a:r>
+                        <a:rPr lang="en-US" sz="1400" b="0" i="0" u="none" strike="noStrike" dirty="0">
                           <a:solidFill>
                             <a:srgbClr val="000000"/>
                           </a:solidFill>
@@ -27410,7 +27426,7 @@
                         <a:t>11.03</a:t>
                       </a:r>
                       <a:r>
-                        <a:rPr lang="ru-RU" sz="1200" b="0" i="0" u="none" strike="noStrike" dirty="0">
+                        <a:rPr lang="ru-RU" sz="1400" b="0" i="0" u="none" strike="noStrike" dirty="0">
                           <a:solidFill>
                             <a:srgbClr val="000000"/>
                           </a:solidFill>
@@ -27419,7 +27435,7 @@
                         </a:rPr>
                         <a:t>8</a:t>
                       </a:r>
-                      <a:endParaRPr lang="en-US" sz="1200" b="0" i="0" u="none" strike="noStrike" dirty="0">
+                      <a:endParaRPr lang="en-US" sz="1400" b="0" i="0" u="none" strike="noStrike" dirty="0">
                         <a:solidFill>
                           <a:srgbClr val="000000"/>
                         </a:solidFill>
@@ -27428,16 +27444,16 @@
                       </a:endParaRPr>
                     </a:p>
                   </a:txBody>
-                  <a:tcPr marL="6350" marR="6350" marT="6350" marB="0" anchor="b"/>
-                </a:tc>
-                <a:tc>
-                  <a:txBody>
-                    <a:bodyPr/>
-                    <a:lstStyle/>
-                    <a:p>
-                      <a:pPr algn="ctr" fontAlgn="b"/>
-                      <a:r>
-                        <a:rPr lang="en-US" sz="1200" b="0" i="0" u="none" strike="noStrike" dirty="0">
+                  <a:tcPr marL="6350" marR="6350" marT="6350" marB="0" anchor="ctr"/>
+                </a:tc>
+                <a:tc>
+                  <a:txBody>
+                    <a:bodyPr/>
+                    <a:lstStyle/>
+                    <a:p>
+                      <a:pPr algn="ctr" fontAlgn="b"/>
+                      <a:r>
+                        <a:rPr lang="en-US" sz="1400" b="0" i="0" u="none" strike="noStrike" dirty="0">
                           <a:solidFill>
                             <a:srgbClr val="000000"/>
                           </a:solidFill>
@@ -27448,7 +27464,7 @@
                       </a:r>
                     </a:p>
                   </a:txBody>
-                  <a:tcPr marL="6350" marR="6350" marT="6350" marB="0" anchor="b"/>
+                  <a:tcPr marL="6350" marR="6350" marT="6350" marB="0" anchor="ctr"/>
                 </a:tc>
                 <a:extLst>
                   <a:ext uri="{0D108BD9-81ED-4DB2-BD59-A6C34878D82A}">
@@ -27464,12 +27480,12 @@
                     <a:p>
                       <a:pPr algn="ctr" fontAlgn="b"/>
                       <a:r>
-                        <a:rPr lang="en-US" sz="1200" u="none" strike="noStrike" dirty="0">
+                        <a:rPr lang="en-US" sz="1400" u="none" strike="noStrike" dirty="0">
                           <a:effectLst/>
                         </a:rPr>
                         <a:t>GRU</a:t>
                       </a:r>
-                      <a:endParaRPr lang="en-US" sz="1200" b="0" i="0" u="none" strike="noStrike" dirty="0">
+                      <a:endParaRPr lang="en-US" sz="1400" b="0" i="0" u="none" strike="noStrike" dirty="0">
                         <a:solidFill>
                           <a:srgbClr val="000000"/>
                         </a:solidFill>
@@ -27487,7 +27503,7 @@
                     <a:p>
                       <a:pPr algn="ctr" fontAlgn="b"/>
                       <a:r>
-                        <a:rPr lang="en-US" sz="1200" b="0" i="0" u="none" strike="noStrike" dirty="0">
+                        <a:rPr lang="en-US" sz="1400" b="0" i="0" u="none" strike="noStrike" dirty="0">
                           <a:solidFill>
                             <a:srgbClr val="000000"/>
                           </a:solidFill>
@@ -27497,7 +27513,7 @@
                         <a:t>5.99</a:t>
                       </a:r>
                       <a:r>
-                        <a:rPr lang="ru-RU" sz="1200" b="0" i="0" u="none" strike="noStrike" dirty="0">
+                        <a:rPr lang="ru-RU" sz="1400" b="0" i="0" u="none" strike="noStrike" dirty="0">
                           <a:solidFill>
                             <a:srgbClr val="000000"/>
                           </a:solidFill>
@@ -27506,7 +27522,7 @@
                         </a:rPr>
                         <a:t>9</a:t>
                       </a:r>
-                      <a:endParaRPr lang="en-US" sz="1200" b="0" i="0" u="none" strike="noStrike" dirty="0">
+                      <a:endParaRPr lang="en-US" sz="1400" b="0" i="0" u="none" strike="noStrike" dirty="0">
                         <a:solidFill>
                           <a:srgbClr val="000000"/>
                         </a:solidFill>
@@ -27515,16 +27531,16 @@
                       </a:endParaRPr>
                     </a:p>
                   </a:txBody>
-                  <a:tcPr marL="6350" marR="6350" marT="6350" marB="0" anchor="b"/>
-                </a:tc>
-                <a:tc>
-                  <a:txBody>
-                    <a:bodyPr/>
-                    <a:lstStyle/>
-                    <a:p>
-                      <a:pPr algn="ctr" fontAlgn="b"/>
-                      <a:r>
-                        <a:rPr lang="en-US" sz="1200" b="0" i="0" u="none" strike="noStrike" dirty="0">
+                  <a:tcPr marL="6350" marR="6350" marT="6350" marB="0" anchor="ctr"/>
+                </a:tc>
+                <a:tc>
+                  <a:txBody>
+                    <a:bodyPr/>
+                    <a:lstStyle/>
+                    <a:p>
+                      <a:pPr algn="ctr" fontAlgn="b"/>
+                      <a:r>
+                        <a:rPr lang="en-US" sz="1400" b="0" i="0" u="none" strike="noStrike" dirty="0">
                           <a:solidFill>
                             <a:srgbClr val="000000"/>
                           </a:solidFill>
@@ -27535,16 +27551,16 @@
                       </a:r>
                     </a:p>
                   </a:txBody>
-                  <a:tcPr marL="6350" marR="6350" marT="6350" marB="0" anchor="b"/>
-                </a:tc>
-                <a:tc>
-                  <a:txBody>
-                    <a:bodyPr/>
-                    <a:lstStyle/>
-                    <a:p>
-                      <a:pPr algn="ctr" fontAlgn="b"/>
-                      <a:r>
-                        <a:rPr lang="en-US" sz="1200" b="0" i="0" u="none" strike="noStrike" dirty="0">
+                  <a:tcPr marL="6350" marR="6350" marT="6350" marB="0" anchor="ctr"/>
+                </a:tc>
+                <a:tc>
+                  <a:txBody>
+                    <a:bodyPr/>
+                    <a:lstStyle/>
+                    <a:p>
+                      <a:pPr algn="ctr" fontAlgn="b"/>
+                      <a:r>
+                        <a:rPr lang="en-US" sz="1400" b="0" i="0" u="none" strike="noStrike" dirty="0">
                           <a:solidFill>
                             <a:srgbClr val="000000"/>
                           </a:solidFill>
@@ -27554,7 +27570,7 @@
                         <a:t>9.44</a:t>
                       </a:r>
                       <a:r>
-                        <a:rPr lang="ru-RU" sz="1200" b="0" i="0" u="none" strike="noStrike" dirty="0">
+                        <a:rPr lang="ru-RU" sz="1400" b="0" i="0" u="none" strike="noStrike" dirty="0">
                           <a:solidFill>
                             <a:srgbClr val="000000"/>
                           </a:solidFill>
@@ -27563,7 +27579,7 @@
                         </a:rPr>
                         <a:t>6</a:t>
                       </a:r>
-                      <a:endParaRPr lang="en-US" sz="1200" b="0" i="0" u="none" strike="noStrike" dirty="0">
+                      <a:endParaRPr lang="en-US" sz="1400" b="0" i="0" u="none" strike="noStrike" dirty="0">
                         <a:solidFill>
                           <a:srgbClr val="000000"/>
                         </a:solidFill>
@@ -27572,7 +27588,7 @@
                       </a:endParaRPr>
                     </a:p>
                   </a:txBody>
-                  <a:tcPr marL="6350" marR="6350" marT="6350" marB="0" anchor="b">
+                  <a:tcPr marL="6350" marR="6350" marT="6350" marB="0" anchor="ctr">
                     <a:solidFill>
                       <a:srgbClr val="00B050"/>
                     </a:solidFill>
@@ -27585,7 +27601,7 @@
                     <a:p>
                       <a:pPr algn="ctr" fontAlgn="b"/>
                       <a:r>
-                        <a:rPr lang="en-US" sz="1200" b="0" i="0" u="none" strike="noStrike" dirty="0">
+                        <a:rPr lang="en-US" sz="1400" b="0" i="0" u="none" strike="noStrike" dirty="0">
                           <a:solidFill>
                             <a:srgbClr val="000000"/>
                           </a:solidFill>
@@ -27595,7 +27611,7 @@
                         <a:t>5.90</a:t>
                       </a:r>
                       <a:r>
-                        <a:rPr lang="ru-RU" sz="1200" b="0" i="0" u="none" strike="noStrike" dirty="0">
+                        <a:rPr lang="ru-RU" sz="1400" b="0" i="0" u="none" strike="noStrike" dirty="0">
                           <a:solidFill>
                             <a:srgbClr val="000000"/>
                           </a:solidFill>
@@ -27604,7 +27620,7 @@
                         </a:rPr>
                         <a:t>2</a:t>
                       </a:r>
-                      <a:endParaRPr lang="en-US" sz="1200" b="0" i="0" u="none" strike="noStrike" dirty="0">
+                      <a:endParaRPr lang="en-US" sz="1400" b="0" i="0" u="none" strike="noStrike" dirty="0">
                         <a:solidFill>
                           <a:srgbClr val="000000"/>
                         </a:solidFill>
@@ -27613,7 +27629,7 @@
                       </a:endParaRPr>
                     </a:p>
                   </a:txBody>
-                  <a:tcPr marL="6350" marR="6350" marT="6350" marB="0" anchor="b"/>
+                  <a:tcPr marL="6350" marR="6350" marT="6350" marB="0" anchor="ctr"/>
                 </a:tc>
                 <a:extLst>
                   <a:ext uri="{0D108BD9-81ED-4DB2-BD59-A6C34878D82A}">
@@ -27629,12 +27645,12 @@
                     <a:p>
                       <a:pPr algn="ctr" fontAlgn="b"/>
                       <a:r>
-                        <a:rPr lang="en-US" sz="1200" u="none" strike="noStrike" dirty="0">
+                        <a:rPr lang="en-US" sz="1400" u="none" strike="noStrike" dirty="0">
                           <a:effectLst/>
                         </a:rPr>
                         <a:t>LSTM</a:t>
                       </a:r>
-                      <a:endParaRPr lang="en-US" sz="1200" b="0" i="0" u="none" strike="noStrike" dirty="0">
+                      <a:endParaRPr lang="en-US" sz="1400" b="0" i="0" u="none" strike="noStrike" dirty="0">
                         <a:solidFill>
                           <a:srgbClr val="000000"/>
                         </a:solidFill>
@@ -27652,7 +27668,7 @@
                     <a:p>
                       <a:pPr algn="ctr" fontAlgn="b"/>
                       <a:r>
-                        <a:rPr lang="en-US" sz="1200" b="0" i="0" u="none" strike="noStrike" dirty="0">
+                        <a:rPr lang="en-US" sz="1400" b="0" i="0" u="none" strike="noStrike" dirty="0">
                           <a:solidFill>
                             <a:srgbClr val="000000"/>
                           </a:solidFill>
@@ -27662,7 +27678,7 @@
                         <a:t>7.62</a:t>
                       </a:r>
                       <a:r>
-                        <a:rPr lang="ru-RU" sz="1200" b="0" i="0" u="none" strike="noStrike" dirty="0">
+                        <a:rPr lang="ru-RU" sz="1400" b="0" i="0" u="none" strike="noStrike" dirty="0">
                           <a:solidFill>
                             <a:srgbClr val="000000"/>
                           </a:solidFill>
@@ -27671,7 +27687,7 @@
                         </a:rPr>
                         <a:t>1</a:t>
                       </a:r>
-                      <a:endParaRPr lang="en-US" sz="1200" b="0" i="0" u="none" strike="noStrike" dirty="0">
+                      <a:endParaRPr lang="en-US" sz="1400" b="0" i="0" u="none" strike="noStrike" dirty="0">
                         <a:solidFill>
                           <a:srgbClr val="000000"/>
                         </a:solidFill>
@@ -27680,16 +27696,16 @@
                       </a:endParaRPr>
                     </a:p>
                   </a:txBody>
-                  <a:tcPr marL="6350" marR="6350" marT="6350" marB="0" anchor="b"/>
-                </a:tc>
-                <a:tc>
-                  <a:txBody>
-                    <a:bodyPr/>
-                    <a:lstStyle/>
-                    <a:p>
-                      <a:pPr algn="ctr" fontAlgn="b"/>
-                      <a:r>
-                        <a:rPr lang="en-US" sz="1200" b="0" i="0" u="none" strike="noStrike" dirty="0">
+                  <a:tcPr marL="6350" marR="6350" marT="6350" marB="0" anchor="ctr"/>
+                </a:tc>
+                <a:tc>
+                  <a:txBody>
+                    <a:bodyPr/>
+                    <a:lstStyle/>
+                    <a:p>
+                      <a:pPr algn="ctr" fontAlgn="b"/>
+                      <a:r>
+                        <a:rPr lang="en-US" sz="1400" b="0" i="0" u="none" strike="noStrike" dirty="0">
                           <a:solidFill>
                             <a:srgbClr val="000000"/>
                           </a:solidFill>
@@ -27700,16 +27716,16 @@
                       </a:r>
                     </a:p>
                   </a:txBody>
-                  <a:tcPr marL="6350" marR="6350" marT="6350" marB="0" anchor="b"/>
-                </a:tc>
-                <a:tc>
-                  <a:txBody>
-                    <a:bodyPr/>
-                    <a:lstStyle/>
-                    <a:p>
-                      <a:pPr algn="ctr" fontAlgn="b"/>
-                      <a:r>
-                        <a:rPr lang="en-US" sz="1200" b="0" i="0" u="none" strike="noStrike" dirty="0">
+                  <a:tcPr marL="6350" marR="6350" marT="6350" marB="0" anchor="ctr"/>
+                </a:tc>
+                <a:tc>
+                  <a:txBody>
+                    <a:bodyPr/>
+                    <a:lstStyle/>
+                    <a:p>
+                      <a:pPr algn="ctr" fontAlgn="b"/>
+                      <a:r>
+                        <a:rPr lang="en-US" sz="1400" b="0" i="0" u="none" strike="noStrike" dirty="0">
                           <a:solidFill>
                             <a:srgbClr val="000000"/>
                           </a:solidFill>
@@ -27720,16 +27736,16 @@
                       </a:r>
                     </a:p>
                   </a:txBody>
-                  <a:tcPr marL="6350" marR="6350" marT="6350" marB="0" anchor="b"/>
-                </a:tc>
-                <a:tc>
-                  <a:txBody>
-                    <a:bodyPr/>
-                    <a:lstStyle/>
-                    <a:p>
-                      <a:pPr algn="ctr" fontAlgn="b"/>
-                      <a:r>
-                        <a:rPr lang="en-US" sz="1200" b="0" i="0" u="none" strike="noStrike" dirty="0">
+                  <a:tcPr marL="6350" marR="6350" marT="6350" marB="0" anchor="ctr"/>
+                </a:tc>
+                <a:tc>
+                  <a:txBody>
+                    <a:bodyPr/>
+                    <a:lstStyle/>
+                    <a:p>
+                      <a:pPr algn="ctr" fontAlgn="b"/>
+                      <a:r>
+                        <a:rPr lang="en-US" sz="1400" b="0" i="0" u="none" strike="noStrike" dirty="0">
                           <a:solidFill>
                             <a:srgbClr val="000000"/>
                           </a:solidFill>
@@ -27739,7 +27755,7 @@
                         <a:t>6.73</a:t>
                       </a:r>
                       <a:r>
-                        <a:rPr lang="ru-RU" sz="1200" b="0" i="0" u="none" strike="noStrike" dirty="0">
+                        <a:rPr lang="ru-RU" sz="1400" b="0" i="0" u="none" strike="noStrike" dirty="0">
                           <a:solidFill>
                             <a:srgbClr val="000000"/>
                           </a:solidFill>
@@ -27748,7 +27764,7 @@
                         </a:rPr>
                         <a:t>4</a:t>
                       </a:r>
-                      <a:endParaRPr lang="en-US" sz="1200" b="0" i="0" u="none" strike="noStrike" dirty="0">
+                      <a:endParaRPr lang="en-US" sz="1400" b="0" i="0" u="none" strike="noStrike" dirty="0">
                         <a:solidFill>
                           <a:srgbClr val="000000"/>
                         </a:solidFill>
@@ -27757,7 +27773,7 @@
                       </a:endParaRPr>
                     </a:p>
                   </a:txBody>
-                  <a:tcPr marL="6350" marR="6350" marT="6350" marB="0" anchor="b"/>
+                  <a:tcPr marL="6350" marR="6350" marT="6350" marB="0" anchor="ctr"/>
                 </a:tc>
                 <a:extLst>
                   <a:ext uri="{0D108BD9-81ED-4DB2-BD59-A6C34878D82A}">
@@ -27773,12 +27789,12 @@
                     <a:p>
                       <a:pPr algn="ctr" fontAlgn="b"/>
                       <a:r>
-                        <a:rPr lang="en-US" sz="1200" u="none" strike="noStrike" dirty="0">
+                        <a:rPr lang="en-US" sz="1400" u="none" strike="noStrike" dirty="0">
                           <a:effectLst/>
                         </a:rPr>
                         <a:t>RNN</a:t>
                       </a:r>
-                      <a:endParaRPr lang="en-US" sz="1200" b="0" i="0" u="none" strike="noStrike" dirty="0">
+                      <a:endParaRPr lang="en-US" sz="1400" b="0" i="0" u="none" strike="noStrike" dirty="0">
                         <a:solidFill>
                           <a:srgbClr val="000000"/>
                         </a:solidFill>
@@ -27796,7 +27812,7 @@
                     <a:p>
                       <a:pPr algn="ctr" fontAlgn="b"/>
                       <a:r>
-                        <a:rPr lang="en-US" sz="1200" b="0" i="0" u="none" strike="noStrike" dirty="0">
+                        <a:rPr lang="en-US" sz="1400" b="0" i="0" u="none" strike="noStrike" dirty="0">
                           <a:solidFill>
                             <a:srgbClr val="000000"/>
                           </a:solidFill>
@@ -27806,7 +27822,7 @@
                         <a:t>4.97</a:t>
                       </a:r>
                       <a:r>
-                        <a:rPr lang="ru-RU" sz="1200" b="0" i="0" u="none" strike="noStrike" dirty="0">
+                        <a:rPr lang="ru-RU" sz="1400" b="0" i="0" u="none" strike="noStrike" dirty="0">
                           <a:solidFill>
                             <a:srgbClr val="000000"/>
                           </a:solidFill>
@@ -27815,7 +27831,7 @@
                         </a:rPr>
                         <a:t>8</a:t>
                       </a:r>
-                      <a:endParaRPr lang="en-US" sz="1200" b="0" i="0" u="none" strike="noStrike" dirty="0">
+                      <a:endParaRPr lang="en-US" sz="1400" b="0" i="0" u="none" strike="noStrike" dirty="0">
                         <a:solidFill>
                           <a:srgbClr val="000000"/>
                         </a:solidFill>
@@ -27824,7 +27840,7 @@
                       </a:endParaRPr>
                     </a:p>
                   </a:txBody>
-                  <a:tcPr marL="6350" marR="6350" marT="6350" marB="0" anchor="b">
+                  <a:tcPr marL="6350" marR="6350" marT="6350" marB="0" anchor="ctr">
                     <a:solidFill>
                       <a:srgbClr val="E9EBF5"/>
                     </a:solidFill>
@@ -27837,7 +27853,7 @@
                     <a:p>
                       <a:pPr algn="ctr" fontAlgn="b"/>
                       <a:r>
-                        <a:rPr lang="en-US" sz="1200" b="0" i="0" u="none" strike="noStrike" dirty="0">
+                        <a:rPr lang="en-US" sz="1400" b="0" i="0" u="none" strike="noStrike" dirty="0">
                           <a:solidFill>
                             <a:srgbClr val="000000"/>
                           </a:solidFill>
@@ -27847,7 +27863,7 @@
                         <a:t>7.91</a:t>
                       </a:r>
                       <a:r>
-                        <a:rPr lang="ru-RU" sz="1200" b="0" i="0" u="none" strike="noStrike" dirty="0">
+                        <a:rPr lang="ru-RU" sz="1400" b="0" i="0" u="none" strike="noStrike" dirty="0">
                           <a:solidFill>
                             <a:srgbClr val="000000"/>
                           </a:solidFill>
@@ -27856,7 +27872,7 @@
                         </a:rPr>
                         <a:t>9</a:t>
                       </a:r>
-                      <a:endParaRPr lang="en-US" sz="1200" b="0" i="0" u="none" strike="noStrike" dirty="0">
+                      <a:endParaRPr lang="en-US" sz="1400" b="0" i="0" u="none" strike="noStrike" dirty="0">
                         <a:solidFill>
                           <a:srgbClr val="000000"/>
                         </a:solidFill>
@@ -27865,7 +27881,7 @@
                       </a:endParaRPr>
                     </a:p>
                   </a:txBody>
-                  <a:tcPr marL="6350" marR="6350" marT="6350" marB="0" anchor="b">
+                  <a:tcPr marL="6350" marR="6350" marT="6350" marB="0" anchor="ctr">
                     <a:solidFill>
                       <a:srgbClr val="E9EBF5"/>
                     </a:solidFill>
@@ -27878,7 +27894,7 @@
                     <a:p>
                       <a:pPr algn="ctr" fontAlgn="b"/>
                       <a:r>
-                        <a:rPr lang="en-US" sz="1200" b="0" i="0" u="none" strike="noStrike" dirty="0">
+                        <a:rPr lang="en-US" sz="1400" b="0" i="0" u="none" strike="noStrike" dirty="0">
                           <a:solidFill>
                             <a:srgbClr val="000000"/>
                           </a:solidFill>
@@ -27888,7 +27904,7 @@
                         <a:t>9.79</a:t>
                       </a:r>
                       <a:r>
-                        <a:rPr lang="ru-RU" sz="1200" b="0" i="0" u="none" strike="noStrike" dirty="0">
+                        <a:rPr lang="ru-RU" sz="1400" b="0" i="0" u="none" strike="noStrike" dirty="0">
                           <a:solidFill>
                             <a:srgbClr val="000000"/>
                           </a:solidFill>
@@ -27897,7 +27913,7 @@
                         </a:rPr>
                         <a:t>8</a:t>
                       </a:r>
-                      <a:endParaRPr lang="en-US" sz="1200" b="0" i="0" u="none" strike="noStrike" dirty="0">
+                      <a:endParaRPr lang="en-US" sz="1400" b="0" i="0" u="none" strike="noStrike" dirty="0">
                         <a:solidFill>
                           <a:srgbClr val="000000"/>
                         </a:solidFill>
@@ -27906,7 +27922,7 @@
                       </a:endParaRPr>
                     </a:p>
                   </a:txBody>
-                  <a:tcPr marL="6350" marR="6350" marT="6350" marB="0" anchor="b">
+                  <a:tcPr marL="6350" marR="6350" marT="6350" marB="0" anchor="ctr">
                     <a:solidFill>
                       <a:srgbClr val="E9EBF5"/>
                     </a:solidFill>
@@ -27919,7 +27935,7 @@
                     <a:p>
                       <a:pPr algn="ctr" fontAlgn="b"/>
                       <a:r>
-                        <a:rPr lang="en-US" sz="1200" b="0" i="0" u="none" strike="noStrike" dirty="0">
+                        <a:rPr lang="en-US" sz="1400" b="0" i="0" u="none" strike="noStrike" dirty="0">
                           <a:solidFill>
                             <a:srgbClr val="000000"/>
                           </a:solidFill>
@@ -27929,7 +27945,7 @@
                         <a:t>4.54</a:t>
                       </a:r>
                       <a:r>
-                        <a:rPr lang="ru-RU" sz="1200" b="0" i="0" u="none" strike="noStrike" dirty="0">
+                        <a:rPr lang="ru-RU" sz="1400" b="0" i="0" u="none" strike="noStrike" dirty="0">
                           <a:solidFill>
                             <a:srgbClr val="000000"/>
                           </a:solidFill>
@@ -27938,7 +27954,7 @@
                         </a:rPr>
                         <a:t>9</a:t>
                       </a:r>
-                      <a:endParaRPr lang="en-US" sz="1200" b="0" i="0" u="none" strike="noStrike" dirty="0">
+                      <a:endParaRPr lang="en-US" sz="1400" b="0" i="0" u="none" strike="noStrike" dirty="0">
                         <a:solidFill>
                           <a:srgbClr val="000000"/>
                         </a:solidFill>
@@ -27947,7 +27963,7 @@
                       </a:endParaRPr>
                     </a:p>
                   </a:txBody>
-                  <a:tcPr marL="6350" marR="6350" marT="6350" marB="0" anchor="b">
+                  <a:tcPr marL="6350" marR="6350" marT="6350" marB="0" anchor="ctr">
                     <a:solidFill>
                       <a:srgbClr val="E9EBF5"/>
                     </a:solidFill>
@@ -27978,14 +27994,14 @@
           <p:nvPr>
             <p:extLst>
               <p:ext uri="{D42A27DB-BD31-4B8C-83A1-F6EECF244321}">
-                <p14:modId xmlns:p14="http://schemas.microsoft.com/office/powerpoint/2010/main" val="960254991"/>
+                <p14:modId xmlns:p14="http://schemas.microsoft.com/office/powerpoint/2010/main" val="3399049316"/>
               </p:ext>
             </p:extLst>
           </p:nvPr>
         </p:nvGraphicFramePr>
         <p:xfrm>
           <a:off x="6819304" y="2213690"/>
-          <a:ext cx="4835573" cy="2883288"/>
+          <a:ext cx="4835573" cy="2955947"/>
         </p:xfrm>
         <a:graphic>
           <a:graphicData uri="http://schemas.openxmlformats.org/drawingml/2006/table">
@@ -28038,7 +28054,7 @@
                     <a:p>
                       <a:pPr algn="ctr" fontAlgn="b"/>
                       <a:r>
-                        <a:rPr lang="ru-RU" sz="1200" b="0" i="0" u="none" strike="noStrike" dirty="0">
+                        <a:rPr lang="ru-RU" sz="1400" b="0" i="0" u="none" strike="noStrike" dirty="0">
                           <a:solidFill>
                             <a:srgbClr val="000000"/>
                           </a:solidFill>
@@ -28048,7 +28064,7 @@
                         <a:t>Модель</a:t>
                       </a:r>
                       <a:r>
-                        <a:rPr lang="en-US" sz="1200" b="0" i="0" u="none" strike="noStrike" dirty="0">
+                        <a:rPr lang="en-US" sz="1400" b="0" i="0" u="none" strike="noStrike" dirty="0">
                           <a:solidFill>
                             <a:srgbClr val="000000"/>
                           </a:solidFill>
@@ -28058,7 +28074,7 @@
                         <a:t>\</a:t>
                       </a:r>
                       <a:r>
-                        <a:rPr lang="ru-RU" sz="1200" b="0" i="0" u="none" strike="noStrike" dirty="0">
+                        <a:rPr lang="ru-RU" sz="1400" b="0" i="0" u="none" strike="noStrike" dirty="0">
                           <a:solidFill>
                             <a:srgbClr val="000000"/>
                           </a:solidFill>
@@ -28067,7 +28083,7 @@
                         </a:rPr>
                         <a:t>Набор данных</a:t>
                       </a:r>
-                      <a:endParaRPr lang="en-US" sz="1200" b="0" i="0" u="none" strike="noStrike" dirty="0">
+                      <a:endParaRPr lang="en-US" sz="1400" b="0" i="0" u="none" strike="noStrike" dirty="0">
                         <a:solidFill>
                           <a:srgbClr val="000000"/>
                         </a:solidFill>
@@ -28085,12 +28101,12 @@
                     <a:p>
                       <a:pPr algn="ctr" fontAlgn="b"/>
                       <a:r>
-                        <a:rPr lang="en-US" sz="1200" u="none" strike="noStrike" dirty="0">
+                        <a:rPr lang="en-US" sz="1400" u="none" strike="noStrike" dirty="0">
                           <a:effectLst/>
                         </a:rPr>
                         <a:t>SAND500</a:t>
                       </a:r>
-                      <a:endParaRPr lang="en-US" sz="1200" b="0" i="0" u="none" strike="noStrike" dirty="0">
+                      <a:endParaRPr lang="en-US" sz="1400" b="0" i="0" u="none" strike="noStrike" dirty="0">
                         <a:solidFill>
                           <a:srgbClr val="000000"/>
                         </a:solidFill>
@@ -28099,21 +28115,21 @@
                       </a:endParaRPr>
                     </a:p>
                   </a:txBody>
-                  <a:tcPr marL="6350" marR="6350" marT="6350" marB="0" anchor="b"/>
-                </a:tc>
-                <a:tc>
-                  <a:txBody>
-                    <a:bodyPr/>
-                    <a:lstStyle/>
-                    <a:p>
-                      <a:pPr algn="ctr" fontAlgn="b"/>
-                      <a:r>
-                        <a:rPr lang="en-US" sz="1200" u="none" strike="noStrike" dirty="0">
+                  <a:tcPr marL="6350" marR="6350" marT="6350" marB="0"/>
+                </a:tc>
+                <a:tc>
+                  <a:txBody>
+                    <a:bodyPr/>
+                    <a:lstStyle/>
+                    <a:p>
+                      <a:pPr algn="ctr" fontAlgn="b"/>
+                      <a:r>
+                        <a:rPr lang="en-US" sz="1400" u="none" strike="noStrike" dirty="0">
                           <a:effectLst/>
                         </a:rPr>
                         <a:t>NASDAQ</a:t>
                       </a:r>
-                      <a:endParaRPr lang="en-US" sz="1200" b="0" i="0" u="none" strike="noStrike" dirty="0">
+                      <a:endParaRPr lang="en-US" sz="1400" b="0" i="0" u="none" strike="noStrike" dirty="0">
                         <a:solidFill>
                           <a:srgbClr val="000000"/>
                         </a:solidFill>
@@ -28122,21 +28138,21 @@
                       </a:endParaRPr>
                     </a:p>
                   </a:txBody>
-                  <a:tcPr marL="6350" marR="6350" marT="6350" marB="0" anchor="b"/>
-                </a:tc>
-                <a:tc>
-                  <a:txBody>
-                    <a:bodyPr/>
-                    <a:lstStyle/>
-                    <a:p>
-                      <a:pPr algn="ctr" fontAlgn="b"/>
-                      <a:r>
-                        <a:rPr lang="en-US" sz="1200" u="none" strike="noStrike" dirty="0">
+                  <a:tcPr marL="6350" marR="6350" marT="6350" marB="0"/>
+                </a:tc>
+                <a:tc>
+                  <a:txBody>
+                    <a:bodyPr/>
+                    <a:lstStyle/>
+                    <a:p>
+                      <a:pPr algn="ctr" fontAlgn="b"/>
+                      <a:r>
+                        <a:rPr lang="en-US" sz="1400" u="none" strike="noStrike" dirty="0">
                           <a:effectLst/>
                         </a:rPr>
                         <a:t>JPM</a:t>
                       </a:r>
-                      <a:endParaRPr lang="en-US" sz="1200" b="0" i="0" u="none" strike="noStrike" dirty="0">
+                      <a:endParaRPr lang="en-US" sz="1400" b="0" i="0" u="none" strike="noStrike" dirty="0">
                         <a:solidFill>
                           <a:srgbClr val="000000"/>
                         </a:solidFill>
@@ -28145,21 +28161,21 @@
                       </a:endParaRPr>
                     </a:p>
                   </a:txBody>
-                  <a:tcPr marL="6350" marR="6350" marT="6350" marB="0" anchor="b"/>
-                </a:tc>
-                <a:tc>
-                  <a:txBody>
-                    <a:bodyPr/>
-                    <a:lstStyle/>
-                    <a:p>
-                      <a:pPr algn="ctr" fontAlgn="b"/>
-                      <a:r>
-                        <a:rPr lang="en-US" sz="1200" u="none" strike="noStrike" dirty="0">
+                  <a:tcPr marL="6350" marR="6350" marT="6350" marB="0"/>
+                </a:tc>
+                <a:tc>
+                  <a:txBody>
+                    <a:bodyPr/>
+                    <a:lstStyle/>
+                    <a:p>
+                      <a:pPr algn="ctr" fontAlgn="b"/>
+                      <a:r>
+                        <a:rPr lang="en-US" sz="1400" u="none" strike="noStrike" dirty="0">
                           <a:effectLst/>
                         </a:rPr>
                         <a:t>DJI</a:t>
                       </a:r>
-                      <a:endParaRPr lang="en-US" sz="1200" b="0" i="0" u="none" strike="noStrike" dirty="0">
+                      <a:endParaRPr lang="en-US" sz="1400" b="0" i="0" u="none" strike="noStrike" dirty="0">
                         <a:solidFill>
                           <a:srgbClr val="000000"/>
                         </a:solidFill>
@@ -28168,7 +28184,7 @@
                       </a:endParaRPr>
                     </a:p>
                   </a:txBody>
-                  <a:tcPr marL="6350" marR="6350" marT="6350" marB="0" anchor="b"/>
+                  <a:tcPr marL="6350" marR="6350" marT="6350" marB="0"/>
                 </a:tc>
                 <a:extLst>
                   <a:ext uri="{0D108BD9-81ED-4DB2-BD59-A6C34878D82A}">
@@ -28184,12 +28200,12 @@
                     <a:p>
                       <a:pPr algn="ctr" fontAlgn="b"/>
                       <a:r>
-                        <a:rPr lang="en-US" sz="1200" u="none" strike="noStrike" dirty="0">
+                        <a:rPr lang="en-US" sz="1400" u="none" strike="noStrike" dirty="0">
                           <a:effectLst/>
                         </a:rPr>
                         <a:t>ARIMA(0,1,0)</a:t>
                       </a:r>
-                      <a:endParaRPr lang="en-US" sz="1200" b="0" i="0" u="none" strike="noStrike" dirty="0">
+                      <a:endParaRPr lang="en-US" sz="1400" b="0" i="0" u="none" strike="noStrike" dirty="0">
                         <a:solidFill>
                           <a:srgbClr val="000000"/>
                         </a:solidFill>
@@ -28207,7 +28223,7 @@
                     <a:p>
                       <a:pPr algn="ctr" fontAlgn="b"/>
                       <a:r>
-                        <a:rPr lang="en-US" sz="1200" b="0" i="0" u="none" strike="noStrike" dirty="0">
+                        <a:rPr lang="en-US" sz="1400" b="0" i="0" u="none" strike="noStrike" dirty="0">
                           <a:solidFill>
                             <a:srgbClr val="000000"/>
                           </a:solidFill>
@@ -28217,7 +28233,7 @@
                         <a:t>6.14</a:t>
                       </a:r>
                       <a:r>
-                        <a:rPr lang="ru-RU" sz="1200" b="0" i="0" u="none" strike="noStrike" dirty="0">
+                        <a:rPr lang="ru-RU" sz="1400" b="0" i="0" u="none" strike="noStrike" dirty="0">
                           <a:solidFill>
                             <a:srgbClr val="000000"/>
                           </a:solidFill>
@@ -28226,7 +28242,7 @@
                         </a:rPr>
                         <a:t>8</a:t>
                       </a:r>
-                      <a:endParaRPr lang="en-US" sz="1200" b="0" i="0" u="none" strike="noStrike" dirty="0">
+                      <a:endParaRPr lang="en-US" sz="1400" b="0" i="0" u="none" strike="noStrike" dirty="0">
                         <a:solidFill>
                           <a:srgbClr val="000000"/>
                         </a:solidFill>
@@ -28235,7 +28251,7 @@
                       </a:endParaRPr>
                     </a:p>
                   </a:txBody>
-                  <a:tcPr marL="6350" marR="6350" marT="6350" marB="0" anchor="b">
+                  <a:tcPr marL="6350" marR="6350" marT="6350" marB="0" anchor="ctr">
                     <a:solidFill>
                       <a:srgbClr val="00B050"/>
                     </a:solidFill>
@@ -28248,7 +28264,7 @@
                     <a:p>
                       <a:pPr algn="ctr" fontAlgn="b"/>
                       <a:r>
-                        <a:rPr lang="en-US" sz="1200" b="0" i="0" u="none" strike="noStrike" dirty="0">
+                        <a:rPr lang="en-US" sz="1400" b="0" i="0" u="none" strike="noStrike" dirty="0">
                           <a:solidFill>
                             <a:srgbClr val="000000"/>
                           </a:solidFill>
@@ -28259,7 +28275,7 @@
                       </a:r>
                     </a:p>
                   </a:txBody>
-                  <a:tcPr marL="6350" marR="6350" marT="6350" marB="0" anchor="b">
+                  <a:tcPr marL="6350" marR="6350" marT="6350" marB="0" anchor="ctr">
                     <a:solidFill>
                       <a:srgbClr val="00B050"/>
                     </a:solidFill>
@@ -28272,7 +28288,7 @@
                     <a:p>
                       <a:pPr algn="ctr" fontAlgn="b"/>
                       <a:r>
-                        <a:rPr lang="en-US" sz="1200" b="0" i="0" u="none" strike="noStrike" dirty="0">
+                        <a:rPr lang="en-US" sz="1400" b="0" i="0" u="none" strike="noStrike" dirty="0">
                           <a:solidFill>
                             <a:srgbClr val="000000"/>
                           </a:solidFill>
@@ -28283,7 +28299,7 @@
                       </a:r>
                     </a:p>
                   </a:txBody>
-                  <a:tcPr marL="6350" marR="6350" marT="6350" marB="0" anchor="b">
+                  <a:tcPr marL="6350" marR="6350" marT="6350" marB="0" anchor="ctr">
                     <a:solidFill>
                       <a:srgbClr val="00B050"/>
                     </a:solidFill>
@@ -28296,7 +28312,7 @@
                     <a:p>
                       <a:pPr algn="ctr" fontAlgn="b"/>
                       <a:r>
-                        <a:rPr lang="en-US" sz="1200" b="0" i="0" u="none" strike="noStrike" dirty="0">
+                        <a:rPr lang="en-US" sz="1400" b="0" i="0" u="none" strike="noStrike" dirty="0">
                           <a:solidFill>
                             <a:srgbClr val="000000"/>
                           </a:solidFill>
@@ -28306,7 +28322,7 @@
                         <a:t>5.76</a:t>
                       </a:r>
                       <a:r>
-                        <a:rPr lang="ru-RU" sz="1200" b="0" i="0" u="none" strike="noStrike" dirty="0">
+                        <a:rPr lang="ru-RU" sz="1400" b="0" i="0" u="none" strike="noStrike" dirty="0">
                           <a:solidFill>
                             <a:srgbClr val="000000"/>
                           </a:solidFill>
@@ -28315,7 +28331,7 @@
                         </a:rPr>
                         <a:t>7</a:t>
                       </a:r>
-                      <a:endParaRPr lang="en-US" sz="1200" b="0" i="0" u="none" strike="noStrike" dirty="0">
+                      <a:endParaRPr lang="en-US" sz="1400" b="0" i="0" u="none" strike="noStrike" dirty="0">
                         <a:solidFill>
                           <a:srgbClr val="000000"/>
                         </a:solidFill>
@@ -28324,7 +28340,7 @@
                       </a:endParaRPr>
                     </a:p>
                   </a:txBody>
-                  <a:tcPr marL="6350" marR="6350" marT="6350" marB="0" anchor="b">
+                  <a:tcPr marL="6350" marR="6350" marT="6350" marB="0" anchor="ctr">
                     <a:solidFill>
                       <a:srgbClr val="E9EBF5"/>
                     </a:solidFill>
@@ -28344,12 +28360,12 @@
                     <a:p>
                       <a:pPr algn="ctr" fontAlgn="b"/>
                       <a:r>
-                        <a:rPr lang="en-US" sz="1200" u="none" strike="noStrike" dirty="0">
+                        <a:rPr lang="en-US" sz="1400" u="none" strike="noStrike" dirty="0">
                           <a:effectLst/>
                         </a:rPr>
                         <a:t>ARIMA(1,0,0)</a:t>
                       </a:r>
-                      <a:endParaRPr lang="en-US" sz="1200" b="0" i="0" u="none" strike="noStrike" dirty="0">
+                      <a:endParaRPr lang="en-US" sz="1400" b="0" i="0" u="none" strike="noStrike" dirty="0">
                         <a:solidFill>
                           <a:srgbClr val="000000"/>
                         </a:solidFill>
@@ -28367,7 +28383,7 @@
                     <a:p>
                       <a:pPr algn="ctr" fontAlgn="b"/>
                       <a:r>
-                        <a:rPr lang="en-US" sz="1200" b="0" i="0" u="none" strike="noStrike" dirty="0">
+                        <a:rPr lang="en-US" sz="1400" b="0" i="0" u="none" strike="noStrike" dirty="0">
                           <a:solidFill>
                             <a:srgbClr val="000000"/>
                           </a:solidFill>
@@ -28377,7 +28393,7 @@
                         <a:t>7.42</a:t>
                       </a:r>
                       <a:r>
-                        <a:rPr lang="ru-RU" sz="1200" b="0" i="0" u="none" strike="noStrike" dirty="0">
+                        <a:rPr lang="ru-RU" sz="1400" b="0" i="0" u="none" strike="noStrike" dirty="0">
                           <a:solidFill>
                             <a:srgbClr val="000000"/>
                           </a:solidFill>
@@ -28386,7 +28402,7 @@
                         </a:rPr>
                         <a:t>9</a:t>
                       </a:r>
-                      <a:endParaRPr lang="en-US" sz="1200" b="0" i="0" u="none" strike="noStrike" dirty="0">
+                      <a:endParaRPr lang="en-US" sz="1400" b="0" i="0" u="none" strike="noStrike" dirty="0">
                         <a:solidFill>
                           <a:srgbClr val="000000"/>
                         </a:solidFill>
@@ -28395,7 +28411,7 @@
                       </a:endParaRPr>
                     </a:p>
                   </a:txBody>
-                  <a:tcPr marL="6350" marR="6350" marT="6350" marB="0" anchor="b">
+                  <a:tcPr marL="6350" marR="6350" marT="6350" marB="0" anchor="ctr">
                     <a:solidFill>
                       <a:srgbClr val="E9EBF5"/>
                     </a:solidFill>
@@ -28408,7 +28424,7 @@
                     <a:p>
                       <a:pPr algn="ctr" fontAlgn="b"/>
                       <a:r>
-                        <a:rPr lang="en-US" sz="1200" b="0" i="0" u="none" strike="noStrike" dirty="0">
+                        <a:rPr lang="en-US" sz="1400" b="0" i="0" u="none" strike="noStrike" dirty="0">
                           <a:solidFill>
                             <a:srgbClr val="000000"/>
                           </a:solidFill>
@@ -28418,7 +28434,7 @@
                         <a:t>9.95</a:t>
                       </a:r>
                       <a:r>
-                        <a:rPr lang="ru-RU" sz="1200" b="0" i="0" u="none" strike="noStrike" dirty="0">
+                        <a:rPr lang="ru-RU" sz="1400" b="0" i="0" u="none" strike="noStrike" dirty="0">
                           <a:solidFill>
                             <a:srgbClr val="000000"/>
                           </a:solidFill>
@@ -28427,7 +28443,7 @@
                         </a:rPr>
                         <a:t>7</a:t>
                       </a:r>
-                      <a:endParaRPr lang="en-US" sz="1200" b="0" i="0" u="none" strike="noStrike" dirty="0">
+                      <a:endParaRPr lang="en-US" sz="1400" b="0" i="0" u="none" strike="noStrike" dirty="0">
                         <a:solidFill>
                           <a:srgbClr val="000000"/>
                         </a:solidFill>
@@ -28436,7 +28452,7 @@
                       </a:endParaRPr>
                     </a:p>
                   </a:txBody>
-                  <a:tcPr marL="6350" marR="6350" marT="6350" marB="0" anchor="b">
+                  <a:tcPr marL="6350" marR="6350" marT="6350" marB="0" anchor="ctr">
                     <a:solidFill>
                       <a:srgbClr val="E9EBF5"/>
                     </a:solidFill>
@@ -28449,7 +28465,7 @@
                     <a:p>
                       <a:pPr algn="ctr" fontAlgn="b"/>
                       <a:r>
-                        <a:rPr lang="en-US" sz="1200" b="0" i="0" u="none" strike="noStrike" dirty="0">
+                        <a:rPr lang="en-US" sz="1400" b="0" i="0" u="none" strike="noStrike" dirty="0">
                           <a:solidFill>
                             <a:srgbClr val="000000"/>
                           </a:solidFill>
@@ -28460,7 +28476,7 @@
                       </a:r>
                     </a:p>
                   </a:txBody>
-                  <a:tcPr marL="6350" marR="6350" marT="6350" marB="0" anchor="b">
+                  <a:tcPr marL="6350" marR="6350" marT="6350" marB="0" anchor="ctr">
                     <a:solidFill>
                       <a:srgbClr val="E9EBF5"/>
                     </a:solidFill>
@@ -28473,7 +28489,7 @@
                     <a:p>
                       <a:pPr algn="ctr" fontAlgn="b"/>
                       <a:r>
-                        <a:rPr lang="en-US" sz="1200" b="0" i="0" u="none" strike="noStrike" dirty="0">
+                        <a:rPr lang="en-US" sz="1400" b="0" i="0" u="none" strike="noStrike" dirty="0">
                           <a:solidFill>
                             <a:srgbClr val="000000"/>
                           </a:solidFill>
@@ -28484,7 +28500,7 @@
                       </a:r>
                     </a:p>
                   </a:txBody>
-                  <a:tcPr marL="6350" marR="6350" marT="6350" marB="0" anchor="b">
+                  <a:tcPr marL="6350" marR="6350" marT="6350" marB="0" anchor="ctr">
                     <a:solidFill>
                       <a:srgbClr val="E9EBF5"/>
                     </a:solidFill>
@@ -28504,12 +28520,12 @@
                     <a:p>
                       <a:pPr algn="ctr" fontAlgn="b"/>
                       <a:r>
-                        <a:rPr lang="en-US" sz="1200" u="none" strike="noStrike" dirty="0">
+                        <a:rPr lang="en-US" sz="1400" u="none" strike="noStrike" dirty="0">
                           <a:effectLst/>
                         </a:rPr>
                         <a:t>ARIMA(3,1,3)</a:t>
                       </a:r>
-                      <a:endParaRPr lang="en-US" sz="1200" b="0" i="0" u="none" strike="noStrike" dirty="0">
+                      <a:endParaRPr lang="en-US" sz="1400" b="0" i="0" u="none" strike="noStrike" dirty="0">
                         <a:solidFill>
                           <a:srgbClr val="000000"/>
                         </a:solidFill>
@@ -28527,7 +28543,7 @@
                     <a:p>
                       <a:pPr algn="ctr" fontAlgn="b"/>
                       <a:r>
-                        <a:rPr lang="en-US" sz="1200" b="0" i="0" u="none" strike="noStrike" dirty="0">
+                        <a:rPr lang="en-US" sz="1400" b="0" i="0" u="none" strike="noStrike" dirty="0">
                           <a:solidFill>
                             <a:srgbClr val="000000"/>
                           </a:solidFill>
@@ -28537,7 +28553,7 @@
                         <a:t>6.86</a:t>
                       </a:r>
                       <a:r>
-                        <a:rPr lang="ru-RU" sz="1200" b="0" i="0" u="none" strike="noStrike" dirty="0">
+                        <a:rPr lang="ru-RU" sz="1400" b="0" i="0" u="none" strike="noStrike" dirty="0">
                           <a:solidFill>
                             <a:srgbClr val="000000"/>
                           </a:solidFill>
@@ -28546,7 +28562,7 @@
                         </a:rPr>
                         <a:t>4</a:t>
                       </a:r>
-                      <a:endParaRPr lang="en-US" sz="1200" b="0" i="0" u="none" strike="noStrike" dirty="0">
+                      <a:endParaRPr lang="en-US" sz="1400" b="0" i="0" u="none" strike="noStrike" dirty="0">
                         <a:solidFill>
                           <a:srgbClr val="000000"/>
                         </a:solidFill>
@@ -28555,7 +28571,7 @@
                       </a:endParaRPr>
                     </a:p>
                   </a:txBody>
-                  <a:tcPr marL="6350" marR="6350" marT="6350" marB="0" anchor="b">
+                  <a:tcPr marL="6350" marR="6350" marT="6350" marB="0" anchor="ctr">
                     <a:solidFill>
                       <a:srgbClr val="E9EBF5"/>
                     </a:solidFill>
@@ -28568,7 +28584,7 @@
                     <a:p>
                       <a:pPr algn="ctr" fontAlgn="b"/>
                       <a:r>
-                        <a:rPr lang="en-US" sz="1200" b="0" i="0" u="none" strike="noStrike" dirty="0">
+                        <a:rPr lang="en-US" sz="1400" b="0" i="0" u="none" strike="noStrike" dirty="0">
                           <a:solidFill>
                             <a:srgbClr val="000000"/>
                           </a:solidFill>
@@ -28579,7 +28595,7 @@
                       </a:r>
                     </a:p>
                   </a:txBody>
-                  <a:tcPr marL="6350" marR="6350" marT="6350" marB="0" anchor="b">
+                  <a:tcPr marL="6350" marR="6350" marT="6350" marB="0" anchor="ctr">
                     <a:solidFill>
                       <a:srgbClr val="E9EBF5"/>
                     </a:solidFill>
@@ -28592,7 +28608,7 @@
                     <a:p>
                       <a:pPr algn="ctr" fontAlgn="b"/>
                       <a:r>
-                        <a:rPr lang="en-US" sz="1200" b="0" i="0" u="none" strike="noStrike" dirty="0">
+                        <a:rPr lang="en-US" sz="1400" b="0" i="0" u="none" strike="noStrike" dirty="0">
                           <a:solidFill>
                             <a:srgbClr val="000000"/>
                           </a:solidFill>
@@ -28602,7 +28618,7 @@
                         <a:t>12.85</a:t>
                       </a:r>
                       <a:r>
-                        <a:rPr lang="ru-RU" sz="1200" b="0" i="0" u="none" strike="noStrike" dirty="0">
+                        <a:rPr lang="ru-RU" sz="1400" b="0" i="0" u="none" strike="noStrike" dirty="0">
                           <a:solidFill>
                             <a:srgbClr val="000000"/>
                           </a:solidFill>
@@ -28611,7 +28627,7 @@
                         </a:rPr>
                         <a:t>6</a:t>
                       </a:r>
-                      <a:endParaRPr lang="en-US" sz="1200" b="0" i="0" u="none" strike="noStrike" dirty="0">
+                      <a:endParaRPr lang="en-US" sz="1400" b="0" i="0" u="none" strike="noStrike" dirty="0">
                         <a:solidFill>
                           <a:srgbClr val="000000"/>
                         </a:solidFill>
@@ -28620,7 +28636,7 @@
                       </a:endParaRPr>
                     </a:p>
                   </a:txBody>
-                  <a:tcPr marL="6350" marR="6350" marT="6350" marB="0" anchor="b">
+                  <a:tcPr marL="6350" marR="6350" marT="6350" marB="0" anchor="ctr">
                     <a:solidFill>
                       <a:srgbClr val="E9EBF5"/>
                     </a:solidFill>
@@ -28633,7 +28649,7 @@
                     <a:p>
                       <a:pPr algn="ctr" fontAlgn="b"/>
                       <a:r>
-                        <a:rPr lang="en-US" sz="1200" b="0" i="0" u="none" strike="noStrike" dirty="0">
+                        <a:rPr lang="en-US" sz="1400" b="0" i="0" u="none" strike="noStrike" dirty="0">
                           <a:solidFill>
                             <a:srgbClr val="000000"/>
                           </a:solidFill>
@@ -28644,7 +28660,7 @@
                       </a:r>
                     </a:p>
                   </a:txBody>
-                  <a:tcPr marL="6350" marR="6350" marT="6350" marB="0" anchor="b">
+                  <a:tcPr marL="6350" marR="6350" marT="6350" marB="0" anchor="ctr">
                     <a:solidFill>
                       <a:srgbClr val="E9EBF5"/>
                     </a:solidFill>
@@ -28664,12 +28680,12 @@
                     <a:p>
                       <a:pPr algn="ctr" fontAlgn="b"/>
                       <a:r>
-                        <a:rPr lang="en-US" sz="1200" u="none" strike="noStrike" dirty="0" err="1">
+                        <a:rPr lang="en-US" sz="1400" u="none" strike="noStrike" dirty="0" err="1">
                           <a:effectLst/>
                         </a:rPr>
                         <a:t>Catboost</a:t>
                       </a:r>
-                      <a:endParaRPr lang="en-US" sz="1200" b="0" i="0" u="none" strike="noStrike" dirty="0">
+                      <a:endParaRPr lang="en-US" sz="1400" b="0" i="0" u="none" strike="noStrike" dirty="0">
                         <a:solidFill>
                           <a:srgbClr val="000000"/>
                         </a:solidFill>
@@ -28687,7 +28703,7 @@
                     <a:p>
                       <a:pPr algn="ctr" fontAlgn="b"/>
                       <a:r>
-                        <a:rPr lang="en-US" sz="1200" b="0" i="0" u="none" strike="noStrike" dirty="0">
+                        <a:rPr lang="en-US" sz="1400" b="0" i="0" u="none" strike="noStrike" dirty="0">
                           <a:solidFill>
                             <a:srgbClr val="000000"/>
                           </a:solidFill>
@@ -28698,7 +28714,7 @@
                       </a:r>
                     </a:p>
                   </a:txBody>
-                  <a:tcPr marL="6350" marR="6350" marT="6350" marB="0" anchor="b">
+                  <a:tcPr marL="6350" marR="6350" marT="6350" marB="0" anchor="ctr">
                     <a:solidFill>
                       <a:srgbClr val="E9EBF5"/>
                     </a:solidFill>
@@ -28711,7 +28727,7 @@
                     <a:p>
                       <a:pPr algn="ctr" fontAlgn="b"/>
                       <a:r>
-                        <a:rPr lang="en-US" sz="1200" b="0" i="0" u="none" strike="noStrike" dirty="0">
+                        <a:rPr lang="en-US" sz="1400" b="0" i="0" u="none" strike="noStrike" dirty="0">
                           <a:solidFill>
                             <a:srgbClr val="000000"/>
                           </a:solidFill>
@@ -28722,7 +28738,7 @@
                       </a:r>
                     </a:p>
                   </a:txBody>
-                  <a:tcPr marL="6350" marR="6350" marT="6350" marB="0" anchor="b">
+                  <a:tcPr marL="6350" marR="6350" marT="6350" marB="0" anchor="ctr">
                     <a:solidFill>
                       <a:srgbClr val="E9EBF5"/>
                     </a:solidFill>
@@ -28735,7 +28751,7 @@
                     <a:p>
                       <a:pPr algn="ctr" fontAlgn="b"/>
                       <a:r>
-                        <a:rPr lang="en-US" sz="1200" b="0" i="0" u="none" strike="noStrike" dirty="0">
+                        <a:rPr lang="en-US" sz="1400" b="0" i="0" u="none" strike="noStrike" dirty="0">
                           <a:solidFill>
                             <a:srgbClr val="000000"/>
                           </a:solidFill>
@@ -28746,7 +28762,7 @@
                       </a:r>
                     </a:p>
                   </a:txBody>
-                  <a:tcPr marL="6350" marR="6350" marT="6350" marB="0" anchor="b">
+                  <a:tcPr marL="6350" marR="6350" marT="6350" marB="0" anchor="ctr">
                     <a:solidFill>
                       <a:srgbClr val="E9EBF5"/>
                     </a:solidFill>
@@ -28759,7 +28775,7 @@
                     <a:p>
                       <a:pPr algn="ctr" fontAlgn="b"/>
                       <a:r>
-                        <a:rPr lang="en-US" sz="1200" b="0" i="0" u="none" strike="noStrike" dirty="0">
+                        <a:rPr lang="en-US" sz="1400" b="0" i="0" u="none" strike="noStrike" dirty="0">
                           <a:solidFill>
                             <a:srgbClr val="000000"/>
                           </a:solidFill>
@@ -28770,7 +28786,7 @@
                       </a:r>
                     </a:p>
                   </a:txBody>
-                  <a:tcPr marL="6350" marR="6350" marT="6350" marB="0" anchor="b">
+                  <a:tcPr marL="6350" marR="6350" marT="6350" marB="0" anchor="ctr">
                     <a:solidFill>
                       <a:srgbClr val="E9EBF5"/>
                     </a:solidFill>
@@ -28790,12 +28806,12 @@
                     <a:p>
                       <a:pPr algn="ctr" fontAlgn="b"/>
                       <a:r>
-                        <a:rPr lang="en-US" sz="1200" u="none" strike="noStrike" dirty="0">
+                        <a:rPr lang="en-US" sz="1400" u="none" strike="noStrike" dirty="0">
                           <a:effectLst/>
                         </a:rPr>
                         <a:t>GRU</a:t>
                       </a:r>
-                      <a:endParaRPr lang="en-US" sz="1200" b="0" i="0" u="none" strike="noStrike" dirty="0">
+                      <a:endParaRPr lang="en-US" sz="1400" b="0" i="0" u="none" strike="noStrike" dirty="0">
                         <a:solidFill>
                           <a:srgbClr val="000000"/>
                         </a:solidFill>
@@ -28813,7 +28829,7 @@
                     <a:p>
                       <a:pPr algn="ctr" fontAlgn="b"/>
                       <a:r>
-                        <a:rPr lang="en-US" sz="1200" b="0" i="0" u="none" strike="noStrike" dirty="0">
+                        <a:rPr lang="en-US" sz="1400" b="0" i="0" u="none" strike="noStrike" dirty="0">
                           <a:solidFill>
                             <a:srgbClr val="000000"/>
                           </a:solidFill>
@@ -28823,7 +28839,7 @@
                         <a:t>6.98</a:t>
                       </a:r>
                       <a:r>
-                        <a:rPr lang="ru-RU" sz="1200" b="0" i="0" u="none" strike="noStrike" dirty="0">
+                        <a:rPr lang="ru-RU" sz="1400" b="0" i="0" u="none" strike="noStrike" dirty="0">
                           <a:solidFill>
                             <a:srgbClr val="000000"/>
                           </a:solidFill>
@@ -28832,7 +28848,7 @@
                         </a:rPr>
                         <a:t>6</a:t>
                       </a:r>
-                      <a:endParaRPr lang="en-US" sz="1200" b="0" i="0" u="none" strike="noStrike" dirty="0">
+                      <a:endParaRPr lang="en-US" sz="1400" b="0" i="0" u="none" strike="noStrike" dirty="0">
                         <a:solidFill>
                           <a:srgbClr val="000000"/>
                         </a:solidFill>
@@ -28841,7 +28857,7 @@
                       </a:endParaRPr>
                     </a:p>
                   </a:txBody>
-                  <a:tcPr marL="6350" marR="6350" marT="6350" marB="0" anchor="b">
+                  <a:tcPr marL="6350" marR="6350" marT="6350" marB="0" anchor="ctr">
                     <a:solidFill>
                       <a:srgbClr val="E9EBF5"/>
                     </a:solidFill>
@@ -28854,7 +28870,7 @@
                     <a:p>
                       <a:pPr algn="ctr" fontAlgn="b"/>
                       <a:r>
-                        <a:rPr lang="en-US" sz="1200" b="0" i="0" u="none" strike="noStrike" dirty="0">
+                        <a:rPr lang="en-US" sz="1400" b="0" i="0" u="none" strike="noStrike" dirty="0">
                           <a:solidFill>
                             <a:srgbClr val="000000"/>
                           </a:solidFill>
@@ -28864,7 +28880,7 @@
                         <a:t>9.2</a:t>
                       </a:r>
                       <a:r>
-                        <a:rPr lang="ru-RU" sz="1200" b="0" i="0" u="none" strike="noStrike" dirty="0">
+                        <a:rPr lang="ru-RU" sz="1400" b="0" i="0" u="none" strike="noStrike" dirty="0">
                           <a:solidFill>
                             <a:srgbClr val="000000"/>
                           </a:solidFill>
@@ -28873,7 +28889,7 @@
                         </a:rPr>
                         <a:t>24</a:t>
                       </a:r>
-                      <a:endParaRPr lang="en-US" sz="1200" b="0" i="0" u="none" strike="noStrike" dirty="0">
+                      <a:endParaRPr lang="en-US" sz="1400" b="0" i="0" u="none" strike="noStrike" dirty="0">
                         <a:solidFill>
                           <a:srgbClr val="000000"/>
                         </a:solidFill>
@@ -28882,7 +28898,7 @@
                       </a:endParaRPr>
                     </a:p>
                   </a:txBody>
-                  <a:tcPr marL="6350" marR="6350" marT="6350" marB="0" anchor="b">
+                  <a:tcPr marL="6350" marR="6350" marT="6350" marB="0" anchor="ctr">
                     <a:solidFill>
                       <a:srgbClr val="E9EBF5"/>
                     </a:solidFill>
@@ -28895,7 +28911,7 @@
                     <a:p>
                       <a:pPr algn="ctr" fontAlgn="b"/>
                       <a:r>
-                        <a:rPr lang="en-US" sz="1200" b="0" i="0" u="none" strike="noStrike" dirty="0">
+                        <a:rPr lang="en-US" sz="1400" b="0" i="0" u="none" strike="noStrike" dirty="0">
                           <a:solidFill>
                             <a:srgbClr val="000000"/>
                           </a:solidFill>
@@ -28906,7 +28922,7 @@
                       </a:r>
                     </a:p>
                   </a:txBody>
-                  <a:tcPr marL="6350" marR="6350" marT="6350" marB="0" anchor="b">
+                  <a:tcPr marL="6350" marR="6350" marT="6350" marB="0" anchor="ctr">
                     <a:solidFill>
                       <a:srgbClr val="E9EBF5"/>
                     </a:solidFill>
@@ -28919,7 +28935,7 @@
                     <a:p>
                       <a:pPr algn="ctr" fontAlgn="b"/>
                       <a:r>
-                        <a:rPr lang="en-US" sz="1200" b="0" i="0" u="none" strike="noStrike" dirty="0">
+                        <a:rPr lang="en-US" sz="1400" b="0" i="0" u="none" strike="noStrike" dirty="0">
                           <a:solidFill>
                             <a:srgbClr val="000000"/>
                           </a:solidFill>
@@ -28929,7 +28945,7 @@
                         <a:t>6.61</a:t>
                       </a:r>
                       <a:r>
-                        <a:rPr lang="ru-RU" sz="1200" b="0" i="0" u="none" strike="noStrike" dirty="0">
+                        <a:rPr lang="ru-RU" sz="1400" b="0" i="0" u="none" strike="noStrike" dirty="0">
                           <a:solidFill>
                             <a:srgbClr val="000000"/>
                           </a:solidFill>
@@ -28938,7 +28954,7 @@
                         </a:rPr>
                         <a:t>8</a:t>
                       </a:r>
-                      <a:endParaRPr lang="en-US" sz="1200" b="0" i="0" u="none" strike="noStrike" dirty="0">
+                      <a:endParaRPr lang="en-US" sz="1400" b="0" i="0" u="none" strike="noStrike" dirty="0">
                         <a:solidFill>
                           <a:srgbClr val="000000"/>
                         </a:solidFill>
@@ -28947,7 +28963,7 @@
                       </a:endParaRPr>
                     </a:p>
                   </a:txBody>
-                  <a:tcPr marL="6350" marR="6350" marT="6350" marB="0" anchor="b">
+                  <a:tcPr marL="6350" marR="6350" marT="6350" marB="0" anchor="ctr">
                     <a:solidFill>
                       <a:srgbClr val="E9EBF5"/>
                     </a:solidFill>
@@ -28967,12 +28983,12 @@
                     <a:p>
                       <a:pPr algn="ctr" fontAlgn="b"/>
                       <a:r>
-                        <a:rPr lang="en-US" sz="1200" u="none" strike="noStrike" dirty="0">
+                        <a:rPr lang="en-US" sz="1400" u="none" strike="noStrike" dirty="0">
                           <a:effectLst/>
                         </a:rPr>
                         <a:t>LSTM</a:t>
                       </a:r>
-                      <a:endParaRPr lang="en-US" sz="1200" b="0" i="0" u="none" strike="noStrike" dirty="0">
+                      <a:endParaRPr lang="en-US" sz="1400" b="0" i="0" u="none" strike="noStrike" dirty="0">
                         <a:solidFill>
                           <a:srgbClr val="000000"/>
                         </a:solidFill>
@@ -28990,7 +29006,7 @@
                     <a:p>
                       <a:pPr algn="ctr" fontAlgn="b"/>
                       <a:r>
-                        <a:rPr lang="en-US" sz="1200" b="0" i="0" u="none" strike="noStrike" dirty="0">
+                        <a:rPr lang="en-US" sz="1400" b="0" i="0" u="none" strike="noStrike" dirty="0">
                           <a:solidFill>
                             <a:srgbClr val="000000"/>
                           </a:solidFill>
@@ -29001,7 +29017,7 @@
                       </a:r>
                     </a:p>
                   </a:txBody>
-                  <a:tcPr marL="6350" marR="6350" marT="6350" marB="0" anchor="b">
+                  <a:tcPr marL="6350" marR="6350" marT="6350" marB="0" anchor="ctr">
                     <a:solidFill>
                       <a:srgbClr val="E9EBF5"/>
                     </a:solidFill>
@@ -29014,7 +29030,7 @@
                     <a:p>
                       <a:pPr algn="ctr" fontAlgn="b"/>
                       <a:r>
-                        <a:rPr lang="en-US" sz="1200" b="0" i="0" u="none" strike="noStrike" dirty="0">
+                        <a:rPr lang="en-US" sz="1400" b="0" i="0" u="none" strike="noStrike" dirty="0">
                           <a:solidFill>
                             <a:srgbClr val="000000"/>
                           </a:solidFill>
@@ -29024,7 +29040,7 @@
                         <a:t>10.08</a:t>
                       </a:r>
                       <a:r>
-                        <a:rPr lang="ru-RU" sz="1200" b="0" i="0" u="none" strike="noStrike" dirty="0">
+                        <a:rPr lang="ru-RU" sz="1400" b="0" i="0" u="none" strike="noStrike" dirty="0">
                           <a:solidFill>
                             <a:srgbClr val="000000"/>
                           </a:solidFill>
@@ -29033,7 +29049,7 @@
                         </a:rPr>
                         <a:t>9</a:t>
                       </a:r>
-                      <a:endParaRPr lang="en-US" sz="1200" b="0" i="0" u="none" strike="noStrike" dirty="0">
+                      <a:endParaRPr lang="en-US" sz="1400" b="0" i="0" u="none" strike="noStrike" dirty="0">
                         <a:solidFill>
                           <a:srgbClr val="000000"/>
                         </a:solidFill>
@@ -29042,7 +29058,7 @@
                       </a:endParaRPr>
                     </a:p>
                   </a:txBody>
-                  <a:tcPr marL="6350" marR="6350" marT="6350" marB="0" anchor="b">
+                  <a:tcPr marL="6350" marR="6350" marT="6350" marB="0" anchor="ctr">
                     <a:solidFill>
                       <a:srgbClr val="E9EBF5"/>
                     </a:solidFill>
@@ -29055,7 +29071,7 @@
                     <a:p>
                       <a:pPr algn="ctr" fontAlgn="b"/>
                       <a:r>
-                        <a:rPr lang="en-US" sz="1200" b="0" i="0" u="none" strike="noStrike" dirty="0">
+                        <a:rPr lang="en-US" sz="1400" b="0" i="0" u="none" strike="noStrike" dirty="0">
                           <a:solidFill>
                             <a:srgbClr val="000000"/>
                           </a:solidFill>
@@ -29065,7 +29081,7 @@
                         <a:t>11.86</a:t>
                       </a:r>
                       <a:r>
-                        <a:rPr lang="ru-RU" sz="1200" b="0" i="0" u="none" strike="noStrike" dirty="0">
+                        <a:rPr lang="ru-RU" sz="1400" b="0" i="0" u="none" strike="noStrike" dirty="0">
                           <a:solidFill>
                             <a:srgbClr val="000000"/>
                           </a:solidFill>
@@ -29074,7 +29090,7 @@
                         </a:rPr>
                         <a:t>2</a:t>
                       </a:r>
-                      <a:endParaRPr lang="en-US" sz="1200" b="0" i="0" u="none" strike="noStrike" dirty="0">
+                      <a:endParaRPr lang="en-US" sz="1400" b="0" i="0" u="none" strike="noStrike" dirty="0">
                         <a:solidFill>
                           <a:srgbClr val="000000"/>
                         </a:solidFill>
@@ -29083,7 +29099,7 @@
                       </a:endParaRPr>
                     </a:p>
                   </a:txBody>
-                  <a:tcPr marL="6350" marR="6350" marT="6350" marB="0" anchor="b">
+                  <a:tcPr marL="6350" marR="6350" marT="6350" marB="0" anchor="ctr">
                     <a:solidFill>
                       <a:srgbClr val="E9EBF5"/>
                     </a:solidFill>
@@ -29096,7 +29112,7 @@
                     <a:p>
                       <a:pPr algn="ctr" fontAlgn="b"/>
                       <a:r>
-                        <a:rPr lang="en-US" sz="1200" b="0" i="0" u="none" strike="noStrike" dirty="0">
+                        <a:rPr lang="en-US" sz="1400" b="0" i="0" u="none" strike="noStrike" dirty="0">
                           <a:solidFill>
                             <a:srgbClr val="000000"/>
                           </a:solidFill>
@@ -29106,7 +29122,7 @@
                         <a:t>8.05</a:t>
                       </a:r>
                       <a:r>
-                        <a:rPr lang="ru-RU" sz="1200" b="0" i="0" u="none" strike="noStrike" dirty="0">
+                        <a:rPr lang="ru-RU" sz="1400" b="0" i="0" u="none" strike="noStrike" dirty="0">
                           <a:solidFill>
                             <a:srgbClr val="000000"/>
                           </a:solidFill>
@@ -29115,7 +29131,7 @@
                         </a:rPr>
                         <a:t>6</a:t>
                       </a:r>
-                      <a:endParaRPr lang="en-US" sz="1200" b="0" i="0" u="none" strike="noStrike" dirty="0">
+                      <a:endParaRPr lang="en-US" sz="1400" b="0" i="0" u="none" strike="noStrike" dirty="0">
                         <a:solidFill>
                           <a:srgbClr val="000000"/>
                         </a:solidFill>
@@ -29124,7 +29140,7 @@
                       </a:endParaRPr>
                     </a:p>
                   </a:txBody>
-                  <a:tcPr marL="6350" marR="6350" marT="6350" marB="0" anchor="b">
+                  <a:tcPr marL="6350" marR="6350" marT="6350" marB="0" anchor="ctr">
                     <a:solidFill>
                       <a:srgbClr val="E9EBF5"/>
                     </a:solidFill>
@@ -29144,12 +29160,12 @@
                     <a:p>
                       <a:pPr algn="ctr" fontAlgn="b"/>
                       <a:r>
-                        <a:rPr lang="en-US" sz="1200" u="none" strike="noStrike" dirty="0">
+                        <a:rPr lang="en-US" sz="1400" u="none" strike="noStrike" dirty="0">
                           <a:effectLst/>
                         </a:rPr>
                         <a:t>RNN</a:t>
                       </a:r>
-                      <a:endParaRPr lang="en-US" sz="1200" b="0" i="0" u="none" strike="noStrike" dirty="0">
+                      <a:endParaRPr lang="en-US" sz="1400" b="0" i="0" u="none" strike="noStrike" dirty="0">
                         <a:solidFill>
                           <a:srgbClr val="000000"/>
                         </a:solidFill>
@@ -29167,7 +29183,7 @@
                     <a:p>
                       <a:pPr algn="ctr" fontAlgn="b"/>
                       <a:r>
-                        <a:rPr lang="en-US" sz="1200" b="0" i="0" u="none" strike="noStrike" dirty="0">
+                        <a:rPr lang="en-US" sz="1400" b="0" i="0" u="none" strike="noStrike" dirty="0">
                           <a:solidFill>
                             <a:srgbClr val="000000"/>
                           </a:solidFill>
@@ -29177,7 +29193,7 @@
                         <a:t>6.54</a:t>
                       </a:r>
                       <a:r>
-                        <a:rPr lang="ru-RU" sz="1200" b="0" i="0" u="none" strike="noStrike" dirty="0">
+                        <a:rPr lang="ru-RU" sz="1400" b="0" i="0" u="none" strike="noStrike" dirty="0">
                           <a:solidFill>
                             <a:srgbClr val="000000"/>
                           </a:solidFill>
@@ -29186,7 +29202,7 @@
                         </a:rPr>
                         <a:t>6</a:t>
                       </a:r>
-                      <a:endParaRPr lang="en-US" sz="1200" b="0" i="0" u="none" strike="noStrike" dirty="0">
+                      <a:endParaRPr lang="en-US" sz="1400" b="0" i="0" u="none" strike="noStrike" dirty="0">
                         <a:solidFill>
                           <a:srgbClr val="000000"/>
                         </a:solidFill>
@@ -29195,7 +29211,7 @@
                       </a:endParaRPr>
                     </a:p>
                   </a:txBody>
-                  <a:tcPr marL="6350" marR="6350" marT="6350" marB="0" anchor="b">
+                  <a:tcPr marL="6350" marR="6350" marT="6350" marB="0" anchor="ctr">
                     <a:solidFill>
                       <a:srgbClr val="E9EBF5"/>
                     </a:solidFill>
@@ -29208,7 +29224,7 @@
                     <a:p>
                       <a:pPr algn="ctr" fontAlgn="b"/>
                       <a:r>
-                        <a:rPr lang="en-US" sz="1200" b="0" i="0" u="none" strike="noStrike" dirty="0">
+                        <a:rPr lang="en-US" sz="1400" b="0" i="0" u="none" strike="noStrike" dirty="0">
                           <a:solidFill>
                             <a:srgbClr val="000000"/>
                           </a:solidFill>
@@ -29218,7 +29234,7 @@
                         <a:t>8.91</a:t>
                       </a:r>
                       <a:r>
-                        <a:rPr lang="ru-RU" sz="1200" b="0" i="0" u="none" strike="noStrike" dirty="0">
+                        <a:rPr lang="ru-RU" sz="1400" b="0" i="0" u="none" strike="noStrike" dirty="0">
                           <a:solidFill>
                             <a:srgbClr val="000000"/>
                           </a:solidFill>
@@ -29227,7 +29243,7 @@
                         </a:rPr>
                         <a:t>7</a:t>
                       </a:r>
-                      <a:endParaRPr lang="en-US" sz="1200" b="0" i="0" u="none" strike="noStrike" dirty="0">
+                      <a:endParaRPr lang="en-US" sz="1400" b="0" i="0" u="none" strike="noStrike" dirty="0">
                         <a:solidFill>
                           <a:srgbClr val="000000"/>
                         </a:solidFill>
@@ -29236,7 +29252,7 @@
                       </a:endParaRPr>
                     </a:p>
                   </a:txBody>
-                  <a:tcPr marL="6350" marR="6350" marT="6350" marB="0" anchor="b">
+                  <a:tcPr marL="6350" marR="6350" marT="6350" marB="0" anchor="ctr">
                     <a:solidFill>
                       <a:srgbClr val="E9EBF5"/>
                     </a:solidFill>
@@ -29249,7 +29265,7 @@
                     <a:p>
                       <a:pPr algn="ctr" fontAlgn="b"/>
                       <a:r>
-                        <a:rPr lang="en-US" sz="1200" b="0" i="0" u="none" strike="noStrike" dirty="0">
+                        <a:rPr lang="en-US" sz="1400" b="0" i="0" u="none" strike="noStrike" dirty="0">
                           <a:solidFill>
                             <a:srgbClr val="000000"/>
                           </a:solidFill>
@@ -29260,7 +29276,7 @@
                       </a:r>
                     </a:p>
                   </a:txBody>
-                  <a:tcPr marL="6350" marR="6350" marT="6350" marB="0" anchor="b">
+                  <a:tcPr marL="6350" marR="6350" marT="6350" marB="0" anchor="ctr">
                     <a:solidFill>
                       <a:srgbClr val="E9EBF5"/>
                     </a:solidFill>
@@ -29273,7 +29289,7 @@
                     <a:p>
                       <a:pPr algn="ctr" fontAlgn="b"/>
                       <a:r>
-                        <a:rPr lang="en-US" sz="1200" b="0" i="0" u="none" strike="noStrike" dirty="0">
+                        <a:rPr lang="en-US" sz="1400" b="0" i="0" u="none" strike="noStrike" dirty="0">
                           <a:solidFill>
                             <a:srgbClr val="000000"/>
                           </a:solidFill>
@@ -29283,7 +29299,7 @@
                         <a:t>5.4</a:t>
                       </a:r>
                       <a:r>
-                        <a:rPr lang="ru-RU" sz="1200" b="0" i="0" u="none" strike="noStrike" dirty="0">
+                        <a:rPr lang="ru-RU" sz="1400" b="0" i="0" u="none" strike="noStrike" dirty="0">
                           <a:solidFill>
                             <a:srgbClr val="000000"/>
                           </a:solidFill>
@@ -29292,7 +29308,7 @@
                         </a:rPr>
                         <a:t>90</a:t>
                       </a:r>
-                      <a:endParaRPr lang="en-US" sz="1200" b="0" i="0" u="none" strike="noStrike" dirty="0">
+                      <a:endParaRPr lang="en-US" sz="1400" b="0" i="0" u="none" strike="noStrike" dirty="0">
                         <a:solidFill>
                           <a:srgbClr val="000000"/>
                         </a:solidFill>
@@ -29301,7 +29317,7 @@
                       </a:endParaRPr>
                     </a:p>
                   </a:txBody>
-                  <a:tcPr marL="6350" marR="6350" marT="6350" marB="0" anchor="b">
+                  <a:tcPr marL="6350" marR="6350" marT="6350" marB="0" anchor="ctr">
                     <a:solidFill>
                       <a:srgbClr val="00B050"/>
                     </a:solidFill>
@@ -29317,6 +29333,76 @@
           </a:graphicData>
         </a:graphic>
       </p:graphicFrame>
+      <p:sp>
+        <p:nvSpPr>
+          <p:cNvPr id="14" name="TextBox 13">
+            <a:extLst>
+              <a:ext uri="{FF2B5EF4-FFF2-40B4-BE49-F238E27FC236}">
+                <a16:creationId xmlns:a16="http://schemas.microsoft.com/office/drawing/2014/main" id="{E2C063EE-1252-417C-8206-73A8603E48A7}"/>
+              </a:ext>
+            </a:extLst>
+          </p:cNvPr>
+          <p:cNvSpPr txBox="1"/>
+          <p:nvPr/>
+        </p:nvSpPr>
+        <p:spPr>
+          <a:xfrm>
+            <a:off x="2161296" y="1623751"/>
+            <a:ext cx="1184367" cy="369332"/>
+          </a:xfrm>
+          <a:prstGeom prst="rect">
+            <a:avLst/>
+          </a:prstGeom>
+          <a:noFill/>
+        </p:spPr>
+        <p:txBody>
+          <a:bodyPr wrap="square" rtlCol="0">
+            <a:spAutoFit/>
+          </a:bodyPr>
+          <a:lstStyle/>
+          <a:p>
+            <a:r>
+              <a:rPr lang="en-US" dirty="0"/>
+              <a:t>2010-2014</a:t>
+            </a:r>
+          </a:p>
+        </p:txBody>
+      </p:sp>
+      <p:sp>
+        <p:nvSpPr>
+          <p:cNvPr id="17" name="TextBox 16">
+            <a:extLst>
+              <a:ext uri="{FF2B5EF4-FFF2-40B4-BE49-F238E27FC236}">
+                <a16:creationId xmlns:a16="http://schemas.microsoft.com/office/drawing/2014/main" id="{6B8CAC73-3476-4DF3-9F7A-2819071584FB}"/>
+              </a:ext>
+            </a:extLst>
+          </p:cNvPr>
+          <p:cNvSpPr txBox="1"/>
+          <p:nvPr/>
+        </p:nvSpPr>
+        <p:spPr>
+          <a:xfrm>
+            <a:off x="8846338" y="1630481"/>
+            <a:ext cx="1184367" cy="369332"/>
+          </a:xfrm>
+          <a:prstGeom prst="rect">
+            <a:avLst/>
+          </a:prstGeom>
+          <a:noFill/>
+        </p:spPr>
+        <p:txBody>
+          <a:bodyPr wrap="square" rtlCol="0">
+            <a:spAutoFit/>
+          </a:bodyPr>
+          <a:lstStyle/>
+          <a:p>
+            <a:r>
+              <a:rPr lang="en-US" dirty="0"/>
+              <a:t>2019-2023</a:t>
+            </a:r>
+          </a:p>
+        </p:txBody>
+      </p:sp>
     </p:spTree>
     <p:extLst>
       <p:ext uri="{BB962C8B-B14F-4D97-AF65-F5344CB8AC3E}">
@@ -29660,29 +29746,52 @@
       </p:sp>
       <p:sp>
         <p:nvSpPr>
-          <p:cNvPr id="7" name="TextBox 6">
-            <a:extLst>
-              <a:ext uri="{FF2B5EF4-FFF2-40B4-BE49-F238E27FC236}">
-                <a16:creationId xmlns:a16="http://schemas.microsoft.com/office/drawing/2014/main" id="{3A4A4751-3143-4940-8EFB-19A05755DF66}"/>
-              </a:ext>
-            </a:extLst>
-          </p:cNvPr>
-          <p:cNvSpPr txBox="1"/>
-          <p:nvPr/>
+          <p:cNvPr id="2" name="Заголовок 1"/>
+          <p:cNvSpPr>
+            <a:spLocks noGrp="1"/>
+          </p:cNvSpPr>
+          <p:nvPr>
+            <p:ph type="title"/>
+          </p:nvPr>
+        </p:nvSpPr>
+        <p:spPr/>
+        <p:txBody>
+          <a:bodyPr>
+            <a:normAutofit/>
+          </a:bodyPr>
+          <a:lstStyle/>
+          <a:p>
+            <a:pPr algn="ctr"/>
+            <a:r>
+              <a:rPr lang="ru-RU" sz="2800" b="1" dirty="0">
+                <a:latin typeface="Times New Roman" panose="02020603050405020304" pitchFamily="18" charset="0"/>
+                <a:ea typeface="+mn-ea"/>
+                <a:cs typeface="Times New Roman" panose="02020603050405020304" pitchFamily="18" charset="0"/>
+              </a:rPr>
+              <a:t>Основные результаты</a:t>
+            </a:r>
+          </a:p>
+        </p:txBody>
+      </p:sp>
+      <p:sp>
+        <p:nvSpPr>
+          <p:cNvPr id="3" name="Объект 2"/>
+          <p:cNvSpPr>
+            <a:spLocks noGrp="1"/>
+          </p:cNvSpPr>
+          <p:nvPr>
+            <p:ph idx="1"/>
+          </p:nvPr>
         </p:nvSpPr>
         <p:spPr>
           <a:xfrm>
-            <a:off x="685044" y="1106881"/>
-            <a:ext cx="10821911" cy="3046988"/>
+            <a:off x="838200" y="2055813"/>
+            <a:ext cx="10515600" cy="4351338"/>
           </a:xfrm>
-          <a:prstGeom prst="rect">
-            <a:avLst/>
-          </a:prstGeom>
-          <a:noFill/>
         </p:spPr>
         <p:txBody>
-          <a:bodyPr wrap="square" rtlCol="0">
-            <a:spAutoFit/>
+          <a:bodyPr>
+            <a:normAutofit lnSpcReduction="10000"/>
           </a:bodyPr>
           <a:lstStyle/>
           <a:p>
@@ -29691,20 +29800,20 @@
               <a:buAutoNum type="arabicPeriod"/>
             </a:pPr>
             <a:r>
-              <a:rPr lang="ru-RU" sz="2400" dirty="0">
+              <a:rPr lang="ru-RU" dirty="0">
                 <a:latin typeface="Times New Roman" panose="02020603050405020304" pitchFamily="18" charset="0"/>
                 <a:cs typeface="Times New Roman" panose="02020603050405020304" pitchFamily="18" charset="0"/>
               </a:rPr>
               <a:t>Реализованы и обучены модели нейронных сетей с архитектурами </a:t>
             </a:r>
             <a:r>
-              <a:rPr lang="en-US" sz="2400" dirty="0">
+              <a:rPr lang="en-US">
                 <a:latin typeface="Times New Roman" panose="02020603050405020304" pitchFamily="18" charset="0"/>
                 <a:cs typeface="Times New Roman" panose="02020603050405020304" pitchFamily="18" charset="0"/>
               </a:rPr>
               <a:t>RNN, LTSM, GRU</a:t>
             </a:r>
-            <a:endParaRPr lang="ru-RU" sz="2400" dirty="0">
+            <a:endParaRPr lang="ru-RU">
               <a:latin typeface="Times New Roman" panose="02020603050405020304" pitchFamily="18" charset="0"/>
               <a:cs typeface="Times New Roman" panose="02020603050405020304" pitchFamily="18" charset="0"/>
             </a:endParaRPr>
@@ -29715,28 +29824,28 @@
               <a:buAutoNum type="arabicPeriod"/>
             </a:pPr>
             <a:r>
-              <a:rPr lang="ru-RU" sz="2400" dirty="0">
+              <a:rPr lang="ru-RU" dirty="0">
                 <a:latin typeface="Times New Roman" panose="02020603050405020304" pitchFamily="18" charset="0"/>
                 <a:cs typeface="Times New Roman" panose="02020603050405020304" pitchFamily="18" charset="0"/>
               </a:rPr>
               <a:t>Реализованы и обучены традиционные модели прогнозирования такие как </a:t>
             </a:r>
             <a:r>
-              <a:rPr lang="en-US" sz="2400" dirty="0">
+              <a:rPr lang="en-US">
                 <a:latin typeface="Times New Roman" panose="02020603050405020304" pitchFamily="18" charset="0"/>
                 <a:cs typeface="Times New Roman" panose="02020603050405020304" pitchFamily="18" charset="0"/>
               </a:rPr>
               <a:t>AR,</a:t>
             </a:r>
             <a:r>
-              <a:rPr lang="ru-RU" sz="2400" dirty="0">
+              <a:rPr lang="ru-RU">
                 <a:latin typeface="Times New Roman" panose="02020603050405020304" pitchFamily="18" charset="0"/>
                 <a:cs typeface="Times New Roman" panose="02020603050405020304" pitchFamily="18" charset="0"/>
               </a:rPr>
               <a:t> </a:t>
             </a:r>
             <a:r>
-              <a:rPr lang="en-US" sz="2400" dirty="0">
+              <a:rPr lang="en-US">
                 <a:latin typeface="Times New Roman" panose="02020603050405020304" pitchFamily="18" charset="0"/>
                 <a:cs typeface="Times New Roman" panose="02020603050405020304" pitchFamily="18" charset="0"/>
               </a:rPr>
@@ -29749,20 +29858,20 @@
               <a:buAutoNum type="arabicPeriod"/>
             </a:pPr>
             <a:r>
-              <a:rPr lang="ru-RU" sz="2400" dirty="0">
+              <a:rPr lang="ru-RU">
                 <a:latin typeface="Times New Roman" panose="02020603050405020304" pitchFamily="18" charset="0"/>
                 <a:cs typeface="Times New Roman" panose="02020603050405020304" pitchFamily="18" charset="0"/>
               </a:rPr>
               <a:t>Реализован код для работы с моделью градиентного бустинга </a:t>
             </a:r>
             <a:r>
-              <a:rPr lang="en-US" sz="2400" dirty="0" err="1">
+              <a:rPr lang="en-US">
                 <a:latin typeface="Times New Roman" panose="02020603050405020304" pitchFamily="18" charset="0"/>
                 <a:cs typeface="Times New Roman" panose="02020603050405020304" pitchFamily="18" charset="0"/>
               </a:rPr>
               <a:t>catboost</a:t>
             </a:r>
-            <a:endParaRPr lang="ru-RU" sz="2400" dirty="0">
+            <a:endParaRPr lang="ru-RU">
               <a:latin typeface="Times New Roman" panose="02020603050405020304" pitchFamily="18" charset="0"/>
               <a:cs typeface="Times New Roman" panose="02020603050405020304" pitchFamily="18" charset="0"/>
             </a:endParaRPr>
@@ -29773,28 +29882,21 @@
               <a:buAutoNum type="arabicPeriod"/>
             </a:pPr>
             <a:r>
-              <a:rPr lang="ru-RU" sz="2400" dirty="0">
+              <a:rPr lang="ru-RU" dirty="0">
                 <a:latin typeface="Times New Roman" panose="02020603050405020304" pitchFamily="18" charset="0"/>
                 <a:cs typeface="Times New Roman" panose="02020603050405020304" pitchFamily="18" charset="0"/>
               </a:rPr>
               <a:t>Реализованный код оформлен в виде </a:t>
             </a:r>
             <a:r>
-              <a:rPr lang="en-US" sz="2400" dirty="0" err="1">
+              <a:rPr lang="en-US">
                 <a:latin typeface="Times New Roman" panose="02020603050405020304" pitchFamily="18" charset="0"/>
                 <a:cs typeface="Times New Roman" panose="02020603050405020304" pitchFamily="18" charset="0"/>
               </a:rPr>
-              <a:t>jupyter</a:t>
-            </a:r>
-            <a:r>
-              <a:rPr lang="en-US" sz="2400" dirty="0">
-                <a:latin typeface="Times New Roman" panose="02020603050405020304" pitchFamily="18" charset="0"/>
-                <a:cs typeface="Times New Roman" panose="02020603050405020304" pitchFamily="18" charset="0"/>
-              </a:rPr>
-              <a:t> notebook’</a:t>
-            </a:r>
-            <a:r>
-              <a:rPr lang="ru-RU" sz="2400" dirty="0">
+              <a:t>jupyter notebook’</a:t>
+            </a:r>
+            <a:r>
+              <a:rPr lang="ru-RU">
                 <a:latin typeface="Times New Roman" panose="02020603050405020304" pitchFamily="18" charset="0"/>
                 <a:cs typeface="Times New Roman" panose="02020603050405020304" pitchFamily="18" charset="0"/>
               </a:rPr>
@@ -29807,12 +29909,18 @@
               <a:buAutoNum type="arabicPeriod"/>
             </a:pPr>
             <a:r>
-              <a:rPr lang="ru-RU" sz="2400" dirty="0">
+              <a:rPr lang="ru-RU" dirty="0">
                 <a:latin typeface="Times New Roman" panose="02020603050405020304" pitchFamily="18" charset="0"/>
                 <a:cs typeface="Times New Roman" panose="02020603050405020304" pitchFamily="18" charset="0"/>
               </a:rPr>
               <a:t>Сформирована рекомендация о применимости нейронных сетей</a:t>
             </a:r>
+          </a:p>
+          <a:p>
+            <a:pPr marL="0" indent="0">
+              <a:buNone/>
+            </a:pPr>
+            <a:endParaRPr lang="ru-RU" dirty="0"/>
           </a:p>
         </p:txBody>
       </p:sp>
@@ -29858,8 +29966,8 @@
         </p:nvSpPr>
         <p:spPr>
           <a:xfrm>
-            <a:off x="838200" y="916430"/>
-            <a:ext cx="10515600" cy="5025140"/>
+            <a:off x="209006" y="916430"/>
+            <a:ext cx="11144794" cy="5025140"/>
           </a:xfrm>
         </p:spPr>
         <p:txBody>
@@ -38339,7 +38447,7 @@
                 <a:latin typeface="Times New Roman" panose="02020603050405020304" pitchFamily="18" charset="0"/>
                 <a:cs typeface="Times New Roman" panose="02020603050405020304" pitchFamily="18" charset="0"/>
               </a:rPr>
-              <a:t> управление трафиком, прогнозирование пробок</a:t>
+              <a:t> управление дорожным трафиком</a:t>
             </a:r>
             <a:endParaRPr lang="en-US" dirty="0">
               <a:latin typeface="Times New Roman" panose="02020603050405020304" pitchFamily="18" charset="0"/>
@@ -38811,7 +38919,7 @@
                 <a:ea typeface="Times New Roman" panose="02020603050405020304" pitchFamily="18" charset="0"/>
                 <a:cs typeface="Times New Roman" panose="02020603050405020304" pitchFamily="18" charset="0"/>
               </a:rPr>
-              <a:t> нейронных сетей для прогнозирования временных рядов с учётом различной разряженности экономических данных, а также в сравнительном анализе с традиционными методами прогнозирования.</a:t>
+              <a:t> нейронных сетей для прогнозирования временных рядов с учётом различной разряженности экономических данных, а также сравнить качество прогнозов с традиционными методами прогнозирования.</a:t>
             </a:r>
             <a:endParaRPr lang="ru-RU" dirty="0">
               <a:latin typeface="Times New Roman" panose="02020603050405020304" pitchFamily="18" charset="0"/>
@@ -39355,7 +39463,7 @@
                 <a:ea typeface="Calibri" panose="020F0502020204030204" pitchFamily="34" charset="0"/>
                 <a:cs typeface="Times New Roman" panose="02020603050405020304" pitchFamily="18" charset="0"/>
               </a:rPr>
-              <a:t>Сделать выводы о эффективности нейронных сетей для построения прогнозов динамики финансовых временных рядов, а также о возможных направлениях дальнейших исследований в области прогнозирования временных рядов. </a:t>
+              <a:t>Сделать выводы об эффективности нейронных сетей для построения прогнозов динамики финансовых временных рядов, а также о возможных направлениях дальнейших исследований в области прогнозирования временных рядов. </a:t>
             </a:r>
             <a:endParaRPr lang="en-US" sz="1900" dirty="0">
               <a:effectLst/>
